--- a/docs/images.pptx
+++ b/docs/images.pptx
@@ -5,7 +5,7 @@
     <p:sldMasterId id="2147483672" r:id="rId1"/>
   </p:sldMasterIdLst>
   <p:notesMasterIdLst>
-    <p:notesMasterId r:id="rId18"/>
+    <p:notesMasterId r:id="rId31"/>
   </p:notesMasterIdLst>
   <p:sldIdLst>
     <p:sldId id="314" r:id="rId2"/>
@@ -18,12 +18,25 @@
     <p:sldId id="321" r:id="rId9"/>
     <p:sldId id="323" r:id="rId10"/>
     <p:sldId id="322" r:id="rId11"/>
-    <p:sldId id="319" r:id="rId12"/>
-    <p:sldId id="320" r:id="rId13"/>
-    <p:sldId id="324" r:id="rId14"/>
-    <p:sldId id="325" r:id="rId15"/>
-    <p:sldId id="326" r:id="rId16"/>
-    <p:sldId id="294" r:id="rId17"/>
+    <p:sldId id="340" r:id="rId12"/>
+    <p:sldId id="319" r:id="rId13"/>
+    <p:sldId id="320" r:id="rId14"/>
+    <p:sldId id="324" r:id="rId15"/>
+    <p:sldId id="325" r:id="rId16"/>
+    <p:sldId id="329" r:id="rId17"/>
+    <p:sldId id="330" r:id="rId18"/>
+    <p:sldId id="331" r:id="rId19"/>
+    <p:sldId id="332" r:id="rId20"/>
+    <p:sldId id="333" r:id="rId21"/>
+    <p:sldId id="334" r:id="rId22"/>
+    <p:sldId id="339" r:id="rId23"/>
+    <p:sldId id="335" r:id="rId24"/>
+    <p:sldId id="336" r:id="rId25"/>
+    <p:sldId id="337" r:id="rId26"/>
+    <p:sldId id="338" r:id="rId27"/>
+    <p:sldId id="326" r:id="rId28"/>
+    <p:sldId id="327" r:id="rId29"/>
+    <p:sldId id="294" r:id="rId30"/>
   </p:sldIdLst>
   <p:sldSz cx="12192000" cy="6858000"/>
   <p:notesSz cx="6858000" cy="9144000"/>
@@ -15632,7 +15645,7 @@
           <a:p>
             <a:fld id="{51DC06D7-47F4-42EE-97DE-5D2CE932B02E}" type="datetimeFigureOut">
               <a:rPr lang="en-US" smtClean="0"/>
-              <a:t>4/16/2019</a:t>
+              <a:t>5/7/2019</a:t>
             </a:fld>
             <a:endParaRPr lang="en-US"/>
           </a:p>
@@ -16493,7 +16506,7 @@
           <a:p>
             <a:fld id="{1ECF6A35-0BFF-42C8-8651-D2B5FB2BDBD4}" type="slidenum">
               <a:rPr lang="en-US" smtClean="0"/>
-              <a:t>11</a:t>
+              <a:t>12</a:t>
             </a:fld>
             <a:endParaRPr lang="en-US"/>
           </a:p>
@@ -16605,7 +16618,7 @@
           <a:p>
             <a:fld id="{1ECF6A35-0BFF-42C8-8651-D2B5FB2BDBD4}" type="slidenum">
               <a:rPr lang="en-US" smtClean="0"/>
-              <a:t>12</a:t>
+              <a:t>13</a:t>
             </a:fld>
             <a:endParaRPr lang="en-US"/>
           </a:p>
@@ -16755,7 +16768,7 @@
           <a:p>
             <a:fld id="{B97B1ACE-8FC5-43AE-903F-A46F816E6A3A}" type="datetimeFigureOut">
               <a:rPr lang="en-US" smtClean="0"/>
-              <a:t>4/16/2019</a:t>
+              <a:t>5/7/2019</a:t>
             </a:fld>
             <a:endParaRPr lang="en-US"/>
           </a:p>
@@ -16925,7 +16938,7 @@
           <a:p>
             <a:fld id="{B97B1ACE-8FC5-43AE-903F-A46F816E6A3A}" type="datetimeFigureOut">
               <a:rPr lang="en-US" smtClean="0"/>
-              <a:t>4/16/2019</a:t>
+              <a:t>5/7/2019</a:t>
             </a:fld>
             <a:endParaRPr lang="en-US"/>
           </a:p>
@@ -17105,7 +17118,7 @@
           <a:p>
             <a:fld id="{B97B1ACE-8FC5-43AE-903F-A46F816E6A3A}" type="datetimeFigureOut">
               <a:rPr lang="en-US" smtClean="0"/>
-              <a:t>4/16/2019</a:t>
+              <a:t>5/7/2019</a:t>
             </a:fld>
             <a:endParaRPr lang="en-US"/>
           </a:p>
@@ -17275,7 +17288,7 @@
           <a:p>
             <a:fld id="{B97B1ACE-8FC5-43AE-903F-A46F816E6A3A}" type="datetimeFigureOut">
               <a:rPr lang="en-US" smtClean="0"/>
-              <a:t>4/16/2019</a:t>
+              <a:t>5/7/2019</a:t>
             </a:fld>
             <a:endParaRPr lang="en-US"/>
           </a:p>
@@ -17521,7 +17534,7 @@
           <a:p>
             <a:fld id="{B97B1ACE-8FC5-43AE-903F-A46F816E6A3A}" type="datetimeFigureOut">
               <a:rPr lang="en-US" smtClean="0"/>
-              <a:t>4/16/2019</a:t>
+              <a:t>5/7/2019</a:t>
             </a:fld>
             <a:endParaRPr lang="en-US"/>
           </a:p>
@@ -17753,7 +17766,7 @@
           <a:p>
             <a:fld id="{B97B1ACE-8FC5-43AE-903F-A46F816E6A3A}" type="datetimeFigureOut">
               <a:rPr lang="en-US" smtClean="0"/>
-              <a:t>4/16/2019</a:t>
+              <a:t>5/7/2019</a:t>
             </a:fld>
             <a:endParaRPr lang="en-US"/>
           </a:p>
@@ -18120,7 +18133,7 @@
           <a:p>
             <a:fld id="{B97B1ACE-8FC5-43AE-903F-A46F816E6A3A}" type="datetimeFigureOut">
               <a:rPr lang="en-US" smtClean="0"/>
-              <a:t>4/16/2019</a:t>
+              <a:t>5/7/2019</a:t>
             </a:fld>
             <a:endParaRPr lang="en-US"/>
           </a:p>
@@ -18238,7 +18251,7 @@
           <a:p>
             <a:fld id="{B97B1ACE-8FC5-43AE-903F-A46F816E6A3A}" type="datetimeFigureOut">
               <a:rPr lang="en-US" smtClean="0"/>
-              <a:t>4/16/2019</a:t>
+              <a:t>5/7/2019</a:t>
             </a:fld>
             <a:endParaRPr lang="en-US"/>
           </a:p>
@@ -18333,7 +18346,7 @@
           <a:p>
             <a:fld id="{B97B1ACE-8FC5-43AE-903F-A46F816E6A3A}" type="datetimeFigureOut">
               <a:rPr lang="en-US" smtClean="0"/>
-              <a:t>4/16/2019</a:t>
+              <a:t>5/7/2019</a:t>
             </a:fld>
             <a:endParaRPr lang="en-US"/>
           </a:p>
@@ -18610,7 +18623,7 @@
           <a:p>
             <a:fld id="{B97B1ACE-8FC5-43AE-903F-A46F816E6A3A}" type="datetimeFigureOut">
               <a:rPr lang="en-US" smtClean="0"/>
-              <a:t>4/16/2019</a:t>
+              <a:t>5/7/2019</a:t>
             </a:fld>
             <a:endParaRPr lang="en-US"/>
           </a:p>
@@ -18867,7 +18880,7 @@
           <a:p>
             <a:fld id="{B97B1ACE-8FC5-43AE-903F-A46F816E6A3A}" type="datetimeFigureOut">
               <a:rPr lang="en-US" smtClean="0"/>
-              <a:t>4/16/2019</a:t>
+              <a:t>5/7/2019</a:t>
             </a:fld>
             <a:endParaRPr lang="en-US"/>
           </a:p>
@@ -19080,7 +19093,7 @@
           <a:p>
             <a:fld id="{B97B1ACE-8FC5-43AE-903F-A46F816E6A3A}" type="datetimeFigureOut">
               <a:rPr lang="en-US" smtClean="0"/>
-              <a:t>4/16/2019</a:t>
+              <a:t>5/7/2019</a:t>
             </a:fld>
             <a:endParaRPr lang="en-US"/>
           </a:p>
@@ -20879,6 +20892,232 @@
           <a:chExt cx="0" cy="0"/>
         </a:xfrm>
       </p:grpSpPr>
+      <p:pic>
+        <p:nvPicPr>
+          <p:cNvPr id="2" name="Obraz 1">
+            <a:extLst>
+              <a:ext uri="{FF2B5EF4-FFF2-40B4-BE49-F238E27FC236}">
+                <a16:creationId xmlns:a16="http://schemas.microsoft.com/office/drawing/2014/main" id="{66DDFD92-8C33-4D68-92D9-711822C86C73}"/>
+              </a:ext>
+            </a:extLst>
+          </p:cNvPr>
+          <p:cNvPicPr>
+            <a:picLocks noChangeAspect="1"/>
+          </p:cNvPicPr>
+          <p:nvPr/>
+        </p:nvPicPr>
+        <p:blipFill>
+          <a:blip r:embed="rId2" cstate="print">
+            <a:extLst>
+              <a:ext uri="{28A0092B-C50C-407E-A947-70E740481C1C}">
+                <a14:useLocalDpi xmlns:a14="http://schemas.microsoft.com/office/drawing/2010/main" val="0"/>
+              </a:ext>
+            </a:extLst>
+          </a:blip>
+          <a:stretch>
+            <a:fillRect/>
+          </a:stretch>
+        </p:blipFill>
+        <p:spPr>
+          <a:xfrm>
+            <a:off x="2631057" y="4590299"/>
+            <a:ext cx="1628775" cy="1628775"/>
+          </a:xfrm>
+          <a:prstGeom prst="rect">
+            <a:avLst/>
+          </a:prstGeom>
+        </p:spPr>
+      </p:pic>
+      <p:pic>
+        <p:nvPicPr>
+          <p:cNvPr id="3" name="Obraz 2">
+            <a:extLst>
+              <a:ext uri="{FF2B5EF4-FFF2-40B4-BE49-F238E27FC236}">
+                <a16:creationId xmlns:a16="http://schemas.microsoft.com/office/drawing/2014/main" id="{E9C3BB99-58A5-43C3-B93D-2681049A88EE}"/>
+              </a:ext>
+            </a:extLst>
+          </p:cNvPr>
+          <p:cNvPicPr>
+            <a:picLocks noChangeAspect="1"/>
+          </p:cNvPicPr>
+          <p:nvPr/>
+        </p:nvPicPr>
+        <p:blipFill>
+          <a:blip r:embed="rId3" cstate="print">
+            <a:extLst>
+              <a:ext uri="{28A0092B-C50C-407E-A947-70E740481C1C}">
+                <a14:useLocalDpi xmlns:a14="http://schemas.microsoft.com/office/drawing/2010/main" val="0"/>
+              </a:ext>
+            </a:extLst>
+          </a:blip>
+          <a:stretch>
+            <a:fillRect/>
+          </a:stretch>
+        </p:blipFill>
+        <p:spPr>
+          <a:xfrm>
+            <a:off x="5281612" y="2614612"/>
+            <a:ext cx="1628775" cy="1628775"/>
+          </a:xfrm>
+          <a:prstGeom prst="rect">
+            <a:avLst/>
+          </a:prstGeom>
+        </p:spPr>
+      </p:pic>
+      <p:pic>
+        <p:nvPicPr>
+          <p:cNvPr id="5" name="Obraz 4">
+            <a:extLst>
+              <a:ext uri="{FF2B5EF4-FFF2-40B4-BE49-F238E27FC236}">
+                <a16:creationId xmlns:a16="http://schemas.microsoft.com/office/drawing/2014/main" id="{369B4B15-4498-4554-ADC2-819A60F02CB7}"/>
+              </a:ext>
+            </a:extLst>
+          </p:cNvPr>
+          <p:cNvPicPr>
+            <a:picLocks noChangeAspect="1"/>
+          </p:cNvPicPr>
+          <p:nvPr/>
+        </p:nvPicPr>
+        <p:blipFill>
+          <a:blip r:embed="rId4" cstate="print">
+            <a:extLst>
+              <a:ext uri="{28A0092B-C50C-407E-A947-70E740481C1C}">
+                <a14:useLocalDpi xmlns:a14="http://schemas.microsoft.com/office/drawing/2010/main" val="0"/>
+              </a:ext>
+            </a:extLst>
+          </a:blip>
+          <a:stretch>
+            <a:fillRect/>
+          </a:stretch>
+        </p:blipFill>
+        <p:spPr>
+          <a:xfrm>
+            <a:off x="7932170" y="4521786"/>
+            <a:ext cx="1765799" cy="1765799"/>
+          </a:xfrm>
+          <a:prstGeom prst="rect">
+            <a:avLst/>
+          </a:prstGeom>
+        </p:spPr>
+      </p:pic>
+      <p:sp>
+        <p:nvSpPr>
+          <p:cNvPr id="14" name="Strzałka w prawo 7">
+            <a:extLst>
+              <a:ext uri="{FF2B5EF4-FFF2-40B4-BE49-F238E27FC236}">
+                <a16:creationId xmlns:a16="http://schemas.microsoft.com/office/drawing/2014/main" id="{CF7822F2-6D2B-46C7-8162-46AE46E807FE}"/>
+              </a:ext>
+            </a:extLst>
+          </p:cNvPr>
+          <p:cNvSpPr/>
+          <p:nvPr/>
+        </p:nvSpPr>
+        <p:spPr>
+          <a:xfrm rot="8248242">
+            <a:off x="4071764" y="4338037"/>
+            <a:ext cx="1415163" cy="374970"/>
+          </a:xfrm>
+          <a:prstGeom prst="rightArrow">
+            <a:avLst/>
+          </a:prstGeom>
+        </p:spPr>
+        <p:style>
+          <a:lnRef idx="1">
+            <a:schemeClr val="accent4"/>
+          </a:lnRef>
+          <a:fillRef idx="3">
+            <a:schemeClr val="accent4"/>
+          </a:fillRef>
+          <a:effectRef idx="2">
+            <a:schemeClr val="accent4"/>
+          </a:effectRef>
+          <a:fontRef idx="minor">
+            <a:schemeClr val="lt1"/>
+          </a:fontRef>
+        </p:style>
+        <p:txBody>
+          <a:bodyPr rtlCol="0" anchor="ctr"/>
+          <a:lstStyle/>
+          <a:p>
+            <a:pPr algn="ctr"/>
+            <a:endParaRPr lang="en-US"/>
+          </a:p>
+        </p:txBody>
+      </p:sp>
+      <p:sp>
+        <p:nvSpPr>
+          <p:cNvPr id="15" name="Strzałka w prawo 7">
+            <a:extLst>
+              <a:ext uri="{FF2B5EF4-FFF2-40B4-BE49-F238E27FC236}">
+                <a16:creationId xmlns:a16="http://schemas.microsoft.com/office/drawing/2014/main" id="{2D06520B-0F52-4033-8CEB-E6C8D1063955}"/>
+              </a:ext>
+            </a:extLst>
+          </p:cNvPr>
+          <p:cNvSpPr/>
+          <p:nvPr/>
+        </p:nvSpPr>
+        <p:spPr>
+          <a:xfrm rot="13351758" flipH="1">
+            <a:off x="6705075" y="4334300"/>
+            <a:ext cx="1415163" cy="374970"/>
+          </a:xfrm>
+          <a:prstGeom prst="rightArrow">
+            <a:avLst/>
+          </a:prstGeom>
+        </p:spPr>
+        <p:style>
+          <a:lnRef idx="1">
+            <a:schemeClr val="accent4"/>
+          </a:lnRef>
+          <a:fillRef idx="3">
+            <a:schemeClr val="accent4"/>
+          </a:fillRef>
+          <a:effectRef idx="2">
+            <a:schemeClr val="accent4"/>
+          </a:effectRef>
+          <a:fontRef idx="minor">
+            <a:schemeClr val="lt1"/>
+          </a:fontRef>
+        </p:style>
+        <p:txBody>
+          <a:bodyPr rtlCol="0" anchor="ctr"/>
+          <a:lstStyle/>
+          <a:p>
+            <a:pPr algn="ctr"/>
+            <a:endParaRPr lang="en-US"/>
+          </a:p>
+        </p:txBody>
+      </p:sp>
+    </p:spTree>
+    <p:extLst>
+      <p:ext uri="{BB962C8B-B14F-4D97-AF65-F5344CB8AC3E}">
+        <p14:creationId xmlns:p14="http://schemas.microsoft.com/office/powerpoint/2010/main" val="1850805646"/>
+      </p:ext>
+    </p:extLst>
+  </p:cSld>
+  <p:clrMapOvr>
+    <a:masterClrMapping/>
+  </p:clrMapOvr>
+</p:sld>
+</file>
+
+<file path=ppt/slides/slide12.xml><?xml version="1.0" encoding="utf-8"?>
+<p:sld xmlns:a="http://schemas.openxmlformats.org/drawingml/2006/main" xmlns:r="http://schemas.openxmlformats.org/officeDocument/2006/relationships" xmlns:p="http://schemas.openxmlformats.org/presentationml/2006/main">
+  <p:cSld>
+    <p:spTree>
+      <p:nvGrpSpPr>
+        <p:cNvPr id="1" name=""/>
+        <p:cNvGrpSpPr/>
+        <p:nvPr/>
+      </p:nvGrpSpPr>
+      <p:grpSpPr>
+        <a:xfrm>
+          <a:off x="0" y="0"/>
+          <a:ext cx="0" cy="0"/>
+          <a:chOff x="0" y="0"/>
+          <a:chExt cx="0" cy="0"/>
+        </a:xfrm>
+      </p:grpSpPr>
       <p:graphicFrame>
         <p:nvGraphicFramePr>
           <p:cNvPr id="4" name="Symbol zastępczy zawartości 3"/>
@@ -20917,7 +21156,7 @@
 </p:sld>
 </file>
 
-<file path=ppt/slides/slide12.xml><?xml version="1.0" encoding="utf-8"?>
+<file path=ppt/slides/slide13.xml><?xml version="1.0" encoding="utf-8"?>
 <p:sld xmlns:a="http://schemas.openxmlformats.org/drawingml/2006/main" xmlns:r="http://schemas.openxmlformats.org/officeDocument/2006/relationships" xmlns:p="http://schemas.openxmlformats.org/presentationml/2006/main">
   <p:cSld>
     <p:spTree>
@@ -20972,7 +21211,7 @@
 </p:sld>
 </file>
 
-<file path=ppt/slides/slide13.xml><?xml version="1.0" encoding="utf-8"?>
+<file path=ppt/slides/slide14.xml><?xml version="1.0" encoding="utf-8"?>
 <p:sld xmlns:a="http://schemas.openxmlformats.org/drawingml/2006/main" xmlns:r="http://schemas.openxmlformats.org/officeDocument/2006/relationships" xmlns:p="http://schemas.openxmlformats.org/presentationml/2006/main">
   <p:cSld>
     <p:spTree>
@@ -21518,7 +21757,7 @@
 </p:sld>
 </file>
 
-<file path=ppt/slides/slide14.xml><?xml version="1.0" encoding="utf-8"?>
+<file path=ppt/slides/slide15.xml><?xml version="1.0" encoding="utf-8"?>
 <p:sld xmlns:a="http://schemas.openxmlformats.org/drawingml/2006/main" xmlns:r="http://schemas.openxmlformats.org/officeDocument/2006/relationships" xmlns:p="http://schemas.openxmlformats.org/presentationml/2006/main">
   <p:cSld>
     <p:spTree>
@@ -21656,7 +21895,3699 @@
 </p:sld>
 </file>
 
-<file path=ppt/slides/slide15.xml><?xml version="1.0" encoding="utf-8"?>
+<file path=ppt/slides/slide16.xml><?xml version="1.0" encoding="utf-8"?>
+<p:sld xmlns:a="http://schemas.openxmlformats.org/drawingml/2006/main" xmlns:r="http://schemas.openxmlformats.org/officeDocument/2006/relationships" xmlns:p="http://schemas.openxmlformats.org/presentationml/2006/main">
+  <p:cSld>
+    <p:spTree>
+      <p:nvGrpSpPr>
+        <p:cNvPr id="1" name=""/>
+        <p:cNvGrpSpPr/>
+        <p:nvPr/>
+      </p:nvGrpSpPr>
+      <p:grpSpPr>
+        <a:xfrm>
+          <a:off x="0" y="0"/>
+          <a:ext cx="0" cy="0"/>
+          <a:chOff x="0" y="0"/>
+          <a:chExt cx="0" cy="0"/>
+        </a:xfrm>
+      </p:grpSpPr>
+      <p:pic>
+        <p:nvPicPr>
+          <p:cNvPr id="3" name="Obraz 2">
+            <a:extLst>
+              <a:ext uri="{FF2B5EF4-FFF2-40B4-BE49-F238E27FC236}">
+                <a16:creationId xmlns:a16="http://schemas.microsoft.com/office/drawing/2014/main" id="{857983A3-4F25-41C1-B19A-8BCB5553033C}"/>
+              </a:ext>
+            </a:extLst>
+          </p:cNvPr>
+          <p:cNvPicPr>
+            <a:picLocks noChangeAspect="1"/>
+          </p:cNvPicPr>
+          <p:nvPr/>
+        </p:nvPicPr>
+        <p:blipFill>
+          <a:blip r:embed="rId2" cstate="print">
+            <a:extLst>
+              <a:ext uri="{28A0092B-C50C-407E-A947-70E740481C1C}">
+                <a14:useLocalDpi xmlns:a14="http://schemas.microsoft.com/office/drawing/2010/main" val="0"/>
+              </a:ext>
+            </a:extLst>
+          </a:blip>
+          <a:stretch>
+            <a:fillRect/>
+          </a:stretch>
+        </p:blipFill>
+        <p:spPr>
+          <a:xfrm>
+            <a:off x="339512" y="864080"/>
+            <a:ext cx="4359007" cy="3402068"/>
+          </a:xfrm>
+          <a:prstGeom prst="rect">
+            <a:avLst/>
+          </a:prstGeom>
+        </p:spPr>
+      </p:pic>
+      <p:pic>
+        <p:nvPicPr>
+          <p:cNvPr id="8" name="Obraz 7">
+            <a:extLst>
+              <a:ext uri="{FF2B5EF4-FFF2-40B4-BE49-F238E27FC236}">
+                <a16:creationId xmlns:a16="http://schemas.microsoft.com/office/drawing/2014/main" id="{4037ED0E-94DE-462E-BCCA-81417062B3C0}"/>
+              </a:ext>
+            </a:extLst>
+          </p:cNvPr>
+          <p:cNvPicPr>
+            <a:picLocks noChangeAspect="1"/>
+          </p:cNvPicPr>
+          <p:nvPr/>
+        </p:nvPicPr>
+        <p:blipFill>
+          <a:blip r:embed="rId2" cstate="print">
+            <a:extLst>
+              <a:ext uri="{28A0092B-C50C-407E-A947-70E740481C1C}">
+                <a14:useLocalDpi xmlns:a14="http://schemas.microsoft.com/office/drawing/2010/main" val="0"/>
+              </a:ext>
+            </a:extLst>
+          </a:blip>
+          <a:stretch>
+            <a:fillRect/>
+          </a:stretch>
+        </p:blipFill>
+        <p:spPr>
+          <a:xfrm>
+            <a:off x="7493481" y="864080"/>
+            <a:ext cx="4359007" cy="3402068"/>
+          </a:xfrm>
+          <a:prstGeom prst="rect">
+            <a:avLst/>
+          </a:prstGeom>
+        </p:spPr>
+      </p:pic>
+      <p:pic>
+        <p:nvPicPr>
+          <p:cNvPr id="5" name="Obraz 4">
+            <a:extLst>
+              <a:ext uri="{FF2B5EF4-FFF2-40B4-BE49-F238E27FC236}">
+                <a16:creationId xmlns:a16="http://schemas.microsoft.com/office/drawing/2014/main" id="{D7715D39-33E3-4CF0-BC2B-0B8A73F1568F}"/>
+              </a:ext>
+            </a:extLst>
+          </p:cNvPr>
+          <p:cNvPicPr>
+            <a:picLocks noChangeAspect="1"/>
+          </p:cNvPicPr>
+          <p:nvPr/>
+        </p:nvPicPr>
+        <p:blipFill>
+          <a:blip r:embed="rId3" cstate="print">
+            <a:extLst>
+              <a:ext uri="{28A0092B-C50C-407E-A947-70E740481C1C}">
+                <a14:useLocalDpi xmlns:a14="http://schemas.microsoft.com/office/drawing/2010/main" val="0"/>
+              </a:ext>
+            </a:extLst>
+          </a:blip>
+          <a:stretch>
+            <a:fillRect/>
+          </a:stretch>
+        </p:blipFill>
+        <p:spPr>
+          <a:xfrm>
+            <a:off x="3267075" y="2270674"/>
+            <a:ext cx="1280223" cy="1280223"/>
+          </a:xfrm>
+          <a:prstGeom prst="rect">
+            <a:avLst/>
+          </a:prstGeom>
+        </p:spPr>
+      </p:pic>
+      <p:pic>
+        <p:nvPicPr>
+          <p:cNvPr id="6" name="Obraz 5">
+            <a:extLst>
+              <a:ext uri="{FF2B5EF4-FFF2-40B4-BE49-F238E27FC236}">
+                <a16:creationId xmlns:a16="http://schemas.microsoft.com/office/drawing/2014/main" id="{530A1178-880C-4657-86A3-4F13274F3B58}"/>
+              </a:ext>
+            </a:extLst>
+          </p:cNvPr>
+          <p:cNvPicPr>
+            <a:picLocks noChangeAspect="1"/>
+          </p:cNvPicPr>
+          <p:nvPr/>
+        </p:nvPicPr>
+        <p:blipFill>
+          <a:blip r:embed="rId3" cstate="print">
+            <a:extLst>
+              <a:ext uri="{28A0092B-C50C-407E-A947-70E740481C1C}">
+                <a14:useLocalDpi xmlns:a14="http://schemas.microsoft.com/office/drawing/2010/main" val="0"/>
+              </a:ext>
+            </a:extLst>
+          </a:blip>
+          <a:stretch>
+            <a:fillRect/>
+          </a:stretch>
+        </p:blipFill>
+        <p:spPr>
+          <a:xfrm>
+            <a:off x="3267075" y="3429000"/>
+            <a:ext cx="1280223" cy="1280223"/>
+          </a:xfrm>
+          <a:prstGeom prst="rect">
+            <a:avLst/>
+          </a:prstGeom>
+        </p:spPr>
+      </p:pic>
+      <p:pic>
+        <p:nvPicPr>
+          <p:cNvPr id="11" name="Obraz 10">
+            <a:extLst>
+              <a:ext uri="{FF2B5EF4-FFF2-40B4-BE49-F238E27FC236}">
+                <a16:creationId xmlns:a16="http://schemas.microsoft.com/office/drawing/2014/main" id="{0E032E12-401E-474B-8921-29912DDE6274}"/>
+              </a:ext>
+            </a:extLst>
+          </p:cNvPr>
+          <p:cNvPicPr>
+            <a:picLocks noChangeAspect="1"/>
+          </p:cNvPicPr>
+          <p:nvPr/>
+        </p:nvPicPr>
+        <p:blipFill>
+          <a:blip r:embed="rId3" cstate="print">
+            <a:extLst>
+              <a:ext uri="{28A0092B-C50C-407E-A947-70E740481C1C}">
+                <a14:useLocalDpi xmlns:a14="http://schemas.microsoft.com/office/drawing/2010/main" val="0"/>
+              </a:ext>
+            </a:extLst>
+          </a:blip>
+          <a:stretch>
+            <a:fillRect/>
+          </a:stretch>
+        </p:blipFill>
+        <p:spPr>
+          <a:xfrm>
+            <a:off x="6702148" y="2270674"/>
+            <a:ext cx="1280223" cy="1280223"/>
+          </a:xfrm>
+          <a:prstGeom prst="rect">
+            <a:avLst/>
+          </a:prstGeom>
+        </p:spPr>
+      </p:pic>
+      <p:pic>
+        <p:nvPicPr>
+          <p:cNvPr id="12" name="Obraz 11">
+            <a:extLst>
+              <a:ext uri="{FF2B5EF4-FFF2-40B4-BE49-F238E27FC236}">
+                <a16:creationId xmlns:a16="http://schemas.microsoft.com/office/drawing/2014/main" id="{B9F8EB00-50B5-4127-BFFA-475F98FE0463}"/>
+              </a:ext>
+            </a:extLst>
+          </p:cNvPr>
+          <p:cNvPicPr>
+            <a:picLocks noChangeAspect="1"/>
+          </p:cNvPicPr>
+          <p:nvPr/>
+        </p:nvPicPr>
+        <p:blipFill>
+          <a:blip r:embed="rId3" cstate="print">
+            <a:extLst>
+              <a:ext uri="{28A0092B-C50C-407E-A947-70E740481C1C}">
+                <a14:useLocalDpi xmlns:a14="http://schemas.microsoft.com/office/drawing/2010/main" val="0"/>
+              </a:ext>
+            </a:extLst>
+          </a:blip>
+          <a:stretch>
+            <a:fillRect/>
+          </a:stretch>
+        </p:blipFill>
+        <p:spPr>
+          <a:xfrm>
+            <a:off x="6702148" y="3429000"/>
+            <a:ext cx="1280223" cy="1280223"/>
+          </a:xfrm>
+          <a:prstGeom prst="rect">
+            <a:avLst/>
+          </a:prstGeom>
+        </p:spPr>
+      </p:pic>
+      <p:sp>
+        <p:nvSpPr>
+          <p:cNvPr id="13" name="Strzałka w prawo 7">
+            <a:extLst>
+              <a:ext uri="{FF2B5EF4-FFF2-40B4-BE49-F238E27FC236}">
+                <a16:creationId xmlns:a16="http://schemas.microsoft.com/office/drawing/2014/main" id="{AED1DCF7-7748-46F3-985A-6BB199D53354}"/>
+              </a:ext>
+            </a:extLst>
+          </p:cNvPr>
+          <p:cNvSpPr/>
+          <p:nvPr/>
+        </p:nvSpPr>
+        <p:spPr>
+          <a:xfrm>
+            <a:off x="4656803" y="2634560"/>
+            <a:ext cx="1894124" cy="374970"/>
+          </a:xfrm>
+          <a:prstGeom prst="rightArrow">
+            <a:avLst/>
+          </a:prstGeom>
+        </p:spPr>
+        <p:style>
+          <a:lnRef idx="1">
+            <a:schemeClr val="accent4"/>
+          </a:lnRef>
+          <a:fillRef idx="3">
+            <a:schemeClr val="accent4"/>
+          </a:fillRef>
+          <a:effectRef idx="2">
+            <a:schemeClr val="accent4"/>
+          </a:effectRef>
+          <a:fontRef idx="minor">
+            <a:schemeClr val="lt1"/>
+          </a:fontRef>
+        </p:style>
+        <p:txBody>
+          <a:bodyPr rtlCol="0" anchor="ctr"/>
+          <a:lstStyle/>
+          <a:p>
+            <a:pPr algn="ctr"/>
+            <a:endParaRPr lang="en-US"/>
+          </a:p>
+        </p:txBody>
+      </p:sp>
+    </p:spTree>
+    <p:extLst>
+      <p:ext uri="{BB962C8B-B14F-4D97-AF65-F5344CB8AC3E}">
+        <p14:creationId xmlns:p14="http://schemas.microsoft.com/office/powerpoint/2010/main" val="108947002"/>
+      </p:ext>
+    </p:extLst>
+  </p:cSld>
+  <p:clrMapOvr>
+    <a:masterClrMapping/>
+  </p:clrMapOvr>
+</p:sld>
+</file>
+
+<file path=ppt/slides/slide17.xml><?xml version="1.0" encoding="utf-8"?>
+<p:sld xmlns:a="http://schemas.openxmlformats.org/drawingml/2006/main" xmlns:r="http://schemas.openxmlformats.org/officeDocument/2006/relationships" xmlns:p="http://schemas.openxmlformats.org/presentationml/2006/main">
+  <p:cSld>
+    <p:spTree>
+      <p:nvGrpSpPr>
+        <p:cNvPr id="1" name=""/>
+        <p:cNvGrpSpPr/>
+        <p:nvPr/>
+      </p:nvGrpSpPr>
+      <p:grpSpPr>
+        <a:xfrm>
+          <a:off x="0" y="0"/>
+          <a:ext cx="0" cy="0"/>
+          <a:chOff x="0" y="0"/>
+          <a:chExt cx="0" cy="0"/>
+        </a:xfrm>
+      </p:grpSpPr>
+      <p:pic>
+        <p:nvPicPr>
+          <p:cNvPr id="3" name="Obraz 2">
+            <a:extLst>
+              <a:ext uri="{FF2B5EF4-FFF2-40B4-BE49-F238E27FC236}">
+                <a16:creationId xmlns:a16="http://schemas.microsoft.com/office/drawing/2014/main" id="{857983A3-4F25-41C1-B19A-8BCB5553033C}"/>
+              </a:ext>
+            </a:extLst>
+          </p:cNvPr>
+          <p:cNvPicPr>
+            <a:picLocks noChangeAspect="1"/>
+          </p:cNvPicPr>
+          <p:nvPr/>
+        </p:nvPicPr>
+        <p:blipFill>
+          <a:blip r:embed="rId2" cstate="print">
+            <a:extLst>
+              <a:ext uri="{28A0092B-C50C-407E-A947-70E740481C1C}">
+                <a14:useLocalDpi xmlns:a14="http://schemas.microsoft.com/office/drawing/2010/main" val="0"/>
+              </a:ext>
+            </a:extLst>
+          </a:blip>
+          <a:stretch>
+            <a:fillRect/>
+          </a:stretch>
+        </p:blipFill>
+        <p:spPr>
+          <a:xfrm>
+            <a:off x="339512" y="864080"/>
+            <a:ext cx="4359007" cy="3402068"/>
+          </a:xfrm>
+          <a:prstGeom prst="rect">
+            <a:avLst/>
+          </a:prstGeom>
+        </p:spPr>
+      </p:pic>
+      <p:pic>
+        <p:nvPicPr>
+          <p:cNvPr id="8" name="Obraz 7">
+            <a:extLst>
+              <a:ext uri="{FF2B5EF4-FFF2-40B4-BE49-F238E27FC236}">
+                <a16:creationId xmlns:a16="http://schemas.microsoft.com/office/drawing/2014/main" id="{4037ED0E-94DE-462E-BCCA-81417062B3C0}"/>
+              </a:ext>
+            </a:extLst>
+          </p:cNvPr>
+          <p:cNvPicPr>
+            <a:picLocks noChangeAspect="1"/>
+          </p:cNvPicPr>
+          <p:nvPr/>
+        </p:nvPicPr>
+        <p:blipFill>
+          <a:blip r:embed="rId2" cstate="print">
+            <a:extLst>
+              <a:ext uri="{28A0092B-C50C-407E-A947-70E740481C1C}">
+                <a14:useLocalDpi xmlns:a14="http://schemas.microsoft.com/office/drawing/2010/main" val="0"/>
+              </a:ext>
+            </a:extLst>
+          </a:blip>
+          <a:stretch>
+            <a:fillRect/>
+          </a:stretch>
+        </p:blipFill>
+        <p:spPr>
+          <a:xfrm>
+            <a:off x="7493481" y="864080"/>
+            <a:ext cx="4359007" cy="3402068"/>
+          </a:xfrm>
+          <a:prstGeom prst="rect">
+            <a:avLst/>
+          </a:prstGeom>
+        </p:spPr>
+      </p:pic>
+      <p:pic>
+        <p:nvPicPr>
+          <p:cNvPr id="5" name="Obraz 4">
+            <a:extLst>
+              <a:ext uri="{FF2B5EF4-FFF2-40B4-BE49-F238E27FC236}">
+                <a16:creationId xmlns:a16="http://schemas.microsoft.com/office/drawing/2014/main" id="{D7715D39-33E3-4CF0-BC2B-0B8A73F1568F}"/>
+              </a:ext>
+            </a:extLst>
+          </p:cNvPr>
+          <p:cNvPicPr>
+            <a:picLocks noChangeAspect="1"/>
+          </p:cNvPicPr>
+          <p:nvPr/>
+        </p:nvPicPr>
+        <p:blipFill>
+          <a:blip r:embed="rId3" cstate="print">
+            <a:extLst>
+              <a:ext uri="{28A0092B-C50C-407E-A947-70E740481C1C}">
+                <a14:useLocalDpi xmlns:a14="http://schemas.microsoft.com/office/drawing/2010/main" val="0"/>
+              </a:ext>
+            </a:extLst>
+          </a:blip>
+          <a:stretch>
+            <a:fillRect/>
+          </a:stretch>
+        </p:blipFill>
+        <p:spPr>
+          <a:xfrm>
+            <a:off x="3267075" y="2270674"/>
+            <a:ext cx="1280223" cy="1280223"/>
+          </a:xfrm>
+          <a:prstGeom prst="rect">
+            <a:avLst/>
+          </a:prstGeom>
+        </p:spPr>
+      </p:pic>
+      <p:pic>
+        <p:nvPicPr>
+          <p:cNvPr id="6" name="Obraz 5">
+            <a:extLst>
+              <a:ext uri="{FF2B5EF4-FFF2-40B4-BE49-F238E27FC236}">
+                <a16:creationId xmlns:a16="http://schemas.microsoft.com/office/drawing/2014/main" id="{530A1178-880C-4657-86A3-4F13274F3B58}"/>
+              </a:ext>
+            </a:extLst>
+          </p:cNvPr>
+          <p:cNvPicPr>
+            <a:picLocks noChangeAspect="1"/>
+          </p:cNvPicPr>
+          <p:nvPr/>
+        </p:nvPicPr>
+        <p:blipFill>
+          <a:blip r:embed="rId4" cstate="print">
+            <a:extLst>
+              <a:ext uri="{28A0092B-C50C-407E-A947-70E740481C1C}">
+                <a14:useLocalDpi xmlns:a14="http://schemas.microsoft.com/office/drawing/2010/main" val="0"/>
+              </a:ext>
+            </a:extLst>
+          </a:blip>
+          <a:stretch>
+            <a:fillRect/>
+          </a:stretch>
+        </p:blipFill>
+        <p:spPr>
+          <a:xfrm>
+            <a:off x="3267075" y="3429000"/>
+            <a:ext cx="1280223" cy="1280223"/>
+          </a:xfrm>
+          <a:prstGeom prst="rect">
+            <a:avLst/>
+          </a:prstGeom>
+        </p:spPr>
+      </p:pic>
+      <p:pic>
+        <p:nvPicPr>
+          <p:cNvPr id="11" name="Obraz 10">
+            <a:extLst>
+              <a:ext uri="{FF2B5EF4-FFF2-40B4-BE49-F238E27FC236}">
+                <a16:creationId xmlns:a16="http://schemas.microsoft.com/office/drawing/2014/main" id="{0E032E12-401E-474B-8921-29912DDE6274}"/>
+              </a:ext>
+            </a:extLst>
+          </p:cNvPr>
+          <p:cNvPicPr>
+            <a:picLocks noChangeAspect="1"/>
+          </p:cNvPicPr>
+          <p:nvPr/>
+        </p:nvPicPr>
+        <p:blipFill>
+          <a:blip r:embed="rId4" cstate="print">
+            <a:extLst>
+              <a:ext uri="{28A0092B-C50C-407E-A947-70E740481C1C}">
+                <a14:useLocalDpi xmlns:a14="http://schemas.microsoft.com/office/drawing/2010/main" val="0"/>
+              </a:ext>
+            </a:extLst>
+          </a:blip>
+          <a:stretch>
+            <a:fillRect/>
+          </a:stretch>
+        </p:blipFill>
+        <p:spPr>
+          <a:xfrm>
+            <a:off x="6702148" y="2270674"/>
+            <a:ext cx="1280223" cy="1280223"/>
+          </a:xfrm>
+          <a:prstGeom prst="rect">
+            <a:avLst/>
+          </a:prstGeom>
+        </p:spPr>
+      </p:pic>
+      <p:pic>
+        <p:nvPicPr>
+          <p:cNvPr id="12" name="Obraz 11">
+            <a:extLst>
+              <a:ext uri="{FF2B5EF4-FFF2-40B4-BE49-F238E27FC236}">
+                <a16:creationId xmlns:a16="http://schemas.microsoft.com/office/drawing/2014/main" id="{B9F8EB00-50B5-4127-BFFA-475F98FE0463}"/>
+              </a:ext>
+            </a:extLst>
+          </p:cNvPr>
+          <p:cNvPicPr>
+            <a:picLocks noChangeAspect="1"/>
+          </p:cNvPicPr>
+          <p:nvPr/>
+        </p:nvPicPr>
+        <p:blipFill>
+          <a:blip r:embed="rId4" cstate="print">
+            <a:extLst>
+              <a:ext uri="{28A0092B-C50C-407E-A947-70E740481C1C}">
+                <a14:useLocalDpi xmlns:a14="http://schemas.microsoft.com/office/drawing/2010/main" val="0"/>
+              </a:ext>
+            </a:extLst>
+          </a:blip>
+          <a:stretch>
+            <a:fillRect/>
+          </a:stretch>
+        </p:blipFill>
+        <p:spPr>
+          <a:xfrm>
+            <a:off x="6702148" y="3429000"/>
+            <a:ext cx="1280223" cy="1280223"/>
+          </a:xfrm>
+          <a:prstGeom prst="rect">
+            <a:avLst/>
+          </a:prstGeom>
+        </p:spPr>
+      </p:pic>
+      <p:sp>
+        <p:nvSpPr>
+          <p:cNvPr id="10" name="Strzałka w prawo 7">
+            <a:extLst>
+              <a:ext uri="{FF2B5EF4-FFF2-40B4-BE49-F238E27FC236}">
+                <a16:creationId xmlns:a16="http://schemas.microsoft.com/office/drawing/2014/main" id="{C80AAE5F-A3C8-4B57-A9CA-7E1332EBD8D7}"/>
+              </a:ext>
+            </a:extLst>
+          </p:cNvPr>
+          <p:cNvSpPr/>
+          <p:nvPr/>
+        </p:nvSpPr>
+        <p:spPr>
+          <a:xfrm>
+            <a:off x="4656803" y="2634560"/>
+            <a:ext cx="1894124" cy="374970"/>
+          </a:xfrm>
+          <a:prstGeom prst="rightArrow">
+            <a:avLst/>
+          </a:prstGeom>
+        </p:spPr>
+        <p:style>
+          <a:lnRef idx="1">
+            <a:schemeClr val="accent4"/>
+          </a:lnRef>
+          <a:fillRef idx="3">
+            <a:schemeClr val="accent4"/>
+          </a:fillRef>
+          <a:effectRef idx="2">
+            <a:schemeClr val="accent4"/>
+          </a:effectRef>
+          <a:fontRef idx="minor">
+            <a:schemeClr val="lt1"/>
+          </a:fontRef>
+        </p:style>
+        <p:txBody>
+          <a:bodyPr rtlCol="0" anchor="ctr"/>
+          <a:lstStyle/>
+          <a:p>
+            <a:pPr algn="ctr"/>
+            <a:endParaRPr lang="en-US"/>
+          </a:p>
+        </p:txBody>
+      </p:sp>
+    </p:spTree>
+    <p:extLst>
+      <p:ext uri="{BB962C8B-B14F-4D97-AF65-F5344CB8AC3E}">
+        <p14:creationId xmlns:p14="http://schemas.microsoft.com/office/powerpoint/2010/main" val="3644902428"/>
+      </p:ext>
+    </p:extLst>
+  </p:cSld>
+  <p:clrMapOvr>
+    <a:masterClrMapping/>
+  </p:clrMapOvr>
+</p:sld>
+</file>
+
+<file path=ppt/slides/slide18.xml><?xml version="1.0" encoding="utf-8"?>
+<p:sld xmlns:a="http://schemas.openxmlformats.org/drawingml/2006/main" xmlns:r="http://schemas.openxmlformats.org/officeDocument/2006/relationships" xmlns:p="http://schemas.openxmlformats.org/presentationml/2006/main">
+  <p:cSld>
+    <p:spTree>
+      <p:nvGrpSpPr>
+        <p:cNvPr id="1" name=""/>
+        <p:cNvGrpSpPr/>
+        <p:nvPr/>
+      </p:nvGrpSpPr>
+      <p:grpSpPr>
+        <a:xfrm>
+          <a:off x="0" y="0"/>
+          <a:ext cx="0" cy="0"/>
+          <a:chOff x="0" y="0"/>
+          <a:chExt cx="0" cy="0"/>
+        </a:xfrm>
+      </p:grpSpPr>
+      <p:pic>
+        <p:nvPicPr>
+          <p:cNvPr id="3" name="Obraz 2">
+            <a:extLst>
+              <a:ext uri="{FF2B5EF4-FFF2-40B4-BE49-F238E27FC236}">
+                <a16:creationId xmlns:a16="http://schemas.microsoft.com/office/drawing/2014/main" id="{857983A3-4F25-41C1-B19A-8BCB5553033C}"/>
+              </a:ext>
+            </a:extLst>
+          </p:cNvPr>
+          <p:cNvPicPr>
+            <a:picLocks noChangeAspect="1"/>
+          </p:cNvPicPr>
+          <p:nvPr/>
+        </p:nvPicPr>
+        <p:blipFill>
+          <a:blip r:embed="rId2" cstate="print">
+            <a:extLst>
+              <a:ext uri="{28A0092B-C50C-407E-A947-70E740481C1C}">
+                <a14:useLocalDpi xmlns:a14="http://schemas.microsoft.com/office/drawing/2010/main" val="0"/>
+              </a:ext>
+            </a:extLst>
+          </a:blip>
+          <a:stretch>
+            <a:fillRect/>
+          </a:stretch>
+        </p:blipFill>
+        <p:spPr>
+          <a:xfrm>
+            <a:off x="339512" y="864080"/>
+            <a:ext cx="4359007" cy="3402068"/>
+          </a:xfrm>
+          <a:prstGeom prst="rect">
+            <a:avLst/>
+          </a:prstGeom>
+        </p:spPr>
+      </p:pic>
+      <p:pic>
+        <p:nvPicPr>
+          <p:cNvPr id="8" name="Obraz 7">
+            <a:extLst>
+              <a:ext uri="{FF2B5EF4-FFF2-40B4-BE49-F238E27FC236}">
+                <a16:creationId xmlns:a16="http://schemas.microsoft.com/office/drawing/2014/main" id="{4037ED0E-94DE-462E-BCCA-81417062B3C0}"/>
+              </a:ext>
+            </a:extLst>
+          </p:cNvPr>
+          <p:cNvPicPr>
+            <a:picLocks noChangeAspect="1"/>
+          </p:cNvPicPr>
+          <p:nvPr/>
+        </p:nvPicPr>
+        <p:blipFill>
+          <a:blip r:embed="rId2" cstate="print">
+            <a:extLst>
+              <a:ext uri="{28A0092B-C50C-407E-A947-70E740481C1C}">
+                <a14:useLocalDpi xmlns:a14="http://schemas.microsoft.com/office/drawing/2010/main" val="0"/>
+              </a:ext>
+            </a:extLst>
+          </a:blip>
+          <a:stretch>
+            <a:fillRect/>
+          </a:stretch>
+        </p:blipFill>
+        <p:spPr>
+          <a:xfrm>
+            <a:off x="7493481" y="864080"/>
+            <a:ext cx="4359007" cy="3402068"/>
+          </a:xfrm>
+          <a:prstGeom prst="rect">
+            <a:avLst/>
+          </a:prstGeom>
+        </p:spPr>
+      </p:pic>
+      <p:pic>
+        <p:nvPicPr>
+          <p:cNvPr id="5" name="Obraz 4">
+            <a:extLst>
+              <a:ext uri="{FF2B5EF4-FFF2-40B4-BE49-F238E27FC236}">
+                <a16:creationId xmlns:a16="http://schemas.microsoft.com/office/drawing/2014/main" id="{D7715D39-33E3-4CF0-BC2B-0B8A73F1568F}"/>
+              </a:ext>
+            </a:extLst>
+          </p:cNvPr>
+          <p:cNvPicPr>
+            <a:picLocks noChangeAspect="1"/>
+          </p:cNvPicPr>
+          <p:nvPr/>
+        </p:nvPicPr>
+        <p:blipFill>
+          <a:blip r:embed="rId3" cstate="print">
+            <a:extLst>
+              <a:ext uri="{28A0092B-C50C-407E-A947-70E740481C1C}">
+                <a14:useLocalDpi xmlns:a14="http://schemas.microsoft.com/office/drawing/2010/main" val="0"/>
+              </a:ext>
+            </a:extLst>
+          </a:blip>
+          <a:stretch>
+            <a:fillRect/>
+          </a:stretch>
+        </p:blipFill>
+        <p:spPr>
+          <a:xfrm>
+            <a:off x="3267075" y="2270674"/>
+            <a:ext cx="1280223" cy="1280223"/>
+          </a:xfrm>
+          <a:prstGeom prst="rect">
+            <a:avLst/>
+          </a:prstGeom>
+        </p:spPr>
+      </p:pic>
+      <p:pic>
+        <p:nvPicPr>
+          <p:cNvPr id="6" name="Obraz 5">
+            <a:extLst>
+              <a:ext uri="{FF2B5EF4-FFF2-40B4-BE49-F238E27FC236}">
+                <a16:creationId xmlns:a16="http://schemas.microsoft.com/office/drawing/2014/main" id="{530A1178-880C-4657-86A3-4F13274F3B58}"/>
+              </a:ext>
+            </a:extLst>
+          </p:cNvPr>
+          <p:cNvPicPr>
+            <a:picLocks noChangeAspect="1"/>
+          </p:cNvPicPr>
+          <p:nvPr/>
+        </p:nvPicPr>
+        <p:blipFill>
+          <a:blip r:embed="rId4" cstate="print">
+            <a:extLst>
+              <a:ext uri="{28A0092B-C50C-407E-A947-70E740481C1C}">
+                <a14:useLocalDpi xmlns:a14="http://schemas.microsoft.com/office/drawing/2010/main" val="0"/>
+              </a:ext>
+            </a:extLst>
+          </a:blip>
+          <a:stretch>
+            <a:fillRect/>
+          </a:stretch>
+        </p:blipFill>
+        <p:spPr>
+          <a:xfrm>
+            <a:off x="3267075" y="3429000"/>
+            <a:ext cx="1280223" cy="1280223"/>
+          </a:xfrm>
+          <a:prstGeom prst="rect">
+            <a:avLst/>
+          </a:prstGeom>
+        </p:spPr>
+      </p:pic>
+      <p:pic>
+        <p:nvPicPr>
+          <p:cNvPr id="11" name="Obraz 10">
+            <a:extLst>
+              <a:ext uri="{FF2B5EF4-FFF2-40B4-BE49-F238E27FC236}">
+                <a16:creationId xmlns:a16="http://schemas.microsoft.com/office/drawing/2014/main" id="{0E032E12-401E-474B-8921-29912DDE6274}"/>
+              </a:ext>
+            </a:extLst>
+          </p:cNvPr>
+          <p:cNvPicPr>
+            <a:picLocks noChangeAspect="1"/>
+          </p:cNvPicPr>
+          <p:nvPr/>
+        </p:nvPicPr>
+        <p:blipFill>
+          <a:blip r:embed="rId5" cstate="print">
+            <a:extLst>
+              <a:ext uri="{28A0092B-C50C-407E-A947-70E740481C1C}">
+                <a14:useLocalDpi xmlns:a14="http://schemas.microsoft.com/office/drawing/2010/main" val="0"/>
+              </a:ext>
+            </a:extLst>
+          </a:blip>
+          <a:stretch>
+            <a:fillRect/>
+          </a:stretch>
+        </p:blipFill>
+        <p:spPr>
+          <a:xfrm>
+            <a:off x="6702148" y="2270674"/>
+            <a:ext cx="1280223" cy="1280223"/>
+          </a:xfrm>
+          <a:prstGeom prst="rect">
+            <a:avLst/>
+          </a:prstGeom>
+        </p:spPr>
+      </p:pic>
+      <p:pic>
+        <p:nvPicPr>
+          <p:cNvPr id="12" name="Obraz 11">
+            <a:extLst>
+              <a:ext uri="{FF2B5EF4-FFF2-40B4-BE49-F238E27FC236}">
+                <a16:creationId xmlns:a16="http://schemas.microsoft.com/office/drawing/2014/main" id="{B9F8EB00-50B5-4127-BFFA-475F98FE0463}"/>
+              </a:ext>
+            </a:extLst>
+          </p:cNvPr>
+          <p:cNvPicPr>
+            <a:picLocks noChangeAspect="1"/>
+          </p:cNvPicPr>
+          <p:nvPr/>
+        </p:nvPicPr>
+        <p:blipFill>
+          <a:blip r:embed="rId4" cstate="print">
+            <a:extLst>
+              <a:ext uri="{28A0092B-C50C-407E-A947-70E740481C1C}">
+                <a14:useLocalDpi xmlns:a14="http://schemas.microsoft.com/office/drawing/2010/main" val="0"/>
+              </a:ext>
+            </a:extLst>
+          </a:blip>
+          <a:stretch>
+            <a:fillRect/>
+          </a:stretch>
+        </p:blipFill>
+        <p:spPr>
+          <a:xfrm>
+            <a:off x="6702148" y="3429000"/>
+            <a:ext cx="1280223" cy="1280223"/>
+          </a:xfrm>
+          <a:prstGeom prst="rect">
+            <a:avLst/>
+          </a:prstGeom>
+        </p:spPr>
+      </p:pic>
+      <p:sp>
+        <p:nvSpPr>
+          <p:cNvPr id="9" name="Strzałka w prawo 7">
+            <a:extLst>
+              <a:ext uri="{FF2B5EF4-FFF2-40B4-BE49-F238E27FC236}">
+                <a16:creationId xmlns:a16="http://schemas.microsoft.com/office/drawing/2014/main" id="{C4E5E3F9-ED3A-4A24-9B22-1D82341A4766}"/>
+              </a:ext>
+            </a:extLst>
+          </p:cNvPr>
+          <p:cNvSpPr/>
+          <p:nvPr/>
+        </p:nvSpPr>
+        <p:spPr>
+          <a:xfrm>
+            <a:off x="4656803" y="2634560"/>
+            <a:ext cx="1894124" cy="374970"/>
+          </a:xfrm>
+          <a:prstGeom prst="rightArrow">
+            <a:avLst/>
+          </a:prstGeom>
+        </p:spPr>
+        <p:style>
+          <a:lnRef idx="1">
+            <a:schemeClr val="accent4"/>
+          </a:lnRef>
+          <a:fillRef idx="3">
+            <a:schemeClr val="accent4"/>
+          </a:fillRef>
+          <a:effectRef idx="2">
+            <a:schemeClr val="accent4"/>
+          </a:effectRef>
+          <a:fontRef idx="minor">
+            <a:schemeClr val="lt1"/>
+          </a:fontRef>
+        </p:style>
+        <p:txBody>
+          <a:bodyPr rtlCol="0" anchor="ctr"/>
+          <a:lstStyle/>
+          <a:p>
+            <a:pPr algn="ctr"/>
+            <a:endParaRPr lang="en-US"/>
+          </a:p>
+        </p:txBody>
+      </p:sp>
+    </p:spTree>
+    <p:extLst>
+      <p:ext uri="{BB962C8B-B14F-4D97-AF65-F5344CB8AC3E}">
+        <p14:creationId xmlns:p14="http://schemas.microsoft.com/office/powerpoint/2010/main" val="1404318004"/>
+      </p:ext>
+    </p:extLst>
+  </p:cSld>
+  <p:clrMapOvr>
+    <a:masterClrMapping/>
+  </p:clrMapOvr>
+</p:sld>
+</file>
+
+<file path=ppt/slides/slide19.xml><?xml version="1.0" encoding="utf-8"?>
+<p:sld xmlns:a="http://schemas.openxmlformats.org/drawingml/2006/main" xmlns:r="http://schemas.openxmlformats.org/officeDocument/2006/relationships" xmlns:p="http://schemas.openxmlformats.org/presentationml/2006/main">
+  <p:cSld>
+    <p:spTree>
+      <p:nvGrpSpPr>
+        <p:cNvPr id="1" name=""/>
+        <p:cNvGrpSpPr/>
+        <p:nvPr/>
+      </p:nvGrpSpPr>
+      <p:grpSpPr>
+        <a:xfrm>
+          <a:off x="0" y="0"/>
+          <a:ext cx="0" cy="0"/>
+          <a:chOff x="0" y="0"/>
+          <a:chExt cx="0" cy="0"/>
+        </a:xfrm>
+      </p:grpSpPr>
+      <p:pic>
+        <p:nvPicPr>
+          <p:cNvPr id="3" name="Obraz 2">
+            <a:extLst>
+              <a:ext uri="{FF2B5EF4-FFF2-40B4-BE49-F238E27FC236}">
+                <a16:creationId xmlns:a16="http://schemas.microsoft.com/office/drawing/2014/main" id="{857983A3-4F25-41C1-B19A-8BCB5553033C}"/>
+              </a:ext>
+            </a:extLst>
+          </p:cNvPr>
+          <p:cNvPicPr>
+            <a:picLocks noChangeAspect="1"/>
+          </p:cNvPicPr>
+          <p:nvPr/>
+        </p:nvPicPr>
+        <p:blipFill>
+          <a:blip r:embed="rId2" cstate="print">
+            <a:extLst>
+              <a:ext uri="{28A0092B-C50C-407E-A947-70E740481C1C}">
+                <a14:useLocalDpi xmlns:a14="http://schemas.microsoft.com/office/drawing/2010/main" val="0"/>
+              </a:ext>
+            </a:extLst>
+          </a:blip>
+          <a:stretch>
+            <a:fillRect/>
+          </a:stretch>
+        </p:blipFill>
+        <p:spPr>
+          <a:xfrm>
+            <a:off x="339512" y="864080"/>
+            <a:ext cx="4359007" cy="3402068"/>
+          </a:xfrm>
+          <a:prstGeom prst="rect">
+            <a:avLst/>
+          </a:prstGeom>
+        </p:spPr>
+      </p:pic>
+      <p:pic>
+        <p:nvPicPr>
+          <p:cNvPr id="8" name="Obraz 7">
+            <a:extLst>
+              <a:ext uri="{FF2B5EF4-FFF2-40B4-BE49-F238E27FC236}">
+                <a16:creationId xmlns:a16="http://schemas.microsoft.com/office/drawing/2014/main" id="{4037ED0E-94DE-462E-BCCA-81417062B3C0}"/>
+              </a:ext>
+            </a:extLst>
+          </p:cNvPr>
+          <p:cNvPicPr>
+            <a:picLocks noChangeAspect="1"/>
+          </p:cNvPicPr>
+          <p:nvPr/>
+        </p:nvPicPr>
+        <p:blipFill>
+          <a:blip r:embed="rId2" cstate="print">
+            <a:extLst>
+              <a:ext uri="{28A0092B-C50C-407E-A947-70E740481C1C}">
+                <a14:useLocalDpi xmlns:a14="http://schemas.microsoft.com/office/drawing/2010/main" val="0"/>
+              </a:ext>
+            </a:extLst>
+          </a:blip>
+          <a:stretch>
+            <a:fillRect/>
+          </a:stretch>
+        </p:blipFill>
+        <p:spPr>
+          <a:xfrm>
+            <a:off x="7493481" y="864080"/>
+            <a:ext cx="4359007" cy="3402068"/>
+          </a:xfrm>
+          <a:prstGeom prst="rect">
+            <a:avLst/>
+          </a:prstGeom>
+        </p:spPr>
+      </p:pic>
+      <p:pic>
+        <p:nvPicPr>
+          <p:cNvPr id="5" name="Obraz 4">
+            <a:extLst>
+              <a:ext uri="{FF2B5EF4-FFF2-40B4-BE49-F238E27FC236}">
+                <a16:creationId xmlns:a16="http://schemas.microsoft.com/office/drawing/2014/main" id="{D7715D39-33E3-4CF0-BC2B-0B8A73F1568F}"/>
+              </a:ext>
+            </a:extLst>
+          </p:cNvPr>
+          <p:cNvPicPr>
+            <a:picLocks noChangeAspect="1"/>
+          </p:cNvPicPr>
+          <p:nvPr/>
+        </p:nvPicPr>
+        <p:blipFill>
+          <a:blip r:embed="rId3" cstate="print">
+            <a:extLst>
+              <a:ext uri="{28A0092B-C50C-407E-A947-70E740481C1C}">
+                <a14:useLocalDpi xmlns:a14="http://schemas.microsoft.com/office/drawing/2010/main" val="0"/>
+              </a:ext>
+            </a:extLst>
+          </a:blip>
+          <a:stretch>
+            <a:fillRect/>
+          </a:stretch>
+        </p:blipFill>
+        <p:spPr>
+          <a:xfrm>
+            <a:off x="3267075" y="2270674"/>
+            <a:ext cx="1280223" cy="1280223"/>
+          </a:xfrm>
+          <a:prstGeom prst="rect">
+            <a:avLst/>
+          </a:prstGeom>
+        </p:spPr>
+      </p:pic>
+      <p:pic>
+        <p:nvPicPr>
+          <p:cNvPr id="6" name="Obraz 5">
+            <a:extLst>
+              <a:ext uri="{FF2B5EF4-FFF2-40B4-BE49-F238E27FC236}">
+                <a16:creationId xmlns:a16="http://schemas.microsoft.com/office/drawing/2014/main" id="{530A1178-880C-4657-86A3-4F13274F3B58}"/>
+              </a:ext>
+            </a:extLst>
+          </p:cNvPr>
+          <p:cNvPicPr>
+            <a:picLocks noChangeAspect="1"/>
+          </p:cNvPicPr>
+          <p:nvPr/>
+        </p:nvPicPr>
+        <p:blipFill>
+          <a:blip r:embed="rId4" cstate="print">
+            <a:extLst>
+              <a:ext uri="{28A0092B-C50C-407E-A947-70E740481C1C}">
+                <a14:useLocalDpi xmlns:a14="http://schemas.microsoft.com/office/drawing/2010/main" val="0"/>
+              </a:ext>
+            </a:extLst>
+          </a:blip>
+          <a:stretch>
+            <a:fillRect/>
+          </a:stretch>
+        </p:blipFill>
+        <p:spPr>
+          <a:xfrm>
+            <a:off x="3267075" y="3429000"/>
+            <a:ext cx="1280223" cy="1280223"/>
+          </a:xfrm>
+          <a:prstGeom prst="rect">
+            <a:avLst/>
+          </a:prstGeom>
+        </p:spPr>
+      </p:pic>
+      <p:pic>
+        <p:nvPicPr>
+          <p:cNvPr id="11" name="Obraz 10">
+            <a:extLst>
+              <a:ext uri="{FF2B5EF4-FFF2-40B4-BE49-F238E27FC236}">
+                <a16:creationId xmlns:a16="http://schemas.microsoft.com/office/drawing/2014/main" id="{0E032E12-401E-474B-8921-29912DDE6274}"/>
+              </a:ext>
+            </a:extLst>
+          </p:cNvPr>
+          <p:cNvPicPr>
+            <a:picLocks noChangeAspect="1"/>
+          </p:cNvPicPr>
+          <p:nvPr/>
+        </p:nvPicPr>
+        <p:blipFill>
+          <a:blip r:embed="rId5" cstate="print">
+            <a:extLst>
+              <a:ext uri="{28A0092B-C50C-407E-A947-70E740481C1C}">
+                <a14:useLocalDpi xmlns:a14="http://schemas.microsoft.com/office/drawing/2010/main" val="0"/>
+              </a:ext>
+            </a:extLst>
+          </a:blip>
+          <a:stretch>
+            <a:fillRect/>
+          </a:stretch>
+        </p:blipFill>
+        <p:spPr>
+          <a:xfrm>
+            <a:off x="6702148" y="2270674"/>
+            <a:ext cx="1280223" cy="1280223"/>
+          </a:xfrm>
+          <a:prstGeom prst="rect">
+            <a:avLst/>
+          </a:prstGeom>
+        </p:spPr>
+      </p:pic>
+      <p:pic>
+        <p:nvPicPr>
+          <p:cNvPr id="12" name="Obraz 11">
+            <a:extLst>
+              <a:ext uri="{FF2B5EF4-FFF2-40B4-BE49-F238E27FC236}">
+                <a16:creationId xmlns:a16="http://schemas.microsoft.com/office/drawing/2014/main" id="{B9F8EB00-50B5-4127-BFFA-475F98FE0463}"/>
+              </a:ext>
+            </a:extLst>
+          </p:cNvPr>
+          <p:cNvPicPr>
+            <a:picLocks noChangeAspect="1"/>
+          </p:cNvPicPr>
+          <p:nvPr/>
+        </p:nvPicPr>
+        <p:blipFill>
+          <a:blip r:embed="rId4" cstate="print">
+            <a:extLst>
+              <a:ext uri="{28A0092B-C50C-407E-A947-70E740481C1C}">
+                <a14:useLocalDpi xmlns:a14="http://schemas.microsoft.com/office/drawing/2010/main" val="0"/>
+              </a:ext>
+            </a:extLst>
+          </a:blip>
+          <a:stretch>
+            <a:fillRect/>
+          </a:stretch>
+        </p:blipFill>
+        <p:spPr>
+          <a:xfrm>
+            <a:off x="6702148" y="3429000"/>
+            <a:ext cx="1280223" cy="1280223"/>
+          </a:xfrm>
+          <a:prstGeom prst="rect">
+            <a:avLst/>
+          </a:prstGeom>
+        </p:spPr>
+      </p:pic>
+      <p:sp>
+        <p:nvSpPr>
+          <p:cNvPr id="9" name="Strzałka w prawo 7">
+            <a:extLst>
+              <a:ext uri="{FF2B5EF4-FFF2-40B4-BE49-F238E27FC236}">
+                <a16:creationId xmlns:a16="http://schemas.microsoft.com/office/drawing/2014/main" id="{8D6C1C50-6998-4BE7-A412-AE21CA5378B1}"/>
+              </a:ext>
+            </a:extLst>
+          </p:cNvPr>
+          <p:cNvSpPr/>
+          <p:nvPr/>
+        </p:nvSpPr>
+        <p:spPr>
+          <a:xfrm>
+            <a:off x="4656803" y="2634560"/>
+            <a:ext cx="1894124" cy="374970"/>
+          </a:xfrm>
+          <a:prstGeom prst="rightArrow">
+            <a:avLst/>
+          </a:prstGeom>
+        </p:spPr>
+        <p:style>
+          <a:lnRef idx="1">
+            <a:schemeClr val="accent4"/>
+          </a:lnRef>
+          <a:fillRef idx="3">
+            <a:schemeClr val="accent4"/>
+          </a:fillRef>
+          <a:effectRef idx="2">
+            <a:schemeClr val="accent4"/>
+          </a:effectRef>
+          <a:fontRef idx="minor">
+            <a:schemeClr val="lt1"/>
+          </a:fontRef>
+        </p:style>
+        <p:txBody>
+          <a:bodyPr rtlCol="0" anchor="ctr"/>
+          <a:lstStyle/>
+          <a:p>
+            <a:pPr algn="ctr"/>
+            <a:endParaRPr lang="en-US"/>
+          </a:p>
+        </p:txBody>
+      </p:sp>
+    </p:spTree>
+    <p:extLst>
+      <p:ext uri="{BB962C8B-B14F-4D97-AF65-F5344CB8AC3E}">
+        <p14:creationId xmlns:p14="http://schemas.microsoft.com/office/powerpoint/2010/main" val="2863915546"/>
+      </p:ext>
+    </p:extLst>
+  </p:cSld>
+  <p:clrMapOvr>
+    <a:masterClrMapping/>
+  </p:clrMapOvr>
+</p:sld>
+</file>
+
+<file path=ppt/slides/slide2.xml><?xml version="1.0" encoding="utf-8"?>
+<p:sld xmlns:a="http://schemas.openxmlformats.org/drawingml/2006/main" xmlns:r="http://schemas.openxmlformats.org/officeDocument/2006/relationships" xmlns:p="http://schemas.openxmlformats.org/presentationml/2006/main">
+  <p:cSld>
+    <p:bg>
+      <p:bgPr>
+        <a:solidFill>
+          <a:schemeClr val="bg1">
+            <a:alpha val="0"/>
+          </a:schemeClr>
+        </a:solidFill>
+        <a:effectLst/>
+      </p:bgPr>
+    </p:bg>
+    <p:spTree>
+      <p:nvGrpSpPr>
+        <p:cNvPr id="1" name=""/>
+        <p:cNvGrpSpPr/>
+        <p:nvPr/>
+      </p:nvGrpSpPr>
+      <p:grpSpPr>
+        <a:xfrm>
+          <a:off x="0" y="0"/>
+          <a:ext cx="0" cy="0"/>
+          <a:chOff x="0" y="0"/>
+          <a:chExt cx="0" cy="0"/>
+        </a:xfrm>
+      </p:grpSpPr>
+      <p:sp>
+        <p:nvSpPr>
+          <p:cNvPr id="7" name="Prostokąt: ścięte rogi u góry 6">
+            <a:extLst>
+              <a:ext uri="{FF2B5EF4-FFF2-40B4-BE49-F238E27FC236}">
+                <a16:creationId xmlns:a16="http://schemas.microsoft.com/office/drawing/2014/main" id="{415816C4-3146-4D8C-B5A8-EC8D7FB69DF0}"/>
+              </a:ext>
+            </a:extLst>
+          </p:cNvPr>
+          <p:cNvSpPr/>
+          <p:nvPr/>
+        </p:nvSpPr>
+        <p:spPr>
+          <a:xfrm>
+            <a:off x="2108719" y="1181878"/>
+            <a:ext cx="7987004" cy="4590661"/>
+          </a:xfrm>
+          <a:prstGeom prst="snip2SameRect">
+            <a:avLst>
+              <a:gd name="adj1" fmla="val 50000"/>
+              <a:gd name="adj2" fmla="val 0"/>
+            </a:avLst>
+          </a:prstGeom>
+          <a:noFill/>
+          <a:ln w="63500">
+            <a:solidFill>
+              <a:schemeClr val="accent1">
+                <a:lumMod val="40000"/>
+                <a:lumOff val="60000"/>
+              </a:schemeClr>
+            </a:solidFill>
+            <a:headEnd type="none" w="med" len="med"/>
+            <a:tailEnd type="none" w="med" len="med"/>
+          </a:ln>
+        </p:spPr>
+        <p:style>
+          <a:lnRef idx="2">
+            <a:schemeClr val="accent1"/>
+          </a:lnRef>
+          <a:fillRef idx="1">
+            <a:schemeClr val="lt1"/>
+          </a:fillRef>
+          <a:effectRef idx="0">
+            <a:schemeClr val="accent1"/>
+          </a:effectRef>
+          <a:fontRef idx="minor">
+            <a:schemeClr val="dk1"/>
+          </a:fontRef>
+        </p:style>
+        <p:txBody>
+          <a:bodyPr rtlCol="0" anchor="ctr"/>
+          <a:lstStyle/>
+          <a:p>
+            <a:pPr algn="ctr"/>
+            <a:endParaRPr lang="en-US"/>
+          </a:p>
+        </p:txBody>
+      </p:sp>
+      <p:sp>
+        <p:nvSpPr>
+          <p:cNvPr id="2" name="Prostokąt zaokrąglony 9">
+            <a:extLst>
+              <a:ext uri="{FF2B5EF4-FFF2-40B4-BE49-F238E27FC236}">
+                <a16:creationId xmlns:a16="http://schemas.microsoft.com/office/drawing/2014/main" id="{FB470A6F-D020-4FCE-AC6A-78B147F5B869}"/>
+              </a:ext>
+            </a:extLst>
+          </p:cNvPr>
+          <p:cNvSpPr/>
+          <p:nvPr/>
+        </p:nvSpPr>
+        <p:spPr>
+          <a:xfrm>
+            <a:off x="4682959" y="1440416"/>
+            <a:ext cx="2826081" cy="1414360"/>
+          </a:xfrm>
+          <a:prstGeom prst="roundRect">
+            <a:avLst/>
+          </a:prstGeom>
+        </p:spPr>
+        <p:style>
+          <a:lnRef idx="1">
+            <a:schemeClr val="accent5"/>
+          </a:lnRef>
+          <a:fillRef idx="3">
+            <a:schemeClr val="accent5"/>
+          </a:fillRef>
+          <a:effectRef idx="2">
+            <a:schemeClr val="accent5"/>
+          </a:effectRef>
+          <a:fontRef idx="minor">
+            <a:schemeClr val="lt1"/>
+          </a:fontRef>
+        </p:style>
+        <p:txBody>
+          <a:bodyPr rtlCol="0" anchor="ctr"/>
+          <a:lstStyle/>
+          <a:p>
+            <a:pPr algn="ctr"/>
+            <a:r>
+              <a:rPr lang="pl-PL" sz="2400" dirty="0" err="1">
+                <a:latin typeface="Arial Black" panose="020B0A04020102020204" pitchFamily="34" charset="0"/>
+              </a:rPr>
+              <a:t>Shipping</a:t>
+            </a:r>
+            <a:endParaRPr lang="en-US" sz="2400" dirty="0">
+              <a:latin typeface="Arial Black" panose="020B0A04020102020204" pitchFamily="34" charset="0"/>
+            </a:endParaRPr>
+          </a:p>
+        </p:txBody>
+      </p:sp>
+      <p:sp>
+        <p:nvSpPr>
+          <p:cNvPr id="3" name="Prostokąt zaokrąglony 9">
+            <a:extLst>
+              <a:ext uri="{FF2B5EF4-FFF2-40B4-BE49-F238E27FC236}">
+                <a16:creationId xmlns:a16="http://schemas.microsoft.com/office/drawing/2014/main" id="{447737C2-96BD-4392-995C-4E6846ED73AD}"/>
+              </a:ext>
+            </a:extLst>
+          </p:cNvPr>
+          <p:cNvSpPr/>
+          <p:nvPr/>
+        </p:nvSpPr>
+        <p:spPr>
+          <a:xfrm>
+            <a:off x="2484045" y="4003224"/>
+            <a:ext cx="2826081" cy="1414360"/>
+          </a:xfrm>
+          <a:prstGeom prst="roundRect">
+            <a:avLst/>
+          </a:prstGeom>
+        </p:spPr>
+        <p:style>
+          <a:lnRef idx="1">
+            <a:schemeClr val="accent5"/>
+          </a:lnRef>
+          <a:fillRef idx="3">
+            <a:schemeClr val="accent5"/>
+          </a:fillRef>
+          <a:effectRef idx="2">
+            <a:schemeClr val="accent5"/>
+          </a:effectRef>
+          <a:fontRef idx="minor">
+            <a:schemeClr val="lt1"/>
+          </a:fontRef>
+        </p:style>
+        <p:txBody>
+          <a:bodyPr rtlCol="0" anchor="ctr"/>
+          <a:lstStyle/>
+          <a:p>
+            <a:pPr algn="ctr"/>
+            <a:r>
+              <a:rPr lang="pl-PL" sz="2400" dirty="0" err="1">
+                <a:latin typeface="Arial Black" panose="020B0A04020102020204" pitchFamily="34" charset="0"/>
+              </a:rPr>
+              <a:t>Item</a:t>
+            </a:r>
+            <a:endParaRPr lang="en-US" sz="2400" dirty="0">
+              <a:latin typeface="Arial Black" panose="020B0A04020102020204" pitchFamily="34" charset="0"/>
+            </a:endParaRPr>
+          </a:p>
+        </p:txBody>
+      </p:sp>
+      <p:sp>
+        <p:nvSpPr>
+          <p:cNvPr id="4" name="Prostokąt zaokrąglony 9">
+            <a:extLst>
+              <a:ext uri="{FF2B5EF4-FFF2-40B4-BE49-F238E27FC236}">
+                <a16:creationId xmlns:a16="http://schemas.microsoft.com/office/drawing/2014/main" id="{C13014C6-7C80-436A-B6D9-236FBBD2B8D1}"/>
+              </a:ext>
+            </a:extLst>
+          </p:cNvPr>
+          <p:cNvSpPr/>
+          <p:nvPr/>
+        </p:nvSpPr>
+        <p:spPr>
+          <a:xfrm>
+            <a:off x="6881874" y="4003224"/>
+            <a:ext cx="2826081" cy="1414360"/>
+          </a:xfrm>
+          <a:prstGeom prst="roundRect">
+            <a:avLst/>
+          </a:prstGeom>
+        </p:spPr>
+        <p:style>
+          <a:lnRef idx="1">
+            <a:schemeClr val="accent5"/>
+          </a:lnRef>
+          <a:fillRef idx="3">
+            <a:schemeClr val="accent5"/>
+          </a:fillRef>
+          <a:effectRef idx="2">
+            <a:schemeClr val="accent5"/>
+          </a:effectRef>
+          <a:fontRef idx="minor">
+            <a:schemeClr val="lt1"/>
+          </a:fontRef>
+        </p:style>
+        <p:txBody>
+          <a:bodyPr rtlCol="0" anchor="ctr"/>
+          <a:lstStyle/>
+          <a:p>
+            <a:pPr algn="ctr"/>
+            <a:r>
+              <a:rPr lang="pl-PL" sz="2400" dirty="0" err="1">
+                <a:latin typeface="Arial Black" panose="020B0A04020102020204" pitchFamily="34" charset="0"/>
+              </a:rPr>
+              <a:t>Destination</a:t>
+            </a:r>
+            <a:endParaRPr lang="en-US" sz="2400" dirty="0">
+              <a:latin typeface="Arial Black" panose="020B0A04020102020204" pitchFamily="34" charset="0"/>
+            </a:endParaRPr>
+          </a:p>
+        </p:txBody>
+      </p:sp>
+      <p:sp>
+        <p:nvSpPr>
+          <p:cNvPr id="5" name="Strzałka w prawo 7">
+            <a:extLst>
+              <a:ext uri="{FF2B5EF4-FFF2-40B4-BE49-F238E27FC236}">
+                <a16:creationId xmlns:a16="http://schemas.microsoft.com/office/drawing/2014/main" id="{4FF2455C-0DB7-4997-ACC1-AB009B598C63}"/>
+              </a:ext>
+            </a:extLst>
+          </p:cNvPr>
+          <p:cNvSpPr/>
+          <p:nvPr/>
+        </p:nvSpPr>
+        <p:spPr>
+          <a:xfrm rot="7734269">
+            <a:off x="4469160" y="3241516"/>
+            <a:ext cx="1080581" cy="374970"/>
+          </a:xfrm>
+          <a:prstGeom prst="rightArrow">
+            <a:avLst/>
+          </a:prstGeom>
+        </p:spPr>
+        <p:style>
+          <a:lnRef idx="1">
+            <a:schemeClr val="accent4"/>
+          </a:lnRef>
+          <a:fillRef idx="3">
+            <a:schemeClr val="accent4"/>
+          </a:fillRef>
+          <a:effectRef idx="2">
+            <a:schemeClr val="accent4"/>
+          </a:effectRef>
+          <a:fontRef idx="minor">
+            <a:schemeClr val="lt1"/>
+          </a:fontRef>
+        </p:style>
+        <p:txBody>
+          <a:bodyPr rtlCol="0" anchor="ctr"/>
+          <a:lstStyle/>
+          <a:p>
+            <a:pPr algn="ctr"/>
+            <a:endParaRPr lang="en-US"/>
+          </a:p>
+        </p:txBody>
+      </p:sp>
+      <p:sp>
+        <p:nvSpPr>
+          <p:cNvPr id="6" name="Strzałka w prawo 7">
+            <a:extLst>
+              <a:ext uri="{FF2B5EF4-FFF2-40B4-BE49-F238E27FC236}">
+                <a16:creationId xmlns:a16="http://schemas.microsoft.com/office/drawing/2014/main" id="{1AC8DA88-2041-4333-A08A-5CBDA444CB1A}"/>
+              </a:ext>
+            </a:extLst>
+          </p:cNvPr>
+          <p:cNvSpPr/>
+          <p:nvPr/>
+        </p:nvSpPr>
+        <p:spPr>
+          <a:xfrm rot="13865731" flipH="1">
+            <a:off x="6642260" y="3277543"/>
+            <a:ext cx="1080581" cy="374970"/>
+          </a:xfrm>
+          <a:prstGeom prst="rightArrow">
+            <a:avLst/>
+          </a:prstGeom>
+        </p:spPr>
+        <p:style>
+          <a:lnRef idx="1">
+            <a:schemeClr val="accent4"/>
+          </a:lnRef>
+          <a:fillRef idx="3">
+            <a:schemeClr val="accent4"/>
+          </a:fillRef>
+          <a:effectRef idx="2">
+            <a:schemeClr val="accent4"/>
+          </a:effectRef>
+          <a:fontRef idx="minor">
+            <a:schemeClr val="lt1"/>
+          </a:fontRef>
+        </p:style>
+        <p:txBody>
+          <a:bodyPr rtlCol="0" anchor="ctr"/>
+          <a:lstStyle/>
+          <a:p>
+            <a:pPr algn="ctr"/>
+            <a:endParaRPr lang="en-US" dirty="0"/>
+          </a:p>
+        </p:txBody>
+      </p:sp>
+    </p:spTree>
+    <p:extLst>
+      <p:ext uri="{BB962C8B-B14F-4D97-AF65-F5344CB8AC3E}">
+        <p14:creationId xmlns:p14="http://schemas.microsoft.com/office/powerpoint/2010/main" val="1401151718"/>
+      </p:ext>
+    </p:extLst>
+  </p:cSld>
+  <p:clrMapOvr>
+    <a:masterClrMapping/>
+  </p:clrMapOvr>
+</p:sld>
+</file>
+
+<file path=ppt/slides/slide20.xml><?xml version="1.0" encoding="utf-8"?>
+<p:sld xmlns:a="http://schemas.openxmlformats.org/drawingml/2006/main" xmlns:r="http://schemas.openxmlformats.org/officeDocument/2006/relationships" xmlns:p="http://schemas.openxmlformats.org/presentationml/2006/main">
+  <p:cSld>
+    <p:spTree>
+      <p:nvGrpSpPr>
+        <p:cNvPr id="1" name=""/>
+        <p:cNvGrpSpPr/>
+        <p:nvPr/>
+      </p:nvGrpSpPr>
+      <p:grpSpPr>
+        <a:xfrm>
+          <a:off x="0" y="0"/>
+          <a:ext cx="0" cy="0"/>
+          <a:chOff x="0" y="0"/>
+          <a:chExt cx="0" cy="0"/>
+        </a:xfrm>
+      </p:grpSpPr>
+      <p:pic>
+        <p:nvPicPr>
+          <p:cNvPr id="3" name="Obraz 2">
+            <a:extLst>
+              <a:ext uri="{FF2B5EF4-FFF2-40B4-BE49-F238E27FC236}">
+                <a16:creationId xmlns:a16="http://schemas.microsoft.com/office/drawing/2014/main" id="{857983A3-4F25-41C1-B19A-8BCB5553033C}"/>
+              </a:ext>
+            </a:extLst>
+          </p:cNvPr>
+          <p:cNvPicPr>
+            <a:picLocks noChangeAspect="1"/>
+          </p:cNvPicPr>
+          <p:nvPr/>
+        </p:nvPicPr>
+        <p:blipFill>
+          <a:blip r:embed="rId2" cstate="print">
+            <a:extLst>
+              <a:ext uri="{28A0092B-C50C-407E-A947-70E740481C1C}">
+                <a14:useLocalDpi xmlns:a14="http://schemas.microsoft.com/office/drawing/2010/main" val="0"/>
+              </a:ext>
+            </a:extLst>
+          </a:blip>
+          <a:stretch>
+            <a:fillRect/>
+          </a:stretch>
+        </p:blipFill>
+        <p:spPr>
+          <a:xfrm>
+            <a:off x="339512" y="864080"/>
+            <a:ext cx="4359007" cy="3402068"/>
+          </a:xfrm>
+          <a:prstGeom prst="rect">
+            <a:avLst/>
+          </a:prstGeom>
+        </p:spPr>
+      </p:pic>
+      <p:pic>
+        <p:nvPicPr>
+          <p:cNvPr id="8" name="Obraz 7">
+            <a:extLst>
+              <a:ext uri="{FF2B5EF4-FFF2-40B4-BE49-F238E27FC236}">
+                <a16:creationId xmlns:a16="http://schemas.microsoft.com/office/drawing/2014/main" id="{4037ED0E-94DE-462E-BCCA-81417062B3C0}"/>
+              </a:ext>
+            </a:extLst>
+          </p:cNvPr>
+          <p:cNvPicPr>
+            <a:picLocks noChangeAspect="1"/>
+          </p:cNvPicPr>
+          <p:nvPr/>
+        </p:nvPicPr>
+        <p:blipFill>
+          <a:blip r:embed="rId2" cstate="print">
+            <a:extLst>
+              <a:ext uri="{28A0092B-C50C-407E-A947-70E740481C1C}">
+                <a14:useLocalDpi xmlns:a14="http://schemas.microsoft.com/office/drawing/2010/main" val="0"/>
+              </a:ext>
+            </a:extLst>
+          </a:blip>
+          <a:stretch>
+            <a:fillRect/>
+          </a:stretch>
+        </p:blipFill>
+        <p:spPr>
+          <a:xfrm>
+            <a:off x="7493481" y="864080"/>
+            <a:ext cx="4359007" cy="3402068"/>
+          </a:xfrm>
+          <a:prstGeom prst="rect">
+            <a:avLst/>
+          </a:prstGeom>
+        </p:spPr>
+      </p:pic>
+      <p:pic>
+        <p:nvPicPr>
+          <p:cNvPr id="5" name="Obraz 4">
+            <a:extLst>
+              <a:ext uri="{FF2B5EF4-FFF2-40B4-BE49-F238E27FC236}">
+                <a16:creationId xmlns:a16="http://schemas.microsoft.com/office/drawing/2014/main" id="{D7715D39-33E3-4CF0-BC2B-0B8A73F1568F}"/>
+              </a:ext>
+            </a:extLst>
+          </p:cNvPr>
+          <p:cNvPicPr>
+            <a:picLocks noChangeAspect="1"/>
+          </p:cNvPicPr>
+          <p:nvPr/>
+        </p:nvPicPr>
+        <p:blipFill>
+          <a:blip r:embed="rId3" cstate="print">
+            <a:extLst>
+              <a:ext uri="{28A0092B-C50C-407E-A947-70E740481C1C}">
+                <a14:useLocalDpi xmlns:a14="http://schemas.microsoft.com/office/drawing/2010/main" val="0"/>
+              </a:ext>
+            </a:extLst>
+          </a:blip>
+          <a:stretch>
+            <a:fillRect/>
+          </a:stretch>
+        </p:blipFill>
+        <p:spPr>
+          <a:xfrm>
+            <a:off x="3267075" y="2270674"/>
+            <a:ext cx="1280223" cy="1280223"/>
+          </a:xfrm>
+          <a:prstGeom prst="rect">
+            <a:avLst/>
+          </a:prstGeom>
+        </p:spPr>
+      </p:pic>
+      <p:pic>
+        <p:nvPicPr>
+          <p:cNvPr id="6" name="Obraz 5">
+            <a:extLst>
+              <a:ext uri="{FF2B5EF4-FFF2-40B4-BE49-F238E27FC236}">
+                <a16:creationId xmlns:a16="http://schemas.microsoft.com/office/drawing/2014/main" id="{530A1178-880C-4657-86A3-4F13274F3B58}"/>
+              </a:ext>
+            </a:extLst>
+          </p:cNvPr>
+          <p:cNvPicPr>
+            <a:picLocks noChangeAspect="1"/>
+          </p:cNvPicPr>
+          <p:nvPr/>
+        </p:nvPicPr>
+        <p:blipFill>
+          <a:blip r:embed="rId4" cstate="print">
+            <a:extLst>
+              <a:ext uri="{28A0092B-C50C-407E-A947-70E740481C1C}">
+                <a14:useLocalDpi xmlns:a14="http://schemas.microsoft.com/office/drawing/2010/main" val="0"/>
+              </a:ext>
+            </a:extLst>
+          </a:blip>
+          <a:stretch>
+            <a:fillRect/>
+          </a:stretch>
+        </p:blipFill>
+        <p:spPr>
+          <a:xfrm>
+            <a:off x="3267075" y="3429000"/>
+            <a:ext cx="1280223" cy="1280223"/>
+          </a:xfrm>
+          <a:prstGeom prst="rect">
+            <a:avLst/>
+          </a:prstGeom>
+        </p:spPr>
+      </p:pic>
+      <p:pic>
+        <p:nvPicPr>
+          <p:cNvPr id="11" name="Obraz 10">
+            <a:extLst>
+              <a:ext uri="{FF2B5EF4-FFF2-40B4-BE49-F238E27FC236}">
+                <a16:creationId xmlns:a16="http://schemas.microsoft.com/office/drawing/2014/main" id="{0E032E12-401E-474B-8921-29912DDE6274}"/>
+              </a:ext>
+            </a:extLst>
+          </p:cNvPr>
+          <p:cNvPicPr>
+            <a:picLocks noChangeAspect="1"/>
+          </p:cNvPicPr>
+          <p:nvPr/>
+        </p:nvPicPr>
+        <p:blipFill>
+          <a:blip r:embed="rId5" cstate="print">
+            <a:extLst>
+              <a:ext uri="{28A0092B-C50C-407E-A947-70E740481C1C}">
+                <a14:useLocalDpi xmlns:a14="http://schemas.microsoft.com/office/drawing/2010/main" val="0"/>
+              </a:ext>
+            </a:extLst>
+          </a:blip>
+          <a:stretch>
+            <a:fillRect/>
+          </a:stretch>
+        </p:blipFill>
+        <p:spPr>
+          <a:xfrm>
+            <a:off x="6702148" y="2270674"/>
+            <a:ext cx="1280223" cy="1280223"/>
+          </a:xfrm>
+          <a:prstGeom prst="rect">
+            <a:avLst/>
+          </a:prstGeom>
+        </p:spPr>
+      </p:pic>
+      <p:pic>
+        <p:nvPicPr>
+          <p:cNvPr id="12" name="Obraz 11">
+            <a:extLst>
+              <a:ext uri="{FF2B5EF4-FFF2-40B4-BE49-F238E27FC236}">
+                <a16:creationId xmlns:a16="http://schemas.microsoft.com/office/drawing/2014/main" id="{B9F8EB00-50B5-4127-BFFA-475F98FE0463}"/>
+              </a:ext>
+            </a:extLst>
+          </p:cNvPr>
+          <p:cNvPicPr>
+            <a:picLocks noChangeAspect="1"/>
+          </p:cNvPicPr>
+          <p:nvPr/>
+        </p:nvPicPr>
+        <p:blipFill>
+          <a:blip r:embed="rId6" cstate="print">
+            <a:extLst>
+              <a:ext uri="{28A0092B-C50C-407E-A947-70E740481C1C}">
+                <a14:useLocalDpi xmlns:a14="http://schemas.microsoft.com/office/drawing/2010/main" val="0"/>
+              </a:ext>
+            </a:extLst>
+          </a:blip>
+          <a:stretch>
+            <a:fillRect/>
+          </a:stretch>
+        </p:blipFill>
+        <p:spPr>
+          <a:xfrm>
+            <a:off x="6702148" y="3429000"/>
+            <a:ext cx="1280223" cy="1280223"/>
+          </a:xfrm>
+          <a:prstGeom prst="rect">
+            <a:avLst/>
+          </a:prstGeom>
+        </p:spPr>
+      </p:pic>
+      <p:sp>
+        <p:nvSpPr>
+          <p:cNvPr id="9" name="Strzałka w prawo 7">
+            <a:extLst>
+              <a:ext uri="{FF2B5EF4-FFF2-40B4-BE49-F238E27FC236}">
+                <a16:creationId xmlns:a16="http://schemas.microsoft.com/office/drawing/2014/main" id="{C70B2A1C-6125-46B7-9B2D-FF56D308DE1D}"/>
+              </a:ext>
+            </a:extLst>
+          </p:cNvPr>
+          <p:cNvSpPr/>
+          <p:nvPr/>
+        </p:nvSpPr>
+        <p:spPr>
+          <a:xfrm>
+            <a:off x="4656803" y="3806135"/>
+            <a:ext cx="1894124" cy="374970"/>
+          </a:xfrm>
+          <a:prstGeom prst="rightArrow">
+            <a:avLst/>
+          </a:prstGeom>
+        </p:spPr>
+        <p:style>
+          <a:lnRef idx="1">
+            <a:schemeClr val="accent4"/>
+          </a:lnRef>
+          <a:fillRef idx="3">
+            <a:schemeClr val="accent4"/>
+          </a:fillRef>
+          <a:effectRef idx="2">
+            <a:schemeClr val="accent4"/>
+          </a:effectRef>
+          <a:fontRef idx="minor">
+            <a:schemeClr val="lt1"/>
+          </a:fontRef>
+        </p:style>
+        <p:txBody>
+          <a:bodyPr rtlCol="0" anchor="ctr"/>
+          <a:lstStyle/>
+          <a:p>
+            <a:pPr algn="ctr"/>
+            <a:endParaRPr lang="en-US"/>
+          </a:p>
+        </p:txBody>
+      </p:sp>
+    </p:spTree>
+    <p:extLst>
+      <p:ext uri="{BB962C8B-B14F-4D97-AF65-F5344CB8AC3E}">
+        <p14:creationId xmlns:p14="http://schemas.microsoft.com/office/powerpoint/2010/main" val="269961675"/>
+      </p:ext>
+    </p:extLst>
+  </p:cSld>
+  <p:clrMapOvr>
+    <a:masterClrMapping/>
+  </p:clrMapOvr>
+</p:sld>
+</file>
+
+<file path=ppt/slides/slide21.xml><?xml version="1.0" encoding="utf-8"?>
+<p:sld xmlns:a="http://schemas.openxmlformats.org/drawingml/2006/main" xmlns:r="http://schemas.openxmlformats.org/officeDocument/2006/relationships" xmlns:p="http://schemas.openxmlformats.org/presentationml/2006/main">
+  <p:cSld>
+    <p:spTree>
+      <p:nvGrpSpPr>
+        <p:cNvPr id="1" name=""/>
+        <p:cNvGrpSpPr/>
+        <p:nvPr/>
+      </p:nvGrpSpPr>
+      <p:grpSpPr>
+        <a:xfrm>
+          <a:off x="0" y="0"/>
+          <a:ext cx="0" cy="0"/>
+          <a:chOff x="0" y="0"/>
+          <a:chExt cx="0" cy="0"/>
+        </a:xfrm>
+      </p:grpSpPr>
+      <p:pic>
+        <p:nvPicPr>
+          <p:cNvPr id="3" name="Obraz 2">
+            <a:extLst>
+              <a:ext uri="{FF2B5EF4-FFF2-40B4-BE49-F238E27FC236}">
+                <a16:creationId xmlns:a16="http://schemas.microsoft.com/office/drawing/2014/main" id="{857983A3-4F25-41C1-B19A-8BCB5553033C}"/>
+              </a:ext>
+            </a:extLst>
+          </p:cNvPr>
+          <p:cNvPicPr>
+            <a:picLocks noChangeAspect="1"/>
+          </p:cNvPicPr>
+          <p:nvPr/>
+        </p:nvPicPr>
+        <p:blipFill>
+          <a:blip r:embed="rId2" cstate="print">
+            <a:extLst>
+              <a:ext uri="{28A0092B-C50C-407E-A947-70E740481C1C}">
+                <a14:useLocalDpi xmlns:a14="http://schemas.microsoft.com/office/drawing/2010/main" val="0"/>
+              </a:ext>
+            </a:extLst>
+          </a:blip>
+          <a:stretch>
+            <a:fillRect/>
+          </a:stretch>
+        </p:blipFill>
+        <p:spPr>
+          <a:xfrm>
+            <a:off x="339512" y="864080"/>
+            <a:ext cx="4359007" cy="3402068"/>
+          </a:xfrm>
+          <a:prstGeom prst="rect">
+            <a:avLst/>
+          </a:prstGeom>
+        </p:spPr>
+      </p:pic>
+      <p:pic>
+        <p:nvPicPr>
+          <p:cNvPr id="8" name="Obraz 7">
+            <a:extLst>
+              <a:ext uri="{FF2B5EF4-FFF2-40B4-BE49-F238E27FC236}">
+                <a16:creationId xmlns:a16="http://schemas.microsoft.com/office/drawing/2014/main" id="{4037ED0E-94DE-462E-BCCA-81417062B3C0}"/>
+              </a:ext>
+            </a:extLst>
+          </p:cNvPr>
+          <p:cNvPicPr>
+            <a:picLocks noChangeAspect="1"/>
+          </p:cNvPicPr>
+          <p:nvPr/>
+        </p:nvPicPr>
+        <p:blipFill>
+          <a:blip r:embed="rId2" cstate="print">
+            <a:extLst>
+              <a:ext uri="{28A0092B-C50C-407E-A947-70E740481C1C}">
+                <a14:useLocalDpi xmlns:a14="http://schemas.microsoft.com/office/drawing/2010/main" val="0"/>
+              </a:ext>
+            </a:extLst>
+          </a:blip>
+          <a:stretch>
+            <a:fillRect/>
+          </a:stretch>
+        </p:blipFill>
+        <p:spPr>
+          <a:xfrm>
+            <a:off x="7493481" y="864080"/>
+            <a:ext cx="4359007" cy="3402068"/>
+          </a:xfrm>
+          <a:prstGeom prst="rect">
+            <a:avLst/>
+          </a:prstGeom>
+        </p:spPr>
+      </p:pic>
+      <p:pic>
+        <p:nvPicPr>
+          <p:cNvPr id="5" name="Obraz 4">
+            <a:extLst>
+              <a:ext uri="{FF2B5EF4-FFF2-40B4-BE49-F238E27FC236}">
+                <a16:creationId xmlns:a16="http://schemas.microsoft.com/office/drawing/2014/main" id="{D7715D39-33E3-4CF0-BC2B-0B8A73F1568F}"/>
+              </a:ext>
+            </a:extLst>
+          </p:cNvPr>
+          <p:cNvPicPr>
+            <a:picLocks noChangeAspect="1"/>
+          </p:cNvPicPr>
+          <p:nvPr/>
+        </p:nvPicPr>
+        <p:blipFill>
+          <a:blip r:embed="rId3" cstate="print">
+            <a:extLst>
+              <a:ext uri="{28A0092B-C50C-407E-A947-70E740481C1C}">
+                <a14:useLocalDpi xmlns:a14="http://schemas.microsoft.com/office/drawing/2010/main" val="0"/>
+              </a:ext>
+            </a:extLst>
+          </a:blip>
+          <a:stretch>
+            <a:fillRect/>
+          </a:stretch>
+        </p:blipFill>
+        <p:spPr>
+          <a:xfrm>
+            <a:off x="3267075" y="2270674"/>
+            <a:ext cx="1280223" cy="1280223"/>
+          </a:xfrm>
+          <a:prstGeom prst="rect">
+            <a:avLst/>
+          </a:prstGeom>
+        </p:spPr>
+      </p:pic>
+      <p:pic>
+        <p:nvPicPr>
+          <p:cNvPr id="6" name="Obraz 5">
+            <a:extLst>
+              <a:ext uri="{FF2B5EF4-FFF2-40B4-BE49-F238E27FC236}">
+                <a16:creationId xmlns:a16="http://schemas.microsoft.com/office/drawing/2014/main" id="{530A1178-880C-4657-86A3-4F13274F3B58}"/>
+              </a:ext>
+            </a:extLst>
+          </p:cNvPr>
+          <p:cNvPicPr>
+            <a:picLocks noChangeAspect="1"/>
+          </p:cNvPicPr>
+          <p:nvPr/>
+        </p:nvPicPr>
+        <p:blipFill>
+          <a:blip r:embed="rId4" cstate="print">
+            <a:extLst>
+              <a:ext uri="{28A0092B-C50C-407E-A947-70E740481C1C}">
+                <a14:useLocalDpi xmlns:a14="http://schemas.microsoft.com/office/drawing/2010/main" val="0"/>
+              </a:ext>
+            </a:extLst>
+          </a:blip>
+          <a:stretch>
+            <a:fillRect/>
+          </a:stretch>
+        </p:blipFill>
+        <p:spPr>
+          <a:xfrm>
+            <a:off x="3267075" y="3429000"/>
+            <a:ext cx="1280223" cy="1280223"/>
+          </a:xfrm>
+          <a:prstGeom prst="rect">
+            <a:avLst/>
+          </a:prstGeom>
+        </p:spPr>
+      </p:pic>
+      <p:pic>
+        <p:nvPicPr>
+          <p:cNvPr id="11" name="Obraz 10">
+            <a:extLst>
+              <a:ext uri="{FF2B5EF4-FFF2-40B4-BE49-F238E27FC236}">
+                <a16:creationId xmlns:a16="http://schemas.microsoft.com/office/drawing/2014/main" id="{0E032E12-401E-474B-8921-29912DDE6274}"/>
+              </a:ext>
+            </a:extLst>
+          </p:cNvPr>
+          <p:cNvPicPr>
+            <a:picLocks noChangeAspect="1"/>
+          </p:cNvPicPr>
+          <p:nvPr/>
+        </p:nvPicPr>
+        <p:blipFill>
+          <a:blip r:embed="rId5" cstate="print">
+            <a:extLst>
+              <a:ext uri="{28A0092B-C50C-407E-A947-70E740481C1C}">
+                <a14:useLocalDpi xmlns:a14="http://schemas.microsoft.com/office/drawing/2010/main" val="0"/>
+              </a:ext>
+            </a:extLst>
+          </a:blip>
+          <a:stretch>
+            <a:fillRect/>
+          </a:stretch>
+        </p:blipFill>
+        <p:spPr>
+          <a:xfrm>
+            <a:off x="6702148" y="2270674"/>
+            <a:ext cx="1280223" cy="1280223"/>
+          </a:xfrm>
+          <a:prstGeom prst="rect">
+            <a:avLst/>
+          </a:prstGeom>
+        </p:spPr>
+      </p:pic>
+      <p:pic>
+        <p:nvPicPr>
+          <p:cNvPr id="12" name="Obraz 11">
+            <a:extLst>
+              <a:ext uri="{FF2B5EF4-FFF2-40B4-BE49-F238E27FC236}">
+                <a16:creationId xmlns:a16="http://schemas.microsoft.com/office/drawing/2014/main" id="{B9F8EB00-50B5-4127-BFFA-475F98FE0463}"/>
+              </a:ext>
+            </a:extLst>
+          </p:cNvPr>
+          <p:cNvPicPr>
+            <a:picLocks noChangeAspect="1"/>
+          </p:cNvPicPr>
+          <p:nvPr/>
+        </p:nvPicPr>
+        <p:blipFill>
+          <a:blip r:embed="rId6" cstate="print">
+            <a:extLst>
+              <a:ext uri="{28A0092B-C50C-407E-A947-70E740481C1C}">
+                <a14:useLocalDpi xmlns:a14="http://schemas.microsoft.com/office/drawing/2010/main" val="0"/>
+              </a:ext>
+            </a:extLst>
+          </a:blip>
+          <a:stretch>
+            <a:fillRect/>
+          </a:stretch>
+        </p:blipFill>
+        <p:spPr>
+          <a:xfrm>
+            <a:off x="6702148" y="3429000"/>
+            <a:ext cx="1280223" cy="1280223"/>
+          </a:xfrm>
+          <a:prstGeom prst="rect">
+            <a:avLst/>
+          </a:prstGeom>
+        </p:spPr>
+      </p:pic>
+      <p:sp>
+        <p:nvSpPr>
+          <p:cNvPr id="10" name="Strzałka w prawo 7">
+            <a:extLst>
+              <a:ext uri="{FF2B5EF4-FFF2-40B4-BE49-F238E27FC236}">
+                <a16:creationId xmlns:a16="http://schemas.microsoft.com/office/drawing/2014/main" id="{E71EB6F3-B0D8-4A48-A9C0-79247F44FB1D}"/>
+              </a:ext>
+            </a:extLst>
+          </p:cNvPr>
+          <p:cNvSpPr/>
+          <p:nvPr/>
+        </p:nvSpPr>
+        <p:spPr>
+          <a:xfrm>
+            <a:off x="4656803" y="3806135"/>
+            <a:ext cx="1894124" cy="374970"/>
+          </a:xfrm>
+          <a:prstGeom prst="rightArrow">
+            <a:avLst/>
+          </a:prstGeom>
+        </p:spPr>
+        <p:style>
+          <a:lnRef idx="1">
+            <a:schemeClr val="accent4"/>
+          </a:lnRef>
+          <a:fillRef idx="3">
+            <a:schemeClr val="accent4"/>
+          </a:fillRef>
+          <a:effectRef idx="2">
+            <a:schemeClr val="accent4"/>
+          </a:effectRef>
+          <a:fontRef idx="minor">
+            <a:schemeClr val="lt1"/>
+          </a:fontRef>
+        </p:style>
+        <p:txBody>
+          <a:bodyPr rtlCol="0" anchor="ctr"/>
+          <a:lstStyle/>
+          <a:p>
+            <a:pPr algn="ctr"/>
+            <a:endParaRPr lang="en-US"/>
+          </a:p>
+        </p:txBody>
+      </p:sp>
+    </p:spTree>
+    <p:extLst>
+      <p:ext uri="{BB962C8B-B14F-4D97-AF65-F5344CB8AC3E}">
+        <p14:creationId xmlns:p14="http://schemas.microsoft.com/office/powerpoint/2010/main" val="121067878"/>
+      </p:ext>
+    </p:extLst>
+  </p:cSld>
+  <p:clrMapOvr>
+    <a:masterClrMapping/>
+  </p:clrMapOvr>
+</p:sld>
+</file>
+
+<file path=ppt/slides/slide22.xml><?xml version="1.0" encoding="utf-8"?>
+<p:sld xmlns:a="http://schemas.openxmlformats.org/drawingml/2006/main" xmlns:r="http://schemas.openxmlformats.org/officeDocument/2006/relationships" xmlns:p="http://schemas.openxmlformats.org/presentationml/2006/main">
+  <p:cSld>
+    <p:spTree>
+      <p:nvGrpSpPr>
+        <p:cNvPr id="1" name=""/>
+        <p:cNvGrpSpPr/>
+        <p:nvPr/>
+      </p:nvGrpSpPr>
+      <p:grpSpPr>
+        <a:xfrm>
+          <a:off x="0" y="0"/>
+          <a:ext cx="0" cy="0"/>
+          <a:chOff x="0" y="0"/>
+          <a:chExt cx="0" cy="0"/>
+        </a:xfrm>
+      </p:grpSpPr>
+      <p:pic>
+        <p:nvPicPr>
+          <p:cNvPr id="3" name="Obraz 2">
+            <a:extLst>
+              <a:ext uri="{FF2B5EF4-FFF2-40B4-BE49-F238E27FC236}">
+                <a16:creationId xmlns:a16="http://schemas.microsoft.com/office/drawing/2014/main" id="{857983A3-4F25-41C1-B19A-8BCB5553033C}"/>
+              </a:ext>
+            </a:extLst>
+          </p:cNvPr>
+          <p:cNvPicPr>
+            <a:picLocks noChangeAspect="1"/>
+          </p:cNvPicPr>
+          <p:nvPr/>
+        </p:nvPicPr>
+        <p:blipFill>
+          <a:blip r:embed="rId2" cstate="print">
+            <a:extLst>
+              <a:ext uri="{28A0092B-C50C-407E-A947-70E740481C1C}">
+                <a14:useLocalDpi xmlns:a14="http://schemas.microsoft.com/office/drawing/2010/main" val="0"/>
+              </a:ext>
+            </a:extLst>
+          </a:blip>
+          <a:stretch>
+            <a:fillRect/>
+          </a:stretch>
+        </p:blipFill>
+        <p:spPr>
+          <a:xfrm>
+            <a:off x="339512" y="864080"/>
+            <a:ext cx="4359007" cy="3402068"/>
+          </a:xfrm>
+          <a:prstGeom prst="rect">
+            <a:avLst/>
+          </a:prstGeom>
+        </p:spPr>
+      </p:pic>
+      <p:pic>
+        <p:nvPicPr>
+          <p:cNvPr id="8" name="Obraz 7">
+            <a:extLst>
+              <a:ext uri="{FF2B5EF4-FFF2-40B4-BE49-F238E27FC236}">
+                <a16:creationId xmlns:a16="http://schemas.microsoft.com/office/drawing/2014/main" id="{4037ED0E-94DE-462E-BCCA-81417062B3C0}"/>
+              </a:ext>
+            </a:extLst>
+          </p:cNvPr>
+          <p:cNvPicPr>
+            <a:picLocks noChangeAspect="1"/>
+          </p:cNvPicPr>
+          <p:nvPr/>
+        </p:nvPicPr>
+        <p:blipFill>
+          <a:blip r:embed="rId2" cstate="print">
+            <a:extLst>
+              <a:ext uri="{28A0092B-C50C-407E-A947-70E740481C1C}">
+                <a14:useLocalDpi xmlns:a14="http://schemas.microsoft.com/office/drawing/2010/main" val="0"/>
+              </a:ext>
+            </a:extLst>
+          </a:blip>
+          <a:stretch>
+            <a:fillRect/>
+          </a:stretch>
+        </p:blipFill>
+        <p:spPr>
+          <a:xfrm>
+            <a:off x="7493481" y="864080"/>
+            <a:ext cx="4359007" cy="3402068"/>
+          </a:xfrm>
+          <a:prstGeom prst="rect">
+            <a:avLst/>
+          </a:prstGeom>
+        </p:spPr>
+      </p:pic>
+      <p:pic>
+        <p:nvPicPr>
+          <p:cNvPr id="5" name="Obraz 4">
+            <a:extLst>
+              <a:ext uri="{FF2B5EF4-FFF2-40B4-BE49-F238E27FC236}">
+                <a16:creationId xmlns:a16="http://schemas.microsoft.com/office/drawing/2014/main" id="{D7715D39-33E3-4CF0-BC2B-0B8A73F1568F}"/>
+              </a:ext>
+            </a:extLst>
+          </p:cNvPr>
+          <p:cNvPicPr>
+            <a:picLocks noChangeAspect="1"/>
+          </p:cNvPicPr>
+          <p:nvPr/>
+        </p:nvPicPr>
+        <p:blipFill>
+          <a:blip r:embed="rId3" cstate="print">
+            <a:extLst>
+              <a:ext uri="{28A0092B-C50C-407E-A947-70E740481C1C}">
+                <a14:useLocalDpi xmlns:a14="http://schemas.microsoft.com/office/drawing/2010/main" val="0"/>
+              </a:ext>
+            </a:extLst>
+          </a:blip>
+          <a:stretch>
+            <a:fillRect/>
+          </a:stretch>
+        </p:blipFill>
+        <p:spPr>
+          <a:xfrm>
+            <a:off x="3267075" y="2270674"/>
+            <a:ext cx="1280223" cy="1280223"/>
+          </a:xfrm>
+          <a:prstGeom prst="rect">
+            <a:avLst/>
+          </a:prstGeom>
+        </p:spPr>
+      </p:pic>
+      <p:pic>
+        <p:nvPicPr>
+          <p:cNvPr id="6" name="Obraz 5">
+            <a:extLst>
+              <a:ext uri="{FF2B5EF4-FFF2-40B4-BE49-F238E27FC236}">
+                <a16:creationId xmlns:a16="http://schemas.microsoft.com/office/drawing/2014/main" id="{530A1178-880C-4657-86A3-4F13274F3B58}"/>
+              </a:ext>
+            </a:extLst>
+          </p:cNvPr>
+          <p:cNvPicPr>
+            <a:picLocks noChangeAspect="1"/>
+          </p:cNvPicPr>
+          <p:nvPr/>
+        </p:nvPicPr>
+        <p:blipFill>
+          <a:blip r:embed="rId4" cstate="print">
+            <a:extLst>
+              <a:ext uri="{28A0092B-C50C-407E-A947-70E740481C1C}">
+                <a14:useLocalDpi xmlns:a14="http://schemas.microsoft.com/office/drawing/2010/main" val="0"/>
+              </a:ext>
+            </a:extLst>
+          </a:blip>
+          <a:stretch>
+            <a:fillRect/>
+          </a:stretch>
+        </p:blipFill>
+        <p:spPr>
+          <a:xfrm>
+            <a:off x="3267075" y="3429000"/>
+            <a:ext cx="1280223" cy="1280223"/>
+          </a:xfrm>
+          <a:prstGeom prst="rect">
+            <a:avLst/>
+          </a:prstGeom>
+        </p:spPr>
+      </p:pic>
+      <p:pic>
+        <p:nvPicPr>
+          <p:cNvPr id="11" name="Obraz 10">
+            <a:extLst>
+              <a:ext uri="{FF2B5EF4-FFF2-40B4-BE49-F238E27FC236}">
+                <a16:creationId xmlns:a16="http://schemas.microsoft.com/office/drawing/2014/main" id="{0E032E12-401E-474B-8921-29912DDE6274}"/>
+              </a:ext>
+            </a:extLst>
+          </p:cNvPr>
+          <p:cNvPicPr>
+            <a:picLocks noChangeAspect="1"/>
+          </p:cNvPicPr>
+          <p:nvPr/>
+        </p:nvPicPr>
+        <p:blipFill>
+          <a:blip r:embed="rId5" cstate="print">
+            <a:extLst>
+              <a:ext uri="{28A0092B-C50C-407E-A947-70E740481C1C}">
+                <a14:useLocalDpi xmlns:a14="http://schemas.microsoft.com/office/drawing/2010/main" val="0"/>
+              </a:ext>
+            </a:extLst>
+          </a:blip>
+          <a:stretch>
+            <a:fillRect/>
+          </a:stretch>
+        </p:blipFill>
+        <p:spPr>
+          <a:xfrm>
+            <a:off x="6702148" y="2270674"/>
+            <a:ext cx="1280223" cy="1280223"/>
+          </a:xfrm>
+          <a:prstGeom prst="rect">
+            <a:avLst/>
+          </a:prstGeom>
+        </p:spPr>
+      </p:pic>
+      <p:pic>
+        <p:nvPicPr>
+          <p:cNvPr id="12" name="Obraz 11">
+            <a:extLst>
+              <a:ext uri="{FF2B5EF4-FFF2-40B4-BE49-F238E27FC236}">
+                <a16:creationId xmlns:a16="http://schemas.microsoft.com/office/drawing/2014/main" id="{B9F8EB00-50B5-4127-BFFA-475F98FE0463}"/>
+              </a:ext>
+            </a:extLst>
+          </p:cNvPr>
+          <p:cNvPicPr>
+            <a:picLocks noChangeAspect="1"/>
+          </p:cNvPicPr>
+          <p:nvPr/>
+        </p:nvPicPr>
+        <p:blipFill>
+          <a:blip r:embed="rId6" cstate="print">
+            <a:extLst>
+              <a:ext uri="{28A0092B-C50C-407E-A947-70E740481C1C}">
+                <a14:useLocalDpi xmlns:a14="http://schemas.microsoft.com/office/drawing/2010/main" val="0"/>
+              </a:ext>
+            </a:extLst>
+          </a:blip>
+          <a:stretch>
+            <a:fillRect/>
+          </a:stretch>
+        </p:blipFill>
+        <p:spPr>
+          <a:xfrm>
+            <a:off x="6702148" y="3429000"/>
+            <a:ext cx="1280223" cy="1280223"/>
+          </a:xfrm>
+          <a:prstGeom prst="rect">
+            <a:avLst/>
+          </a:prstGeom>
+        </p:spPr>
+      </p:pic>
+      <p:sp>
+        <p:nvSpPr>
+          <p:cNvPr id="13" name="Strzałka w prawo 7">
+            <a:extLst>
+              <a:ext uri="{FF2B5EF4-FFF2-40B4-BE49-F238E27FC236}">
+                <a16:creationId xmlns:a16="http://schemas.microsoft.com/office/drawing/2014/main" id="{B4B3ED2D-2A04-4601-A53C-0A18FB076BB7}"/>
+              </a:ext>
+            </a:extLst>
+          </p:cNvPr>
+          <p:cNvSpPr/>
+          <p:nvPr/>
+        </p:nvSpPr>
+        <p:spPr>
+          <a:xfrm>
+            <a:off x="4656803" y="3806135"/>
+            <a:ext cx="1894124" cy="374970"/>
+          </a:xfrm>
+          <a:prstGeom prst="rightArrow">
+            <a:avLst/>
+          </a:prstGeom>
+        </p:spPr>
+        <p:style>
+          <a:lnRef idx="1">
+            <a:schemeClr val="accent4"/>
+          </a:lnRef>
+          <a:fillRef idx="3">
+            <a:schemeClr val="accent4"/>
+          </a:fillRef>
+          <a:effectRef idx="2">
+            <a:schemeClr val="accent4"/>
+          </a:effectRef>
+          <a:fontRef idx="minor">
+            <a:schemeClr val="lt1"/>
+          </a:fontRef>
+        </p:style>
+        <p:txBody>
+          <a:bodyPr rtlCol="0" anchor="ctr"/>
+          <a:lstStyle/>
+          <a:p>
+            <a:pPr algn="ctr"/>
+            <a:endParaRPr lang="en-US"/>
+          </a:p>
+        </p:txBody>
+      </p:sp>
+      <p:sp>
+        <p:nvSpPr>
+          <p:cNvPr id="14" name="Strzałka w prawo 7">
+            <a:extLst>
+              <a:ext uri="{FF2B5EF4-FFF2-40B4-BE49-F238E27FC236}">
+                <a16:creationId xmlns:a16="http://schemas.microsoft.com/office/drawing/2014/main" id="{2A749269-079B-4A1E-829F-BE30E87D7844}"/>
+              </a:ext>
+            </a:extLst>
+          </p:cNvPr>
+          <p:cNvSpPr/>
+          <p:nvPr/>
+        </p:nvSpPr>
+        <p:spPr>
+          <a:xfrm>
+            <a:off x="4656803" y="2634560"/>
+            <a:ext cx="1894124" cy="374970"/>
+          </a:xfrm>
+          <a:prstGeom prst="rightArrow">
+            <a:avLst/>
+          </a:prstGeom>
+        </p:spPr>
+        <p:style>
+          <a:lnRef idx="1">
+            <a:schemeClr val="accent4"/>
+          </a:lnRef>
+          <a:fillRef idx="3">
+            <a:schemeClr val="accent4"/>
+          </a:fillRef>
+          <a:effectRef idx="2">
+            <a:schemeClr val="accent4"/>
+          </a:effectRef>
+          <a:fontRef idx="minor">
+            <a:schemeClr val="lt1"/>
+          </a:fontRef>
+        </p:style>
+        <p:txBody>
+          <a:bodyPr rtlCol="0" anchor="ctr"/>
+          <a:lstStyle/>
+          <a:p>
+            <a:pPr algn="ctr"/>
+            <a:endParaRPr lang="en-US"/>
+          </a:p>
+        </p:txBody>
+      </p:sp>
+      <p:pic>
+        <p:nvPicPr>
+          <p:cNvPr id="15" name="Obraz 14">
+            <a:extLst>
+              <a:ext uri="{FF2B5EF4-FFF2-40B4-BE49-F238E27FC236}">
+                <a16:creationId xmlns:a16="http://schemas.microsoft.com/office/drawing/2014/main" id="{AF3B0098-3CF8-4E45-8C00-612959A1FFE5}"/>
+              </a:ext>
+            </a:extLst>
+          </p:cNvPr>
+          <p:cNvPicPr>
+            <a:picLocks noChangeAspect="1"/>
+          </p:cNvPicPr>
+          <p:nvPr/>
+        </p:nvPicPr>
+        <p:blipFill>
+          <a:blip r:embed="rId7" cstate="print">
+            <a:extLst>
+              <a:ext uri="{28A0092B-C50C-407E-A947-70E740481C1C}">
+                <a14:useLocalDpi xmlns:a14="http://schemas.microsoft.com/office/drawing/2010/main" val="0"/>
+              </a:ext>
+            </a:extLst>
+          </a:blip>
+          <a:stretch>
+            <a:fillRect/>
+          </a:stretch>
+        </p:blipFill>
+        <p:spPr>
+          <a:xfrm>
+            <a:off x="5595806" y="2048540"/>
+            <a:ext cx="578655" cy="824810"/>
+          </a:xfrm>
+          <a:prstGeom prst="rect">
+            <a:avLst/>
+          </a:prstGeom>
+        </p:spPr>
+      </p:pic>
+    </p:spTree>
+    <p:extLst>
+      <p:ext uri="{BB962C8B-B14F-4D97-AF65-F5344CB8AC3E}">
+        <p14:creationId xmlns:p14="http://schemas.microsoft.com/office/powerpoint/2010/main" val="2896663036"/>
+      </p:ext>
+    </p:extLst>
+  </p:cSld>
+  <p:clrMapOvr>
+    <a:masterClrMapping/>
+  </p:clrMapOvr>
+</p:sld>
+</file>
+
+<file path=ppt/slides/slide23.xml><?xml version="1.0" encoding="utf-8"?>
+<p:sld xmlns:a="http://schemas.openxmlformats.org/drawingml/2006/main" xmlns:r="http://schemas.openxmlformats.org/officeDocument/2006/relationships" xmlns:p="http://schemas.openxmlformats.org/presentationml/2006/main">
+  <p:cSld>
+    <p:spTree>
+      <p:nvGrpSpPr>
+        <p:cNvPr id="1" name=""/>
+        <p:cNvGrpSpPr/>
+        <p:nvPr/>
+      </p:nvGrpSpPr>
+      <p:grpSpPr>
+        <a:xfrm>
+          <a:off x="0" y="0"/>
+          <a:ext cx="0" cy="0"/>
+          <a:chOff x="0" y="0"/>
+          <a:chExt cx="0" cy="0"/>
+        </a:xfrm>
+      </p:grpSpPr>
+      <p:pic>
+        <p:nvPicPr>
+          <p:cNvPr id="3" name="Obraz 2">
+            <a:extLst>
+              <a:ext uri="{FF2B5EF4-FFF2-40B4-BE49-F238E27FC236}">
+                <a16:creationId xmlns:a16="http://schemas.microsoft.com/office/drawing/2014/main" id="{857983A3-4F25-41C1-B19A-8BCB5553033C}"/>
+              </a:ext>
+            </a:extLst>
+          </p:cNvPr>
+          <p:cNvPicPr>
+            <a:picLocks noChangeAspect="1"/>
+          </p:cNvPicPr>
+          <p:nvPr/>
+        </p:nvPicPr>
+        <p:blipFill>
+          <a:blip r:embed="rId2" cstate="print">
+            <a:extLst>
+              <a:ext uri="{28A0092B-C50C-407E-A947-70E740481C1C}">
+                <a14:useLocalDpi xmlns:a14="http://schemas.microsoft.com/office/drawing/2010/main" val="0"/>
+              </a:ext>
+            </a:extLst>
+          </a:blip>
+          <a:stretch>
+            <a:fillRect/>
+          </a:stretch>
+        </p:blipFill>
+        <p:spPr>
+          <a:xfrm>
+            <a:off x="339512" y="864080"/>
+            <a:ext cx="4359007" cy="3402068"/>
+          </a:xfrm>
+          <a:prstGeom prst="rect">
+            <a:avLst/>
+          </a:prstGeom>
+        </p:spPr>
+      </p:pic>
+      <p:pic>
+        <p:nvPicPr>
+          <p:cNvPr id="8" name="Obraz 7">
+            <a:extLst>
+              <a:ext uri="{FF2B5EF4-FFF2-40B4-BE49-F238E27FC236}">
+                <a16:creationId xmlns:a16="http://schemas.microsoft.com/office/drawing/2014/main" id="{4037ED0E-94DE-462E-BCCA-81417062B3C0}"/>
+              </a:ext>
+            </a:extLst>
+          </p:cNvPr>
+          <p:cNvPicPr>
+            <a:picLocks noChangeAspect="1"/>
+          </p:cNvPicPr>
+          <p:nvPr/>
+        </p:nvPicPr>
+        <p:blipFill>
+          <a:blip r:embed="rId2" cstate="print">
+            <a:extLst>
+              <a:ext uri="{28A0092B-C50C-407E-A947-70E740481C1C}">
+                <a14:useLocalDpi xmlns:a14="http://schemas.microsoft.com/office/drawing/2010/main" val="0"/>
+              </a:ext>
+            </a:extLst>
+          </a:blip>
+          <a:stretch>
+            <a:fillRect/>
+          </a:stretch>
+        </p:blipFill>
+        <p:spPr>
+          <a:xfrm>
+            <a:off x="7493481" y="864080"/>
+            <a:ext cx="4359007" cy="3402068"/>
+          </a:xfrm>
+          <a:prstGeom prst="rect">
+            <a:avLst/>
+          </a:prstGeom>
+        </p:spPr>
+      </p:pic>
+      <p:pic>
+        <p:nvPicPr>
+          <p:cNvPr id="5" name="Obraz 4">
+            <a:extLst>
+              <a:ext uri="{FF2B5EF4-FFF2-40B4-BE49-F238E27FC236}">
+                <a16:creationId xmlns:a16="http://schemas.microsoft.com/office/drawing/2014/main" id="{D7715D39-33E3-4CF0-BC2B-0B8A73F1568F}"/>
+              </a:ext>
+            </a:extLst>
+          </p:cNvPr>
+          <p:cNvPicPr>
+            <a:picLocks noChangeAspect="1"/>
+          </p:cNvPicPr>
+          <p:nvPr/>
+        </p:nvPicPr>
+        <p:blipFill>
+          <a:blip r:embed="rId3" cstate="print">
+            <a:extLst>
+              <a:ext uri="{28A0092B-C50C-407E-A947-70E740481C1C}">
+                <a14:useLocalDpi xmlns:a14="http://schemas.microsoft.com/office/drawing/2010/main" val="0"/>
+              </a:ext>
+            </a:extLst>
+          </a:blip>
+          <a:stretch>
+            <a:fillRect/>
+          </a:stretch>
+        </p:blipFill>
+        <p:spPr>
+          <a:xfrm>
+            <a:off x="3267075" y="2270674"/>
+            <a:ext cx="1280223" cy="1280223"/>
+          </a:xfrm>
+          <a:prstGeom prst="rect">
+            <a:avLst/>
+          </a:prstGeom>
+        </p:spPr>
+      </p:pic>
+      <p:pic>
+        <p:nvPicPr>
+          <p:cNvPr id="6" name="Obraz 5">
+            <a:extLst>
+              <a:ext uri="{FF2B5EF4-FFF2-40B4-BE49-F238E27FC236}">
+                <a16:creationId xmlns:a16="http://schemas.microsoft.com/office/drawing/2014/main" id="{530A1178-880C-4657-86A3-4F13274F3B58}"/>
+              </a:ext>
+            </a:extLst>
+          </p:cNvPr>
+          <p:cNvPicPr>
+            <a:picLocks noChangeAspect="1"/>
+          </p:cNvPicPr>
+          <p:nvPr/>
+        </p:nvPicPr>
+        <p:blipFill>
+          <a:blip r:embed="rId4" cstate="print">
+            <a:extLst>
+              <a:ext uri="{28A0092B-C50C-407E-A947-70E740481C1C}">
+                <a14:useLocalDpi xmlns:a14="http://schemas.microsoft.com/office/drawing/2010/main" val="0"/>
+              </a:ext>
+            </a:extLst>
+          </a:blip>
+          <a:stretch>
+            <a:fillRect/>
+          </a:stretch>
+        </p:blipFill>
+        <p:spPr>
+          <a:xfrm>
+            <a:off x="3267075" y="3429000"/>
+            <a:ext cx="1280223" cy="1280223"/>
+          </a:xfrm>
+          <a:prstGeom prst="rect">
+            <a:avLst/>
+          </a:prstGeom>
+        </p:spPr>
+      </p:pic>
+      <p:pic>
+        <p:nvPicPr>
+          <p:cNvPr id="11" name="Obraz 10">
+            <a:extLst>
+              <a:ext uri="{FF2B5EF4-FFF2-40B4-BE49-F238E27FC236}">
+                <a16:creationId xmlns:a16="http://schemas.microsoft.com/office/drawing/2014/main" id="{0E032E12-401E-474B-8921-29912DDE6274}"/>
+              </a:ext>
+            </a:extLst>
+          </p:cNvPr>
+          <p:cNvPicPr>
+            <a:picLocks noChangeAspect="1"/>
+          </p:cNvPicPr>
+          <p:nvPr/>
+        </p:nvPicPr>
+        <p:blipFill>
+          <a:blip r:embed="rId5" cstate="print">
+            <a:extLst>
+              <a:ext uri="{28A0092B-C50C-407E-A947-70E740481C1C}">
+                <a14:useLocalDpi xmlns:a14="http://schemas.microsoft.com/office/drawing/2010/main" val="0"/>
+              </a:ext>
+            </a:extLst>
+          </a:blip>
+          <a:stretch>
+            <a:fillRect/>
+          </a:stretch>
+        </p:blipFill>
+        <p:spPr>
+          <a:xfrm>
+            <a:off x="6702148" y="2270674"/>
+            <a:ext cx="1280223" cy="1280223"/>
+          </a:xfrm>
+          <a:prstGeom prst="rect">
+            <a:avLst/>
+          </a:prstGeom>
+        </p:spPr>
+      </p:pic>
+      <p:pic>
+        <p:nvPicPr>
+          <p:cNvPr id="12" name="Obraz 11">
+            <a:extLst>
+              <a:ext uri="{FF2B5EF4-FFF2-40B4-BE49-F238E27FC236}">
+                <a16:creationId xmlns:a16="http://schemas.microsoft.com/office/drawing/2014/main" id="{B9F8EB00-50B5-4127-BFFA-475F98FE0463}"/>
+              </a:ext>
+            </a:extLst>
+          </p:cNvPr>
+          <p:cNvPicPr>
+            <a:picLocks noChangeAspect="1"/>
+          </p:cNvPicPr>
+          <p:nvPr/>
+        </p:nvPicPr>
+        <p:blipFill>
+          <a:blip r:embed="rId6" cstate="print">
+            <a:extLst>
+              <a:ext uri="{28A0092B-C50C-407E-A947-70E740481C1C}">
+                <a14:useLocalDpi xmlns:a14="http://schemas.microsoft.com/office/drawing/2010/main" val="0"/>
+              </a:ext>
+            </a:extLst>
+          </a:blip>
+          <a:stretch>
+            <a:fillRect/>
+          </a:stretch>
+        </p:blipFill>
+        <p:spPr>
+          <a:xfrm>
+            <a:off x="6702148" y="3429000"/>
+            <a:ext cx="1280223" cy="1280223"/>
+          </a:xfrm>
+          <a:prstGeom prst="rect">
+            <a:avLst/>
+          </a:prstGeom>
+        </p:spPr>
+      </p:pic>
+      <p:sp>
+        <p:nvSpPr>
+          <p:cNvPr id="9" name="Strzałka w prawo 7">
+            <a:extLst>
+              <a:ext uri="{FF2B5EF4-FFF2-40B4-BE49-F238E27FC236}">
+                <a16:creationId xmlns:a16="http://schemas.microsoft.com/office/drawing/2014/main" id="{FCE8E0F1-3450-4A97-9468-A931E3EBBE73}"/>
+              </a:ext>
+            </a:extLst>
+          </p:cNvPr>
+          <p:cNvSpPr/>
+          <p:nvPr/>
+        </p:nvSpPr>
+        <p:spPr>
+          <a:xfrm>
+            <a:off x="4656803" y="3806135"/>
+            <a:ext cx="1894124" cy="374970"/>
+          </a:xfrm>
+          <a:prstGeom prst="rightArrow">
+            <a:avLst/>
+          </a:prstGeom>
+        </p:spPr>
+        <p:style>
+          <a:lnRef idx="1">
+            <a:schemeClr val="accent4"/>
+          </a:lnRef>
+          <a:fillRef idx="3">
+            <a:schemeClr val="accent4"/>
+          </a:fillRef>
+          <a:effectRef idx="2">
+            <a:schemeClr val="accent4"/>
+          </a:effectRef>
+          <a:fontRef idx="minor">
+            <a:schemeClr val="lt1"/>
+          </a:fontRef>
+        </p:style>
+        <p:txBody>
+          <a:bodyPr rtlCol="0" anchor="ctr"/>
+          <a:lstStyle/>
+          <a:p>
+            <a:pPr algn="ctr"/>
+            <a:endParaRPr lang="en-US"/>
+          </a:p>
+        </p:txBody>
+      </p:sp>
+    </p:spTree>
+    <p:extLst>
+      <p:ext uri="{BB962C8B-B14F-4D97-AF65-F5344CB8AC3E}">
+        <p14:creationId xmlns:p14="http://schemas.microsoft.com/office/powerpoint/2010/main" val="2341066579"/>
+      </p:ext>
+    </p:extLst>
+  </p:cSld>
+  <p:clrMapOvr>
+    <a:masterClrMapping/>
+  </p:clrMapOvr>
+</p:sld>
+</file>
+
+<file path=ppt/slides/slide24.xml><?xml version="1.0" encoding="utf-8"?>
+<p:sld xmlns:a="http://schemas.openxmlformats.org/drawingml/2006/main" xmlns:r="http://schemas.openxmlformats.org/officeDocument/2006/relationships" xmlns:p="http://schemas.openxmlformats.org/presentationml/2006/main">
+  <p:cSld>
+    <p:spTree>
+      <p:nvGrpSpPr>
+        <p:cNvPr id="1" name=""/>
+        <p:cNvGrpSpPr/>
+        <p:nvPr/>
+      </p:nvGrpSpPr>
+      <p:grpSpPr>
+        <a:xfrm>
+          <a:off x="0" y="0"/>
+          <a:ext cx="0" cy="0"/>
+          <a:chOff x="0" y="0"/>
+          <a:chExt cx="0" cy="0"/>
+        </a:xfrm>
+      </p:grpSpPr>
+      <p:pic>
+        <p:nvPicPr>
+          <p:cNvPr id="3" name="Obraz 2">
+            <a:extLst>
+              <a:ext uri="{FF2B5EF4-FFF2-40B4-BE49-F238E27FC236}">
+                <a16:creationId xmlns:a16="http://schemas.microsoft.com/office/drawing/2014/main" id="{857983A3-4F25-41C1-B19A-8BCB5553033C}"/>
+              </a:ext>
+            </a:extLst>
+          </p:cNvPr>
+          <p:cNvPicPr>
+            <a:picLocks noChangeAspect="1"/>
+          </p:cNvPicPr>
+          <p:nvPr/>
+        </p:nvPicPr>
+        <p:blipFill>
+          <a:blip r:embed="rId2" cstate="print">
+            <a:extLst>
+              <a:ext uri="{28A0092B-C50C-407E-A947-70E740481C1C}">
+                <a14:useLocalDpi xmlns:a14="http://schemas.microsoft.com/office/drawing/2010/main" val="0"/>
+              </a:ext>
+            </a:extLst>
+          </a:blip>
+          <a:stretch>
+            <a:fillRect/>
+          </a:stretch>
+        </p:blipFill>
+        <p:spPr>
+          <a:xfrm>
+            <a:off x="339512" y="864080"/>
+            <a:ext cx="4359007" cy="3402068"/>
+          </a:xfrm>
+          <a:prstGeom prst="rect">
+            <a:avLst/>
+          </a:prstGeom>
+        </p:spPr>
+      </p:pic>
+      <p:pic>
+        <p:nvPicPr>
+          <p:cNvPr id="8" name="Obraz 7">
+            <a:extLst>
+              <a:ext uri="{FF2B5EF4-FFF2-40B4-BE49-F238E27FC236}">
+                <a16:creationId xmlns:a16="http://schemas.microsoft.com/office/drawing/2014/main" id="{4037ED0E-94DE-462E-BCCA-81417062B3C0}"/>
+              </a:ext>
+            </a:extLst>
+          </p:cNvPr>
+          <p:cNvPicPr>
+            <a:picLocks noChangeAspect="1"/>
+          </p:cNvPicPr>
+          <p:nvPr/>
+        </p:nvPicPr>
+        <p:blipFill>
+          <a:blip r:embed="rId2" cstate="print">
+            <a:extLst>
+              <a:ext uri="{28A0092B-C50C-407E-A947-70E740481C1C}">
+                <a14:useLocalDpi xmlns:a14="http://schemas.microsoft.com/office/drawing/2010/main" val="0"/>
+              </a:ext>
+            </a:extLst>
+          </a:blip>
+          <a:stretch>
+            <a:fillRect/>
+          </a:stretch>
+        </p:blipFill>
+        <p:spPr>
+          <a:xfrm>
+            <a:off x="7493481" y="864080"/>
+            <a:ext cx="4359007" cy="3402068"/>
+          </a:xfrm>
+          <a:prstGeom prst="rect">
+            <a:avLst/>
+          </a:prstGeom>
+        </p:spPr>
+      </p:pic>
+      <p:pic>
+        <p:nvPicPr>
+          <p:cNvPr id="5" name="Obraz 4">
+            <a:extLst>
+              <a:ext uri="{FF2B5EF4-FFF2-40B4-BE49-F238E27FC236}">
+                <a16:creationId xmlns:a16="http://schemas.microsoft.com/office/drawing/2014/main" id="{D7715D39-33E3-4CF0-BC2B-0B8A73F1568F}"/>
+              </a:ext>
+            </a:extLst>
+          </p:cNvPr>
+          <p:cNvPicPr>
+            <a:picLocks noChangeAspect="1"/>
+          </p:cNvPicPr>
+          <p:nvPr/>
+        </p:nvPicPr>
+        <p:blipFill>
+          <a:blip r:embed="rId3" cstate="print">
+            <a:extLst>
+              <a:ext uri="{28A0092B-C50C-407E-A947-70E740481C1C}">
+                <a14:useLocalDpi xmlns:a14="http://schemas.microsoft.com/office/drawing/2010/main" val="0"/>
+              </a:ext>
+            </a:extLst>
+          </a:blip>
+          <a:stretch>
+            <a:fillRect/>
+          </a:stretch>
+        </p:blipFill>
+        <p:spPr>
+          <a:xfrm>
+            <a:off x="3267075" y="2270674"/>
+            <a:ext cx="1280223" cy="1280223"/>
+          </a:xfrm>
+          <a:prstGeom prst="rect">
+            <a:avLst/>
+          </a:prstGeom>
+        </p:spPr>
+      </p:pic>
+      <p:pic>
+        <p:nvPicPr>
+          <p:cNvPr id="6" name="Obraz 5">
+            <a:extLst>
+              <a:ext uri="{FF2B5EF4-FFF2-40B4-BE49-F238E27FC236}">
+                <a16:creationId xmlns:a16="http://schemas.microsoft.com/office/drawing/2014/main" id="{530A1178-880C-4657-86A3-4F13274F3B58}"/>
+              </a:ext>
+            </a:extLst>
+          </p:cNvPr>
+          <p:cNvPicPr>
+            <a:picLocks noChangeAspect="1"/>
+          </p:cNvPicPr>
+          <p:nvPr/>
+        </p:nvPicPr>
+        <p:blipFill>
+          <a:blip r:embed="rId4" cstate="print">
+            <a:extLst>
+              <a:ext uri="{28A0092B-C50C-407E-A947-70E740481C1C}">
+                <a14:useLocalDpi xmlns:a14="http://schemas.microsoft.com/office/drawing/2010/main" val="0"/>
+              </a:ext>
+            </a:extLst>
+          </a:blip>
+          <a:stretch>
+            <a:fillRect/>
+          </a:stretch>
+        </p:blipFill>
+        <p:spPr>
+          <a:xfrm>
+            <a:off x="3267075" y="3429000"/>
+            <a:ext cx="1280223" cy="1280223"/>
+          </a:xfrm>
+          <a:prstGeom prst="rect">
+            <a:avLst/>
+          </a:prstGeom>
+        </p:spPr>
+      </p:pic>
+      <p:pic>
+        <p:nvPicPr>
+          <p:cNvPr id="11" name="Obraz 10">
+            <a:extLst>
+              <a:ext uri="{FF2B5EF4-FFF2-40B4-BE49-F238E27FC236}">
+                <a16:creationId xmlns:a16="http://schemas.microsoft.com/office/drawing/2014/main" id="{0E032E12-401E-474B-8921-29912DDE6274}"/>
+              </a:ext>
+            </a:extLst>
+          </p:cNvPr>
+          <p:cNvPicPr>
+            <a:picLocks noChangeAspect="1"/>
+          </p:cNvPicPr>
+          <p:nvPr/>
+        </p:nvPicPr>
+        <p:blipFill>
+          <a:blip r:embed="rId5" cstate="print">
+            <a:extLst>
+              <a:ext uri="{28A0092B-C50C-407E-A947-70E740481C1C}">
+                <a14:useLocalDpi xmlns:a14="http://schemas.microsoft.com/office/drawing/2010/main" val="0"/>
+              </a:ext>
+            </a:extLst>
+          </a:blip>
+          <a:stretch>
+            <a:fillRect/>
+          </a:stretch>
+        </p:blipFill>
+        <p:spPr>
+          <a:xfrm>
+            <a:off x="6702148" y="2270674"/>
+            <a:ext cx="1280223" cy="1280223"/>
+          </a:xfrm>
+          <a:prstGeom prst="rect">
+            <a:avLst/>
+          </a:prstGeom>
+        </p:spPr>
+      </p:pic>
+      <p:pic>
+        <p:nvPicPr>
+          <p:cNvPr id="12" name="Obraz 11">
+            <a:extLst>
+              <a:ext uri="{FF2B5EF4-FFF2-40B4-BE49-F238E27FC236}">
+                <a16:creationId xmlns:a16="http://schemas.microsoft.com/office/drawing/2014/main" id="{B9F8EB00-50B5-4127-BFFA-475F98FE0463}"/>
+              </a:ext>
+            </a:extLst>
+          </p:cNvPr>
+          <p:cNvPicPr>
+            <a:picLocks noChangeAspect="1"/>
+          </p:cNvPicPr>
+          <p:nvPr/>
+        </p:nvPicPr>
+        <p:blipFill>
+          <a:blip r:embed="rId6" cstate="print">
+            <a:extLst>
+              <a:ext uri="{28A0092B-C50C-407E-A947-70E740481C1C}">
+                <a14:useLocalDpi xmlns:a14="http://schemas.microsoft.com/office/drawing/2010/main" val="0"/>
+              </a:ext>
+            </a:extLst>
+          </a:blip>
+          <a:stretch>
+            <a:fillRect/>
+          </a:stretch>
+        </p:blipFill>
+        <p:spPr>
+          <a:xfrm>
+            <a:off x="6702148" y="3429000"/>
+            <a:ext cx="1280223" cy="1280223"/>
+          </a:xfrm>
+          <a:prstGeom prst="rect">
+            <a:avLst/>
+          </a:prstGeom>
+        </p:spPr>
+      </p:pic>
+      <p:sp>
+        <p:nvSpPr>
+          <p:cNvPr id="9" name="Strzałka w prawo 7">
+            <a:extLst>
+              <a:ext uri="{FF2B5EF4-FFF2-40B4-BE49-F238E27FC236}">
+                <a16:creationId xmlns:a16="http://schemas.microsoft.com/office/drawing/2014/main" id="{BFB3481B-9F81-4DC3-82C6-D7AE3F6A7171}"/>
+              </a:ext>
+            </a:extLst>
+          </p:cNvPr>
+          <p:cNvSpPr/>
+          <p:nvPr/>
+        </p:nvSpPr>
+        <p:spPr>
+          <a:xfrm>
+            <a:off x="4656803" y="3806135"/>
+            <a:ext cx="1894124" cy="374970"/>
+          </a:xfrm>
+          <a:prstGeom prst="rightArrow">
+            <a:avLst/>
+          </a:prstGeom>
+        </p:spPr>
+        <p:style>
+          <a:lnRef idx="1">
+            <a:schemeClr val="accent4"/>
+          </a:lnRef>
+          <a:fillRef idx="3">
+            <a:schemeClr val="accent4"/>
+          </a:fillRef>
+          <a:effectRef idx="2">
+            <a:schemeClr val="accent4"/>
+          </a:effectRef>
+          <a:fontRef idx="minor">
+            <a:schemeClr val="lt1"/>
+          </a:fontRef>
+        </p:style>
+        <p:txBody>
+          <a:bodyPr rtlCol="0" anchor="ctr"/>
+          <a:lstStyle/>
+          <a:p>
+            <a:pPr algn="ctr"/>
+            <a:endParaRPr lang="en-US"/>
+          </a:p>
+        </p:txBody>
+      </p:sp>
+    </p:spTree>
+    <p:extLst>
+      <p:ext uri="{BB962C8B-B14F-4D97-AF65-F5344CB8AC3E}">
+        <p14:creationId xmlns:p14="http://schemas.microsoft.com/office/powerpoint/2010/main" val="3843637353"/>
+      </p:ext>
+    </p:extLst>
+  </p:cSld>
+  <p:clrMapOvr>
+    <a:masterClrMapping/>
+  </p:clrMapOvr>
+</p:sld>
+</file>
+
+<file path=ppt/slides/slide25.xml><?xml version="1.0" encoding="utf-8"?>
+<p:sld xmlns:a="http://schemas.openxmlformats.org/drawingml/2006/main" xmlns:r="http://schemas.openxmlformats.org/officeDocument/2006/relationships" xmlns:p="http://schemas.openxmlformats.org/presentationml/2006/main">
+  <p:cSld>
+    <p:spTree>
+      <p:nvGrpSpPr>
+        <p:cNvPr id="1" name=""/>
+        <p:cNvGrpSpPr/>
+        <p:nvPr/>
+      </p:nvGrpSpPr>
+      <p:grpSpPr>
+        <a:xfrm>
+          <a:off x="0" y="0"/>
+          <a:ext cx="0" cy="0"/>
+          <a:chOff x="0" y="0"/>
+          <a:chExt cx="0" cy="0"/>
+        </a:xfrm>
+      </p:grpSpPr>
+      <p:pic>
+        <p:nvPicPr>
+          <p:cNvPr id="3" name="Obraz 2">
+            <a:extLst>
+              <a:ext uri="{FF2B5EF4-FFF2-40B4-BE49-F238E27FC236}">
+                <a16:creationId xmlns:a16="http://schemas.microsoft.com/office/drawing/2014/main" id="{857983A3-4F25-41C1-B19A-8BCB5553033C}"/>
+              </a:ext>
+            </a:extLst>
+          </p:cNvPr>
+          <p:cNvPicPr>
+            <a:picLocks noChangeAspect="1"/>
+          </p:cNvPicPr>
+          <p:nvPr/>
+        </p:nvPicPr>
+        <p:blipFill>
+          <a:blip r:embed="rId2" cstate="print">
+            <a:extLst>
+              <a:ext uri="{28A0092B-C50C-407E-A947-70E740481C1C}">
+                <a14:useLocalDpi xmlns:a14="http://schemas.microsoft.com/office/drawing/2010/main" val="0"/>
+              </a:ext>
+            </a:extLst>
+          </a:blip>
+          <a:stretch>
+            <a:fillRect/>
+          </a:stretch>
+        </p:blipFill>
+        <p:spPr>
+          <a:xfrm>
+            <a:off x="339512" y="864080"/>
+            <a:ext cx="4359007" cy="3402068"/>
+          </a:xfrm>
+          <a:prstGeom prst="rect">
+            <a:avLst/>
+          </a:prstGeom>
+        </p:spPr>
+      </p:pic>
+      <p:pic>
+        <p:nvPicPr>
+          <p:cNvPr id="8" name="Obraz 7">
+            <a:extLst>
+              <a:ext uri="{FF2B5EF4-FFF2-40B4-BE49-F238E27FC236}">
+                <a16:creationId xmlns:a16="http://schemas.microsoft.com/office/drawing/2014/main" id="{4037ED0E-94DE-462E-BCCA-81417062B3C0}"/>
+              </a:ext>
+            </a:extLst>
+          </p:cNvPr>
+          <p:cNvPicPr>
+            <a:picLocks noChangeAspect="1"/>
+          </p:cNvPicPr>
+          <p:nvPr/>
+        </p:nvPicPr>
+        <p:blipFill>
+          <a:blip r:embed="rId2" cstate="print">
+            <a:extLst>
+              <a:ext uri="{28A0092B-C50C-407E-A947-70E740481C1C}">
+                <a14:useLocalDpi xmlns:a14="http://schemas.microsoft.com/office/drawing/2010/main" val="0"/>
+              </a:ext>
+            </a:extLst>
+          </a:blip>
+          <a:stretch>
+            <a:fillRect/>
+          </a:stretch>
+        </p:blipFill>
+        <p:spPr>
+          <a:xfrm>
+            <a:off x="7493481" y="864080"/>
+            <a:ext cx="4359007" cy="3402068"/>
+          </a:xfrm>
+          <a:prstGeom prst="rect">
+            <a:avLst/>
+          </a:prstGeom>
+        </p:spPr>
+      </p:pic>
+      <p:pic>
+        <p:nvPicPr>
+          <p:cNvPr id="5" name="Obraz 4">
+            <a:extLst>
+              <a:ext uri="{FF2B5EF4-FFF2-40B4-BE49-F238E27FC236}">
+                <a16:creationId xmlns:a16="http://schemas.microsoft.com/office/drawing/2014/main" id="{D7715D39-33E3-4CF0-BC2B-0B8A73F1568F}"/>
+              </a:ext>
+            </a:extLst>
+          </p:cNvPr>
+          <p:cNvPicPr>
+            <a:picLocks noChangeAspect="1"/>
+          </p:cNvPicPr>
+          <p:nvPr/>
+        </p:nvPicPr>
+        <p:blipFill>
+          <a:blip r:embed="rId3" cstate="print">
+            <a:extLst>
+              <a:ext uri="{28A0092B-C50C-407E-A947-70E740481C1C}">
+                <a14:useLocalDpi xmlns:a14="http://schemas.microsoft.com/office/drawing/2010/main" val="0"/>
+              </a:ext>
+            </a:extLst>
+          </a:blip>
+          <a:stretch>
+            <a:fillRect/>
+          </a:stretch>
+        </p:blipFill>
+        <p:spPr>
+          <a:xfrm>
+            <a:off x="3267075" y="2270674"/>
+            <a:ext cx="1280223" cy="1280223"/>
+          </a:xfrm>
+          <a:prstGeom prst="rect">
+            <a:avLst/>
+          </a:prstGeom>
+        </p:spPr>
+      </p:pic>
+      <p:pic>
+        <p:nvPicPr>
+          <p:cNvPr id="6" name="Obraz 5">
+            <a:extLst>
+              <a:ext uri="{FF2B5EF4-FFF2-40B4-BE49-F238E27FC236}">
+                <a16:creationId xmlns:a16="http://schemas.microsoft.com/office/drawing/2014/main" id="{530A1178-880C-4657-86A3-4F13274F3B58}"/>
+              </a:ext>
+            </a:extLst>
+          </p:cNvPr>
+          <p:cNvPicPr>
+            <a:picLocks noChangeAspect="1"/>
+          </p:cNvPicPr>
+          <p:nvPr/>
+        </p:nvPicPr>
+        <p:blipFill>
+          <a:blip r:embed="rId4" cstate="print">
+            <a:extLst>
+              <a:ext uri="{28A0092B-C50C-407E-A947-70E740481C1C}">
+                <a14:useLocalDpi xmlns:a14="http://schemas.microsoft.com/office/drawing/2010/main" val="0"/>
+              </a:ext>
+            </a:extLst>
+          </a:blip>
+          <a:stretch>
+            <a:fillRect/>
+          </a:stretch>
+        </p:blipFill>
+        <p:spPr>
+          <a:xfrm>
+            <a:off x="3267075" y="3429000"/>
+            <a:ext cx="1280223" cy="1280223"/>
+          </a:xfrm>
+          <a:prstGeom prst="rect">
+            <a:avLst/>
+          </a:prstGeom>
+        </p:spPr>
+      </p:pic>
+      <p:pic>
+        <p:nvPicPr>
+          <p:cNvPr id="11" name="Obraz 10">
+            <a:extLst>
+              <a:ext uri="{FF2B5EF4-FFF2-40B4-BE49-F238E27FC236}">
+                <a16:creationId xmlns:a16="http://schemas.microsoft.com/office/drawing/2014/main" id="{0E032E12-401E-474B-8921-29912DDE6274}"/>
+              </a:ext>
+            </a:extLst>
+          </p:cNvPr>
+          <p:cNvPicPr>
+            <a:picLocks noChangeAspect="1"/>
+          </p:cNvPicPr>
+          <p:nvPr/>
+        </p:nvPicPr>
+        <p:blipFill>
+          <a:blip r:embed="rId5" cstate="print">
+            <a:extLst>
+              <a:ext uri="{28A0092B-C50C-407E-A947-70E740481C1C}">
+                <a14:useLocalDpi xmlns:a14="http://schemas.microsoft.com/office/drawing/2010/main" val="0"/>
+              </a:ext>
+            </a:extLst>
+          </a:blip>
+          <a:stretch>
+            <a:fillRect/>
+          </a:stretch>
+        </p:blipFill>
+        <p:spPr>
+          <a:xfrm>
+            <a:off x="6702148" y="2270674"/>
+            <a:ext cx="1280223" cy="1280223"/>
+          </a:xfrm>
+          <a:prstGeom prst="rect">
+            <a:avLst/>
+          </a:prstGeom>
+        </p:spPr>
+      </p:pic>
+      <p:pic>
+        <p:nvPicPr>
+          <p:cNvPr id="12" name="Obraz 11">
+            <a:extLst>
+              <a:ext uri="{FF2B5EF4-FFF2-40B4-BE49-F238E27FC236}">
+                <a16:creationId xmlns:a16="http://schemas.microsoft.com/office/drawing/2014/main" id="{B9F8EB00-50B5-4127-BFFA-475F98FE0463}"/>
+              </a:ext>
+            </a:extLst>
+          </p:cNvPr>
+          <p:cNvPicPr>
+            <a:picLocks noChangeAspect="1"/>
+          </p:cNvPicPr>
+          <p:nvPr/>
+        </p:nvPicPr>
+        <p:blipFill>
+          <a:blip r:embed="rId6" cstate="print">
+            <a:extLst>
+              <a:ext uri="{28A0092B-C50C-407E-A947-70E740481C1C}">
+                <a14:useLocalDpi xmlns:a14="http://schemas.microsoft.com/office/drawing/2010/main" val="0"/>
+              </a:ext>
+            </a:extLst>
+          </a:blip>
+          <a:stretch>
+            <a:fillRect/>
+          </a:stretch>
+        </p:blipFill>
+        <p:spPr>
+          <a:xfrm>
+            <a:off x="6702148" y="3429000"/>
+            <a:ext cx="1280223" cy="1280223"/>
+          </a:xfrm>
+          <a:prstGeom prst="rect">
+            <a:avLst/>
+          </a:prstGeom>
+        </p:spPr>
+      </p:pic>
+      <p:sp>
+        <p:nvSpPr>
+          <p:cNvPr id="9" name="Strzałka w prawo 7">
+            <a:extLst>
+              <a:ext uri="{FF2B5EF4-FFF2-40B4-BE49-F238E27FC236}">
+                <a16:creationId xmlns:a16="http://schemas.microsoft.com/office/drawing/2014/main" id="{0FABB255-1F70-4774-A0DB-E10196A22BC1}"/>
+              </a:ext>
+            </a:extLst>
+          </p:cNvPr>
+          <p:cNvSpPr/>
+          <p:nvPr/>
+        </p:nvSpPr>
+        <p:spPr>
+          <a:xfrm>
+            <a:off x="4656803" y="2634560"/>
+            <a:ext cx="1894124" cy="374970"/>
+          </a:xfrm>
+          <a:prstGeom prst="rightArrow">
+            <a:avLst/>
+          </a:prstGeom>
+        </p:spPr>
+        <p:style>
+          <a:lnRef idx="1">
+            <a:schemeClr val="accent4"/>
+          </a:lnRef>
+          <a:fillRef idx="3">
+            <a:schemeClr val="accent4"/>
+          </a:fillRef>
+          <a:effectRef idx="2">
+            <a:schemeClr val="accent4"/>
+          </a:effectRef>
+          <a:fontRef idx="minor">
+            <a:schemeClr val="lt1"/>
+          </a:fontRef>
+        </p:style>
+        <p:txBody>
+          <a:bodyPr rtlCol="0" anchor="ctr"/>
+          <a:lstStyle/>
+          <a:p>
+            <a:pPr algn="ctr"/>
+            <a:endParaRPr lang="en-US"/>
+          </a:p>
+        </p:txBody>
+      </p:sp>
+    </p:spTree>
+    <p:extLst>
+      <p:ext uri="{BB962C8B-B14F-4D97-AF65-F5344CB8AC3E}">
+        <p14:creationId xmlns:p14="http://schemas.microsoft.com/office/powerpoint/2010/main" val="3615790474"/>
+      </p:ext>
+    </p:extLst>
+  </p:cSld>
+  <p:clrMapOvr>
+    <a:masterClrMapping/>
+  </p:clrMapOvr>
+</p:sld>
+</file>
+
+<file path=ppt/slides/slide26.xml><?xml version="1.0" encoding="utf-8"?>
+<p:sld xmlns:a="http://schemas.openxmlformats.org/drawingml/2006/main" xmlns:r="http://schemas.openxmlformats.org/officeDocument/2006/relationships" xmlns:p="http://schemas.openxmlformats.org/presentationml/2006/main">
+  <p:cSld>
+    <p:spTree>
+      <p:nvGrpSpPr>
+        <p:cNvPr id="1" name=""/>
+        <p:cNvGrpSpPr/>
+        <p:nvPr/>
+      </p:nvGrpSpPr>
+      <p:grpSpPr>
+        <a:xfrm>
+          <a:off x="0" y="0"/>
+          <a:ext cx="0" cy="0"/>
+          <a:chOff x="0" y="0"/>
+          <a:chExt cx="0" cy="0"/>
+        </a:xfrm>
+      </p:grpSpPr>
+      <p:pic>
+        <p:nvPicPr>
+          <p:cNvPr id="3" name="Obraz 2">
+            <a:extLst>
+              <a:ext uri="{FF2B5EF4-FFF2-40B4-BE49-F238E27FC236}">
+                <a16:creationId xmlns:a16="http://schemas.microsoft.com/office/drawing/2014/main" id="{857983A3-4F25-41C1-B19A-8BCB5553033C}"/>
+              </a:ext>
+            </a:extLst>
+          </p:cNvPr>
+          <p:cNvPicPr>
+            <a:picLocks noChangeAspect="1"/>
+          </p:cNvPicPr>
+          <p:nvPr/>
+        </p:nvPicPr>
+        <p:blipFill>
+          <a:blip r:embed="rId2" cstate="print">
+            <a:extLst>
+              <a:ext uri="{28A0092B-C50C-407E-A947-70E740481C1C}">
+                <a14:useLocalDpi xmlns:a14="http://schemas.microsoft.com/office/drawing/2010/main" val="0"/>
+              </a:ext>
+            </a:extLst>
+          </a:blip>
+          <a:stretch>
+            <a:fillRect/>
+          </a:stretch>
+        </p:blipFill>
+        <p:spPr>
+          <a:xfrm>
+            <a:off x="339512" y="864080"/>
+            <a:ext cx="4359007" cy="3402068"/>
+          </a:xfrm>
+          <a:prstGeom prst="rect">
+            <a:avLst/>
+          </a:prstGeom>
+        </p:spPr>
+      </p:pic>
+      <p:pic>
+        <p:nvPicPr>
+          <p:cNvPr id="8" name="Obraz 7">
+            <a:extLst>
+              <a:ext uri="{FF2B5EF4-FFF2-40B4-BE49-F238E27FC236}">
+                <a16:creationId xmlns:a16="http://schemas.microsoft.com/office/drawing/2014/main" id="{4037ED0E-94DE-462E-BCCA-81417062B3C0}"/>
+              </a:ext>
+            </a:extLst>
+          </p:cNvPr>
+          <p:cNvPicPr>
+            <a:picLocks noChangeAspect="1"/>
+          </p:cNvPicPr>
+          <p:nvPr/>
+        </p:nvPicPr>
+        <p:blipFill>
+          <a:blip r:embed="rId2" cstate="print">
+            <a:extLst>
+              <a:ext uri="{28A0092B-C50C-407E-A947-70E740481C1C}">
+                <a14:useLocalDpi xmlns:a14="http://schemas.microsoft.com/office/drawing/2010/main" val="0"/>
+              </a:ext>
+            </a:extLst>
+          </a:blip>
+          <a:stretch>
+            <a:fillRect/>
+          </a:stretch>
+        </p:blipFill>
+        <p:spPr>
+          <a:xfrm>
+            <a:off x="7493481" y="864080"/>
+            <a:ext cx="4359007" cy="3402068"/>
+          </a:xfrm>
+          <a:prstGeom prst="rect">
+            <a:avLst/>
+          </a:prstGeom>
+        </p:spPr>
+      </p:pic>
+      <p:pic>
+        <p:nvPicPr>
+          <p:cNvPr id="5" name="Obraz 4">
+            <a:extLst>
+              <a:ext uri="{FF2B5EF4-FFF2-40B4-BE49-F238E27FC236}">
+                <a16:creationId xmlns:a16="http://schemas.microsoft.com/office/drawing/2014/main" id="{D7715D39-33E3-4CF0-BC2B-0B8A73F1568F}"/>
+              </a:ext>
+            </a:extLst>
+          </p:cNvPr>
+          <p:cNvPicPr>
+            <a:picLocks noChangeAspect="1"/>
+          </p:cNvPicPr>
+          <p:nvPr/>
+        </p:nvPicPr>
+        <p:blipFill>
+          <a:blip r:embed="rId3" cstate="print">
+            <a:extLst>
+              <a:ext uri="{28A0092B-C50C-407E-A947-70E740481C1C}">
+                <a14:useLocalDpi xmlns:a14="http://schemas.microsoft.com/office/drawing/2010/main" val="0"/>
+              </a:ext>
+            </a:extLst>
+          </a:blip>
+          <a:stretch>
+            <a:fillRect/>
+          </a:stretch>
+        </p:blipFill>
+        <p:spPr>
+          <a:xfrm>
+            <a:off x="3267075" y="2270674"/>
+            <a:ext cx="1280223" cy="1280223"/>
+          </a:xfrm>
+          <a:prstGeom prst="rect">
+            <a:avLst/>
+          </a:prstGeom>
+        </p:spPr>
+      </p:pic>
+      <p:pic>
+        <p:nvPicPr>
+          <p:cNvPr id="6" name="Obraz 5">
+            <a:extLst>
+              <a:ext uri="{FF2B5EF4-FFF2-40B4-BE49-F238E27FC236}">
+                <a16:creationId xmlns:a16="http://schemas.microsoft.com/office/drawing/2014/main" id="{530A1178-880C-4657-86A3-4F13274F3B58}"/>
+              </a:ext>
+            </a:extLst>
+          </p:cNvPr>
+          <p:cNvPicPr>
+            <a:picLocks noChangeAspect="1"/>
+          </p:cNvPicPr>
+          <p:nvPr/>
+        </p:nvPicPr>
+        <p:blipFill>
+          <a:blip r:embed="rId4" cstate="print">
+            <a:extLst>
+              <a:ext uri="{28A0092B-C50C-407E-A947-70E740481C1C}">
+                <a14:useLocalDpi xmlns:a14="http://schemas.microsoft.com/office/drawing/2010/main" val="0"/>
+              </a:ext>
+            </a:extLst>
+          </a:blip>
+          <a:stretch>
+            <a:fillRect/>
+          </a:stretch>
+        </p:blipFill>
+        <p:spPr>
+          <a:xfrm>
+            <a:off x="3267075" y="3429000"/>
+            <a:ext cx="1280223" cy="1280223"/>
+          </a:xfrm>
+          <a:prstGeom prst="rect">
+            <a:avLst/>
+          </a:prstGeom>
+        </p:spPr>
+      </p:pic>
+      <p:pic>
+        <p:nvPicPr>
+          <p:cNvPr id="11" name="Obraz 10">
+            <a:extLst>
+              <a:ext uri="{FF2B5EF4-FFF2-40B4-BE49-F238E27FC236}">
+                <a16:creationId xmlns:a16="http://schemas.microsoft.com/office/drawing/2014/main" id="{0E032E12-401E-474B-8921-29912DDE6274}"/>
+              </a:ext>
+            </a:extLst>
+          </p:cNvPr>
+          <p:cNvPicPr>
+            <a:picLocks noChangeAspect="1"/>
+          </p:cNvPicPr>
+          <p:nvPr/>
+        </p:nvPicPr>
+        <p:blipFill>
+          <a:blip r:embed="rId5" cstate="print">
+            <a:extLst>
+              <a:ext uri="{28A0092B-C50C-407E-A947-70E740481C1C}">
+                <a14:useLocalDpi xmlns:a14="http://schemas.microsoft.com/office/drawing/2010/main" val="0"/>
+              </a:ext>
+            </a:extLst>
+          </a:blip>
+          <a:stretch>
+            <a:fillRect/>
+          </a:stretch>
+        </p:blipFill>
+        <p:spPr>
+          <a:xfrm>
+            <a:off x="6702148" y="2270674"/>
+            <a:ext cx="1280223" cy="1280223"/>
+          </a:xfrm>
+          <a:prstGeom prst="rect">
+            <a:avLst/>
+          </a:prstGeom>
+        </p:spPr>
+      </p:pic>
+      <p:pic>
+        <p:nvPicPr>
+          <p:cNvPr id="12" name="Obraz 11">
+            <a:extLst>
+              <a:ext uri="{FF2B5EF4-FFF2-40B4-BE49-F238E27FC236}">
+                <a16:creationId xmlns:a16="http://schemas.microsoft.com/office/drawing/2014/main" id="{B9F8EB00-50B5-4127-BFFA-475F98FE0463}"/>
+              </a:ext>
+            </a:extLst>
+          </p:cNvPr>
+          <p:cNvPicPr>
+            <a:picLocks noChangeAspect="1"/>
+          </p:cNvPicPr>
+          <p:nvPr/>
+        </p:nvPicPr>
+        <p:blipFill>
+          <a:blip r:embed="rId6" cstate="print">
+            <a:extLst>
+              <a:ext uri="{28A0092B-C50C-407E-A947-70E740481C1C}">
+                <a14:useLocalDpi xmlns:a14="http://schemas.microsoft.com/office/drawing/2010/main" val="0"/>
+              </a:ext>
+            </a:extLst>
+          </a:blip>
+          <a:stretch>
+            <a:fillRect/>
+          </a:stretch>
+        </p:blipFill>
+        <p:spPr>
+          <a:xfrm>
+            <a:off x="6702148" y="3429000"/>
+            <a:ext cx="1280223" cy="1280223"/>
+          </a:xfrm>
+          <a:prstGeom prst="rect">
+            <a:avLst/>
+          </a:prstGeom>
+        </p:spPr>
+      </p:pic>
+      <p:sp>
+        <p:nvSpPr>
+          <p:cNvPr id="13" name="Strzałka w prawo 7">
+            <a:extLst>
+              <a:ext uri="{FF2B5EF4-FFF2-40B4-BE49-F238E27FC236}">
+                <a16:creationId xmlns:a16="http://schemas.microsoft.com/office/drawing/2014/main" id="{6812A8F8-4CD0-488B-9DAF-D6EFE308DDBB}"/>
+              </a:ext>
+            </a:extLst>
+          </p:cNvPr>
+          <p:cNvSpPr/>
+          <p:nvPr/>
+        </p:nvSpPr>
+        <p:spPr>
+          <a:xfrm>
+            <a:off x="4656803" y="2634560"/>
+            <a:ext cx="1894124" cy="374970"/>
+          </a:xfrm>
+          <a:prstGeom prst="rightArrow">
+            <a:avLst/>
+          </a:prstGeom>
+        </p:spPr>
+        <p:style>
+          <a:lnRef idx="1">
+            <a:schemeClr val="accent4"/>
+          </a:lnRef>
+          <a:fillRef idx="3">
+            <a:schemeClr val="accent4"/>
+          </a:fillRef>
+          <a:effectRef idx="2">
+            <a:schemeClr val="accent4"/>
+          </a:effectRef>
+          <a:fontRef idx="minor">
+            <a:schemeClr val="lt1"/>
+          </a:fontRef>
+        </p:style>
+        <p:txBody>
+          <a:bodyPr rtlCol="0" anchor="ctr"/>
+          <a:lstStyle/>
+          <a:p>
+            <a:pPr algn="ctr"/>
+            <a:endParaRPr lang="en-US"/>
+          </a:p>
+        </p:txBody>
+      </p:sp>
+      <p:sp>
+        <p:nvSpPr>
+          <p:cNvPr id="14" name="Strzałka w prawo 7">
+            <a:extLst>
+              <a:ext uri="{FF2B5EF4-FFF2-40B4-BE49-F238E27FC236}">
+                <a16:creationId xmlns:a16="http://schemas.microsoft.com/office/drawing/2014/main" id="{A74C344A-1CA4-4211-BAC8-8D80D8A33012}"/>
+              </a:ext>
+            </a:extLst>
+          </p:cNvPr>
+          <p:cNvSpPr/>
+          <p:nvPr/>
+        </p:nvSpPr>
+        <p:spPr>
+          <a:xfrm>
+            <a:off x="4656803" y="3806135"/>
+            <a:ext cx="1894124" cy="374970"/>
+          </a:xfrm>
+          <a:prstGeom prst="rightArrow">
+            <a:avLst/>
+          </a:prstGeom>
+        </p:spPr>
+        <p:style>
+          <a:lnRef idx="1">
+            <a:schemeClr val="accent4"/>
+          </a:lnRef>
+          <a:fillRef idx="3">
+            <a:schemeClr val="accent4"/>
+          </a:fillRef>
+          <a:effectRef idx="2">
+            <a:schemeClr val="accent4"/>
+          </a:effectRef>
+          <a:fontRef idx="minor">
+            <a:schemeClr val="lt1"/>
+          </a:fontRef>
+        </p:style>
+        <p:txBody>
+          <a:bodyPr rtlCol="0" anchor="ctr"/>
+          <a:lstStyle/>
+          <a:p>
+            <a:pPr algn="ctr"/>
+            <a:endParaRPr lang="en-US"/>
+          </a:p>
+        </p:txBody>
+      </p:sp>
+      <p:pic>
+        <p:nvPicPr>
+          <p:cNvPr id="15" name="Obraz 14">
+            <a:extLst>
+              <a:ext uri="{FF2B5EF4-FFF2-40B4-BE49-F238E27FC236}">
+                <a16:creationId xmlns:a16="http://schemas.microsoft.com/office/drawing/2014/main" id="{4AC55C6B-D8DF-4318-8291-EFB22AA0B624}"/>
+              </a:ext>
+            </a:extLst>
+          </p:cNvPr>
+          <p:cNvPicPr>
+            <a:picLocks noChangeAspect="1"/>
+          </p:cNvPicPr>
+          <p:nvPr/>
+        </p:nvPicPr>
+        <p:blipFill>
+          <a:blip r:embed="rId7" cstate="print">
+            <a:extLst>
+              <a:ext uri="{28A0092B-C50C-407E-A947-70E740481C1C}">
+                <a14:useLocalDpi xmlns:a14="http://schemas.microsoft.com/office/drawing/2010/main" val="0"/>
+              </a:ext>
+            </a:extLst>
+          </a:blip>
+          <a:stretch>
+            <a:fillRect/>
+          </a:stretch>
+        </p:blipFill>
+        <p:spPr>
+          <a:xfrm>
+            <a:off x="5614374" y="3244301"/>
+            <a:ext cx="578655" cy="824810"/>
+          </a:xfrm>
+          <a:prstGeom prst="rect">
+            <a:avLst/>
+          </a:prstGeom>
+        </p:spPr>
+      </p:pic>
+    </p:spTree>
+    <p:extLst>
+      <p:ext uri="{BB962C8B-B14F-4D97-AF65-F5344CB8AC3E}">
+        <p14:creationId xmlns:p14="http://schemas.microsoft.com/office/powerpoint/2010/main" val="3217578558"/>
+      </p:ext>
+    </p:extLst>
+  </p:cSld>
+  <p:clrMapOvr>
+    <a:masterClrMapping/>
+  </p:clrMapOvr>
+</p:sld>
+</file>
+
+<file path=ppt/slides/slide27.xml><?xml version="1.0" encoding="utf-8"?>
 <p:sld xmlns:a="http://schemas.openxmlformats.org/drawingml/2006/main" xmlns:r="http://schemas.openxmlformats.org/officeDocument/2006/relationships" xmlns:p="http://schemas.openxmlformats.org/presentationml/2006/main">
   <p:cSld>
     <p:spTree>
@@ -21702,7 +25633,7 @@
         <p:spPr>
           <a:xfrm>
             <a:off x="3831085" y="116459"/>
-            <a:ext cx="4529830" cy="3535390"/>
+            <a:ext cx="4136578" cy="3228469"/>
           </a:xfrm>
           <a:prstGeom prst="rect">
             <a:avLst/>
@@ -21737,7 +25668,7 @@
         </p:blipFill>
         <p:spPr>
           <a:xfrm>
-            <a:off x="5387195" y="4945810"/>
+            <a:off x="5196695" y="5385945"/>
             <a:ext cx="1417607" cy="1417607"/>
           </a:xfrm>
           <a:prstGeom prst="rect">
@@ -21773,7 +25704,7 @@
         </p:blipFill>
         <p:spPr>
           <a:xfrm>
-            <a:off x="3831085" y="3651850"/>
+            <a:off x="3640585" y="4091985"/>
             <a:ext cx="882900" cy="882900"/>
           </a:xfrm>
           <a:prstGeom prst="rect">
@@ -21809,7 +25740,7 @@
         </p:blipFill>
         <p:spPr>
           <a:xfrm>
-            <a:off x="7572073" y="3667731"/>
+            <a:off x="7381573" y="4107866"/>
             <a:ext cx="882900" cy="882900"/>
           </a:xfrm>
           <a:prstGeom prst="rect">
@@ -21845,7 +25776,7 @@
         </p:blipFill>
         <p:spPr>
           <a:xfrm>
-            <a:off x="5654549" y="3072938"/>
+            <a:off x="5464049" y="3513073"/>
             <a:ext cx="882901" cy="882901"/>
           </a:xfrm>
           <a:prstGeom prst="rect">
@@ -21881,7 +25812,7 @@
         </p:blipFill>
         <p:spPr>
           <a:xfrm>
-            <a:off x="5139839" y="3915452"/>
+            <a:off x="4949339" y="4355587"/>
             <a:ext cx="882901" cy="882901"/>
           </a:xfrm>
           <a:prstGeom prst="rect">
@@ -21917,7 +25848,7 @@
         </p:blipFill>
         <p:spPr>
           <a:xfrm>
-            <a:off x="6169259" y="3915452"/>
+            <a:off x="5978759" y="4355587"/>
             <a:ext cx="882901" cy="882901"/>
           </a:xfrm>
           <a:prstGeom prst="rect">
@@ -21938,7 +25869,341 @@
 </p:sld>
 </file>
 
-<file path=ppt/slides/slide16.xml><?xml version="1.0" encoding="utf-8"?>
+<file path=ppt/slides/slide28.xml><?xml version="1.0" encoding="utf-8"?>
+<p:sld xmlns:a="http://schemas.openxmlformats.org/drawingml/2006/main" xmlns:r="http://schemas.openxmlformats.org/officeDocument/2006/relationships" xmlns:p="http://schemas.openxmlformats.org/presentationml/2006/main">
+  <p:cSld>
+    <p:spTree>
+      <p:nvGrpSpPr>
+        <p:cNvPr id="1" name=""/>
+        <p:cNvGrpSpPr/>
+        <p:nvPr/>
+      </p:nvGrpSpPr>
+      <p:grpSpPr>
+        <a:xfrm>
+          <a:off x="0" y="0"/>
+          <a:ext cx="0" cy="0"/>
+          <a:chOff x="0" y="0"/>
+          <a:chExt cx="0" cy="0"/>
+        </a:xfrm>
+      </p:grpSpPr>
+      <p:pic>
+        <p:nvPicPr>
+          <p:cNvPr id="5" name="Obraz 4">
+            <a:extLst>
+              <a:ext uri="{FF2B5EF4-FFF2-40B4-BE49-F238E27FC236}">
+                <a16:creationId xmlns:a16="http://schemas.microsoft.com/office/drawing/2014/main" id="{4B297FDE-7D64-411A-8136-14C5C403D581}"/>
+              </a:ext>
+            </a:extLst>
+          </p:cNvPr>
+          <p:cNvPicPr>
+            <a:picLocks noChangeAspect="1"/>
+          </p:cNvPicPr>
+          <p:nvPr/>
+        </p:nvPicPr>
+        <p:blipFill>
+          <a:blip r:embed="rId2" cstate="print">
+            <a:extLst>
+              <a:ext uri="{28A0092B-C50C-407E-A947-70E740481C1C}">
+                <a14:useLocalDpi xmlns:a14="http://schemas.microsoft.com/office/drawing/2010/main" val="0"/>
+              </a:ext>
+            </a:extLst>
+          </a:blip>
+          <a:stretch>
+            <a:fillRect/>
+          </a:stretch>
+        </p:blipFill>
+        <p:spPr>
+          <a:xfrm>
+            <a:off x="672860" y="2037047"/>
+            <a:ext cx="3456317" cy="1611148"/>
+          </a:xfrm>
+          <a:prstGeom prst="rect">
+            <a:avLst/>
+          </a:prstGeom>
+        </p:spPr>
+      </p:pic>
+      <p:pic>
+        <p:nvPicPr>
+          <p:cNvPr id="12" name="Obraz 11">
+            <a:extLst>
+              <a:ext uri="{FF2B5EF4-FFF2-40B4-BE49-F238E27FC236}">
+                <a16:creationId xmlns:a16="http://schemas.microsoft.com/office/drawing/2014/main" id="{A3B3F413-08A4-4EB8-BE1B-48F5C097EF4C}"/>
+              </a:ext>
+            </a:extLst>
+          </p:cNvPr>
+          <p:cNvPicPr>
+            <a:picLocks noChangeAspect="1"/>
+          </p:cNvPicPr>
+          <p:nvPr/>
+        </p:nvPicPr>
+        <p:blipFill>
+          <a:blip r:embed="rId3" cstate="print">
+            <a:extLst>
+              <a:ext uri="{28A0092B-C50C-407E-A947-70E740481C1C}">
+                <a14:useLocalDpi xmlns:a14="http://schemas.microsoft.com/office/drawing/2010/main" val="0"/>
+              </a:ext>
+            </a:extLst>
+          </a:blip>
+          <a:stretch>
+            <a:fillRect/>
+          </a:stretch>
+        </p:blipFill>
+        <p:spPr>
+          <a:xfrm>
+            <a:off x="221514" y="524369"/>
+            <a:ext cx="4359007" cy="3402068"/>
+          </a:xfrm>
+          <a:prstGeom prst="rect">
+            <a:avLst/>
+          </a:prstGeom>
+        </p:spPr>
+      </p:pic>
+      <p:pic>
+        <p:nvPicPr>
+          <p:cNvPr id="3" name="Obraz 2">
+            <a:extLst>
+              <a:ext uri="{FF2B5EF4-FFF2-40B4-BE49-F238E27FC236}">
+                <a16:creationId xmlns:a16="http://schemas.microsoft.com/office/drawing/2014/main" id="{093C6C7F-2F60-4421-B05F-A9925A01AF5F}"/>
+              </a:ext>
+            </a:extLst>
+          </p:cNvPr>
+          <p:cNvPicPr>
+            <a:picLocks noChangeAspect="1"/>
+          </p:cNvPicPr>
+          <p:nvPr/>
+        </p:nvPicPr>
+        <p:blipFill>
+          <a:blip r:embed="rId4" cstate="print">
+            <a:extLst>
+              <a:ext uri="{28A0092B-C50C-407E-A947-70E740481C1C}">
+                <a14:useLocalDpi xmlns:a14="http://schemas.microsoft.com/office/drawing/2010/main" val="0"/>
+              </a:ext>
+            </a:extLst>
+          </a:blip>
+          <a:stretch>
+            <a:fillRect/>
+          </a:stretch>
+        </p:blipFill>
+        <p:spPr>
+          <a:xfrm>
+            <a:off x="5083353" y="4014158"/>
+            <a:ext cx="2025293" cy="2044460"/>
+          </a:xfrm>
+          <a:prstGeom prst="rect">
+            <a:avLst/>
+          </a:prstGeom>
+        </p:spPr>
+      </p:pic>
+      <p:pic>
+        <p:nvPicPr>
+          <p:cNvPr id="8" name="Obraz 7">
+            <a:extLst>
+              <a:ext uri="{FF2B5EF4-FFF2-40B4-BE49-F238E27FC236}">
+                <a16:creationId xmlns:a16="http://schemas.microsoft.com/office/drawing/2014/main" id="{FB67C1C4-E8C8-4E0B-A1AA-74D549A87EFC}"/>
+              </a:ext>
+            </a:extLst>
+          </p:cNvPr>
+          <p:cNvPicPr>
+            <a:picLocks noChangeAspect="1"/>
+          </p:cNvPicPr>
+          <p:nvPr/>
+        </p:nvPicPr>
+        <p:blipFill>
+          <a:blip r:embed="rId5" cstate="print">
+            <a:extLst>
+              <a:ext uri="{28A0092B-C50C-407E-A947-70E740481C1C}">
+                <a14:useLocalDpi xmlns:a14="http://schemas.microsoft.com/office/drawing/2010/main" val="0"/>
+              </a:ext>
+            </a:extLst>
+          </a:blip>
+          <a:stretch>
+            <a:fillRect/>
+          </a:stretch>
+        </p:blipFill>
+        <p:spPr>
+          <a:xfrm>
+            <a:off x="8353963" y="1990995"/>
+            <a:ext cx="3093404" cy="1611148"/>
+          </a:xfrm>
+          <a:prstGeom prst="rect">
+            <a:avLst/>
+          </a:prstGeom>
+        </p:spPr>
+      </p:pic>
+      <p:sp>
+        <p:nvSpPr>
+          <p:cNvPr id="9" name="Strzałka: w lewo i w prawo 8">
+            <a:extLst>
+              <a:ext uri="{FF2B5EF4-FFF2-40B4-BE49-F238E27FC236}">
+                <a16:creationId xmlns:a16="http://schemas.microsoft.com/office/drawing/2014/main" id="{A4E11431-B54D-41F2-87E4-81F579468115}"/>
+              </a:ext>
+            </a:extLst>
+          </p:cNvPr>
+          <p:cNvSpPr/>
+          <p:nvPr/>
+        </p:nvSpPr>
+        <p:spPr>
+          <a:xfrm rot="2259722">
+            <a:off x="3999300" y="4097096"/>
+            <a:ext cx="1747985" cy="374904"/>
+          </a:xfrm>
+          <a:prstGeom prst="leftRightArrow">
+            <a:avLst/>
+          </a:prstGeom>
+        </p:spPr>
+        <p:style>
+          <a:lnRef idx="1">
+            <a:schemeClr val="accent4"/>
+          </a:lnRef>
+          <a:fillRef idx="3">
+            <a:schemeClr val="accent4"/>
+          </a:fillRef>
+          <a:effectRef idx="2">
+            <a:schemeClr val="accent4"/>
+          </a:effectRef>
+          <a:fontRef idx="minor">
+            <a:schemeClr val="lt1"/>
+          </a:fontRef>
+        </p:style>
+        <p:txBody>
+          <a:bodyPr rtlCol="0" anchor="ctr"/>
+          <a:lstStyle/>
+          <a:p>
+            <a:pPr algn="ctr"/>
+            <a:endParaRPr lang="en-US"/>
+          </a:p>
+        </p:txBody>
+      </p:sp>
+      <p:pic>
+        <p:nvPicPr>
+          <p:cNvPr id="14" name="Obraz 13">
+            <a:extLst>
+              <a:ext uri="{FF2B5EF4-FFF2-40B4-BE49-F238E27FC236}">
+                <a16:creationId xmlns:a16="http://schemas.microsoft.com/office/drawing/2014/main" id="{F519EBA6-0B3F-4DFB-9AD9-F0C0A259679F}"/>
+              </a:ext>
+            </a:extLst>
+          </p:cNvPr>
+          <p:cNvPicPr>
+            <a:picLocks noChangeAspect="1"/>
+          </p:cNvPicPr>
+          <p:nvPr/>
+        </p:nvPicPr>
+        <p:blipFill>
+          <a:blip r:embed="rId3" cstate="print">
+            <a:extLst>
+              <a:ext uri="{28A0092B-C50C-407E-A947-70E740481C1C}">
+                <a14:useLocalDpi xmlns:a14="http://schemas.microsoft.com/office/drawing/2010/main" val="0"/>
+              </a:ext>
+            </a:extLst>
+          </a:blip>
+          <a:stretch>
+            <a:fillRect/>
+          </a:stretch>
+        </p:blipFill>
+        <p:spPr>
+          <a:xfrm>
+            <a:off x="7648601" y="524369"/>
+            <a:ext cx="4359007" cy="3402068"/>
+          </a:xfrm>
+          <a:prstGeom prst="rect">
+            <a:avLst/>
+          </a:prstGeom>
+        </p:spPr>
+      </p:pic>
+      <p:sp>
+        <p:nvSpPr>
+          <p:cNvPr id="11" name="Strzałka: w lewo i w prawo 10">
+            <a:extLst>
+              <a:ext uri="{FF2B5EF4-FFF2-40B4-BE49-F238E27FC236}">
+                <a16:creationId xmlns:a16="http://schemas.microsoft.com/office/drawing/2014/main" id="{A8A01F0F-B4F7-434A-8298-75F87C010B96}"/>
+              </a:ext>
+            </a:extLst>
+          </p:cNvPr>
+          <p:cNvSpPr/>
+          <p:nvPr/>
+        </p:nvSpPr>
+        <p:spPr>
+          <a:xfrm rot="19340278" flipH="1">
+            <a:off x="6444715" y="4097097"/>
+            <a:ext cx="1747985" cy="374904"/>
+          </a:xfrm>
+          <a:prstGeom prst="leftRightArrow">
+            <a:avLst/>
+          </a:prstGeom>
+        </p:spPr>
+        <p:style>
+          <a:lnRef idx="1">
+            <a:schemeClr val="accent4"/>
+          </a:lnRef>
+          <a:fillRef idx="3">
+            <a:schemeClr val="accent4"/>
+          </a:fillRef>
+          <a:effectRef idx="2">
+            <a:schemeClr val="accent4"/>
+          </a:effectRef>
+          <a:fontRef idx="minor">
+            <a:schemeClr val="lt1"/>
+          </a:fontRef>
+        </p:style>
+        <p:txBody>
+          <a:bodyPr rtlCol="0" anchor="ctr"/>
+          <a:lstStyle/>
+          <a:p>
+            <a:pPr algn="ctr"/>
+            <a:endParaRPr lang="en-US"/>
+          </a:p>
+        </p:txBody>
+      </p:sp>
+      <p:pic>
+        <p:nvPicPr>
+          <p:cNvPr id="15" name="Obraz 14">
+            <a:extLst>
+              <a:ext uri="{FF2B5EF4-FFF2-40B4-BE49-F238E27FC236}">
+                <a16:creationId xmlns:a16="http://schemas.microsoft.com/office/drawing/2014/main" id="{BA7D5CCD-379D-4BC2-8333-992C970C42C6}"/>
+              </a:ext>
+            </a:extLst>
+          </p:cNvPr>
+          <p:cNvPicPr>
+            <a:picLocks noChangeAspect="1"/>
+          </p:cNvPicPr>
+          <p:nvPr/>
+        </p:nvPicPr>
+        <p:blipFill>
+          <a:blip r:embed="rId3" cstate="print">
+            <a:extLst>
+              <a:ext uri="{28A0092B-C50C-407E-A947-70E740481C1C}">
+                <a14:useLocalDpi xmlns:a14="http://schemas.microsoft.com/office/drawing/2010/main" val="0"/>
+              </a:ext>
+            </a:extLst>
+          </a:blip>
+          <a:stretch>
+            <a:fillRect/>
+          </a:stretch>
+        </p:blipFill>
+        <p:spPr>
+          <a:xfrm>
+            <a:off x="3378616" y="2842621"/>
+            <a:ext cx="4359007" cy="3402068"/>
+          </a:xfrm>
+          <a:prstGeom prst="rect">
+            <a:avLst/>
+          </a:prstGeom>
+        </p:spPr>
+      </p:pic>
+    </p:spTree>
+    <p:extLst>
+      <p:ext uri="{BB962C8B-B14F-4D97-AF65-F5344CB8AC3E}">
+        <p14:creationId xmlns:p14="http://schemas.microsoft.com/office/powerpoint/2010/main" val="1698927392"/>
+      </p:ext>
+    </p:extLst>
+  </p:cSld>
+  <p:clrMapOvr>
+    <a:masterClrMapping/>
+  </p:clrMapOvr>
+</p:sld>
+</file>
+
+<file path=ppt/slides/slide29.xml><?xml version="1.0" encoding="utf-8"?>
 <p:sld xmlns:a="http://schemas.openxmlformats.org/drawingml/2006/main" xmlns:r="http://schemas.openxmlformats.org/officeDocument/2006/relationships" xmlns:p="http://schemas.openxmlformats.org/presentationml/2006/main">
   <p:cSld>
     <p:spTree>
@@ -22073,348 +26338,6 @@
     <p:extLst>
       <p:ext uri="{BB962C8B-B14F-4D97-AF65-F5344CB8AC3E}">
         <p14:creationId xmlns:p14="http://schemas.microsoft.com/office/powerpoint/2010/main" val="894129137"/>
-      </p:ext>
-    </p:extLst>
-  </p:cSld>
-  <p:clrMapOvr>
-    <a:masterClrMapping/>
-  </p:clrMapOvr>
-</p:sld>
-</file>
-
-<file path=ppt/slides/slide2.xml><?xml version="1.0" encoding="utf-8"?>
-<p:sld xmlns:a="http://schemas.openxmlformats.org/drawingml/2006/main" xmlns:r="http://schemas.openxmlformats.org/officeDocument/2006/relationships" xmlns:p="http://schemas.openxmlformats.org/presentationml/2006/main">
-  <p:cSld>
-    <p:bg>
-      <p:bgPr>
-        <a:solidFill>
-          <a:schemeClr val="bg1">
-            <a:alpha val="0"/>
-          </a:schemeClr>
-        </a:solidFill>
-        <a:effectLst/>
-      </p:bgPr>
-    </p:bg>
-    <p:spTree>
-      <p:nvGrpSpPr>
-        <p:cNvPr id="1" name=""/>
-        <p:cNvGrpSpPr/>
-        <p:nvPr/>
-      </p:nvGrpSpPr>
-      <p:grpSpPr>
-        <a:xfrm>
-          <a:off x="0" y="0"/>
-          <a:ext cx="0" cy="0"/>
-          <a:chOff x="0" y="0"/>
-          <a:chExt cx="0" cy="0"/>
-        </a:xfrm>
-      </p:grpSpPr>
-      <p:sp>
-        <p:nvSpPr>
-          <p:cNvPr id="7" name="Prostokąt: ścięte rogi u góry 6">
-            <a:extLst>
-              <a:ext uri="{FF2B5EF4-FFF2-40B4-BE49-F238E27FC236}">
-                <a16:creationId xmlns:a16="http://schemas.microsoft.com/office/drawing/2014/main" id="{415816C4-3146-4D8C-B5A8-EC8D7FB69DF0}"/>
-              </a:ext>
-            </a:extLst>
-          </p:cNvPr>
-          <p:cNvSpPr/>
-          <p:nvPr/>
-        </p:nvSpPr>
-        <p:spPr>
-          <a:xfrm>
-            <a:off x="2108719" y="1181878"/>
-            <a:ext cx="7987004" cy="4590661"/>
-          </a:xfrm>
-          <a:prstGeom prst="snip2SameRect">
-            <a:avLst>
-              <a:gd name="adj1" fmla="val 50000"/>
-              <a:gd name="adj2" fmla="val 0"/>
-            </a:avLst>
-          </a:prstGeom>
-          <a:noFill/>
-          <a:ln w="63500">
-            <a:solidFill>
-              <a:schemeClr val="accent1">
-                <a:lumMod val="40000"/>
-                <a:lumOff val="60000"/>
-              </a:schemeClr>
-            </a:solidFill>
-            <a:headEnd type="none" w="med" len="med"/>
-            <a:tailEnd type="none" w="med" len="med"/>
-          </a:ln>
-        </p:spPr>
-        <p:style>
-          <a:lnRef idx="2">
-            <a:schemeClr val="accent1"/>
-          </a:lnRef>
-          <a:fillRef idx="1">
-            <a:schemeClr val="lt1"/>
-          </a:fillRef>
-          <a:effectRef idx="0">
-            <a:schemeClr val="accent1"/>
-          </a:effectRef>
-          <a:fontRef idx="minor">
-            <a:schemeClr val="dk1"/>
-          </a:fontRef>
-        </p:style>
-        <p:txBody>
-          <a:bodyPr rtlCol="0" anchor="ctr"/>
-          <a:lstStyle/>
-          <a:p>
-            <a:pPr algn="ctr"/>
-            <a:endParaRPr lang="en-US"/>
-          </a:p>
-        </p:txBody>
-      </p:sp>
-      <p:sp>
-        <p:nvSpPr>
-          <p:cNvPr id="2" name="Prostokąt zaokrąglony 9">
-            <a:extLst>
-              <a:ext uri="{FF2B5EF4-FFF2-40B4-BE49-F238E27FC236}">
-                <a16:creationId xmlns:a16="http://schemas.microsoft.com/office/drawing/2014/main" id="{FB470A6F-D020-4FCE-AC6A-78B147F5B869}"/>
-              </a:ext>
-            </a:extLst>
-          </p:cNvPr>
-          <p:cNvSpPr/>
-          <p:nvPr/>
-        </p:nvSpPr>
-        <p:spPr>
-          <a:xfrm>
-            <a:off x="4682959" y="1440416"/>
-            <a:ext cx="2826081" cy="1414360"/>
-          </a:xfrm>
-          <a:prstGeom prst="roundRect">
-            <a:avLst/>
-          </a:prstGeom>
-        </p:spPr>
-        <p:style>
-          <a:lnRef idx="1">
-            <a:schemeClr val="accent5"/>
-          </a:lnRef>
-          <a:fillRef idx="3">
-            <a:schemeClr val="accent5"/>
-          </a:fillRef>
-          <a:effectRef idx="2">
-            <a:schemeClr val="accent5"/>
-          </a:effectRef>
-          <a:fontRef idx="minor">
-            <a:schemeClr val="lt1"/>
-          </a:fontRef>
-        </p:style>
-        <p:txBody>
-          <a:bodyPr rtlCol="0" anchor="ctr"/>
-          <a:lstStyle/>
-          <a:p>
-            <a:pPr algn="ctr"/>
-            <a:r>
-              <a:rPr lang="pl-PL" sz="2400" dirty="0" err="1">
-                <a:latin typeface="Arial Black" panose="020B0A04020102020204" pitchFamily="34" charset="0"/>
-              </a:rPr>
-              <a:t>Shipping</a:t>
-            </a:r>
-            <a:endParaRPr lang="en-US" sz="2400" dirty="0">
-              <a:latin typeface="Arial Black" panose="020B0A04020102020204" pitchFamily="34" charset="0"/>
-            </a:endParaRPr>
-          </a:p>
-        </p:txBody>
-      </p:sp>
-      <p:sp>
-        <p:nvSpPr>
-          <p:cNvPr id="3" name="Prostokąt zaokrąglony 9">
-            <a:extLst>
-              <a:ext uri="{FF2B5EF4-FFF2-40B4-BE49-F238E27FC236}">
-                <a16:creationId xmlns:a16="http://schemas.microsoft.com/office/drawing/2014/main" id="{447737C2-96BD-4392-995C-4E6846ED73AD}"/>
-              </a:ext>
-            </a:extLst>
-          </p:cNvPr>
-          <p:cNvSpPr/>
-          <p:nvPr/>
-        </p:nvSpPr>
-        <p:spPr>
-          <a:xfrm>
-            <a:off x="2484045" y="4003224"/>
-            <a:ext cx="2826081" cy="1414360"/>
-          </a:xfrm>
-          <a:prstGeom prst="roundRect">
-            <a:avLst/>
-          </a:prstGeom>
-        </p:spPr>
-        <p:style>
-          <a:lnRef idx="1">
-            <a:schemeClr val="accent5"/>
-          </a:lnRef>
-          <a:fillRef idx="3">
-            <a:schemeClr val="accent5"/>
-          </a:fillRef>
-          <a:effectRef idx="2">
-            <a:schemeClr val="accent5"/>
-          </a:effectRef>
-          <a:fontRef idx="minor">
-            <a:schemeClr val="lt1"/>
-          </a:fontRef>
-        </p:style>
-        <p:txBody>
-          <a:bodyPr rtlCol="0" anchor="ctr"/>
-          <a:lstStyle/>
-          <a:p>
-            <a:pPr algn="ctr"/>
-            <a:r>
-              <a:rPr lang="pl-PL" sz="2400" dirty="0" err="1">
-                <a:latin typeface="Arial Black" panose="020B0A04020102020204" pitchFamily="34" charset="0"/>
-              </a:rPr>
-              <a:t>Item</a:t>
-            </a:r>
-            <a:endParaRPr lang="en-US" sz="2400" dirty="0">
-              <a:latin typeface="Arial Black" panose="020B0A04020102020204" pitchFamily="34" charset="0"/>
-            </a:endParaRPr>
-          </a:p>
-        </p:txBody>
-      </p:sp>
-      <p:sp>
-        <p:nvSpPr>
-          <p:cNvPr id="4" name="Prostokąt zaokrąglony 9">
-            <a:extLst>
-              <a:ext uri="{FF2B5EF4-FFF2-40B4-BE49-F238E27FC236}">
-                <a16:creationId xmlns:a16="http://schemas.microsoft.com/office/drawing/2014/main" id="{C13014C6-7C80-436A-B6D9-236FBBD2B8D1}"/>
-              </a:ext>
-            </a:extLst>
-          </p:cNvPr>
-          <p:cNvSpPr/>
-          <p:nvPr/>
-        </p:nvSpPr>
-        <p:spPr>
-          <a:xfrm>
-            <a:off x="6881874" y="4003224"/>
-            <a:ext cx="2826081" cy="1414360"/>
-          </a:xfrm>
-          <a:prstGeom prst="roundRect">
-            <a:avLst/>
-          </a:prstGeom>
-        </p:spPr>
-        <p:style>
-          <a:lnRef idx="1">
-            <a:schemeClr val="accent5"/>
-          </a:lnRef>
-          <a:fillRef idx="3">
-            <a:schemeClr val="accent5"/>
-          </a:fillRef>
-          <a:effectRef idx="2">
-            <a:schemeClr val="accent5"/>
-          </a:effectRef>
-          <a:fontRef idx="minor">
-            <a:schemeClr val="lt1"/>
-          </a:fontRef>
-        </p:style>
-        <p:txBody>
-          <a:bodyPr rtlCol="0" anchor="ctr"/>
-          <a:lstStyle/>
-          <a:p>
-            <a:pPr algn="ctr"/>
-            <a:r>
-              <a:rPr lang="pl-PL" sz="2400" dirty="0" err="1">
-                <a:latin typeface="Arial Black" panose="020B0A04020102020204" pitchFamily="34" charset="0"/>
-              </a:rPr>
-              <a:t>Destination</a:t>
-            </a:r>
-            <a:endParaRPr lang="en-US" sz="2400" dirty="0">
-              <a:latin typeface="Arial Black" panose="020B0A04020102020204" pitchFamily="34" charset="0"/>
-            </a:endParaRPr>
-          </a:p>
-        </p:txBody>
-      </p:sp>
-      <p:sp>
-        <p:nvSpPr>
-          <p:cNvPr id="5" name="Strzałka w prawo 7">
-            <a:extLst>
-              <a:ext uri="{FF2B5EF4-FFF2-40B4-BE49-F238E27FC236}">
-                <a16:creationId xmlns:a16="http://schemas.microsoft.com/office/drawing/2014/main" id="{4FF2455C-0DB7-4997-ACC1-AB009B598C63}"/>
-              </a:ext>
-            </a:extLst>
-          </p:cNvPr>
-          <p:cNvSpPr/>
-          <p:nvPr/>
-        </p:nvSpPr>
-        <p:spPr>
-          <a:xfrm rot="7734269">
-            <a:off x="4469160" y="3241516"/>
-            <a:ext cx="1080581" cy="374970"/>
-          </a:xfrm>
-          <a:prstGeom prst="rightArrow">
-            <a:avLst/>
-          </a:prstGeom>
-        </p:spPr>
-        <p:style>
-          <a:lnRef idx="1">
-            <a:schemeClr val="accent4"/>
-          </a:lnRef>
-          <a:fillRef idx="3">
-            <a:schemeClr val="accent4"/>
-          </a:fillRef>
-          <a:effectRef idx="2">
-            <a:schemeClr val="accent4"/>
-          </a:effectRef>
-          <a:fontRef idx="minor">
-            <a:schemeClr val="lt1"/>
-          </a:fontRef>
-        </p:style>
-        <p:txBody>
-          <a:bodyPr rtlCol="0" anchor="ctr"/>
-          <a:lstStyle/>
-          <a:p>
-            <a:pPr algn="ctr"/>
-            <a:endParaRPr lang="en-US"/>
-          </a:p>
-        </p:txBody>
-      </p:sp>
-      <p:sp>
-        <p:nvSpPr>
-          <p:cNvPr id="6" name="Strzałka w prawo 7">
-            <a:extLst>
-              <a:ext uri="{FF2B5EF4-FFF2-40B4-BE49-F238E27FC236}">
-                <a16:creationId xmlns:a16="http://schemas.microsoft.com/office/drawing/2014/main" id="{1AC8DA88-2041-4333-A08A-5CBDA444CB1A}"/>
-              </a:ext>
-            </a:extLst>
-          </p:cNvPr>
-          <p:cNvSpPr/>
-          <p:nvPr/>
-        </p:nvSpPr>
-        <p:spPr>
-          <a:xfrm rot="13865731" flipH="1">
-            <a:off x="6642260" y="3277543"/>
-            <a:ext cx="1080581" cy="374970"/>
-          </a:xfrm>
-          <a:prstGeom prst="rightArrow">
-            <a:avLst/>
-          </a:prstGeom>
-        </p:spPr>
-        <p:style>
-          <a:lnRef idx="1">
-            <a:schemeClr val="accent4"/>
-          </a:lnRef>
-          <a:fillRef idx="3">
-            <a:schemeClr val="accent4"/>
-          </a:fillRef>
-          <a:effectRef idx="2">
-            <a:schemeClr val="accent4"/>
-          </a:effectRef>
-          <a:fontRef idx="minor">
-            <a:schemeClr val="lt1"/>
-          </a:fontRef>
-        </p:style>
-        <p:txBody>
-          <a:bodyPr rtlCol="0" anchor="ctr"/>
-          <a:lstStyle/>
-          <a:p>
-            <a:pPr algn="ctr"/>
-            <a:endParaRPr lang="en-US" dirty="0"/>
-          </a:p>
-        </p:txBody>
-      </p:sp>
-    </p:spTree>
-    <p:extLst>
-      <p:ext uri="{BB962C8B-B14F-4D97-AF65-F5344CB8AC3E}">
-        <p14:creationId xmlns:p14="http://schemas.microsoft.com/office/powerpoint/2010/main" val="1401151718"/>
       </p:ext>
     </p:extLst>
   </p:cSld>

--- a/docs/images.pptx
+++ b/docs/images.pptx
@@ -5,38 +5,39 @@
     <p:sldMasterId id="2147483672" r:id="rId1"/>
   </p:sldMasterIdLst>
   <p:notesMasterIdLst>
-    <p:notesMasterId r:id="rId31"/>
+    <p:notesMasterId r:id="rId32"/>
   </p:notesMasterIdLst>
   <p:sldIdLst>
     <p:sldId id="314" r:id="rId2"/>
     <p:sldId id="315" r:id="rId3"/>
-    <p:sldId id="316" r:id="rId4"/>
-    <p:sldId id="317" r:id="rId5"/>
-    <p:sldId id="312" r:id="rId6"/>
-    <p:sldId id="283" r:id="rId7"/>
-    <p:sldId id="318" r:id="rId8"/>
-    <p:sldId id="321" r:id="rId9"/>
-    <p:sldId id="323" r:id="rId10"/>
-    <p:sldId id="322" r:id="rId11"/>
-    <p:sldId id="340" r:id="rId12"/>
-    <p:sldId id="319" r:id="rId13"/>
-    <p:sldId id="320" r:id="rId14"/>
-    <p:sldId id="324" r:id="rId15"/>
-    <p:sldId id="325" r:id="rId16"/>
-    <p:sldId id="329" r:id="rId17"/>
-    <p:sldId id="330" r:id="rId18"/>
-    <p:sldId id="331" r:id="rId19"/>
-    <p:sldId id="332" r:id="rId20"/>
-    <p:sldId id="333" r:id="rId21"/>
-    <p:sldId id="334" r:id="rId22"/>
-    <p:sldId id="339" r:id="rId23"/>
-    <p:sldId id="335" r:id="rId24"/>
-    <p:sldId id="336" r:id="rId25"/>
-    <p:sldId id="337" r:id="rId26"/>
-    <p:sldId id="338" r:id="rId27"/>
-    <p:sldId id="326" r:id="rId28"/>
-    <p:sldId id="327" r:id="rId29"/>
-    <p:sldId id="294" r:id="rId30"/>
+    <p:sldId id="341" r:id="rId4"/>
+    <p:sldId id="316" r:id="rId5"/>
+    <p:sldId id="317" r:id="rId6"/>
+    <p:sldId id="312" r:id="rId7"/>
+    <p:sldId id="283" r:id="rId8"/>
+    <p:sldId id="318" r:id="rId9"/>
+    <p:sldId id="321" r:id="rId10"/>
+    <p:sldId id="323" r:id="rId11"/>
+    <p:sldId id="322" r:id="rId12"/>
+    <p:sldId id="340" r:id="rId13"/>
+    <p:sldId id="319" r:id="rId14"/>
+    <p:sldId id="320" r:id="rId15"/>
+    <p:sldId id="324" r:id="rId16"/>
+    <p:sldId id="325" r:id="rId17"/>
+    <p:sldId id="329" r:id="rId18"/>
+    <p:sldId id="330" r:id="rId19"/>
+    <p:sldId id="331" r:id="rId20"/>
+    <p:sldId id="332" r:id="rId21"/>
+    <p:sldId id="333" r:id="rId22"/>
+    <p:sldId id="334" r:id="rId23"/>
+    <p:sldId id="339" r:id="rId24"/>
+    <p:sldId id="335" r:id="rId25"/>
+    <p:sldId id="336" r:id="rId26"/>
+    <p:sldId id="337" r:id="rId27"/>
+    <p:sldId id="338" r:id="rId28"/>
+    <p:sldId id="326" r:id="rId29"/>
+    <p:sldId id="327" r:id="rId30"/>
+    <p:sldId id="294" r:id="rId31"/>
   </p:sldIdLst>
   <p:sldSz cx="12192000" cy="6858000"/>
   <p:notesSz cx="6858000" cy="9144000"/>
@@ -16089,6 +16090,102 @@
     </p:spTree>
     <p:extLst>
       <p:ext uri="{BB962C8B-B14F-4D97-AF65-F5344CB8AC3E}">
+        <p14:creationId xmlns:p14="http://schemas.microsoft.com/office/powerpoint/2010/main" val="2105504894"/>
+      </p:ext>
+    </p:extLst>
+  </p:cSld>
+  <p:clrMapOvr>
+    <a:masterClrMapping/>
+  </p:clrMapOvr>
+</p:notes>
+</file>
+
+<file path=ppt/notesSlides/notesSlide3.xml><?xml version="1.0" encoding="utf-8"?>
+<p:notes xmlns:a="http://schemas.openxmlformats.org/drawingml/2006/main" xmlns:r="http://schemas.openxmlformats.org/officeDocument/2006/relationships" xmlns:p="http://schemas.openxmlformats.org/presentationml/2006/main">
+  <p:cSld>
+    <p:spTree>
+      <p:nvGrpSpPr>
+        <p:cNvPr id="1" name=""/>
+        <p:cNvGrpSpPr/>
+        <p:nvPr/>
+      </p:nvGrpSpPr>
+      <p:grpSpPr>
+        <a:xfrm>
+          <a:off x="0" y="0"/>
+          <a:ext cx="0" cy="0"/>
+          <a:chOff x="0" y="0"/>
+          <a:chExt cx="0" cy="0"/>
+        </a:xfrm>
+      </p:grpSpPr>
+      <p:sp>
+        <p:nvSpPr>
+          <p:cNvPr id="2" name="Symbol zastępczy obrazu slajdu 1"/>
+          <p:cNvSpPr>
+            <a:spLocks noGrp="1" noRot="1" noChangeAspect="1"/>
+          </p:cNvSpPr>
+          <p:nvPr>
+            <p:ph type="sldImg"/>
+          </p:nvPr>
+        </p:nvSpPr>
+        <p:spPr/>
+      </p:sp>
+      <p:sp>
+        <p:nvSpPr>
+          <p:cNvPr id="3" name="Symbol zastępczy notatek 2"/>
+          <p:cNvSpPr>
+            <a:spLocks noGrp="1"/>
+          </p:cNvSpPr>
+          <p:nvPr>
+            <p:ph type="body" idx="1"/>
+          </p:nvPr>
+        </p:nvSpPr>
+        <p:spPr/>
+        <p:txBody>
+          <a:bodyPr/>
+          <a:lstStyle/>
+          <a:p>
+            <a:r>
+              <a:rPr lang="pl-PL" dirty="0" err="1"/>
+              <a:t>Aggregate</a:t>
+            </a:r>
+            <a:r>
+              <a:rPr lang="pl-PL" dirty="0"/>
+              <a:t> </a:t>
+            </a:r>
+            <a:r>
+              <a:rPr lang="pl-PL" dirty="0" err="1"/>
+              <a:t>chains</a:t>
+            </a:r>
+            <a:endParaRPr lang="en-US" dirty="0"/>
+          </a:p>
+        </p:txBody>
+      </p:sp>
+      <p:sp>
+        <p:nvSpPr>
+          <p:cNvPr id="4" name="Symbol zastępczy numeru slajdu 3"/>
+          <p:cNvSpPr>
+            <a:spLocks noGrp="1"/>
+          </p:cNvSpPr>
+          <p:nvPr>
+            <p:ph type="sldNum" sz="quarter" idx="5"/>
+          </p:nvPr>
+        </p:nvSpPr>
+        <p:spPr/>
+        <p:txBody>
+          <a:bodyPr/>
+          <a:lstStyle/>
+          <a:p>
+            <a:fld id="{1ECF6A35-0BFF-42C8-8651-D2B5FB2BDBD4}" type="slidenum">
+              <a:rPr lang="en-US" smtClean="0"/>
+              <a:t>4</a:t>
+            </a:fld>
+            <a:endParaRPr lang="en-US"/>
+          </a:p>
+        </p:txBody>
+      </p:sp>
+    </p:spTree>
+    <p:extLst>
+      <p:ext uri="{BB962C8B-B14F-4D97-AF65-F5344CB8AC3E}">
         <p14:creationId xmlns:p14="http://schemas.microsoft.com/office/powerpoint/2010/main" val="2528758556"/>
       </p:ext>
     </p:extLst>
@@ -16099,7 +16196,7 @@
 </p:notes>
 </file>
 
-<file path=ppt/notesSlides/notesSlide3.xml><?xml version="1.0" encoding="utf-8"?>
+<file path=ppt/notesSlides/notesSlide4.xml><?xml version="1.0" encoding="utf-8"?>
 <p:notes xmlns:a="http://schemas.openxmlformats.org/drawingml/2006/main" xmlns:r="http://schemas.openxmlformats.org/officeDocument/2006/relationships" xmlns:p="http://schemas.openxmlformats.org/presentationml/2006/main">
   <p:cSld>
     <p:spTree>
@@ -16170,7 +16267,7 @@
           <a:p>
             <a:fld id="{1ECF6A35-0BFF-42C8-8651-D2B5FB2BDBD4}" type="slidenum">
               <a:rPr lang="en-US" smtClean="0"/>
-              <a:t>5</a:t>
+              <a:t>6</a:t>
             </a:fld>
             <a:endParaRPr lang="en-US"/>
           </a:p>
@@ -16180,118 +16277,6 @@
     <p:extLst>
       <p:ext uri="{BB962C8B-B14F-4D97-AF65-F5344CB8AC3E}">
         <p14:creationId xmlns:p14="http://schemas.microsoft.com/office/powerpoint/2010/main" val="1332260639"/>
-      </p:ext>
-    </p:extLst>
-  </p:cSld>
-  <p:clrMapOvr>
-    <a:masterClrMapping/>
-  </p:clrMapOvr>
-</p:notes>
-</file>
-
-<file path=ppt/notesSlides/notesSlide4.xml><?xml version="1.0" encoding="utf-8"?>
-<p:notes xmlns:a="http://schemas.openxmlformats.org/drawingml/2006/main" xmlns:r="http://schemas.openxmlformats.org/officeDocument/2006/relationships" xmlns:p="http://schemas.openxmlformats.org/presentationml/2006/main">
-  <p:cSld>
-    <p:spTree>
-      <p:nvGrpSpPr>
-        <p:cNvPr id="1" name=""/>
-        <p:cNvGrpSpPr/>
-        <p:nvPr/>
-      </p:nvGrpSpPr>
-      <p:grpSpPr>
-        <a:xfrm>
-          <a:off x="0" y="0"/>
-          <a:ext cx="0" cy="0"/>
-          <a:chOff x="0" y="0"/>
-          <a:chExt cx="0" cy="0"/>
-        </a:xfrm>
-      </p:grpSpPr>
-      <p:sp>
-        <p:nvSpPr>
-          <p:cNvPr id="2" name="Symbol zastępczy obrazu slajdu 1"/>
-          <p:cNvSpPr>
-            <a:spLocks noGrp="1" noRot="1" noChangeAspect="1"/>
-          </p:cNvSpPr>
-          <p:nvPr>
-            <p:ph type="sldImg"/>
-          </p:nvPr>
-        </p:nvSpPr>
-        <p:spPr/>
-      </p:sp>
-      <p:sp>
-        <p:nvSpPr>
-          <p:cNvPr id="3" name="Symbol zastępczy notatek 2"/>
-          <p:cNvSpPr>
-            <a:spLocks noGrp="1"/>
-          </p:cNvSpPr>
-          <p:nvPr>
-            <p:ph type="body" idx="1"/>
-          </p:nvPr>
-        </p:nvSpPr>
-        <p:spPr/>
-        <p:txBody>
-          <a:bodyPr/>
-          <a:lstStyle/>
-          <a:p>
-            <a:r>
-              <a:rPr lang="pl-PL" dirty="0" err="1"/>
-              <a:t>Azazon</a:t>
-            </a:r>
-            <a:r>
-              <a:rPr lang="pl-PL" baseline="0" dirty="0"/>
-              <a:t> FIFO </a:t>
-            </a:r>
-            <a:r>
-              <a:rPr lang="pl-PL" baseline="0" dirty="0" err="1"/>
-              <a:t>does</a:t>
-            </a:r>
-            <a:r>
-              <a:rPr lang="pl-PL" baseline="0" dirty="0"/>
-              <a:t> </a:t>
-            </a:r>
-            <a:r>
-              <a:rPr lang="pl-PL" baseline="0" dirty="0" err="1"/>
-              <a:t>it</a:t>
-            </a:r>
-            <a:r>
-              <a:rPr lang="pl-PL" baseline="0" dirty="0"/>
-              <a:t> </a:t>
-            </a:r>
-            <a:r>
-              <a:rPr lang="pl-PL" baseline="0" dirty="0" err="1"/>
-              <a:t>wrong</a:t>
-            </a:r>
-            <a:endParaRPr lang="en-US" dirty="0"/>
-          </a:p>
-        </p:txBody>
-      </p:sp>
-      <p:sp>
-        <p:nvSpPr>
-          <p:cNvPr id="4" name="Symbol zastępczy numeru slajdu 3"/>
-          <p:cNvSpPr>
-            <a:spLocks noGrp="1"/>
-          </p:cNvSpPr>
-          <p:nvPr>
-            <p:ph type="sldNum" sz="quarter" idx="10"/>
-          </p:nvPr>
-        </p:nvSpPr>
-        <p:spPr/>
-        <p:txBody>
-          <a:bodyPr/>
-          <a:lstStyle/>
-          <a:p>
-            <a:fld id="{1ECF6A35-0BFF-42C8-8651-D2B5FB2BDBD4}" type="slidenum">
-              <a:rPr lang="en-US" smtClean="0"/>
-              <a:t>6</a:t>
-            </a:fld>
-            <a:endParaRPr lang="en-US"/>
-          </a:p>
-        </p:txBody>
-      </p:sp>
-    </p:spTree>
-    <p:extLst>
-      <p:ext uri="{BB962C8B-B14F-4D97-AF65-F5344CB8AC3E}">
-        <p14:creationId xmlns:p14="http://schemas.microsoft.com/office/powerpoint/2010/main" val="112723952"/>
       </p:ext>
     </p:extLst>
   </p:cSld>
@@ -16403,7 +16388,7 @@
     </p:spTree>
     <p:extLst>
       <p:ext uri="{BB962C8B-B14F-4D97-AF65-F5344CB8AC3E}">
-        <p14:creationId xmlns:p14="http://schemas.microsoft.com/office/powerpoint/2010/main" val="2384517277"/>
+        <p14:creationId xmlns:p14="http://schemas.microsoft.com/office/powerpoint/2010/main" val="112723952"/>
       </p:ext>
     </p:extLst>
   </p:cSld>
@@ -16506,7 +16491,7 @@
           <a:p>
             <a:fld id="{1ECF6A35-0BFF-42C8-8651-D2B5FB2BDBD4}" type="slidenum">
               <a:rPr lang="en-US" smtClean="0"/>
-              <a:t>12</a:t>
+              <a:t>8</a:t>
             </a:fld>
             <a:endParaRPr lang="en-US"/>
           </a:p>
@@ -16515,7 +16500,7 @@
     </p:spTree>
     <p:extLst>
       <p:ext uri="{BB962C8B-B14F-4D97-AF65-F5344CB8AC3E}">
-        <p14:creationId xmlns:p14="http://schemas.microsoft.com/office/powerpoint/2010/main" val="2787354356"/>
+        <p14:creationId xmlns:p14="http://schemas.microsoft.com/office/powerpoint/2010/main" val="2384517277"/>
       </p:ext>
     </p:extLst>
   </p:cSld>
@@ -16619,6 +16604,118 @@
             <a:fld id="{1ECF6A35-0BFF-42C8-8651-D2B5FB2BDBD4}" type="slidenum">
               <a:rPr lang="en-US" smtClean="0"/>
               <a:t>13</a:t>
+            </a:fld>
+            <a:endParaRPr lang="en-US"/>
+          </a:p>
+        </p:txBody>
+      </p:sp>
+    </p:spTree>
+    <p:extLst>
+      <p:ext uri="{BB962C8B-B14F-4D97-AF65-F5344CB8AC3E}">
+        <p14:creationId xmlns:p14="http://schemas.microsoft.com/office/powerpoint/2010/main" val="2787354356"/>
+      </p:ext>
+    </p:extLst>
+  </p:cSld>
+  <p:clrMapOvr>
+    <a:masterClrMapping/>
+  </p:clrMapOvr>
+</p:notes>
+</file>
+
+<file path=ppt/notesSlides/notesSlide8.xml><?xml version="1.0" encoding="utf-8"?>
+<p:notes xmlns:a="http://schemas.openxmlformats.org/drawingml/2006/main" xmlns:r="http://schemas.openxmlformats.org/officeDocument/2006/relationships" xmlns:p="http://schemas.openxmlformats.org/presentationml/2006/main">
+  <p:cSld>
+    <p:spTree>
+      <p:nvGrpSpPr>
+        <p:cNvPr id="1" name=""/>
+        <p:cNvGrpSpPr/>
+        <p:nvPr/>
+      </p:nvGrpSpPr>
+      <p:grpSpPr>
+        <a:xfrm>
+          <a:off x="0" y="0"/>
+          <a:ext cx="0" cy="0"/>
+          <a:chOff x="0" y="0"/>
+          <a:chExt cx="0" cy="0"/>
+        </a:xfrm>
+      </p:grpSpPr>
+      <p:sp>
+        <p:nvSpPr>
+          <p:cNvPr id="2" name="Symbol zastępczy obrazu slajdu 1"/>
+          <p:cNvSpPr>
+            <a:spLocks noGrp="1" noRot="1" noChangeAspect="1"/>
+          </p:cNvSpPr>
+          <p:nvPr>
+            <p:ph type="sldImg"/>
+          </p:nvPr>
+        </p:nvSpPr>
+        <p:spPr/>
+      </p:sp>
+      <p:sp>
+        <p:nvSpPr>
+          <p:cNvPr id="3" name="Symbol zastępczy notatek 2"/>
+          <p:cNvSpPr>
+            <a:spLocks noGrp="1"/>
+          </p:cNvSpPr>
+          <p:nvPr>
+            <p:ph type="body" idx="1"/>
+          </p:nvPr>
+        </p:nvSpPr>
+        <p:spPr/>
+        <p:txBody>
+          <a:bodyPr/>
+          <a:lstStyle/>
+          <a:p>
+            <a:r>
+              <a:rPr lang="pl-PL" dirty="0" err="1"/>
+              <a:t>Azazon</a:t>
+            </a:r>
+            <a:r>
+              <a:rPr lang="pl-PL" baseline="0" dirty="0"/>
+              <a:t> FIFO </a:t>
+            </a:r>
+            <a:r>
+              <a:rPr lang="pl-PL" baseline="0" dirty="0" err="1"/>
+              <a:t>does</a:t>
+            </a:r>
+            <a:r>
+              <a:rPr lang="pl-PL" baseline="0" dirty="0"/>
+              <a:t> </a:t>
+            </a:r>
+            <a:r>
+              <a:rPr lang="pl-PL" baseline="0" dirty="0" err="1"/>
+              <a:t>it</a:t>
+            </a:r>
+            <a:r>
+              <a:rPr lang="pl-PL" baseline="0" dirty="0"/>
+              <a:t> </a:t>
+            </a:r>
+            <a:r>
+              <a:rPr lang="pl-PL" baseline="0" dirty="0" err="1"/>
+              <a:t>wrong</a:t>
+            </a:r>
+            <a:endParaRPr lang="en-US" dirty="0"/>
+          </a:p>
+        </p:txBody>
+      </p:sp>
+      <p:sp>
+        <p:nvSpPr>
+          <p:cNvPr id="4" name="Symbol zastępczy numeru slajdu 3"/>
+          <p:cNvSpPr>
+            <a:spLocks noGrp="1"/>
+          </p:cNvSpPr>
+          <p:nvPr>
+            <p:ph type="sldNum" sz="quarter" idx="10"/>
+          </p:nvPr>
+        </p:nvSpPr>
+        <p:spPr/>
+        <p:txBody>
+          <a:bodyPr/>
+          <a:lstStyle/>
+          <a:p>
+            <a:fld id="{1ECF6A35-0BFF-42C8-8651-D2B5FB2BDBD4}" type="slidenum">
+              <a:rPr lang="en-US" smtClean="0"/>
+              <a:t>14</a:t>
             </a:fld>
             <a:endParaRPr lang="en-US"/>
           </a:p>
@@ -20418,6 +20515,312 @@
           <a:chExt cx="0" cy="0"/>
         </a:xfrm>
       </p:grpSpPr>
+      <p:sp>
+        <p:nvSpPr>
+          <p:cNvPr id="9" name="Strzałka: w lewo i w prawo 8">
+            <a:extLst>
+              <a:ext uri="{FF2B5EF4-FFF2-40B4-BE49-F238E27FC236}">
+                <a16:creationId xmlns:a16="http://schemas.microsoft.com/office/drawing/2014/main" id="{A4E11431-B54D-41F2-87E4-81F579468115}"/>
+              </a:ext>
+            </a:extLst>
+          </p:cNvPr>
+          <p:cNvSpPr/>
+          <p:nvPr/>
+        </p:nvSpPr>
+        <p:spPr>
+          <a:xfrm rot="2259722">
+            <a:off x="3600091" y="4097096"/>
+            <a:ext cx="1747985" cy="374904"/>
+          </a:xfrm>
+          <a:prstGeom prst="leftRightArrow">
+            <a:avLst/>
+          </a:prstGeom>
+        </p:spPr>
+        <p:style>
+          <a:lnRef idx="1">
+            <a:schemeClr val="accent4"/>
+          </a:lnRef>
+          <a:fillRef idx="3">
+            <a:schemeClr val="accent4"/>
+          </a:fillRef>
+          <a:effectRef idx="2">
+            <a:schemeClr val="accent4"/>
+          </a:effectRef>
+          <a:fontRef idx="minor">
+            <a:schemeClr val="lt1"/>
+          </a:fontRef>
+        </p:style>
+        <p:txBody>
+          <a:bodyPr rtlCol="0" anchor="ctr"/>
+          <a:lstStyle/>
+          <a:p>
+            <a:pPr algn="ctr"/>
+            <a:endParaRPr lang="en-US"/>
+          </a:p>
+        </p:txBody>
+      </p:sp>
+      <p:sp>
+        <p:nvSpPr>
+          <p:cNvPr id="10" name="Strzałka: w lewo i w prawo 9">
+            <a:extLst>
+              <a:ext uri="{FF2B5EF4-FFF2-40B4-BE49-F238E27FC236}">
+                <a16:creationId xmlns:a16="http://schemas.microsoft.com/office/drawing/2014/main" id="{45297C2A-935F-4D3C-803C-542CA96B1A54}"/>
+              </a:ext>
+            </a:extLst>
+          </p:cNvPr>
+          <p:cNvSpPr/>
+          <p:nvPr/>
+        </p:nvSpPr>
+        <p:spPr>
+          <a:xfrm rot="5400000">
+            <a:off x="5222007" y="2952714"/>
+            <a:ext cx="1747985" cy="374904"/>
+          </a:xfrm>
+          <a:prstGeom prst="leftRightArrow">
+            <a:avLst/>
+          </a:prstGeom>
+        </p:spPr>
+        <p:style>
+          <a:lnRef idx="1">
+            <a:schemeClr val="accent4"/>
+          </a:lnRef>
+          <a:fillRef idx="3">
+            <a:schemeClr val="accent4"/>
+          </a:fillRef>
+          <a:effectRef idx="2">
+            <a:schemeClr val="accent4"/>
+          </a:effectRef>
+          <a:fontRef idx="minor">
+            <a:schemeClr val="lt1"/>
+          </a:fontRef>
+        </p:style>
+        <p:txBody>
+          <a:bodyPr rtlCol="0" anchor="ctr"/>
+          <a:lstStyle/>
+          <a:p>
+            <a:pPr algn="ctr"/>
+            <a:endParaRPr lang="en-US"/>
+          </a:p>
+        </p:txBody>
+      </p:sp>
+      <p:sp>
+        <p:nvSpPr>
+          <p:cNvPr id="11" name="Strzałka: w lewo i w prawo 10">
+            <a:extLst>
+              <a:ext uri="{FF2B5EF4-FFF2-40B4-BE49-F238E27FC236}">
+                <a16:creationId xmlns:a16="http://schemas.microsoft.com/office/drawing/2014/main" id="{A8A01F0F-B4F7-434A-8298-75F87C010B96}"/>
+              </a:ext>
+            </a:extLst>
+          </p:cNvPr>
+          <p:cNvSpPr/>
+          <p:nvPr/>
+        </p:nvSpPr>
+        <p:spPr>
+          <a:xfrm rot="19340278" flipH="1">
+            <a:off x="6843922" y="4097097"/>
+            <a:ext cx="1747985" cy="374904"/>
+          </a:xfrm>
+          <a:prstGeom prst="leftRightArrow">
+            <a:avLst/>
+          </a:prstGeom>
+        </p:spPr>
+        <p:style>
+          <a:lnRef idx="1">
+            <a:schemeClr val="accent4"/>
+          </a:lnRef>
+          <a:fillRef idx="3">
+            <a:schemeClr val="accent4"/>
+          </a:fillRef>
+          <a:effectRef idx="2">
+            <a:schemeClr val="accent4"/>
+          </a:effectRef>
+          <a:fontRef idx="minor">
+            <a:schemeClr val="lt1"/>
+          </a:fontRef>
+        </p:style>
+        <p:txBody>
+          <a:bodyPr rtlCol="0" anchor="ctr"/>
+          <a:lstStyle/>
+          <a:p>
+            <a:pPr algn="ctr"/>
+            <a:endParaRPr lang="en-US"/>
+          </a:p>
+        </p:txBody>
+      </p:sp>
+      <p:pic>
+        <p:nvPicPr>
+          <p:cNvPr id="12" name="Obraz 11">
+            <a:extLst>
+              <a:ext uri="{FF2B5EF4-FFF2-40B4-BE49-F238E27FC236}">
+                <a16:creationId xmlns:a16="http://schemas.microsoft.com/office/drawing/2014/main" id="{99DA109E-788C-49DD-A02E-1E166FE92735}"/>
+              </a:ext>
+            </a:extLst>
+          </p:cNvPr>
+          <p:cNvPicPr>
+            <a:picLocks noChangeAspect="1"/>
+          </p:cNvPicPr>
+          <p:nvPr/>
+        </p:nvPicPr>
+        <p:blipFill>
+          <a:blip r:embed="rId2" cstate="print">
+            <a:extLst>
+              <a:ext uri="{28A0092B-C50C-407E-A947-70E740481C1C}">
+                <a14:useLocalDpi xmlns:a14="http://schemas.microsoft.com/office/drawing/2010/main" val="0"/>
+              </a:ext>
+            </a:extLst>
+          </a:blip>
+          <a:stretch>
+            <a:fillRect/>
+          </a:stretch>
+        </p:blipFill>
+        <p:spPr>
+          <a:xfrm>
+            <a:off x="5413595" y="4896850"/>
+            <a:ext cx="1364810" cy="1364810"/>
+          </a:xfrm>
+          <a:prstGeom prst="rect">
+            <a:avLst/>
+          </a:prstGeom>
+        </p:spPr>
+      </p:pic>
+      <p:pic>
+        <p:nvPicPr>
+          <p:cNvPr id="13" name="Obraz 12">
+            <a:extLst>
+              <a:ext uri="{FF2B5EF4-FFF2-40B4-BE49-F238E27FC236}">
+                <a16:creationId xmlns:a16="http://schemas.microsoft.com/office/drawing/2014/main" id="{47D3CE0F-CDB1-429E-B62F-6035EBF4FBED}"/>
+              </a:ext>
+            </a:extLst>
+          </p:cNvPr>
+          <p:cNvPicPr>
+            <a:picLocks noChangeAspect="1"/>
+          </p:cNvPicPr>
+          <p:nvPr/>
+        </p:nvPicPr>
+        <p:blipFill>
+          <a:blip r:embed="rId2" cstate="print">
+            <a:extLst>
+              <a:ext uri="{28A0092B-C50C-407E-A947-70E740481C1C}">
+                <a14:useLocalDpi xmlns:a14="http://schemas.microsoft.com/office/drawing/2010/main" val="0"/>
+              </a:ext>
+            </a:extLst>
+          </a:blip>
+          <a:stretch>
+            <a:fillRect/>
+          </a:stretch>
+        </p:blipFill>
+        <p:spPr>
+          <a:xfrm>
+            <a:off x="2016051" y="2457761"/>
+            <a:ext cx="1364810" cy="1364810"/>
+          </a:xfrm>
+          <a:prstGeom prst="rect">
+            <a:avLst/>
+          </a:prstGeom>
+        </p:spPr>
+      </p:pic>
+      <p:pic>
+        <p:nvPicPr>
+          <p:cNvPr id="14" name="Obraz 13">
+            <a:extLst>
+              <a:ext uri="{FF2B5EF4-FFF2-40B4-BE49-F238E27FC236}">
+                <a16:creationId xmlns:a16="http://schemas.microsoft.com/office/drawing/2014/main" id="{FDB55170-3FE7-4DFB-A6DC-D5BBC9974430}"/>
+              </a:ext>
+            </a:extLst>
+          </p:cNvPr>
+          <p:cNvPicPr>
+            <a:picLocks noChangeAspect="1"/>
+          </p:cNvPicPr>
+          <p:nvPr/>
+        </p:nvPicPr>
+        <p:blipFill>
+          <a:blip r:embed="rId2" cstate="print">
+            <a:extLst>
+              <a:ext uri="{28A0092B-C50C-407E-A947-70E740481C1C}">
+                <a14:useLocalDpi xmlns:a14="http://schemas.microsoft.com/office/drawing/2010/main" val="0"/>
+              </a:ext>
+            </a:extLst>
+          </a:blip>
+          <a:stretch>
+            <a:fillRect/>
+          </a:stretch>
+        </p:blipFill>
+        <p:spPr>
+          <a:xfrm>
+            <a:off x="8811139" y="2457761"/>
+            <a:ext cx="1364810" cy="1364810"/>
+          </a:xfrm>
+          <a:prstGeom prst="rect">
+            <a:avLst/>
+          </a:prstGeom>
+        </p:spPr>
+      </p:pic>
+      <p:pic>
+        <p:nvPicPr>
+          <p:cNvPr id="15" name="Obraz 14">
+            <a:extLst>
+              <a:ext uri="{FF2B5EF4-FFF2-40B4-BE49-F238E27FC236}">
+                <a16:creationId xmlns:a16="http://schemas.microsoft.com/office/drawing/2014/main" id="{1FAF7B80-C2D9-4F2E-BD4C-D8EA8F64A8BD}"/>
+              </a:ext>
+            </a:extLst>
+          </p:cNvPr>
+          <p:cNvPicPr>
+            <a:picLocks noChangeAspect="1"/>
+          </p:cNvPicPr>
+          <p:nvPr/>
+        </p:nvPicPr>
+        <p:blipFill>
+          <a:blip r:embed="rId2" cstate="print">
+            <a:extLst>
+              <a:ext uri="{28A0092B-C50C-407E-A947-70E740481C1C}">
+                <a14:useLocalDpi xmlns:a14="http://schemas.microsoft.com/office/drawing/2010/main" val="0"/>
+              </a:ext>
+            </a:extLst>
+          </a:blip>
+          <a:stretch>
+            <a:fillRect/>
+          </a:stretch>
+        </p:blipFill>
+        <p:spPr>
+          <a:xfrm>
+            <a:off x="5413594" y="596340"/>
+            <a:ext cx="1364810" cy="1364810"/>
+          </a:xfrm>
+          <a:prstGeom prst="rect">
+            <a:avLst/>
+          </a:prstGeom>
+        </p:spPr>
+      </p:pic>
+    </p:spTree>
+    <p:extLst>
+      <p:ext uri="{BB962C8B-B14F-4D97-AF65-F5344CB8AC3E}">
+        <p14:creationId xmlns:p14="http://schemas.microsoft.com/office/powerpoint/2010/main" val="3374640359"/>
+      </p:ext>
+    </p:extLst>
+  </p:cSld>
+  <p:clrMapOvr>
+    <a:masterClrMapping/>
+  </p:clrMapOvr>
+</p:sld>
+</file>
+
+<file path=ppt/slides/slide11.xml><?xml version="1.0" encoding="utf-8"?>
+<p:sld xmlns:a="http://schemas.openxmlformats.org/drawingml/2006/main" xmlns:r="http://schemas.openxmlformats.org/officeDocument/2006/relationships" xmlns:p="http://schemas.openxmlformats.org/presentationml/2006/main">
+  <p:cSld>
+    <p:spTree>
+      <p:nvGrpSpPr>
+        <p:cNvPr id="1" name=""/>
+        <p:cNvGrpSpPr/>
+        <p:nvPr/>
+      </p:nvGrpSpPr>
+      <p:grpSpPr>
+        <a:xfrm>
+          <a:off x="0" y="0"/>
+          <a:ext cx="0" cy="0"/>
+          <a:chOff x="0" y="0"/>
+          <a:chExt cx="0" cy="0"/>
+        </a:xfrm>
+      </p:grpSpPr>
       <p:pic>
         <p:nvPicPr>
           <p:cNvPr id="2" name="Obraz 1">
@@ -20875,7 +21278,7 @@
 </p:sld>
 </file>
 
-<file path=ppt/slides/slide11.xml><?xml version="1.0" encoding="utf-8"?>
+<file path=ppt/slides/slide12.xml><?xml version="1.0" encoding="utf-8"?>
 <p:sld xmlns:a="http://schemas.openxmlformats.org/drawingml/2006/main" xmlns:r="http://schemas.openxmlformats.org/officeDocument/2006/relationships" xmlns:p="http://schemas.openxmlformats.org/presentationml/2006/main">
   <p:cSld>
     <p:spTree>
@@ -21101,7 +21504,7 @@
 </p:sld>
 </file>
 
-<file path=ppt/slides/slide12.xml><?xml version="1.0" encoding="utf-8"?>
+<file path=ppt/slides/slide13.xml><?xml version="1.0" encoding="utf-8"?>
 <p:sld xmlns:a="http://schemas.openxmlformats.org/drawingml/2006/main" xmlns:r="http://schemas.openxmlformats.org/officeDocument/2006/relationships" xmlns:p="http://schemas.openxmlformats.org/presentationml/2006/main">
   <p:cSld>
     <p:spTree>
@@ -21156,7 +21559,7 @@
 </p:sld>
 </file>
 
-<file path=ppt/slides/slide13.xml><?xml version="1.0" encoding="utf-8"?>
+<file path=ppt/slides/slide14.xml><?xml version="1.0" encoding="utf-8"?>
 <p:sld xmlns:a="http://schemas.openxmlformats.org/drawingml/2006/main" xmlns:r="http://schemas.openxmlformats.org/officeDocument/2006/relationships" xmlns:p="http://schemas.openxmlformats.org/presentationml/2006/main">
   <p:cSld>
     <p:spTree>
@@ -21211,7 +21614,7 @@
 </p:sld>
 </file>
 
-<file path=ppt/slides/slide14.xml><?xml version="1.0" encoding="utf-8"?>
+<file path=ppt/slides/slide15.xml><?xml version="1.0" encoding="utf-8"?>
 <p:sld xmlns:a="http://schemas.openxmlformats.org/drawingml/2006/main" xmlns:r="http://schemas.openxmlformats.org/officeDocument/2006/relationships" xmlns:p="http://schemas.openxmlformats.org/presentationml/2006/main">
   <p:cSld>
     <p:spTree>
@@ -21757,7 +22160,7 @@
 </p:sld>
 </file>
 
-<file path=ppt/slides/slide15.xml><?xml version="1.0" encoding="utf-8"?>
+<file path=ppt/slides/slide16.xml><?xml version="1.0" encoding="utf-8"?>
 <p:sld xmlns:a="http://schemas.openxmlformats.org/drawingml/2006/main" xmlns:r="http://schemas.openxmlformats.org/officeDocument/2006/relationships" xmlns:p="http://schemas.openxmlformats.org/presentationml/2006/main">
   <p:cSld>
     <p:spTree>
@@ -21895,7 +22298,7 @@
 </p:sld>
 </file>
 
-<file path=ppt/slides/slide16.xml><?xml version="1.0" encoding="utf-8"?>
+<file path=ppt/slides/slide17.xml><?xml version="1.0" encoding="utf-8"?>
 <p:sld xmlns:a="http://schemas.openxmlformats.org/drawingml/2006/main" xmlns:r="http://schemas.openxmlformats.org/officeDocument/2006/relationships" xmlns:p="http://schemas.openxmlformats.org/presentationml/2006/main">
   <p:cSld>
     <p:spTree>
@@ -22185,7 +22588,7 @@
 </p:sld>
 </file>
 
-<file path=ppt/slides/slide17.xml><?xml version="1.0" encoding="utf-8"?>
+<file path=ppt/slides/slide18.xml><?xml version="1.0" encoding="utf-8"?>
 <p:sld xmlns:a="http://schemas.openxmlformats.org/drawingml/2006/main" xmlns:r="http://schemas.openxmlformats.org/officeDocument/2006/relationships" xmlns:p="http://schemas.openxmlformats.org/presentationml/2006/main">
   <p:cSld>
     <p:spTree>
@@ -22475,7 +22878,7 @@
 </p:sld>
 </file>
 
-<file path=ppt/slides/slide18.xml><?xml version="1.0" encoding="utf-8"?>
+<file path=ppt/slides/slide19.xml><?xml version="1.0" encoding="utf-8"?>
 <p:sld xmlns:a="http://schemas.openxmlformats.org/drawingml/2006/main" xmlns:r="http://schemas.openxmlformats.org/officeDocument/2006/relationships" xmlns:p="http://schemas.openxmlformats.org/presentationml/2006/main">
   <p:cSld>
     <p:spTree>
@@ -22756,296 +23159,6 @@
     <p:extLst>
       <p:ext uri="{BB962C8B-B14F-4D97-AF65-F5344CB8AC3E}">
         <p14:creationId xmlns:p14="http://schemas.microsoft.com/office/powerpoint/2010/main" val="1404318004"/>
-      </p:ext>
-    </p:extLst>
-  </p:cSld>
-  <p:clrMapOvr>
-    <a:masterClrMapping/>
-  </p:clrMapOvr>
-</p:sld>
-</file>
-
-<file path=ppt/slides/slide19.xml><?xml version="1.0" encoding="utf-8"?>
-<p:sld xmlns:a="http://schemas.openxmlformats.org/drawingml/2006/main" xmlns:r="http://schemas.openxmlformats.org/officeDocument/2006/relationships" xmlns:p="http://schemas.openxmlformats.org/presentationml/2006/main">
-  <p:cSld>
-    <p:spTree>
-      <p:nvGrpSpPr>
-        <p:cNvPr id="1" name=""/>
-        <p:cNvGrpSpPr/>
-        <p:nvPr/>
-      </p:nvGrpSpPr>
-      <p:grpSpPr>
-        <a:xfrm>
-          <a:off x="0" y="0"/>
-          <a:ext cx="0" cy="0"/>
-          <a:chOff x="0" y="0"/>
-          <a:chExt cx="0" cy="0"/>
-        </a:xfrm>
-      </p:grpSpPr>
-      <p:pic>
-        <p:nvPicPr>
-          <p:cNvPr id="3" name="Obraz 2">
-            <a:extLst>
-              <a:ext uri="{FF2B5EF4-FFF2-40B4-BE49-F238E27FC236}">
-                <a16:creationId xmlns:a16="http://schemas.microsoft.com/office/drawing/2014/main" id="{857983A3-4F25-41C1-B19A-8BCB5553033C}"/>
-              </a:ext>
-            </a:extLst>
-          </p:cNvPr>
-          <p:cNvPicPr>
-            <a:picLocks noChangeAspect="1"/>
-          </p:cNvPicPr>
-          <p:nvPr/>
-        </p:nvPicPr>
-        <p:blipFill>
-          <a:blip r:embed="rId2" cstate="print">
-            <a:extLst>
-              <a:ext uri="{28A0092B-C50C-407E-A947-70E740481C1C}">
-                <a14:useLocalDpi xmlns:a14="http://schemas.microsoft.com/office/drawing/2010/main" val="0"/>
-              </a:ext>
-            </a:extLst>
-          </a:blip>
-          <a:stretch>
-            <a:fillRect/>
-          </a:stretch>
-        </p:blipFill>
-        <p:spPr>
-          <a:xfrm>
-            <a:off x="339512" y="864080"/>
-            <a:ext cx="4359007" cy="3402068"/>
-          </a:xfrm>
-          <a:prstGeom prst="rect">
-            <a:avLst/>
-          </a:prstGeom>
-        </p:spPr>
-      </p:pic>
-      <p:pic>
-        <p:nvPicPr>
-          <p:cNvPr id="8" name="Obraz 7">
-            <a:extLst>
-              <a:ext uri="{FF2B5EF4-FFF2-40B4-BE49-F238E27FC236}">
-                <a16:creationId xmlns:a16="http://schemas.microsoft.com/office/drawing/2014/main" id="{4037ED0E-94DE-462E-BCCA-81417062B3C0}"/>
-              </a:ext>
-            </a:extLst>
-          </p:cNvPr>
-          <p:cNvPicPr>
-            <a:picLocks noChangeAspect="1"/>
-          </p:cNvPicPr>
-          <p:nvPr/>
-        </p:nvPicPr>
-        <p:blipFill>
-          <a:blip r:embed="rId2" cstate="print">
-            <a:extLst>
-              <a:ext uri="{28A0092B-C50C-407E-A947-70E740481C1C}">
-                <a14:useLocalDpi xmlns:a14="http://schemas.microsoft.com/office/drawing/2010/main" val="0"/>
-              </a:ext>
-            </a:extLst>
-          </a:blip>
-          <a:stretch>
-            <a:fillRect/>
-          </a:stretch>
-        </p:blipFill>
-        <p:spPr>
-          <a:xfrm>
-            <a:off x="7493481" y="864080"/>
-            <a:ext cx="4359007" cy="3402068"/>
-          </a:xfrm>
-          <a:prstGeom prst="rect">
-            <a:avLst/>
-          </a:prstGeom>
-        </p:spPr>
-      </p:pic>
-      <p:pic>
-        <p:nvPicPr>
-          <p:cNvPr id="5" name="Obraz 4">
-            <a:extLst>
-              <a:ext uri="{FF2B5EF4-FFF2-40B4-BE49-F238E27FC236}">
-                <a16:creationId xmlns:a16="http://schemas.microsoft.com/office/drawing/2014/main" id="{D7715D39-33E3-4CF0-BC2B-0B8A73F1568F}"/>
-              </a:ext>
-            </a:extLst>
-          </p:cNvPr>
-          <p:cNvPicPr>
-            <a:picLocks noChangeAspect="1"/>
-          </p:cNvPicPr>
-          <p:nvPr/>
-        </p:nvPicPr>
-        <p:blipFill>
-          <a:blip r:embed="rId3" cstate="print">
-            <a:extLst>
-              <a:ext uri="{28A0092B-C50C-407E-A947-70E740481C1C}">
-                <a14:useLocalDpi xmlns:a14="http://schemas.microsoft.com/office/drawing/2010/main" val="0"/>
-              </a:ext>
-            </a:extLst>
-          </a:blip>
-          <a:stretch>
-            <a:fillRect/>
-          </a:stretch>
-        </p:blipFill>
-        <p:spPr>
-          <a:xfrm>
-            <a:off x="3267075" y="2270674"/>
-            <a:ext cx="1280223" cy="1280223"/>
-          </a:xfrm>
-          <a:prstGeom prst="rect">
-            <a:avLst/>
-          </a:prstGeom>
-        </p:spPr>
-      </p:pic>
-      <p:pic>
-        <p:nvPicPr>
-          <p:cNvPr id="6" name="Obraz 5">
-            <a:extLst>
-              <a:ext uri="{FF2B5EF4-FFF2-40B4-BE49-F238E27FC236}">
-                <a16:creationId xmlns:a16="http://schemas.microsoft.com/office/drawing/2014/main" id="{530A1178-880C-4657-86A3-4F13274F3B58}"/>
-              </a:ext>
-            </a:extLst>
-          </p:cNvPr>
-          <p:cNvPicPr>
-            <a:picLocks noChangeAspect="1"/>
-          </p:cNvPicPr>
-          <p:nvPr/>
-        </p:nvPicPr>
-        <p:blipFill>
-          <a:blip r:embed="rId4" cstate="print">
-            <a:extLst>
-              <a:ext uri="{28A0092B-C50C-407E-A947-70E740481C1C}">
-                <a14:useLocalDpi xmlns:a14="http://schemas.microsoft.com/office/drawing/2010/main" val="0"/>
-              </a:ext>
-            </a:extLst>
-          </a:blip>
-          <a:stretch>
-            <a:fillRect/>
-          </a:stretch>
-        </p:blipFill>
-        <p:spPr>
-          <a:xfrm>
-            <a:off x="3267075" y="3429000"/>
-            <a:ext cx="1280223" cy="1280223"/>
-          </a:xfrm>
-          <a:prstGeom prst="rect">
-            <a:avLst/>
-          </a:prstGeom>
-        </p:spPr>
-      </p:pic>
-      <p:pic>
-        <p:nvPicPr>
-          <p:cNvPr id="11" name="Obraz 10">
-            <a:extLst>
-              <a:ext uri="{FF2B5EF4-FFF2-40B4-BE49-F238E27FC236}">
-                <a16:creationId xmlns:a16="http://schemas.microsoft.com/office/drawing/2014/main" id="{0E032E12-401E-474B-8921-29912DDE6274}"/>
-              </a:ext>
-            </a:extLst>
-          </p:cNvPr>
-          <p:cNvPicPr>
-            <a:picLocks noChangeAspect="1"/>
-          </p:cNvPicPr>
-          <p:nvPr/>
-        </p:nvPicPr>
-        <p:blipFill>
-          <a:blip r:embed="rId5" cstate="print">
-            <a:extLst>
-              <a:ext uri="{28A0092B-C50C-407E-A947-70E740481C1C}">
-                <a14:useLocalDpi xmlns:a14="http://schemas.microsoft.com/office/drawing/2010/main" val="0"/>
-              </a:ext>
-            </a:extLst>
-          </a:blip>
-          <a:stretch>
-            <a:fillRect/>
-          </a:stretch>
-        </p:blipFill>
-        <p:spPr>
-          <a:xfrm>
-            <a:off x="6702148" y="2270674"/>
-            <a:ext cx="1280223" cy="1280223"/>
-          </a:xfrm>
-          <a:prstGeom prst="rect">
-            <a:avLst/>
-          </a:prstGeom>
-        </p:spPr>
-      </p:pic>
-      <p:pic>
-        <p:nvPicPr>
-          <p:cNvPr id="12" name="Obraz 11">
-            <a:extLst>
-              <a:ext uri="{FF2B5EF4-FFF2-40B4-BE49-F238E27FC236}">
-                <a16:creationId xmlns:a16="http://schemas.microsoft.com/office/drawing/2014/main" id="{B9F8EB00-50B5-4127-BFFA-475F98FE0463}"/>
-              </a:ext>
-            </a:extLst>
-          </p:cNvPr>
-          <p:cNvPicPr>
-            <a:picLocks noChangeAspect="1"/>
-          </p:cNvPicPr>
-          <p:nvPr/>
-        </p:nvPicPr>
-        <p:blipFill>
-          <a:blip r:embed="rId4" cstate="print">
-            <a:extLst>
-              <a:ext uri="{28A0092B-C50C-407E-A947-70E740481C1C}">
-                <a14:useLocalDpi xmlns:a14="http://schemas.microsoft.com/office/drawing/2010/main" val="0"/>
-              </a:ext>
-            </a:extLst>
-          </a:blip>
-          <a:stretch>
-            <a:fillRect/>
-          </a:stretch>
-        </p:blipFill>
-        <p:spPr>
-          <a:xfrm>
-            <a:off x="6702148" y="3429000"/>
-            <a:ext cx="1280223" cy="1280223"/>
-          </a:xfrm>
-          <a:prstGeom prst="rect">
-            <a:avLst/>
-          </a:prstGeom>
-        </p:spPr>
-      </p:pic>
-      <p:sp>
-        <p:nvSpPr>
-          <p:cNvPr id="9" name="Strzałka w prawo 7">
-            <a:extLst>
-              <a:ext uri="{FF2B5EF4-FFF2-40B4-BE49-F238E27FC236}">
-                <a16:creationId xmlns:a16="http://schemas.microsoft.com/office/drawing/2014/main" id="{8D6C1C50-6998-4BE7-A412-AE21CA5378B1}"/>
-              </a:ext>
-            </a:extLst>
-          </p:cNvPr>
-          <p:cNvSpPr/>
-          <p:nvPr/>
-        </p:nvSpPr>
-        <p:spPr>
-          <a:xfrm>
-            <a:off x="4656803" y="2634560"/>
-            <a:ext cx="1894124" cy="374970"/>
-          </a:xfrm>
-          <a:prstGeom prst="rightArrow">
-            <a:avLst/>
-          </a:prstGeom>
-        </p:spPr>
-        <p:style>
-          <a:lnRef idx="1">
-            <a:schemeClr val="accent4"/>
-          </a:lnRef>
-          <a:fillRef idx="3">
-            <a:schemeClr val="accent4"/>
-          </a:fillRef>
-          <a:effectRef idx="2">
-            <a:schemeClr val="accent4"/>
-          </a:effectRef>
-          <a:fontRef idx="minor">
-            <a:schemeClr val="lt1"/>
-          </a:fontRef>
-        </p:style>
-        <p:txBody>
-          <a:bodyPr rtlCol="0" anchor="ctr"/>
-          <a:lstStyle/>
-          <a:p>
-            <a:pPr algn="ctr"/>
-            <a:endParaRPr lang="en-US"/>
-          </a:p>
-        </p:txBody>
-      </p:sp>
-    </p:spTree>
-    <p:extLst>
-      <p:ext uri="{BB962C8B-B14F-4D97-AF65-F5344CB8AC3E}">
-        <p14:creationId xmlns:p14="http://schemas.microsoft.com/office/powerpoint/2010/main" val="2863915546"/>
       </p:ext>
     </p:extLst>
   </p:cSld>
@@ -23609,6 +23722,296 @@
           <p:nvPr/>
         </p:nvPicPr>
         <p:blipFill>
+          <a:blip r:embed="rId4" cstate="print">
+            <a:extLst>
+              <a:ext uri="{28A0092B-C50C-407E-A947-70E740481C1C}">
+                <a14:useLocalDpi xmlns:a14="http://schemas.microsoft.com/office/drawing/2010/main" val="0"/>
+              </a:ext>
+            </a:extLst>
+          </a:blip>
+          <a:stretch>
+            <a:fillRect/>
+          </a:stretch>
+        </p:blipFill>
+        <p:spPr>
+          <a:xfrm>
+            <a:off x="6702148" y="3429000"/>
+            <a:ext cx="1280223" cy="1280223"/>
+          </a:xfrm>
+          <a:prstGeom prst="rect">
+            <a:avLst/>
+          </a:prstGeom>
+        </p:spPr>
+      </p:pic>
+      <p:sp>
+        <p:nvSpPr>
+          <p:cNvPr id="9" name="Strzałka w prawo 7">
+            <a:extLst>
+              <a:ext uri="{FF2B5EF4-FFF2-40B4-BE49-F238E27FC236}">
+                <a16:creationId xmlns:a16="http://schemas.microsoft.com/office/drawing/2014/main" id="{8D6C1C50-6998-4BE7-A412-AE21CA5378B1}"/>
+              </a:ext>
+            </a:extLst>
+          </p:cNvPr>
+          <p:cNvSpPr/>
+          <p:nvPr/>
+        </p:nvSpPr>
+        <p:spPr>
+          <a:xfrm>
+            <a:off x="4656803" y="2634560"/>
+            <a:ext cx="1894124" cy="374970"/>
+          </a:xfrm>
+          <a:prstGeom prst="rightArrow">
+            <a:avLst/>
+          </a:prstGeom>
+        </p:spPr>
+        <p:style>
+          <a:lnRef idx="1">
+            <a:schemeClr val="accent4"/>
+          </a:lnRef>
+          <a:fillRef idx="3">
+            <a:schemeClr val="accent4"/>
+          </a:fillRef>
+          <a:effectRef idx="2">
+            <a:schemeClr val="accent4"/>
+          </a:effectRef>
+          <a:fontRef idx="minor">
+            <a:schemeClr val="lt1"/>
+          </a:fontRef>
+        </p:style>
+        <p:txBody>
+          <a:bodyPr rtlCol="0" anchor="ctr"/>
+          <a:lstStyle/>
+          <a:p>
+            <a:pPr algn="ctr"/>
+            <a:endParaRPr lang="en-US"/>
+          </a:p>
+        </p:txBody>
+      </p:sp>
+    </p:spTree>
+    <p:extLst>
+      <p:ext uri="{BB962C8B-B14F-4D97-AF65-F5344CB8AC3E}">
+        <p14:creationId xmlns:p14="http://schemas.microsoft.com/office/powerpoint/2010/main" val="2863915546"/>
+      </p:ext>
+    </p:extLst>
+  </p:cSld>
+  <p:clrMapOvr>
+    <a:masterClrMapping/>
+  </p:clrMapOvr>
+</p:sld>
+</file>
+
+<file path=ppt/slides/slide21.xml><?xml version="1.0" encoding="utf-8"?>
+<p:sld xmlns:a="http://schemas.openxmlformats.org/drawingml/2006/main" xmlns:r="http://schemas.openxmlformats.org/officeDocument/2006/relationships" xmlns:p="http://schemas.openxmlformats.org/presentationml/2006/main">
+  <p:cSld>
+    <p:spTree>
+      <p:nvGrpSpPr>
+        <p:cNvPr id="1" name=""/>
+        <p:cNvGrpSpPr/>
+        <p:nvPr/>
+      </p:nvGrpSpPr>
+      <p:grpSpPr>
+        <a:xfrm>
+          <a:off x="0" y="0"/>
+          <a:ext cx="0" cy="0"/>
+          <a:chOff x="0" y="0"/>
+          <a:chExt cx="0" cy="0"/>
+        </a:xfrm>
+      </p:grpSpPr>
+      <p:pic>
+        <p:nvPicPr>
+          <p:cNvPr id="3" name="Obraz 2">
+            <a:extLst>
+              <a:ext uri="{FF2B5EF4-FFF2-40B4-BE49-F238E27FC236}">
+                <a16:creationId xmlns:a16="http://schemas.microsoft.com/office/drawing/2014/main" id="{857983A3-4F25-41C1-B19A-8BCB5553033C}"/>
+              </a:ext>
+            </a:extLst>
+          </p:cNvPr>
+          <p:cNvPicPr>
+            <a:picLocks noChangeAspect="1"/>
+          </p:cNvPicPr>
+          <p:nvPr/>
+        </p:nvPicPr>
+        <p:blipFill>
+          <a:blip r:embed="rId2" cstate="print">
+            <a:extLst>
+              <a:ext uri="{28A0092B-C50C-407E-A947-70E740481C1C}">
+                <a14:useLocalDpi xmlns:a14="http://schemas.microsoft.com/office/drawing/2010/main" val="0"/>
+              </a:ext>
+            </a:extLst>
+          </a:blip>
+          <a:stretch>
+            <a:fillRect/>
+          </a:stretch>
+        </p:blipFill>
+        <p:spPr>
+          <a:xfrm>
+            <a:off x="339512" y="864080"/>
+            <a:ext cx="4359007" cy="3402068"/>
+          </a:xfrm>
+          <a:prstGeom prst="rect">
+            <a:avLst/>
+          </a:prstGeom>
+        </p:spPr>
+      </p:pic>
+      <p:pic>
+        <p:nvPicPr>
+          <p:cNvPr id="8" name="Obraz 7">
+            <a:extLst>
+              <a:ext uri="{FF2B5EF4-FFF2-40B4-BE49-F238E27FC236}">
+                <a16:creationId xmlns:a16="http://schemas.microsoft.com/office/drawing/2014/main" id="{4037ED0E-94DE-462E-BCCA-81417062B3C0}"/>
+              </a:ext>
+            </a:extLst>
+          </p:cNvPr>
+          <p:cNvPicPr>
+            <a:picLocks noChangeAspect="1"/>
+          </p:cNvPicPr>
+          <p:nvPr/>
+        </p:nvPicPr>
+        <p:blipFill>
+          <a:blip r:embed="rId2" cstate="print">
+            <a:extLst>
+              <a:ext uri="{28A0092B-C50C-407E-A947-70E740481C1C}">
+                <a14:useLocalDpi xmlns:a14="http://schemas.microsoft.com/office/drawing/2010/main" val="0"/>
+              </a:ext>
+            </a:extLst>
+          </a:blip>
+          <a:stretch>
+            <a:fillRect/>
+          </a:stretch>
+        </p:blipFill>
+        <p:spPr>
+          <a:xfrm>
+            <a:off x="7493481" y="864080"/>
+            <a:ext cx="4359007" cy="3402068"/>
+          </a:xfrm>
+          <a:prstGeom prst="rect">
+            <a:avLst/>
+          </a:prstGeom>
+        </p:spPr>
+      </p:pic>
+      <p:pic>
+        <p:nvPicPr>
+          <p:cNvPr id="5" name="Obraz 4">
+            <a:extLst>
+              <a:ext uri="{FF2B5EF4-FFF2-40B4-BE49-F238E27FC236}">
+                <a16:creationId xmlns:a16="http://schemas.microsoft.com/office/drawing/2014/main" id="{D7715D39-33E3-4CF0-BC2B-0B8A73F1568F}"/>
+              </a:ext>
+            </a:extLst>
+          </p:cNvPr>
+          <p:cNvPicPr>
+            <a:picLocks noChangeAspect="1"/>
+          </p:cNvPicPr>
+          <p:nvPr/>
+        </p:nvPicPr>
+        <p:blipFill>
+          <a:blip r:embed="rId3" cstate="print">
+            <a:extLst>
+              <a:ext uri="{28A0092B-C50C-407E-A947-70E740481C1C}">
+                <a14:useLocalDpi xmlns:a14="http://schemas.microsoft.com/office/drawing/2010/main" val="0"/>
+              </a:ext>
+            </a:extLst>
+          </a:blip>
+          <a:stretch>
+            <a:fillRect/>
+          </a:stretch>
+        </p:blipFill>
+        <p:spPr>
+          <a:xfrm>
+            <a:off x="3267075" y="2270674"/>
+            <a:ext cx="1280223" cy="1280223"/>
+          </a:xfrm>
+          <a:prstGeom prst="rect">
+            <a:avLst/>
+          </a:prstGeom>
+        </p:spPr>
+      </p:pic>
+      <p:pic>
+        <p:nvPicPr>
+          <p:cNvPr id="6" name="Obraz 5">
+            <a:extLst>
+              <a:ext uri="{FF2B5EF4-FFF2-40B4-BE49-F238E27FC236}">
+                <a16:creationId xmlns:a16="http://schemas.microsoft.com/office/drawing/2014/main" id="{530A1178-880C-4657-86A3-4F13274F3B58}"/>
+              </a:ext>
+            </a:extLst>
+          </p:cNvPr>
+          <p:cNvPicPr>
+            <a:picLocks noChangeAspect="1"/>
+          </p:cNvPicPr>
+          <p:nvPr/>
+        </p:nvPicPr>
+        <p:blipFill>
+          <a:blip r:embed="rId4" cstate="print">
+            <a:extLst>
+              <a:ext uri="{28A0092B-C50C-407E-A947-70E740481C1C}">
+                <a14:useLocalDpi xmlns:a14="http://schemas.microsoft.com/office/drawing/2010/main" val="0"/>
+              </a:ext>
+            </a:extLst>
+          </a:blip>
+          <a:stretch>
+            <a:fillRect/>
+          </a:stretch>
+        </p:blipFill>
+        <p:spPr>
+          <a:xfrm>
+            <a:off x="3267075" y="3429000"/>
+            <a:ext cx="1280223" cy="1280223"/>
+          </a:xfrm>
+          <a:prstGeom prst="rect">
+            <a:avLst/>
+          </a:prstGeom>
+        </p:spPr>
+      </p:pic>
+      <p:pic>
+        <p:nvPicPr>
+          <p:cNvPr id="11" name="Obraz 10">
+            <a:extLst>
+              <a:ext uri="{FF2B5EF4-FFF2-40B4-BE49-F238E27FC236}">
+                <a16:creationId xmlns:a16="http://schemas.microsoft.com/office/drawing/2014/main" id="{0E032E12-401E-474B-8921-29912DDE6274}"/>
+              </a:ext>
+            </a:extLst>
+          </p:cNvPr>
+          <p:cNvPicPr>
+            <a:picLocks noChangeAspect="1"/>
+          </p:cNvPicPr>
+          <p:nvPr/>
+        </p:nvPicPr>
+        <p:blipFill>
+          <a:blip r:embed="rId5" cstate="print">
+            <a:extLst>
+              <a:ext uri="{28A0092B-C50C-407E-A947-70E740481C1C}">
+                <a14:useLocalDpi xmlns:a14="http://schemas.microsoft.com/office/drawing/2010/main" val="0"/>
+              </a:ext>
+            </a:extLst>
+          </a:blip>
+          <a:stretch>
+            <a:fillRect/>
+          </a:stretch>
+        </p:blipFill>
+        <p:spPr>
+          <a:xfrm>
+            <a:off x="6702148" y="2270674"/>
+            <a:ext cx="1280223" cy="1280223"/>
+          </a:xfrm>
+          <a:prstGeom prst="rect">
+            <a:avLst/>
+          </a:prstGeom>
+        </p:spPr>
+      </p:pic>
+      <p:pic>
+        <p:nvPicPr>
+          <p:cNvPr id="12" name="Obraz 11">
+            <a:extLst>
+              <a:ext uri="{FF2B5EF4-FFF2-40B4-BE49-F238E27FC236}">
+                <a16:creationId xmlns:a16="http://schemas.microsoft.com/office/drawing/2014/main" id="{B9F8EB00-50B5-4127-BFFA-475F98FE0463}"/>
+              </a:ext>
+            </a:extLst>
+          </p:cNvPr>
+          <p:cNvPicPr>
+            <a:picLocks noChangeAspect="1"/>
+          </p:cNvPicPr>
+          <p:nvPr/>
+        </p:nvPicPr>
+        <p:blipFill>
           <a:blip r:embed="rId6" cstate="print">
             <a:extLst>
               <a:ext uri="{28A0092B-C50C-407E-A947-70E740481C1C}">
@@ -23687,7 +24090,7 @@
 </p:sld>
 </file>
 
-<file path=ppt/slides/slide21.xml><?xml version="1.0" encoding="utf-8"?>
+<file path=ppt/slides/slide22.xml><?xml version="1.0" encoding="utf-8"?>
 <p:sld xmlns:a="http://schemas.openxmlformats.org/drawingml/2006/main" xmlns:r="http://schemas.openxmlformats.org/officeDocument/2006/relationships" xmlns:p="http://schemas.openxmlformats.org/presentationml/2006/main">
   <p:cSld>
     <p:spTree>
@@ -23977,7 +24380,7 @@
 </p:sld>
 </file>
 
-<file path=ppt/slides/slide22.xml><?xml version="1.0" encoding="utf-8"?>
+<file path=ppt/slides/slide23.xml><?xml version="1.0" encoding="utf-8"?>
 <p:sld xmlns:a="http://schemas.openxmlformats.org/drawingml/2006/main" xmlns:r="http://schemas.openxmlformats.org/officeDocument/2006/relationships" xmlns:p="http://schemas.openxmlformats.org/presentationml/2006/main">
   <p:cSld>
     <p:spTree>
@@ -24347,7 +24750,7 @@
 </p:sld>
 </file>
 
-<file path=ppt/slides/slide23.xml><?xml version="1.0" encoding="utf-8"?>
+<file path=ppt/slides/slide24.xml><?xml version="1.0" encoding="utf-8"?>
 <p:sld xmlns:a="http://schemas.openxmlformats.org/drawingml/2006/main" xmlns:r="http://schemas.openxmlformats.org/officeDocument/2006/relationships" xmlns:p="http://schemas.openxmlformats.org/presentationml/2006/main">
   <p:cSld>
     <p:spTree>
@@ -24637,7 +25040,7 @@
 </p:sld>
 </file>
 
-<file path=ppt/slides/slide24.xml><?xml version="1.0" encoding="utf-8"?>
+<file path=ppt/slides/slide25.xml><?xml version="1.0" encoding="utf-8"?>
 <p:sld xmlns:a="http://schemas.openxmlformats.org/drawingml/2006/main" xmlns:r="http://schemas.openxmlformats.org/officeDocument/2006/relationships" xmlns:p="http://schemas.openxmlformats.org/presentationml/2006/main">
   <p:cSld>
     <p:spTree>
@@ -24927,7 +25330,7 @@
 </p:sld>
 </file>
 
-<file path=ppt/slides/slide25.xml><?xml version="1.0" encoding="utf-8"?>
+<file path=ppt/slides/slide26.xml><?xml version="1.0" encoding="utf-8"?>
 <p:sld xmlns:a="http://schemas.openxmlformats.org/drawingml/2006/main" xmlns:r="http://schemas.openxmlformats.org/officeDocument/2006/relationships" xmlns:p="http://schemas.openxmlformats.org/presentationml/2006/main">
   <p:cSld>
     <p:spTree>
@@ -25217,7 +25620,7 @@
 </p:sld>
 </file>
 
-<file path=ppt/slides/slide26.xml><?xml version="1.0" encoding="utf-8"?>
+<file path=ppt/slides/slide27.xml><?xml version="1.0" encoding="utf-8"?>
 <p:sld xmlns:a="http://schemas.openxmlformats.org/drawingml/2006/main" xmlns:r="http://schemas.openxmlformats.org/officeDocument/2006/relationships" xmlns:p="http://schemas.openxmlformats.org/presentationml/2006/main">
   <p:cSld>
     <p:spTree>
@@ -25587,7 +25990,7 @@
 </p:sld>
 </file>
 
-<file path=ppt/slides/slide27.xml><?xml version="1.0" encoding="utf-8"?>
+<file path=ppt/slides/slide28.xml><?xml version="1.0" encoding="utf-8"?>
 <p:sld xmlns:a="http://schemas.openxmlformats.org/drawingml/2006/main" xmlns:r="http://schemas.openxmlformats.org/officeDocument/2006/relationships" xmlns:p="http://schemas.openxmlformats.org/presentationml/2006/main">
   <p:cSld>
     <p:spTree>
@@ -25869,7 +26272,7 @@
 </p:sld>
 </file>
 
-<file path=ppt/slides/slide28.xml><?xml version="1.0" encoding="utf-8"?>
+<file path=ppt/slides/slide29.xml><?xml version="1.0" encoding="utf-8"?>
 <p:sld xmlns:a="http://schemas.openxmlformats.org/drawingml/2006/main" xmlns:r="http://schemas.openxmlformats.org/officeDocument/2006/relationships" xmlns:p="http://schemas.openxmlformats.org/presentationml/2006/main">
   <p:cSld>
     <p:spTree>
@@ -26203,7 +26606,373 @@
 </p:sld>
 </file>
 
-<file path=ppt/slides/slide29.xml><?xml version="1.0" encoding="utf-8"?>
+<file path=ppt/slides/slide3.xml><?xml version="1.0" encoding="utf-8"?>
+<p:sld xmlns:a="http://schemas.openxmlformats.org/drawingml/2006/main" xmlns:r="http://schemas.openxmlformats.org/officeDocument/2006/relationships" xmlns:p="http://schemas.openxmlformats.org/presentationml/2006/main">
+  <p:cSld>
+    <p:spTree>
+      <p:nvGrpSpPr>
+        <p:cNvPr id="1" name=""/>
+        <p:cNvGrpSpPr/>
+        <p:nvPr/>
+      </p:nvGrpSpPr>
+      <p:grpSpPr>
+        <a:xfrm>
+          <a:off x="0" y="0"/>
+          <a:ext cx="0" cy="0"/>
+          <a:chOff x="0" y="0"/>
+          <a:chExt cx="0" cy="0"/>
+        </a:xfrm>
+      </p:grpSpPr>
+      <p:sp>
+        <p:nvSpPr>
+          <p:cNvPr id="2" name="Prostokąt: ścięte rogi u góry 1">
+            <a:extLst>
+              <a:ext uri="{FF2B5EF4-FFF2-40B4-BE49-F238E27FC236}">
+                <a16:creationId xmlns:a16="http://schemas.microsoft.com/office/drawing/2014/main" id="{64D3AA40-BAFD-4E79-8AF2-09FA5B472B08}"/>
+              </a:ext>
+            </a:extLst>
+          </p:cNvPr>
+          <p:cNvSpPr/>
+          <p:nvPr/>
+        </p:nvSpPr>
+        <p:spPr>
+          <a:xfrm>
+            <a:off x="2059254" y="2639008"/>
+            <a:ext cx="2861387" cy="1579984"/>
+          </a:xfrm>
+          <a:prstGeom prst="snip2SameRect">
+            <a:avLst>
+              <a:gd name="adj1" fmla="val 50000"/>
+              <a:gd name="adj2" fmla="val 0"/>
+            </a:avLst>
+          </a:prstGeom>
+          <a:ln w="127000" cap="rnd">
+            <a:round/>
+            <a:headEnd type="none" w="med" len="med"/>
+            <a:tailEnd type="none" w="med" len="med"/>
+          </a:ln>
+        </p:spPr>
+        <p:style>
+          <a:lnRef idx="1">
+            <a:schemeClr val="accent5"/>
+          </a:lnRef>
+          <a:fillRef idx="3">
+            <a:schemeClr val="accent5"/>
+          </a:fillRef>
+          <a:effectRef idx="2">
+            <a:schemeClr val="accent5"/>
+          </a:effectRef>
+          <a:fontRef idx="minor">
+            <a:schemeClr val="lt1"/>
+          </a:fontRef>
+        </p:style>
+        <p:txBody>
+          <a:bodyPr rtlCol="0" anchor="ctr"/>
+          <a:lstStyle/>
+          <a:p>
+            <a:pPr algn="ctr"/>
+            <a:r>
+              <a:rPr lang="pl-PL" sz="4400" b="1" dirty="0"/>
+              <a:t>Order</a:t>
+            </a:r>
+            <a:endParaRPr lang="en-US" b="1" dirty="0"/>
+          </a:p>
+        </p:txBody>
+      </p:sp>
+      <p:sp>
+        <p:nvSpPr>
+          <p:cNvPr id="3" name="Strzałka w prawo 7">
+            <a:extLst>
+              <a:ext uri="{FF2B5EF4-FFF2-40B4-BE49-F238E27FC236}">
+                <a16:creationId xmlns:a16="http://schemas.microsoft.com/office/drawing/2014/main" id="{9F357059-2133-4700-9014-DC9B074F9DF1}"/>
+              </a:ext>
+            </a:extLst>
+          </p:cNvPr>
+          <p:cNvSpPr/>
+          <p:nvPr/>
+        </p:nvSpPr>
+        <p:spPr>
+          <a:xfrm rot="19961213">
+            <a:off x="5163763" y="2604182"/>
+            <a:ext cx="1769221" cy="374970"/>
+          </a:xfrm>
+          <a:prstGeom prst="rightArrow">
+            <a:avLst/>
+          </a:prstGeom>
+        </p:spPr>
+        <p:style>
+          <a:lnRef idx="1">
+            <a:schemeClr val="accent4"/>
+          </a:lnRef>
+          <a:fillRef idx="3">
+            <a:schemeClr val="accent4"/>
+          </a:fillRef>
+          <a:effectRef idx="2">
+            <a:schemeClr val="accent4"/>
+          </a:effectRef>
+          <a:fontRef idx="minor">
+            <a:schemeClr val="lt1"/>
+          </a:fontRef>
+        </p:style>
+        <p:txBody>
+          <a:bodyPr rtlCol="0" anchor="ctr"/>
+          <a:lstStyle/>
+          <a:p>
+            <a:pPr algn="ctr"/>
+            <a:r>
+              <a:rPr lang="pl-PL" sz="3200" b="1" dirty="0">
+                <a:solidFill>
+                  <a:srgbClr val="FF0000"/>
+                </a:solidFill>
+              </a:rPr>
+              <a:t>UPDATE</a:t>
+            </a:r>
+            <a:endParaRPr lang="en-US" sz="3200" b="1" dirty="0">
+              <a:solidFill>
+                <a:srgbClr val="FF0000"/>
+              </a:solidFill>
+            </a:endParaRPr>
+          </a:p>
+        </p:txBody>
+      </p:sp>
+      <p:sp>
+        <p:nvSpPr>
+          <p:cNvPr id="4" name="Prostokąt: ścięte rogi u góry 3">
+            <a:extLst>
+              <a:ext uri="{FF2B5EF4-FFF2-40B4-BE49-F238E27FC236}">
+                <a16:creationId xmlns:a16="http://schemas.microsoft.com/office/drawing/2014/main" id="{A444FE7D-67CB-47C7-8FA3-F45496FB3AD9}"/>
+              </a:ext>
+            </a:extLst>
+          </p:cNvPr>
+          <p:cNvSpPr/>
+          <p:nvPr/>
+        </p:nvSpPr>
+        <p:spPr>
+          <a:xfrm>
+            <a:off x="7180872" y="886408"/>
+            <a:ext cx="2861387" cy="1579984"/>
+          </a:xfrm>
+          <a:prstGeom prst="snip2SameRect">
+            <a:avLst>
+              <a:gd name="adj1" fmla="val 50000"/>
+              <a:gd name="adj2" fmla="val 0"/>
+            </a:avLst>
+          </a:prstGeom>
+          <a:ln w="127000" cap="rnd">
+            <a:round/>
+            <a:headEnd type="none" w="med" len="med"/>
+            <a:tailEnd type="none" w="med" len="med"/>
+          </a:ln>
+        </p:spPr>
+        <p:style>
+          <a:lnRef idx="1">
+            <a:schemeClr val="accent5"/>
+          </a:lnRef>
+          <a:fillRef idx="3">
+            <a:schemeClr val="accent5"/>
+          </a:fillRef>
+          <a:effectRef idx="2">
+            <a:schemeClr val="accent5"/>
+          </a:effectRef>
+          <a:fontRef idx="minor">
+            <a:schemeClr val="lt1"/>
+          </a:fontRef>
+        </p:style>
+        <p:txBody>
+          <a:bodyPr rtlCol="0" anchor="ctr"/>
+          <a:lstStyle/>
+          <a:p>
+            <a:pPr algn="ctr"/>
+            <a:r>
+              <a:rPr lang="pl-PL" sz="4400" b="1" dirty="0" err="1"/>
+              <a:t>Store</a:t>
+            </a:r>
+            <a:endParaRPr lang="en-US" b="1" dirty="0"/>
+          </a:p>
+        </p:txBody>
+      </p:sp>
+      <p:sp>
+        <p:nvSpPr>
+          <p:cNvPr id="8" name="Strzałka w prawo 7">
+            <a:extLst>
+              <a:ext uri="{FF2B5EF4-FFF2-40B4-BE49-F238E27FC236}">
+                <a16:creationId xmlns:a16="http://schemas.microsoft.com/office/drawing/2014/main" id="{ADE51CB5-F9EA-4E3B-8E1E-D84E3BD3DD86}"/>
+              </a:ext>
+            </a:extLst>
+          </p:cNvPr>
+          <p:cNvSpPr/>
+          <p:nvPr/>
+        </p:nvSpPr>
+        <p:spPr>
+          <a:xfrm>
+            <a:off x="752475" y="3144486"/>
+            <a:ext cx="1186681" cy="374970"/>
+          </a:xfrm>
+          <a:prstGeom prst="rightArrow">
+            <a:avLst/>
+          </a:prstGeom>
+        </p:spPr>
+        <p:style>
+          <a:lnRef idx="1">
+            <a:schemeClr val="accent4"/>
+          </a:lnRef>
+          <a:fillRef idx="3">
+            <a:schemeClr val="accent4"/>
+          </a:fillRef>
+          <a:effectRef idx="2">
+            <a:schemeClr val="accent4"/>
+          </a:effectRef>
+          <a:fontRef idx="minor">
+            <a:schemeClr val="lt1"/>
+          </a:fontRef>
+        </p:style>
+        <p:txBody>
+          <a:bodyPr rtlCol="0" anchor="ctr"/>
+          <a:lstStyle/>
+          <a:p>
+            <a:pPr algn="ctr"/>
+            <a:r>
+              <a:rPr lang="pl-PL" sz="3600" b="1" dirty="0">
+                <a:solidFill>
+                  <a:srgbClr val="FF0000"/>
+                </a:solidFill>
+              </a:rPr>
+              <a:t>SHIP</a:t>
+            </a:r>
+            <a:endParaRPr lang="en-US" sz="3600" b="1" dirty="0">
+              <a:solidFill>
+                <a:srgbClr val="FF0000"/>
+              </a:solidFill>
+            </a:endParaRPr>
+          </a:p>
+        </p:txBody>
+      </p:sp>
+      <p:sp>
+        <p:nvSpPr>
+          <p:cNvPr id="10" name="Prostokąt: ścięte rogi u góry 9">
+            <a:extLst>
+              <a:ext uri="{FF2B5EF4-FFF2-40B4-BE49-F238E27FC236}">
+                <a16:creationId xmlns:a16="http://schemas.microsoft.com/office/drawing/2014/main" id="{AEAAE989-D2F9-45C2-9B44-C98A963DEB31}"/>
+              </a:ext>
+            </a:extLst>
+          </p:cNvPr>
+          <p:cNvSpPr/>
+          <p:nvPr/>
+        </p:nvSpPr>
+        <p:spPr>
+          <a:xfrm>
+            <a:off x="7180871" y="4391608"/>
+            <a:ext cx="2861387" cy="1579984"/>
+          </a:xfrm>
+          <a:prstGeom prst="snip2SameRect">
+            <a:avLst>
+              <a:gd name="adj1" fmla="val 50000"/>
+              <a:gd name="adj2" fmla="val 0"/>
+            </a:avLst>
+          </a:prstGeom>
+          <a:ln w="127000" cap="rnd">
+            <a:round/>
+            <a:headEnd type="none" w="med" len="med"/>
+            <a:tailEnd type="none" w="med" len="med"/>
+          </a:ln>
+        </p:spPr>
+        <p:style>
+          <a:lnRef idx="1">
+            <a:schemeClr val="accent5"/>
+          </a:lnRef>
+          <a:fillRef idx="3">
+            <a:schemeClr val="accent5"/>
+          </a:fillRef>
+          <a:effectRef idx="2">
+            <a:schemeClr val="accent5"/>
+          </a:effectRef>
+          <a:fontRef idx="minor">
+            <a:schemeClr val="lt1"/>
+          </a:fontRef>
+        </p:style>
+        <p:txBody>
+          <a:bodyPr rtlCol="0" anchor="ctr"/>
+          <a:lstStyle/>
+          <a:p>
+            <a:pPr algn="ctr"/>
+            <a:r>
+              <a:rPr lang="pl-PL" sz="3600" b="1" dirty="0" err="1"/>
+              <a:t>Shipment</a:t>
+            </a:r>
+            <a:endParaRPr lang="en-US" sz="3600" b="1" dirty="0"/>
+          </a:p>
+        </p:txBody>
+      </p:sp>
+      <p:sp>
+        <p:nvSpPr>
+          <p:cNvPr id="11" name="Strzałka w prawo 7">
+            <a:extLst>
+              <a:ext uri="{FF2B5EF4-FFF2-40B4-BE49-F238E27FC236}">
+                <a16:creationId xmlns:a16="http://schemas.microsoft.com/office/drawing/2014/main" id="{CC84E2BD-C040-495B-84D7-691E94F29C3F}"/>
+              </a:ext>
+            </a:extLst>
+          </p:cNvPr>
+          <p:cNvSpPr/>
+          <p:nvPr/>
+        </p:nvSpPr>
+        <p:spPr>
+          <a:xfrm rot="1628288">
+            <a:off x="5163763" y="4360509"/>
+            <a:ext cx="1769221" cy="374970"/>
+          </a:xfrm>
+          <a:prstGeom prst="rightArrow">
+            <a:avLst/>
+          </a:prstGeom>
+        </p:spPr>
+        <p:style>
+          <a:lnRef idx="1">
+            <a:schemeClr val="accent4"/>
+          </a:lnRef>
+          <a:fillRef idx="3">
+            <a:schemeClr val="accent4"/>
+          </a:fillRef>
+          <a:effectRef idx="2">
+            <a:schemeClr val="accent4"/>
+          </a:effectRef>
+          <a:fontRef idx="minor">
+            <a:schemeClr val="lt1"/>
+          </a:fontRef>
+        </p:style>
+        <p:txBody>
+          <a:bodyPr rtlCol="0" anchor="ctr"/>
+          <a:lstStyle/>
+          <a:p>
+            <a:pPr algn="ctr"/>
+            <a:r>
+              <a:rPr lang="pl-PL" sz="3600" b="1" dirty="0">
+                <a:solidFill>
+                  <a:srgbClr val="FF0000"/>
+                </a:solidFill>
+              </a:rPr>
+              <a:t>CREATE</a:t>
+            </a:r>
+            <a:endParaRPr lang="en-US" sz="3600" b="1" dirty="0">
+              <a:solidFill>
+                <a:srgbClr val="FF0000"/>
+              </a:solidFill>
+            </a:endParaRPr>
+          </a:p>
+        </p:txBody>
+      </p:sp>
+    </p:spTree>
+    <p:extLst>
+      <p:ext uri="{BB962C8B-B14F-4D97-AF65-F5344CB8AC3E}">
+        <p14:creationId xmlns:p14="http://schemas.microsoft.com/office/powerpoint/2010/main" val="386123499"/>
+      </p:ext>
+    </p:extLst>
+  </p:cSld>
+  <p:clrMapOvr>
+    <a:masterClrMapping/>
+  </p:clrMapOvr>
+</p:sld>
+</file>
+
+<file path=ppt/slides/slide30.xml><?xml version="1.0" encoding="utf-8"?>
 <p:sld xmlns:a="http://schemas.openxmlformats.org/drawingml/2006/main" xmlns:r="http://schemas.openxmlformats.org/officeDocument/2006/relationships" xmlns:p="http://schemas.openxmlformats.org/presentationml/2006/main">
   <p:cSld>
     <p:spTree>
@@ -26347,7 +27116,7 @@
 </p:sld>
 </file>
 
-<file path=ppt/slides/slide3.xml><?xml version="1.0" encoding="utf-8"?>
+<file path=ppt/slides/slide4.xml><?xml version="1.0" encoding="utf-8"?>
 <p:sld xmlns:a="http://schemas.openxmlformats.org/drawingml/2006/main" xmlns:r="http://schemas.openxmlformats.org/officeDocument/2006/relationships" xmlns:p="http://schemas.openxmlformats.org/presentationml/2006/main">
   <p:cSld>
     <p:spTree>
@@ -26696,7 +27465,7 @@
 </p:sld>
 </file>
 
-<file path=ppt/slides/slide4.xml><?xml version="1.0" encoding="utf-8"?>
+<file path=ppt/slides/slide5.xml><?xml version="1.0" encoding="utf-8"?>
 <p:sld xmlns:a="http://schemas.openxmlformats.org/drawingml/2006/main" xmlns:r="http://schemas.openxmlformats.org/officeDocument/2006/relationships" xmlns:p="http://schemas.openxmlformats.org/presentationml/2006/main">
   <p:cSld>
     <p:spTree>
@@ -27167,7 +27936,7 @@
 </p:sld>
 </file>
 
-<file path=ppt/slides/slide5.xml><?xml version="1.0" encoding="utf-8"?>
+<file path=ppt/slides/slide6.xml><?xml version="1.0" encoding="utf-8"?>
 <p:sld xmlns:a="http://schemas.openxmlformats.org/drawingml/2006/main" xmlns:r="http://schemas.openxmlformats.org/officeDocument/2006/relationships" xmlns:p="http://schemas.openxmlformats.org/presentationml/2006/main">
   <p:cSld>
     <p:spTree>
@@ -27413,7 +28182,7 @@
 </p:sld>
 </file>
 
-<file path=ppt/slides/slide6.xml><?xml version="1.0" encoding="utf-8"?>
+<file path=ppt/slides/slide7.xml><?xml version="1.0" encoding="utf-8"?>
 <p:sld xmlns:a="http://schemas.openxmlformats.org/drawingml/2006/main" xmlns:r="http://schemas.openxmlformats.org/officeDocument/2006/relationships" xmlns:p="http://schemas.openxmlformats.org/presentationml/2006/main">
   <p:cSld>
     <p:spTree>
@@ -27468,7 +28237,7 @@
 </p:sld>
 </file>
 
-<file path=ppt/slides/slide7.xml><?xml version="1.0" encoding="utf-8"?>
+<file path=ppt/slides/slide8.xml><?xml version="1.0" encoding="utf-8"?>
 <p:sld xmlns:a="http://schemas.openxmlformats.org/drawingml/2006/main" xmlns:r="http://schemas.openxmlformats.org/officeDocument/2006/relationships" xmlns:p="http://schemas.openxmlformats.org/presentationml/2006/main">
   <p:cSld>
     <p:spTree>
@@ -27523,7 +28292,7 @@
 </p:sld>
 </file>
 
-<file path=ppt/slides/slide8.xml><?xml version="1.0" encoding="utf-8"?>
+<file path=ppt/slides/slide9.xml><?xml version="1.0" encoding="utf-8"?>
 <p:sld xmlns:a="http://schemas.openxmlformats.org/drawingml/2006/main" xmlns:r="http://schemas.openxmlformats.org/officeDocument/2006/relationships" xmlns:p="http://schemas.openxmlformats.org/presentationml/2006/main">
   <p:cSld>
     <p:spTree>
@@ -27820,312 +28589,6 @@
     <p:extLst>
       <p:ext uri="{BB962C8B-B14F-4D97-AF65-F5344CB8AC3E}">
         <p14:creationId xmlns:p14="http://schemas.microsoft.com/office/powerpoint/2010/main" val="3621976435"/>
-      </p:ext>
-    </p:extLst>
-  </p:cSld>
-  <p:clrMapOvr>
-    <a:masterClrMapping/>
-  </p:clrMapOvr>
-</p:sld>
-</file>
-
-<file path=ppt/slides/slide9.xml><?xml version="1.0" encoding="utf-8"?>
-<p:sld xmlns:a="http://schemas.openxmlformats.org/drawingml/2006/main" xmlns:r="http://schemas.openxmlformats.org/officeDocument/2006/relationships" xmlns:p="http://schemas.openxmlformats.org/presentationml/2006/main">
-  <p:cSld>
-    <p:spTree>
-      <p:nvGrpSpPr>
-        <p:cNvPr id="1" name=""/>
-        <p:cNvGrpSpPr/>
-        <p:nvPr/>
-      </p:nvGrpSpPr>
-      <p:grpSpPr>
-        <a:xfrm>
-          <a:off x="0" y="0"/>
-          <a:ext cx="0" cy="0"/>
-          <a:chOff x="0" y="0"/>
-          <a:chExt cx="0" cy="0"/>
-        </a:xfrm>
-      </p:grpSpPr>
-      <p:sp>
-        <p:nvSpPr>
-          <p:cNvPr id="9" name="Strzałka: w lewo i w prawo 8">
-            <a:extLst>
-              <a:ext uri="{FF2B5EF4-FFF2-40B4-BE49-F238E27FC236}">
-                <a16:creationId xmlns:a16="http://schemas.microsoft.com/office/drawing/2014/main" id="{A4E11431-B54D-41F2-87E4-81F579468115}"/>
-              </a:ext>
-            </a:extLst>
-          </p:cNvPr>
-          <p:cNvSpPr/>
-          <p:nvPr/>
-        </p:nvSpPr>
-        <p:spPr>
-          <a:xfrm rot="2259722">
-            <a:off x="3600091" y="4097096"/>
-            <a:ext cx="1747985" cy="374904"/>
-          </a:xfrm>
-          <a:prstGeom prst="leftRightArrow">
-            <a:avLst/>
-          </a:prstGeom>
-        </p:spPr>
-        <p:style>
-          <a:lnRef idx="1">
-            <a:schemeClr val="accent4"/>
-          </a:lnRef>
-          <a:fillRef idx="3">
-            <a:schemeClr val="accent4"/>
-          </a:fillRef>
-          <a:effectRef idx="2">
-            <a:schemeClr val="accent4"/>
-          </a:effectRef>
-          <a:fontRef idx="minor">
-            <a:schemeClr val="lt1"/>
-          </a:fontRef>
-        </p:style>
-        <p:txBody>
-          <a:bodyPr rtlCol="0" anchor="ctr"/>
-          <a:lstStyle/>
-          <a:p>
-            <a:pPr algn="ctr"/>
-            <a:endParaRPr lang="en-US"/>
-          </a:p>
-        </p:txBody>
-      </p:sp>
-      <p:sp>
-        <p:nvSpPr>
-          <p:cNvPr id="10" name="Strzałka: w lewo i w prawo 9">
-            <a:extLst>
-              <a:ext uri="{FF2B5EF4-FFF2-40B4-BE49-F238E27FC236}">
-                <a16:creationId xmlns:a16="http://schemas.microsoft.com/office/drawing/2014/main" id="{45297C2A-935F-4D3C-803C-542CA96B1A54}"/>
-              </a:ext>
-            </a:extLst>
-          </p:cNvPr>
-          <p:cNvSpPr/>
-          <p:nvPr/>
-        </p:nvSpPr>
-        <p:spPr>
-          <a:xfrm rot="5400000">
-            <a:off x="5222007" y="2952714"/>
-            <a:ext cx="1747985" cy="374904"/>
-          </a:xfrm>
-          <a:prstGeom prst="leftRightArrow">
-            <a:avLst/>
-          </a:prstGeom>
-        </p:spPr>
-        <p:style>
-          <a:lnRef idx="1">
-            <a:schemeClr val="accent4"/>
-          </a:lnRef>
-          <a:fillRef idx="3">
-            <a:schemeClr val="accent4"/>
-          </a:fillRef>
-          <a:effectRef idx="2">
-            <a:schemeClr val="accent4"/>
-          </a:effectRef>
-          <a:fontRef idx="minor">
-            <a:schemeClr val="lt1"/>
-          </a:fontRef>
-        </p:style>
-        <p:txBody>
-          <a:bodyPr rtlCol="0" anchor="ctr"/>
-          <a:lstStyle/>
-          <a:p>
-            <a:pPr algn="ctr"/>
-            <a:endParaRPr lang="en-US"/>
-          </a:p>
-        </p:txBody>
-      </p:sp>
-      <p:sp>
-        <p:nvSpPr>
-          <p:cNvPr id="11" name="Strzałka: w lewo i w prawo 10">
-            <a:extLst>
-              <a:ext uri="{FF2B5EF4-FFF2-40B4-BE49-F238E27FC236}">
-                <a16:creationId xmlns:a16="http://schemas.microsoft.com/office/drawing/2014/main" id="{A8A01F0F-B4F7-434A-8298-75F87C010B96}"/>
-              </a:ext>
-            </a:extLst>
-          </p:cNvPr>
-          <p:cNvSpPr/>
-          <p:nvPr/>
-        </p:nvSpPr>
-        <p:spPr>
-          <a:xfrm rot="19340278" flipH="1">
-            <a:off x="6843922" y="4097097"/>
-            <a:ext cx="1747985" cy="374904"/>
-          </a:xfrm>
-          <a:prstGeom prst="leftRightArrow">
-            <a:avLst/>
-          </a:prstGeom>
-        </p:spPr>
-        <p:style>
-          <a:lnRef idx="1">
-            <a:schemeClr val="accent4"/>
-          </a:lnRef>
-          <a:fillRef idx="3">
-            <a:schemeClr val="accent4"/>
-          </a:fillRef>
-          <a:effectRef idx="2">
-            <a:schemeClr val="accent4"/>
-          </a:effectRef>
-          <a:fontRef idx="minor">
-            <a:schemeClr val="lt1"/>
-          </a:fontRef>
-        </p:style>
-        <p:txBody>
-          <a:bodyPr rtlCol="0" anchor="ctr"/>
-          <a:lstStyle/>
-          <a:p>
-            <a:pPr algn="ctr"/>
-            <a:endParaRPr lang="en-US"/>
-          </a:p>
-        </p:txBody>
-      </p:sp>
-      <p:pic>
-        <p:nvPicPr>
-          <p:cNvPr id="12" name="Obraz 11">
-            <a:extLst>
-              <a:ext uri="{FF2B5EF4-FFF2-40B4-BE49-F238E27FC236}">
-                <a16:creationId xmlns:a16="http://schemas.microsoft.com/office/drawing/2014/main" id="{99DA109E-788C-49DD-A02E-1E166FE92735}"/>
-              </a:ext>
-            </a:extLst>
-          </p:cNvPr>
-          <p:cNvPicPr>
-            <a:picLocks noChangeAspect="1"/>
-          </p:cNvPicPr>
-          <p:nvPr/>
-        </p:nvPicPr>
-        <p:blipFill>
-          <a:blip r:embed="rId2" cstate="print">
-            <a:extLst>
-              <a:ext uri="{28A0092B-C50C-407E-A947-70E740481C1C}">
-                <a14:useLocalDpi xmlns:a14="http://schemas.microsoft.com/office/drawing/2010/main" val="0"/>
-              </a:ext>
-            </a:extLst>
-          </a:blip>
-          <a:stretch>
-            <a:fillRect/>
-          </a:stretch>
-        </p:blipFill>
-        <p:spPr>
-          <a:xfrm>
-            <a:off x="5413595" y="4896850"/>
-            <a:ext cx="1364810" cy="1364810"/>
-          </a:xfrm>
-          <a:prstGeom prst="rect">
-            <a:avLst/>
-          </a:prstGeom>
-        </p:spPr>
-      </p:pic>
-      <p:pic>
-        <p:nvPicPr>
-          <p:cNvPr id="13" name="Obraz 12">
-            <a:extLst>
-              <a:ext uri="{FF2B5EF4-FFF2-40B4-BE49-F238E27FC236}">
-                <a16:creationId xmlns:a16="http://schemas.microsoft.com/office/drawing/2014/main" id="{47D3CE0F-CDB1-429E-B62F-6035EBF4FBED}"/>
-              </a:ext>
-            </a:extLst>
-          </p:cNvPr>
-          <p:cNvPicPr>
-            <a:picLocks noChangeAspect="1"/>
-          </p:cNvPicPr>
-          <p:nvPr/>
-        </p:nvPicPr>
-        <p:blipFill>
-          <a:blip r:embed="rId2" cstate="print">
-            <a:extLst>
-              <a:ext uri="{28A0092B-C50C-407E-A947-70E740481C1C}">
-                <a14:useLocalDpi xmlns:a14="http://schemas.microsoft.com/office/drawing/2010/main" val="0"/>
-              </a:ext>
-            </a:extLst>
-          </a:blip>
-          <a:stretch>
-            <a:fillRect/>
-          </a:stretch>
-        </p:blipFill>
-        <p:spPr>
-          <a:xfrm>
-            <a:off x="2016051" y="2457761"/>
-            <a:ext cx="1364810" cy="1364810"/>
-          </a:xfrm>
-          <a:prstGeom prst="rect">
-            <a:avLst/>
-          </a:prstGeom>
-        </p:spPr>
-      </p:pic>
-      <p:pic>
-        <p:nvPicPr>
-          <p:cNvPr id="14" name="Obraz 13">
-            <a:extLst>
-              <a:ext uri="{FF2B5EF4-FFF2-40B4-BE49-F238E27FC236}">
-                <a16:creationId xmlns:a16="http://schemas.microsoft.com/office/drawing/2014/main" id="{FDB55170-3FE7-4DFB-A6DC-D5BBC9974430}"/>
-              </a:ext>
-            </a:extLst>
-          </p:cNvPr>
-          <p:cNvPicPr>
-            <a:picLocks noChangeAspect="1"/>
-          </p:cNvPicPr>
-          <p:nvPr/>
-        </p:nvPicPr>
-        <p:blipFill>
-          <a:blip r:embed="rId2" cstate="print">
-            <a:extLst>
-              <a:ext uri="{28A0092B-C50C-407E-A947-70E740481C1C}">
-                <a14:useLocalDpi xmlns:a14="http://schemas.microsoft.com/office/drawing/2010/main" val="0"/>
-              </a:ext>
-            </a:extLst>
-          </a:blip>
-          <a:stretch>
-            <a:fillRect/>
-          </a:stretch>
-        </p:blipFill>
-        <p:spPr>
-          <a:xfrm>
-            <a:off x="8811139" y="2457761"/>
-            <a:ext cx="1364810" cy="1364810"/>
-          </a:xfrm>
-          <a:prstGeom prst="rect">
-            <a:avLst/>
-          </a:prstGeom>
-        </p:spPr>
-      </p:pic>
-      <p:pic>
-        <p:nvPicPr>
-          <p:cNvPr id="15" name="Obraz 14">
-            <a:extLst>
-              <a:ext uri="{FF2B5EF4-FFF2-40B4-BE49-F238E27FC236}">
-                <a16:creationId xmlns:a16="http://schemas.microsoft.com/office/drawing/2014/main" id="{1FAF7B80-C2D9-4F2E-BD4C-D8EA8F64A8BD}"/>
-              </a:ext>
-            </a:extLst>
-          </p:cNvPr>
-          <p:cNvPicPr>
-            <a:picLocks noChangeAspect="1"/>
-          </p:cNvPicPr>
-          <p:nvPr/>
-        </p:nvPicPr>
-        <p:blipFill>
-          <a:blip r:embed="rId2" cstate="print">
-            <a:extLst>
-              <a:ext uri="{28A0092B-C50C-407E-A947-70E740481C1C}">
-                <a14:useLocalDpi xmlns:a14="http://schemas.microsoft.com/office/drawing/2010/main" val="0"/>
-              </a:ext>
-            </a:extLst>
-          </a:blip>
-          <a:stretch>
-            <a:fillRect/>
-          </a:stretch>
-        </p:blipFill>
-        <p:spPr>
-          <a:xfrm>
-            <a:off x="5413594" y="596340"/>
-            <a:ext cx="1364810" cy="1364810"/>
-          </a:xfrm>
-          <a:prstGeom prst="rect">
-            <a:avLst/>
-          </a:prstGeom>
-        </p:spPr>
-      </p:pic>
-    </p:spTree>
-    <p:extLst>
-      <p:ext uri="{BB962C8B-B14F-4D97-AF65-F5344CB8AC3E}">
-        <p14:creationId xmlns:p14="http://schemas.microsoft.com/office/powerpoint/2010/main" val="3374640359"/>
       </p:ext>
     </p:extLst>
   </p:cSld>

--- a/docs/images.pptx
+++ b/docs/images.pptx
@@ -5,7 +5,7 @@
     <p:sldMasterId id="2147483672" r:id="rId1"/>
   </p:sldMasterIdLst>
   <p:notesMasterIdLst>
-    <p:notesMasterId r:id="rId32"/>
+    <p:notesMasterId r:id="rId36"/>
   </p:notesMasterIdLst>
   <p:sldIdLst>
     <p:sldId id="314" r:id="rId2"/>
@@ -36,8 +36,12 @@
     <p:sldId id="337" r:id="rId27"/>
     <p:sldId id="338" r:id="rId28"/>
     <p:sldId id="326" r:id="rId29"/>
-    <p:sldId id="327" r:id="rId30"/>
-    <p:sldId id="294" r:id="rId31"/>
+    <p:sldId id="343" r:id="rId30"/>
+    <p:sldId id="344" r:id="rId31"/>
+    <p:sldId id="346" r:id="rId32"/>
+    <p:sldId id="342" r:id="rId33"/>
+    <p:sldId id="327" r:id="rId34"/>
+    <p:sldId id="294" r:id="rId35"/>
   </p:sldIdLst>
   <p:sldSz cx="12192000" cy="6858000"/>
   <p:notesSz cx="6858000" cy="9144000"/>
@@ -15646,7 +15650,7 @@
           <a:p>
             <a:fld id="{51DC06D7-47F4-42EE-97DE-5D2CE932B02E}" type="datetimeFigureOut">
               <a:rPr lang="en-US" smtClean="0"/>
-              <a:t>5/7/2019</a:t>
+              <a:t>5/21/2019</a:t>
             </a:fld>
             <a:endParaRPr lang="en-US"/>
           </a:p>
@@ -16865,7 +16869,7 @@
           <a:p>
             <a:fld id="{B97B1ACE-8FC5-43AE-903F-A46F816E6A3A}" type="datetimeFigureOut">
               <a:rPr lang="en-US" smtClean="0"/>
-              <a:t>5/7/2019</a:t>
+              <a:t>5/21/2019</a:t>
             </a:fld>
             <a:endParaRPr lang="en-US"/>
           </a:p>
@@ -17035,7 +17039,7 @@
           <a:p>
             <a:fld id="{B97B1ACE-8FC5-43AE-903F-A46F816E6A3A}" type="datetimeFigureOut">
               <a:rPr lang="en-US" smtClean="0"/>
-              <a:t>5/7/2019</a:t>
+              <a:t>5/21/2019</a:t>
             </a:fld>
             <a:endParaRPr lang="en-US"/>
           </a:p>
@@ -17215,7 +17219,7 @@
           <a:p>
             <a:fld id="{B97B1ACE-8FC5-43AE-903F-A46F816E6A3A}" type="datetimeFigureOut">
               <a:rPr lang="en-US" smtClean="0"/>
-              <a:t>5/7/2019</a:t>
+              <a:t>5/21/2019</a:t>
             </a:fld>
             <a:endParaRPr lang="en-US"/>
           </a:p>
@@ -17385,7 +17389,7 @@
           <a:p>
             <a:fld id="{B97B1ACE-8FC5-43AE-903F-A46F816E6A3A}" type="datetimeFigureOut">
               <a:rPr lang="en-US" smtClean="0"/>
-              <a:t>5/7/2019</a:t>
+              <a:t>5/21/2019</a:t>
             </a:fld>
             <a:endParaRPr lang="en-US"/>
           </a:p>
@@ -17631,7 +17635,7 @@
           <a:p>
             <a:fld id="{B97B1ACE-8FC5-43AE-903F-A46F816E6A3A}" type="datetimeFigureOut">
               <a:rPr lang="en-US" smtClean="0"/>
-              <a:t>5/7/2019</a:t>
+              <a:t>5/21/2019</a:t>
             </a:fld>
             <a:endParaRPr lang="en-US"/>
           </a:p>
@@ -17863,7 +17867,7 @@
           <a:p>
             <a:fld id="{B97B1ACE-8FC5-43AE-903F-A46F816E6A3A}" type="datetimeFigureOut">
               <a:rPr lang="en-US" smtClean="0"/>
-              <a:t>5/7/2019</a:t>
+              <a:t>5/21/2019</a:t>
             </a:fld>
             <a:endParaRPr lang="en-US"/>
           </a:p>
@@ -18230,7 +18234,7 @@
           <a:p>
             <a:fld id="{B97B1ACE-8FC5-43AE-903F-A46F816E6A3A}" type="datetimeFigureOut">
               <a:rPr lang="en-US" smtClean="0"/>
-              <a:t>5/7/2019</a:t>
+              <a:t>5/21/2019</a:t>
             </a:fld>
             <a:endParaRPr lang="en-US"/>
           </a:p>
@@ -18348,7 +18352,7 @@
           <a:p>
             <a:fld id="{B97B1ACE-8FC5-43AE-903F-A46F816E6A3A}" type="datetimeFigureOut">
               <a:rPr lang="en-US" smtClean="0"/>
-              <a:t>5/7/2019</a:t>
+              <a:t>5/21/2019</a:t>
             </a:fld>
             <a:endParaRPr lang="en-US"/>
           </a:p>
@@ -18443,7 +18447,7 @@
           <a:p>
             <a:fld id="{B97B1ACE-8FC5-43AE-903F-A46F816E6A3A}" type="datetimeFigureOut">
               <a:rPr lang="en-US" smtClean="0"/>
-              <a:t>5/7/2019</a:t>
+              <a:t>5/21/2019</a:t>
             </a:fld>
             <a:endParaRPr lang="en-US"/>
           </a:p>
@@ -18720,7 +18724,7 @@
           <a:p>
             <a:fld id="{B97B1ACE-8FC5-43AE-903F-A46F816E6A3A}" type="datetimeFigureOut">
               <a:rPr lang="en-US" smtClean="0"/>
-              <a:t>5/7/2019</a:t>
+              <a:t>5/21/2019</a:t>
             </a:fld>
             <a:endParaRPr lang="en-US"/>
           </a:p>
@@ -18977,7 +18981,7 @@
           <a:p>
             <a:fld id="{B97B1ACE-8FC5-43AE-903F-A46F816E6A3A}" type="datetimeFigureOut">
               <a:rPr lang="en-US" smtClean="0"/>
-              <a:t>5/7/2019</a:t>
+              <a:t>5/21/2019</a:t>
             </a:fld>
             <a:endParaRPr lang="en-US"/>
           </a:p>
@@ -19190,7 +19194,7 @@
           <a:p>
             <a:fld id="{B97B1ACE-8FC5-43AE-903F-A46F816E6A3A}" type="datetimeFigureOut">
               <a:rPr lang="en-US" smtClean="0"/>
-              <a:t>5/7/2019</a:t>
+              <a:t>5/21/2019</a:t>
             </a:fld>
             <a:endParaRPr lang="en-US"/>
           </a:p>
@@ -26009,10 +26013,10 @@
       </p:grpSpPr>
       <p:pic>
         <p:nvPicPr>
-          <p:cNvPr id="2" name="Obraz 1">
+          <p:cNvPr id="3" name="Obraz 2">
             <a:extLst>
               <a:ext uri="{FF2B5EF4-FFF2-40B4-BE49-F238E27FC236}">
-                <a16:creationId xmlns:a16="http://schemas.microsoft.com/office/drawing/2014/main" id="{1C4CAC5E-7F44-4A28-B754-7D0C81C61499}"/>
+                <a16:creationId xmlns:a16="http://schemas.microsoft.com/office/drawing/2014/main" id="{97445ADF-F3FC-46DF-ACEF-7B934F6225CD}"/>
               </a:ext>
             </a:extLst>
           </p:cNvPr>
@@ -26035,43 +26039,7 @@
         </p:blipFill>
         <p:spPr>
           <a:xfrm>
-            <a:off x="3831085" y="116459"/>
-            <a:ext cx="4136578" cy="3228469"/>
-          </a:xfrm>
-          <a:prstGeom prst="rect">
-            <a:avLst/>
-          </a:prstGeom>
-        </p:spPr>
-      </p:pic>
-      <p:pic>
-        <p:nvPicPr>
-          <p:cNvPr id="3" name="Obraz 2">
-            <a:extLst>
-              <a:ext uri="{FF2B5EF4-FFF2-40B4-BE49-F238E27FC236}">
-                <a16:creationId xmlns:a16="http://schemas.microsoft.com/office/drawing/2014/main" id="{97445ADF-F3FC-46DF-ACEF-7B934F6225CD}"/>
-              </a:ext>
-            </a:extLst>
-          </p:cNvPr>
-          <p:cNvPicPr>
-            <a:picLocks noChangeAspect="1"/>
-          </p:cNvPicPr>
-          <p:nvPr/>
-        </p:nvPicPr>
-        <p:blipFill>
-          <a:blip r:embed="rId3" cstate="print">
-            <a:extLst>
-              <a:ext uri="{28A0092B-C50C-407E-A947-70E740481C1C}">
-                <a14:useLocalDpi xmlns:a14="http://schemas.microsoft.com/office/drawing/2010/main" val="0"/>
-              </a:ext>
-            </a:extLst>
-          </a:blip>
-          <a:stretch>
-            <a:fillRect/>
-          </a:stretch>
-        </p:blipFill>
-        <p:spPr>
-          <a:xfrm>
-            <a:off x="5196695" y="5385945"/>
+            <a:off x="5387196" y="2602152"/>
             <a:ext cx="1417607" cy="1417607"/>
           </a:xfrm>
           <a:prstGeom prst="rect">
@@ -26081,10 +26049,10 @@
       </p:pic>
       <p:pic>
         <p:nvPicPr>
-          <p:cNvPr id="4" name="Obraz 3">
+          <p:cNvPr id="8" name="Obraz 7">
             <a:extLst>
               <a:ext uri="{FF2B5EF4-FFF2-40B4-BE49-F238E27FC236}">
-                <a16:creationId xmlns:a16="http://schemas.microsoft.com/office/drawing/2014/main" id="{573A8EA9-289A-41A5-9809-DA1CD08F9C16}"/>
+                <a16:creationId xmlns:a16="http://schemas.microsoft.com/office/drawing/2014/main" id="{57E6D973-80FB-4DC4-8791-03077C967D93}"/>
               </a:ext>
             </a:extLst>
           </p:cNvPr>
@@ -26094,7 +26062,7 @@
           <p:nvPr/>
         </p:nvPicPr>
         <p:blipFill>
-          <a:blip r:embed="rId4" cstate="print">
+          <a:blip r:embed="rId3" cstate="print">
             <a:extLst>
               <a:ext uri="{28A0092B-C50C-407E-A947-70E740481C1C}">
                 <a14:useLocalDpi xmlns:a14="http://schemas.microsoft.com/office/drawing/2010/main" val="0"/>
@@ -26107,79 +26075,7 @@
         </p:blipFill>
         <p:spPr>
           <a:xfrm>
-            <a:off x="3640585" y="4091985"/>
-            <a:ext cx="882900" cy="882900"/>
-          </a:xfrm>
-          <a:prstGeom prst="rect">
-            <a:avLst/>
-          </a:prstGeom>
-        </p:spPr>
-      </p:pic>
-      <p:pic>
-        <p:nvPicPr>
-          <p:cNvPr id="5" name="Obraz 4">
-            <a:extLst>
-              <a:ext uri="{FF2B5EF4-FFF2-40B4-BE49-F238E27FC236}">
-                <a16:creationId xmlns:a16="http://schemas.microsoft.com/office/drawing/2014/main" id="{F2A538F6-7647-4582-AC7D-402CF67B2DFD}"/>
-              </a:ext>
-            </a:extLst>
-          </p:cNvPr>
-          <p:cNvPicPr>
-            <a:picLocks noChangeAspect="1"/>
-          </p:cNvPicPr>
-          <p:nvPr/>
-        </p:nvPicPr>
-        <p:blipFill>
-          <a:blip r:embed="rId4" cstate="print">
-            <a:extLst>
-              <a:ext uri="{28A0092B-C50C-407E-A947-70E740481C1C}">
-                <a14:useLocalDpi xmlns:a14="http://schemas.microsoft.com/office/drawing/2010/main" val="0"/>
-              </a:ext>
-            </a:extLst>
-          </a:blip>
-          <a:stretch>
-            <a:fillRect/>
-          </a:stretch>
-        </p:blipFill>
-        <p:spPr>
-          <a:xfrm>
-            <a:off x="7381573" y="4107866"/>
-            <a:ext cx="882900" cy="882900"/>
-          </a:xfrm>
-          <a:prstGeom prst="rect">
-            <a:avLst/>
-          </a:prstGeom>
-        </p:spPr>
-      </p:pic>
-      <p:pic>
-        <p:nvPicPr>
-          <p:cNvPr id="8" name="Obraz 7">
-            <a:extLst>
-              <a:ext uri="{FF2B5EF4-FFF2-40B4-BE49-F238E27FC236}">
-                <a16:creationId xmlns:a16="http://schemas.microsoft.com/office/drawing/2014/main" id="{57E6D973-80FB-4DC4-8791-03077C967D93}"/>
-              </a:ext>
-            </a:extLst>
-          </p:cNvPr>
-          <p:cNvPicPr>
-            <a:picLocks noChangeAspect="1"/>
-          </p:cNvPicPr>
-          <p:nvPr/>
-        </p:nvPicPr>
-        <p:blipFill>
-          <a:blip r:embed="rId5" cstate="print">
-            <a:extLst>
-              <a:ext uri="{28A0092B-C50C-407E-A947-70E740481C1C}">
-                <a14:useLocalDpi xmlns:a14="http://schemas.microsoft.com/office/drawing/2010/main" val="0"/>
-              </a:ext>
-            </a:extLst>
-          </a:blip>
-          <a:stretch>
-            <a:fillRect/>
-          </a:stretch>
-        </p:blipFill>
-        <p:spPr>
-          <a:xfrm>
-            <a:off x="5464049" y="3513073"/>
+            <a:off x="5654548" y="1527110"/>
             <a:ext cx="882901" cy="882901"/>
           </a:xfrm>
           <a:prstGeom prst="rect">
@@ -26202,7 +26098,7 @@
           <p:nvPr/>
         </p:nvPicPr>
         <p:blipFill>
-          <a:blip r:embed="rId5" cstate="print">
+          <a:blip r:embed="rId3" cstate="print">
             <a:extLst>
               <a:ext uri="{28A0092B-C50C-407E-A947-70E740481C1C}">
                 <a14:useLocalDpi xmlns:a14="http://schemas.microsoft.com/office/drawing/2010/main" val="0"/>
@@ -26215,7 +26111,7 @@
         </p:blipFill>
         <p:spPr>
           <a:xfrm>
-            <a:off x="4949339" y="4355587"/>
+            <a:off x="4063515" y="3578307"/>
             <a:ext cx="882901" cy="882901"/>
           </a:xfrm>
           <a:prstGeom prst="rect">
@@ -26238,7 +26134,7 @@
           <p:nvPr/>
         </p:nvPicPr>
         <p:blipFill>
-          <a:blip r:embed="rId5" cstate="print">
+          <a:blip r:embed="rId3" cstate="print">
             <a:extLst>
               <a:ext uri="{28A0092B-C50C-407E-A947-70E740481C1C}">
                 <a14:useLocalDpi xmlns:a14="http://schemas.microsoft.com/office/drawing/2010/main" val="0"/>
@@ -26251,7 +26147,7 @@
         </p:blipFill>
         <p:spPr>
           <a:xfrm>
-            <a:off x="5978759" y="4355587"/>
+            <a:off x="7245583" y="3578308"/>
             <a:ext cx="882901" cy="882901"/>
           </a:xfrm>
           <a:prstGeom prst="rect">
@@ -26291,10 +26187,10 @@
       </p:grpSpPr>
       <p:pic>
         <p:nvPicPr>
-          <p:cNvPr id="5" name="Obraz 4">
+          <p:cNvPr id="8" name="Obraz 7">
             <a:extLst>
               <a:ext uri="{FF2B5EF4-FFF2-40B4-BE49-F238E27FC236}">
-                <a16:creationId xmlns:a16="http://schemas.microsoft.com/office/drawing/2014/main" id="{4B297FDE-7D64-411A-8136-14C5C403D581}"/>
+                <a16:creationId xmlns:a16="http://schemas.microsoft.com/office/drawing/2014/main" id="{57E6D973-80FB-4DC4-8791-03077C967D93}"/>
               </a:ext>
             </a:extLst>
           </p:cNvPr>
@@ -26317,8 +26213,8 @@
         </p:blipFill>
         <p:spPr>
           <a:xfrm>
-            <a:off x="672860" y="2037047"/>
-            <a:ext cx="3456317" cy="1611148"/>
+            <a:off x="234823" y="3365435"/>
+            <a:ext cx="882901" cy="882901"/>
           </a:xfrm>
           <a:prstGeom prst="rect">
             <a:avLst/>
@@ -26327,10 +26223,10 @@
       </p:pic>
       <p:pic>
         <p:nvPicPr>
-          <p:cNvPr id="12" name="Obraz 11">
+          <p:cNvPr id="9" name="Obraz 8">
             <a:extLst>
               <a:ext uri="{FF2B5EF4-FFF2-40B4-BE49-F238E27FC236}">
-                <a16:creationId xmlns:a16="http://schemas.microsoft.com/office/drawing/2014/main" id="{A3B3F413-08A4-4EB8-BE1B-48F5C097EF4C}"/>
+                <a16:creationId xmlns:a16="http://schemas.microsoft.com/office/drawing/2014/main" id="{EBF02AFF-F7C4-4107-8272-2F6A79D4DEA8}"/>
               </a:ext>
             </a:extLst>
           </p:cNvPr>
@@ -26340,7 +26236,7 @@
           <p:nvPr/>
         </p:nvPicPr>
         <p:blipFill>
-          <a:blip r:embed="rId3" cstate="print">
+          <a:blip r:embed="rId2" cstate="print">
             <a:extLst>
               <a:ext uri="{28A0092B-C50C-407E-A947-70E740481C1C}">
                 <a14:useLocalDpi xmlns:a14="http://schemas.microsoft.com/office/drawing/2010/main" val="0"/>
@@ -26353,8 +26249,8 @@
         </p:blipFill>
         <p:spPr>
           <a:xfrm>
-            <a:off x="221514" y="524369"/>
-            <a:ext cx="4359007" cy="3402068"/>
+            <a:off x="825015" y="2311482"/>
+            <a:ext cx="882901" cy="882901"/>
           </a:xfrm>
           <a:prstGeom prst="rect">
             <a:avLst/>
@@ -26363,10 +26259,10 @@
       </p:pic>
       <p:pic>
         <p:nvPicPr>
-          <p:cNvPr id="3" name="Obraz 2">
+          <p:cNvPr id="10" name="Obraz 9">
             <a:extLst>
               <a:ext uri="{FF2B5EF4-FFF2-40B4-BE49-F238E27FC236}">
-                <a16:creationId xmlns:a16="http://schemas.microsoft.com/office/drawing/2014/main" id="{093C6C7F-2F60-4421-B05F-A9925A01AF5F}"/>
+                <a16:creationId xmlns:a16="http://schemas.microsoft.com/office/drawing/2014/main" id="{DE656B03-0F2F-405F-B904-298B329500F8}"/>
               </a:ext>
             </a:extLst>
           </p:cNvPr>
@@ -26376,7 +26272,7 @@
           <p:nvPr/>
         </p:nvPicPr>
         <p:blipFill>
-          <a:blip r:embed="rId4" cstate="print">
+          <a:blip r:embed="rId2" cstate="print">
             <a:extLst>
               <a:ext uri="{28A0092B-C50C-407E-A947-70E740481C1C}">
                 <a14:useLocalDpi xmlns:a14="http://schemas.microsoft.com/office/drawing/2010/main" val="0"/>
@@ -26389,8 +26285,8 @@
         </p:blipFill>
         <p:spPr>
           <a:xfrm>
-            <a:off x="5083353" y="4014158"/>
-            <a:ext cx="2025293" cy="2044460"/>
+            <a:off x="1430570" y="3365434"/>
+            <a:ext cx="882901" cy="882901"/>
           </a:xfrm>
           <a:prstGeom prst="rect">
             <a:avLst/>
@@ -26399,10 +26295,10 @@
       </p:pic>
       <p:pic>
         <p:nvPicPr>
-          <p:cNvPr id="8" name="Obraz 7">
+          <p:cNvPr id="6" name="Obraz 5">
             <a:extLst>
               <a:ext uri="{FF2B5EF4-FFF2-40B4-BE49-F238E27FC236}">
-                <a16:creationId xmlns:a16="http://schemas.microsoft.com/office/drawing/2014/main" id="{FB67C1C4-E8C8-4E0B-A1AA-74D549A87EFC}"/>
+                <a16:creationId xmlns:a16="http://schemas.microsoft.com/office/drawing/2014/main" id="{A0555DFD-8D9C-4DD9-B44C-5E1358B2B5EE}"/>
               </a:ext>
             </a:extLst>
           </p:cNvPr>
@@ -26412,7 +26308,7 @@
           <p:nvPr/>
         </p:nvPicPr>
         <p:blipFill>
-          <a:blip r:embed="rId5" cstate="print">
+          <a:blip r:embed="rId2" cstate="print">
             <a:extLst>
               <a:ext uri="{28A0092B-C50C-407E-A947-70E740481C1C}">
                 <a14:useLocalDpi xmlns:a14="http://schemas.microsoft.com/office/drawing/2010/main" val="0"/>
@@ -26425,64 +26321,20 @@
         </p:blipFill>
         <p:spPr>
           <a:xfrm>
-            <a:off x="8353963" y="1990995"/>
-            <a:ext cx="3093404" cy="1611148"/>
+            <a:off x="9878529" y="3365434"/>
+            <a:ext cx="882901" cy="882901"/>
           </a:xfrm>
           <a:prstGeom prst="rect">
             <a:avLst/>
           </a:prstGeom>
         </p:spPr>
       </p:pic>
-      <p:sp>
-        <p:nvSpPr>
-          <p:cNvPr id="9" name="Strzałka: w lewo i w prawo 8">
-            <a:extLst>
-              <a:ext uri="{FF2B5EF4-FFF2-40B4-BE49-F238E27FC236}">
-                <a16:creationId xmlns:a16="http://schemas.microsoft.com/office/drawing/2014/main" id="{A4E11431-B54D-41F2-87E4-81F579468115}"/>
-              </a:ext>
-            </a:extLst>
-          </p:cNvPr>
-          <p:cNvSpPr/>
-          <p:nvPr/>
-        </p:nvSpPr>
-        <p:spPr>
-          <a:xfrm rot="2259722">
-            <a:off x="3999300" y="4097096"/>
-            <a:ext cx="1747985" cy="374904"/>
-          </a:xfrm>
-          <a:prstGeom prst="leftRightArrow">
-            <a:avLst/>
-          </a:prstGeom>
-        </p:spPr>
-        <p:style>
-          <a:lnRef idx="1">
-            <a:schemeClr val="accent4"/>
-          </a:lnRef>
-          <a:fillRef idx="3">
-            <a:schemeClr val="accent4"/>
-          </a:fillRef>
-          <a:effectRef idx="2">
-            <a:schemeClr val="accent4"/>
-          </a:effectRef>
-          <a:fontRef idx="minor">
-            <a:schemeClr val="lt1"/>
-          </a:fontRef>
-        </p:style>
-        <p:txBody>
-          <a:bodyPr rtlCol="0" anchor="ctr"/>
-          <a:lstStyle/>
-          <a:p>
-            <a:pPr algn="ctr"/>
-            <a:endParaRPr lang="en-US"/>
-          </a:p>
-        </p:txBody>
-      </p:sp>
       <p:pic>
         <p:nvPicPr>
-          <p:cNvPr id="14" name="Obraz 13">
+          <p:cNvPr id="7" name="Obraz 6">
             <a:extLst>
               <a:ext uri="{FF2B5EF4-FFF2-40B4-BE49-F238E27FC236}">
-                <a16:creationId xmlns:a16="http://schemas.microsoft.com/office/drawing/2014/main" id="{F519EBA6-0B3F-4DFB-9AD9-F0C0A259679F}"/>
+                <a16:creationId xmlns:a16="http://schemas.microsoft.com/office/drawing/2014/main" id="{18D18024-1941-486E-87A9-72D2534AA8F4}"/>
               </a:ext>
             </a:extLst>
           </p:cNvPr>
@@ -26492,7 +26344,7 @@
           <p:nvPr/>
         </p:nvPicPr>
         <p:blipFill>
-          <a:blip r:embed="rId3" cstate="print">
+          <a:blip r:embed="rId2" cstate="print">
             <a:extLst>
               <a:ext uri="{28A0092B-C50C-407E-A947-70E740481C1C}">
                 <a14:useLocalDpi xmlns:a14="http://schemas.microsoft.com/office/drawing/2010/main" val="0"/>
@@ -26505,64 +26357,20 @@
         </p:blipFill>
         <p:spPr>
           <a:xfrm>
-            <a:off x="7648601" y="524369"/>
-            <a:ext cx="4359007" cy="3402068"/>
+            <a:off x="10468721" y="2311481"/>
+            <a:ext cx="882901" cy="882901"/>
           </a:xfrm>
           <a:prstGeom prst="rect">
             <a:avLst/>
           </a:prstGeom>
         </p:spPr>
       </p:pic>
-      <p:sp>
-        <p:nvSpPr>
-          <p:cNvPr id="11" name="Strzałka: w lewo i w prawo 10">
-            <a:extLst>
-              <a:ext uri="{FF2B5EF4-FFF2-40B4-BE49-F238E27FC236}">
-                <a16:creationId xmlns:a16="http://schemas.microsoft.com/office/drawing/2014/main" id="{A8A01F0F-B4F7-434A-8298-75F87C010B96}"/>
-              </a:ext>
-            </a:extLst>
-          </p:cNvPr>
-          <p:cNvSpPr/>
-          <p:nvPr/>
-        </p:nvSpPr>
-        <p:spPr>
-          <a:xfrm rot="19340278" flipH="1">
-            <a:off x="6444715" y="4097097"/>
-            <a:ext cx="1747985" cy="374904"/>
-          </a:xfrm>
-          <a:prstGeom prst="leftRightArrow">
-            <a:avLst/>
-          </a:prstGeom>
-        </p:spPr>
-        <p:style>
-          <a:lnRef idx="1">
-            <a:schemeClr val="accent4"/>
-          </a:lnRef>
-          <a:fillRef idx="3">
-            <a:schemeClr val="accent4"/>
-          </a:fillRef>
-          <a:effectRef idx="2">
-            <a:schemeClr val="accent4"/>
-          </a:effectRef>
-          <a:fontRef idx="minor">
-            <a:schemeClr val="lt1"/>
-          </a:fontRef>
-        </p:style>
-        <p:txBody>
-          <a:bodyPr rtlCol="0" anchor="ctr"/>
-          <a:lstStyle/>
-          <a:p>
-            <a:pPr algn="ctr"/>
-            <a:endParaRPr lang="en-US"/>
-          </a:p>
-        </p:txBody>
-      </p:sp>
       <p:pic>
         <p:nvPicPr>
-          <p:cNvPr id="15" name="Obraz 14">
+          <p:cNvPr id="11" name="Obraz 10">
             <a:extLst>
               <a:ext uri="{FF2B5EF4-FFF2-40B4-BE49-F238E27FC236}">
-                <a16:creationId xmlns:a16="http://schemas.microsoft.com/office/drawing/2014/main" id="{BA7D5CCD-379D-4BC2-8333-992C970C42C6}"/>
+                <a16:creationId xmlns:a16="http://schemas.microsoft.com/office/drawing/2014/main" id="{58ACA8FE-54DD-4B85-8CBE-7155735373F2}"/>
               </a:ext>
             </a:extLst>
           </p:cNvPr>
@@ -26572,7 +26380,7 @@
           <p:nvPr/>
         </p:nvPicPr>
         <p:blipFill>
-          <a:blip r:embed="rId3" cstate="print">
+          <a:blip r:embed="rId2" cstate="print">
             <a:extLst>
               <a:ext uri="{28A0092B-C50C-407E-A947-70E740481C1C}">
                 <a14:useLocalDpi xmlns:a14="http://schemas.microsoft.com/office/drawing/2010/main" val="0"/>
@@ -26585,8 +26393,8 @@
         </p:blipFill>
         <p:spPr>
           <a:xfrm>
-            <a:off x="3378616" y="2842621"/>
-            <a:ext cx="4359007" cy="3402068"/>
+            <a:off x="11074276" y="3365433"/>
+            <a:ext cx="882901" cy="882901"/>
           </a:xfrm>
           <a:prstGeom prst="rect">
             <a:avLst/>
@@ -26596,7 +26404,7 @@
     </p:spTree>
     <p:extLst>
       <p:ext uri="{BB962C8B-B14F-4D97-AF65-F5344CB8AC3E}">
-        <p14:creationId xmlns:p14="http://schemas.microsoft.com/office/powerpoint/2010/main" val="1698927392"/>
+        <p14:creationId xmlns:p14="http://schemas.microsoft.com/office/powerpoint/2010/main" val="2818338517"/>
       </p:ext>
     </p:extLst>
   </p:cSld>
@@ -26973,6 +26781,1101 @@
 </file>
 
 <file path=ppt/slides/slide30.xml><?xml version="1.0" encoding="utf-8"?>
+<p:sld xmlns:a="http://schemas.openxmlformats.org/drawingml/2006/main" xmlns:r="http://schemas.openxmlformats.org/officeDocument/2006/relationships" xmlns:p="http://schemas.openxmlformats.org/presentationml/2006/main">
+  <p:cSld>
+    <p:spTree>
+      <p:nvGrpSpPr>
+        <p:cNvPr id="1" name=""/>
+        <p:cNvGrpSpPr/>
+        <p:nvPr/>
+      </p:nvGrpSpPr>
+      <p:grpSpPr>
+        <a:xfrm>
+          <a:off x="0" y="0"/>
+          <a:ext cx="0" cy="0"/>
+          <a:chOff x="0" y="0"/>
+          <a:chExt cx="0" cy="0"/>
+        </a:xfrm>
+      </p:grpSpPr>
+      <p:pic>
+        <p:nvPicPr>
+          <p:cNvPr id="12" name="Obraz 11">
+            <a:extLst>
+              <a:ext uri="{FF2B5EF4-FFF2-40B4-BE49-F238E27FC236}">
+                <a16:creationId xmlns:a16="http://schemas.microsoft.com/office/drawing/2014/main" id="{FCB538D8-A237-4127-8698-9B53DBB9B58C}"/>
+              </a:ext>
+            </a:extLst>
+          </p:cNvPr>
+          <p:cNvPicPr>
+            <a:picLocks noChangeAspect="1"/>
+          </p:cNvPicPr>
+          <p:nvPr/>
+        </p:nvPicPr>
+        <p:blipFill>
+          <a:blip r:embed="rId2" cstate="print">
+            <a:extLst>
+              <a:ext uri="{28A0092B-C50C-407E-A947-70E740481C1C}">
+                <a14:useLocalDpi xmlns:a14="http://schemas.microsoft.com/office/drawing/2010/main" val="0"/>
+              </a:ext>
+            </a:extLst>
+          </a:blip>
+          <a:stretch>
+            <a:fillRect/>
+          </a:stretch>
+        </p:blipFill>
+        <p:spPr>
+          <a:xfrm>
+            <a:off x="3974441" y="2788888"/>
+            <a:ext cx="1280223" cy="1280223"/>
+          </a:xfrm>
+          <a:prstGeom prst="rect">
+            <a:avLst/>
+          </a:prstGeom>
+        </p:spPr>
+      </p:pic>
+      <p:pic>
+        <p:nvPicPr>
+          <p:cNvPr id="13" name="Obraz 12">
+            <a:extLst>
+              <a:ext uri="{FF2B5EF4-FFF2-40B4-BE49-F238E27FC236}">
+                <a16:creationId xmlns:a16="http://schemas.microsoft.com/office/drawing/2014/main" id="{05045F79-369B-452E-BEBA-0B0942962996}"/>
+              </a:ext>
+            </a:extLst>
+          </p:cNvPr>
+          <p:cNvPicPr>
+            <a:picLocks noChangeAspect="1"/>
+          </p:cNvPicPr>
+          <p:nvPr/>
+        </p:nvPicPr>
+        <p:blipFill>
+          <a:blip r:embed="rId2" cstate="print">
+            <a:duotone>
+              <a:schemeClr val="accent6">
+                <a:shade val="45000"/>
+                <a:satMod val="135000"/>
+              </a:schemeClr>
+              <a:prstClr val="white"/>
+            </a:duotone>
+            <a:extLst>
+              <a:ext uri="{28A0092B-C50C-407E-A947-70E740481C1C}">
+                <a14:useLocalDpi xmlns:a14="http://schemas.microsoft.com/office/drawing/2010/main" val="0"/>
+              </a:ext>
+            </a:extLst>
+          </a:blip>
+          <a:stretch>
+            <a:fillRect/>
+          </a:stretch>
+        </p:blipFill>
+        <p:spPr>
+          <a:xfrm>
+            <a:off x="6937338" y="2788887"/>
+            <a:ext cx="1280223" cy="1280223"/>
+          </a:xfrm>
+          <a:prstGeom prst="rect">
+            <a:avLst/>
+          </a:prstGeom>
+        </p:spPr>
+      </p:pic>
+      <p:pic>
+        <p:nvPicPr>
+          <p:cNvPr id="14" name="Obraz 13">
+            <a:extLst>
+              <a:ext uri="{FF2B5EF4-FFF2-40B4-BE49-F238E27FC236}">
+                <a16:creationId xmlns:a16="http://schemas.microsoft.com/office/drawing/2014/main" id="{3633BFF5-0616-4439-800C-27C1CCD0ADFA}"/>
+              </a:ext>
+            </a:extLst>
+          </p:cNvPr>
+          <p:cNvPicPr>
+            <a:picLocks noChangeAspect="1"/>
+          </p:cNvPicPr>
+          <p:nvPr/>
+        </p:nvPicPr>
+        <p:blipFill>
+          <a:blip r:embed="rId3" cstate="print">
+            <a:duotone>
+              <a:schemeClr val="accent3">
+                <a:shade val="45000"/>
+                <a:satMod val="135000"/>
+              </a:schemeClr>
+              <a:prstClr val="white"/>
+            </a:duotone>
+            <a:extLst>
+              <a:ext uri="{28A0092B-C50C-407E-A947-70E740481C1C}">
+                <a14:useLocalDpi xmlns:a14="http://schemas.microsoft.com/office/drawing/2010/main" val="0"/>
+              </a:ext>
+            </a:extLst>
+          </a:blip>
+          <a:stretch>
+            <a:fillRect/>
+          </a:stretch>
+        </p:blipFill>
+        <p:spPr>
+          <a:xfrm>
+            <a:off x="5654549" y="2987547"/>
+            <a:ext cx="882901" cy="882901"/>
+          </a:xfrm>
+          <a:prstGeom prst="rect">
+            <a:avLst/>
+          </a:prstGeom>
+        </p:spPr>
+      </p:pic>
+    </p:spTree>
+    <p:extLst>
+      <p:ext uri="{BB962C8B-B14F-4D97-AF65-F5344CB8AC3E}">
+        <p14:creationId xmlns:p14="http://schemas.microsoft.com/office/powerpoint/2010/main" val="3253904549"/>
+      </p:ext>
+    </p:extLst>
+  </p:cSld>
+  <p:clrMapOvr>
+    <a:masterClrMapping/>
+  </p:clrMapOvr>
+</p:sld>
+</file>
+
+<file path=ppt/slides/slide31.xml><?xml version="1.0" encoding="utf-8"?>
+<p:sld xmlns:a="http://schemas.openxmlformats.org/drawingml/2006/main" xmlns:r="http://schemas.openxmlformats.org/officeDocument/2006/relationships" xmlns:p="http://schemas.openxmlformats.org/presentationml/2006/main">
+  <p:cSld>
+    <p:spTree>
+      <p:nvGrpSpPr>
+        <p:cNvPr id="1" name=""/>
+        <p:cNvGrpSpPr/>
+        <p:nvPr/>
+      </p:nvGrpSpPr>
+      <p:grpSpPr>
+        <a:xfrm>
+          <a:off x="0" y="0"/>
+          <a:ext cx="0" cy="0"/>
+          <a:chOff x="0" y="0"/>
+          <a:chExt cx="0" cy="0"/>
+        </a:xfrm>
+      </p:grpSpPr>
+      <p:pic>
+        <p:nvPicPr>
+          <p:cNvPr id="12" name="Obraz 11">
+            <a:extLst>
+              <a:ext uri="{FF2B5EF4-FFF2-40B4-BE49-F238E27FC236}">
+                <a16:creationId xmlns:a16="http://schemas.microsoft.com/office/drawing/2014/main" id="{FCB538D8-A237-4127-8698-9B53DBB9B58C}"/>
+              </a:ext>
+            </a:extLst>
+          </p:cNvPr>
+          <p:cNvPicPr>
+            <a:picLocks noChangeAspect="1"/>
+          </p:cNvPicPr>
+          <p:nvPr/>
+        </p:nvPicPr>
+        <p:blipFill>
+          <a:blip r:embed="rId2" cstate="print">
+            <a:extLst>
+              <a:ext uri="{28A0092B-C50C-407E-A947-70E740481C1C}">
+                <a14:useLocalDpi xmlns:a14="http://schemas.microsoft.com/office/drawing/2010/main" val="0"/>
+              </a:ext>
+            </a:extLst>
+          </a:blip>
+          <a:stretch>
+            <a:fillRect/>
+          </a:stretch>
+        </p:blipFill>
+        <p:spPr>
+          <a:xfrm>
+            <a:off x="3324583" y="4473916"/>
+            <a:ext cx="1280223" cy="1280223"/>
+          </a:xfrm>
+          <a:prstGeom prst="rect">
+            <a:avLst/>
+          </a:prstGeom>
+        </p:spPr>
+      </p:pic>
+      <p:pic>
+        <p:nvPicPr>
+          <p:cNvPr id="13" name="Obraz 12">
+            <a:extLst>
+              <a:ext uri="{FF2B5EF4-FFF2-40B4-BE49-F238E27FC236}">
+                <a16:creationId xmlns:a16="http://schemas.microsoft.com/office/drawing/2014/main" id="{05045F79-369B-452E-BEBA-0B0942962996}"/>
+              </a:ext>
+            </a:extLst>
+          </p:cNvPr>
+          <p:cNvPicPr>
+            <a:picLocks noChangeAspect="1"/>
+          </p:cNvPicPr>
+          <p:nvPr/>
+        </p:nvPicPr>
+        <p:blipFill>
+          <a:blip r:embed="rId2" cstate="print">
+            <a:duotone>
+              <a:schemeClr val="accent6">
+                <a:shade val="45000"/>
+                <a:satMod val="135000"/>
+              </a:schemeClr>
+              <a:prstClr val="white"/>
+            </a:duotone>
+            <a:extLst>
+              <a:ext uri="{28A0092B-C50C-407E-A947-70E740481C1C}">
+                <a14:useLocalDpi xmlns:a14="http://schemas.microsoft.com/office/drawing/2010/main" val="0"/>
+              </a:ext>
+            </a:extLst>
+          </a:blip>
+          <a:stretch>
+            <a:fillRect/>
+          </a:stretch>
+        </p:blipFill>
+        <p:spPr>
+          <a:xfrm>
+            <a:off x="5455888" y="2050021"/>
+            <a:ext cx="1280223" cy="1280223"/>
+          </a:xfrm>
+          <a:prstGeom prst="rect">
+            <a:avLst/>
+          </a:prstGeom>
+        </p:spPr>
+      </p:pic>
+      <p:pic>
+        <p:nvPicPr>
+          <p:cNvPr id="14" name="Obraz 13">
+            <a:extLst>
+              <a:ext uri="{FF2B5EF4-FFF2-40B4-BE49-F238E27FC236}">
+                <a16:creationId xmlns:a16="http://schemas.microsoft.com/office/drawing/2014/main" id="{3633BFF5-0616-4439-800C-27C1CCD0ADFA}"/>
+              </a:ext>
+            </a:extLst>
+          </p:cNvPr>
+          <p:cNvPicPr>
+            <a:picLocks noChangeAspect="1"/>
+          </p:cNvPicPr>
+          <p:nvPr/>
+        </p:nvPicPr>
+        <p:blipFill>
+          <a:blip r:embed="rId3" cstate="print">
+            <a:duotone>
+              <a:schemeClr val="accent3">
+                <a:shade val="45000"/>
+                <a:satMod val="135000"/>
+              </a:schemeClr>
+              <a:prstClr val="white"/>
+            </a:duotone>
+            <a:extLst>
+              <a:ext uri="{28A0092B-C50C-407E-A947-70E740481C1C}">
+                <a14:useLocalDpi xmlns:a14="http://schemas.microsoft.com/office/drawing/2010/main" val="0"/>
+              </a:ext>
+            </a:extLst>
+          </a:blip>
+          <a:stretch>
+            <a:fillRect/>
+          </a:stretch>
+        </p:blipFill>
+        <p:spPr>
+          <a:xfrm>
+            <a:off x="3523243" y="3429000"/>
+            <a:ext cx="882901" cy="882901"/>
+          </a:xfrm>
+          <a:prstGeom prst="rect">
+            <a:avLst/>
+          </a:prstGeom>
+        </p:spPr>
+      </p:pic>
+      <p:pic>
+        <p:nvPicPr>
+          <p:cNvPr id="6" name="Obraz 5">
+            <a:extLst>
+              <a:ext uri="{FF2B5EF4-FFF2-40B4-BE49-F238E27FC236}">
+                <a16:creationId xmlns:a16="http://schemas.microsoft.com/office/drawing/2014/main" id="{93BE1C91-2A9B-4CAD-80D0-88186B7426D5}"/>
+              </a:ext>
+            </a:extLst>
+          </p:cNvPr>
+          <p:cNvPicPr>
+            <a:picLocks noChangeAspect="1"/>
+          </p:cNvPicPr>
+          <p:nvPr/>
+        </p:nvPicPr>
+        <p:blipFill>
+          <a:blip r:embed="rId2" cstate="print">
+            <a:extLst>
+              <a:ext uri="{28A0092B-C50C-407E-A947-70E740481C1C}">
+                <a14:useLocalDpi xmlns:a14="http://schemas.microsoft.com/office/drawing/2010/main" val="0"/>
+              </a:ext>
+            </a:extLst>
+          </a:blip>
+          <a:stretch>
+            <a:fillRect/>
+          </a:stretch>
+        </p:blipFill>
+        <p:spPr>
+          <a:xfrm>
+            <a:off x="7785858" y="4473916"/>
+            <a:ext cx="1280223" cy="1280223"/>
+          </a:xfrm>
+          <a:prstGeom prst="rect">
+            <a:avLst/>
+          </a:prstGeom>
+        </p:spPr>
+      </p:pic>
+      <p:pic>
+        <p:nvPicPr>
+          <p:cNvPr id="7" name="Obraz 6">
+            <a:extLst>
+              <a:ext uri="{FF2B5EF4-FFF2-40B4-BE49-F238E27FC236}">
+                <a16:creationId xmlns:a16="http://schemas.microsoft.com/office/drawing/2014/main" id="{E3150DF4-A70A-45E0-AAD1-552B9E19390F}"/>
+              </a:ext>
+            </a:extLst>
+          </p:cNvPr>
+          <p:cNvPicPr>
+            <a:picLocks noChangeAspect="1"/>
+          </p:cNvPicPr>
+          <p:nvPr/>
+        </p:nvPicPr>
+        <p:blipFill>
+          <a:blip r:embed="rId3" cstate="print">
+            <a:duotone>
+              <a:schemeClr val="accent3">
+                <a:shade val="45000"/>
+                <a:satMod val="135000"/>
+              </a:schemeClr>
+              <a:prstClr val="white"/>
+            </a:duotone>
+            <a:extLst>
+              <a:ext uri="{28A0092B-C50C-407E-A947-70E740481C1C}">
+                <a14:useLocalDpi xmlns:a14="http://schemas.microsoft.com/office/drawing/2010/main" val="0"/>
+              </a:ext>
+            </a:extLst>
+          </a:blip>
+          <a:stretch>
+            <a:fillRect/>
+          </a:stretch>
+        </p:blipFill>
+        <p:spPr>
+          <a:xfrm>
+            <a:off x="7984518" y="3429000"/>
+            <a:ext cx="882901" cy="882901"/>
+          </a:xfrm>
+          <a:prstGeom prst="rect">
+            <a:avLst/>
+          </a:prstGeom>
+        </p:spPr>
+      </p:pic>
+      <p:sp>
+        <p:nvSpPr>
+          <p:cNvPr id="2" name="Strzałka: wygięta 1">
+            <a:extLst>
+              <a:ext uri="{FF2B5EF4-FFF2-40B4-BE49-F238E27FC236}">
+                <a16:creationId xmlns:a16="http://schemas.microsoft.com/office/drawing/2014/main" id="{6685DFB1-B75C-4A03-996B-E792FBBD173B}"/>
+              </a:ext>
+            </a:extLst>
+          </p:cNvPr>
+          <p:cNvSpPr/>
+          <p:nvPr/>
+        </p:nvSpPr>
+        <p:spPr>
+          <a:xfrm>
+            <a:off x="3876137" y="2438400"/>
+            <a:ext cx="1535502" cy="730370"/>
+          </a:xfrm>
+          <a:prstGeom prst="bentArrow">
+            <a:avLst/>
+          </a:prstGeom>
+        </p:spPr>
+        <p:style>
+          <a:lnRef idx="1">
+            <a:schemeClr val="accent4"/>
+          </a:lnRef>
+          <a:fillRef idx="3">
+            <a:schemeClr val="accent4"/>
+          </a:fillRef>
+          <a:effectRef idx="2">
+            <a:schemeClr val="accent4"/>
+          </a:effectRef>
+          <a:fontRef idx="minor">
+            <a:schemeClr val="lt1"/>
+          </a:fontRef>
+        </p:style>
+        <p:txBody>
+          <a:bodyPr rtlCol="0" anchor="ctr"/>
+          <a:lstStyle/>
+          <a:p>
+            <a:pPr algn="ctr"/>
+            <a:endParaRPr lang="en-US">
+              <a:solidFill>
+                <a:schemeClr val="tx1"/>
+              </a:solidFill>
+            </a:endParaRPr>
+          </a:p>
+        </p:txBody>
+      </p:sp>
+      <p:sp>
+        <p:nvSpPr>
+          <p:cNvPr id="11" name="Strzałka: wygięta 10">
+            <a:extLst>
+              <a:ext uri="{FF2B5EF4-FFF2-40B4-BE49-F238E27FC236}">
+                <a16:creationId xmlns:a16="http://schemas.microsoft.com/office/drawing/2014/main" id="{49FB0928-0AB4-4192-9694-E572E405B429}"/>
+              </a:ext>
+            </a:extLst>
+          </p:cNvPr>
+          <p:cNvSpPr/>
+          <p:nvPr/>
+        </p:nvSpPr>
+        <p:spPr>
+          <a:xfrm rot="5400000">
+            <a:off x="7368865" y="2031970"/>
+            <a:ext cx="730369" cy="1739661"/>
+          </a:xfrm>
+          <a:prstGeom prst="bentArrow">
+            <a:avLst/>
+          </a:prstGeom>
+        </p:spPr>
+        <p:style>
+          <a:lnRef idx="1">
+            <a:schemeClr val="accent4"/>
+          </a:lnRef>
+          <a:fillRef idx="3">
+            <a:schemeClr val="accent4"/>
+          </a:fillRef>
+          <a:effectRef idx="2">
+            <a:schemeClr val="accent4"/>
+          </a:effectRef>
+          <a:fontRef idx="minor">
+            <a:schemeClr val="lt1"/>
+          </a:fontRef>
+        </p:style>
+        <p:txBody>
+          <a:bodyPr rtlCol="0" anchor="ctr"/>
+          <a:lstStyle/>
+          <a:p>
+            <a:pPr algn="ctr"/>
+            <a:endParaRPr lang="en-US">
+              <a:solidFill>
+                <a:schemeClr val="tx1"/>
+              </a:solidFill>
+            </a:endParaRPr>
+          </a:p>
+        </p:txBody>
+      </p:sp>
+    </p:spTree>
+    <p:extLst>
+      <p:ext uri="{BB962C8B-B14F-4D97-AF65-F5344CB8AC3E}">
+        <p14:creationId xmlns:p14="http://schemas.microsoft.com/office/powerpoint/2010/main" val="282086793"/>
+      </p:ext>
+    </p:extLst>
+  </p:cSld>
+  <p:clrMapOvr>
+    <a:masterClrMapping/>
+  </p:clrMapOvr>
+</p:sld>
+</file>
+
+<file path=ppt/slides/slide32.xml><?xml version="1.0" encoding="utf-8"?>
+<p:sld xmlns:a="http://schemas.openxmlformats.org/drawingml/2006/main" xmlns:r="http://schemas.openxmlformats.org/officeDocument/2006/relationships" xmlns:p="http://schemas.openxmlformats.org/presentationml/2006/main">
+  <p:cSld>
+    <p:spTree>
+      <p:nvGrpSpPr>
+        <p:cNvPr id="1" name=""/>
+        <p:cNvGrpSpPr/>
+        <p:nvPr/>
+      </p:nvGrpSpPr>
+      <p:grpSpPr>
+        <a:xfrm>
+          <a:off x="0" y="0"/>
+          <a:ext cx="0" cy="0"/>
+          <a:chOff x="0" y="0"/>
+          <a:chExt cx="0" cy="0"/>
+        </a:xfrm>
+      </p:grpSpPr>
+      <p:pic>
+        <p:nvPicPr>
+          <p:cNvPr id="2" name="Obraz 1">
+            <a:extLst>
+              <a:ext uri="{FF2B5EF4-FFF2-40B4-BE49-F238E27FC236}">
+                <a16:creationId xmlns:a16="http://schemas.microsoft.com/office/drawing/2014/main" id="{1C4CAC5E-7F44-4A28-B754-7D0C81C61499}"/>
+              </a:ext>
+            </a:extLst>
+          </p:cNvPr>
+          <p:cNvPicPr>
+            <a:picLocks noChangeAspect="1"/>
+          </p:cNvPicPr>
+          <p:nvPr/>
+        </p:nvPicPr>
+        <p:blipFill>
+          <a:blip r:embed="rId2" cstate="print">
+            <a:extLst>
+              <a:ext uri="{28A0092B-C50C-407E-A947-70E740481C1C}">
+                <a14:useLocalDpi xmlns:a14="http://schemas.microsoft.com/office/drawing/2010/main" val="0"/>
+              </a:ext>
+            </a:extLst>
+          </a:blip>
+          <a:stretch>
+            <a:fillRect/>
+          </a:stretch>
+        </p:blipFill>
+        <p:spPr>
+          <a:xfrm>
+            <a:off x="3831085" y="116459"/>
+            <a:ext cx="4136578" cy="3228469"/>
+          </a:xfrm>
+          <a:prstGeom prst="rect">
+            <a:avLst/>
+          </a:prstGeom>
+        </p:spPr>
+      </p:pic>
+      <p:pic>
+        <p:nvPicPr>
+          <p:cNvPr id="3" name="Obraz 2">
+            <a:extLst>
+              <a:ext uri="{FF2B5EF4-FFF2-40B4-BE49-F238E27FC236}">
+                <a16:creationId xmlns:a16="http://schemas.microsoft.com/office/drawing/2014/main" id="{97445ADF-F3FC-46DF-ACEF-7B934F6225CD}"/>
+              </a:ext>
+            </a:extLst>
+          </p:cNvPr>
+          <p:cNvPicPr>
+            <a:picLocks noChangeAspect="1"/>
+          </p:cNvPicPr>
+          <p:nvPr/>
+        </p:nvPicPr>
+        <p:blipFill>
+          <a:blip r:embed="rId3" cstate="print">
+            <a:extLst>
+              <a:ext uri="{28A0092B-C50C-407E-A947-70E740481C1C}">
+                <a14:useLocalDpi xmlns:a14="http://schemas.microsoft.com/office/drawing/2010/main" val="0"/>
+              </a:ext>
+            </a:extLst>
+          </a:blip>
+          <a:stretch>
+            <a:fillRect/>
+          </a:stretch>
+        </p:blipFill>
+        <p:spPr>
+          <a:xfrm>
+            <a:off x="5196695" y="5385945"/>
+            <a:ext cx="1417607" cy="1417607"/>
+          </a:xfrm>
+          <a:prstGeom prst="rect">
+            <a:avLst/>
+          </a:prstGeom>
+        </p:spPr>
+      </p:pic>
+      <p:pic>
+        <p:nvPicPr>
+          <p:cNvPr id="4" name="Obraz 3">
+            <a:extLst>
+              <a:ext uri="{FF2B5EF4-FFF2-40B4-BE49-F238E27FC236}">
+                <a16:creationId xmlns:a16="http://schemas.microsoft.com/office/drawing/2014/main" id="{573A8EA9-289A-41A5-9809-DA1CD08F9C16}"/>
+              </a:ext>
+            </a:extLst>
+          </p:cNvPr>
+          <p:cNvPicPr>
+            <a:picLocks noChangeAspect="1"/>
+          </p:cNvPicPr>
+          <p:nvPr/>
+        </p:nvPicPr>
+        <p:blipFill>
+          <a:blip r:embed="rId4" cstate="print">
+            <a:extLst>
+              <a:ext uri="{28A0092B-C50C-407E-A947-70E740481C1C}">
+                <a14:useLocalDpi xmlns:a14="http://schemas.microsoft.com/office/drawing/2010/main" val="0"/>
+              </a:ext>
+            </a:extLst>
+          </a:blip>
+          <a:stretch>
+            <a:fillRect/>
+          </a:stretch>
+        </p:blipFill>
+        <p:spPr>
+          <a:xfrm>
+            <a:off x="3640585" y="4091985"/>
+            <a:ext cx="882900" cy="882900"/>
+          </a:xfrm>
+          <a:prstGeom prst="rect">
+            <a:avLst/>
+          </a:prstGeom>
+        </p:spPr>
+      </p:pic>
+      <p:pic>
+        <p:nvPicPr>
+          <p:cNvPr id="5" name="Obraz 4">
+            <a:extLst>
+              <a:ext uri="{FF2B5EF4-FFF2-40B4-BE49-F238E27FC236}">
+                <a16:creationId xmlns:a16="http://schemas.microsoft.com/office/drawing/2014/main" id="{F2A538F6-7647-4582-AC7D-402CF67B2DFD}"/>
+              </a:ext>
+            </a:extLst>
+          </p:cNvPr>
+          <p:cNvPicPr>
+            <a:picLocks noChangeAspect="1"/>
+          </p:cNvPicPr>
+          <p:nvPr/>
+        </p:nvPicPr>
+        <p:blipFill>
+          <a:blip r:embed="rId4" cstate="print">
+            <a:extLst>
+              <a:ext uri="{28A0092B-C50C-407E-A947-70E740481C1C}">
+                <a14:useLocalDpi xmlns:a14="http://schemas.microsoft.com/office/drawing/2010/main" val="0"/>
+              </a:ext>
+            </a:extLst>
+          </a:blip>
+          <a:stretch>
+            <a:fillRect/>
+          </a:stretch>
+        </p:blipFill>
+        <p:spPr>
+          <a:xfrm>
+            <a:off x="7381573" y="4107866"/>
+            <a:ext cx="882900" cy="882900"/>
+          </a:xfrm>
+          <a:prstGeom prst="rect">
+            <a:avLst/>
+          </a:prstGeom>
+        </p:spPr>
+      </p:pic>
+      <p:pic>
+        <p:nvPicPr>
+          <p:cNvPr id="8" name="Obraz 7">
+            <a:extLst>
+              <a:ext uri="{FF2B5EF4-FFF2-40B4-BE49-F238E27FC236}">
+                <a16:creationId xmlns:a16="http://schemas.microsoft.com/office/drawing/2014/main" id="{57E6D973-80FB-4DC4-8791-03077C967D93}"/>
+              </a:ext>
+            </a:extLst>
+          </p:cNvPr>
+          <p:cNvPicPr>
+            <a:picLocks noChangeAspect="1"/>
+          </p:cNvPicPr>
+          <p:nvPr/>
+        </p:nvPicPr>
+        <p:blipFill>
+          <a:blip r:embed="rId5" cstate="print">
+            <a:extLst>
+              <a:ext uri="{28A0092B-C50C-407E-A947-70E740481C1C}">
+                <a14:useLocalDpi xmlns:a14="http://schemas.microsoft.com/office/drawing/2010/main" val="0"/>
+              </a:ext>
+            </a:extLst>
+          </a:blip>
+          <a:stretch>
+            <a:fillRect/>
+          </a:stretch>
+        </p:blipFill>
+        <p:spPr>
+          <a:xfrm>
+            <a:off x="5464049" y="3513073"/>
+            <a:ext cx="882901" cy="882901"/>
+          </a:xfrm>
+          <a:prstGeom prst="rect">
+            <a:avLst/>
+          </a:prstGeom>
+        </p:spPr>
+      </p:pic>
+      <p:pic>
+        <p:nvPicPr>
+          <p:cNvPr id="9" name="Obraz 8">
+            <a:extLst>
+              <a:ext uri="{FF2B5EF4-FFF2-40B4-BE49-F238E27FC236}">
+                <a16:creationId xmlns:a16="http://schemas.microsoft.com/office/drawing/2014/main" id="{EBF02AFF-F7C4-4107-8272-2F6A79D4DEA8}"/>
+              </a:ext>
+            </a:extLst>
+          </p:cNvPr>
+          <p:cNvPicPr>
+            <a:picLocks noChangeAspect="1"/>
+          </p:cNvPicPr>
+          <p:nvPr/>
+        </p:nvPicPr>
+        <p:blipFill>
+          <a:blip r:embed="rId5" cstate="print">
+            <a:extLst>
+              <a:ext uri="{28A0092B-C50C-407E-A947-70E740481C1C}">
+                <a14:useLocalDpi xmlns:a14="http://schemas.microsoft.com/office/drawing/2010/main" val="0"/>
+              </a:ext>
+            </a:extLst>
+          </a:blip>
+          <a:stretch>
+            <a:fillRect/>
+          </a:stretch>
+        </p:blipFill>
+        <p:spPr>
+          <a:xfrm>
+            <a:off x="4949339" y="4355587"/>
+            <a:ext cx="882901" cy="882901"/>
+          </a:xfrm>
+          <a:prstGeom prst="rect">
+            <a:avLst/>
+          </a:prstGeom>
+        </p:spPr>
+      </p:pic>
+      <p:pic>
+        <p:nvPicPr>
+          <p:cNvPr id="10" name="Obraz 9">
+            <a:extLst>
+              <a:ext uri="{FF2B5EF4-FFF2-40B4-BE49-F238E27FC236}">
+                <a16:creationId xmlns:a16="http://schemas.microsoft.com/office/drawing/2014/main" id="{DE656B03-0F2F-405F-B904-298B329500F8}"/>
+              </a:ext>
+            </a:extLst>
+          </p:cNvPr>
+          <p:cNvPicPr>
+            <a:picLocks noChangeAspect="1"/>
+          </p:cNvPicPr>
+          <p:nvPr/>
+        </p:nvPicPr>
+        <p:blipFill>
+          <a:blip r:embed="rId5" cstate="print">
+            <a:extLst>
+              <a:ext uri="{28A0092B-C50C-407E-A947-70E740481C1C}">
+                <a14:useLocalDpi xmlns:a14="http://schemas.microsoft.com/office/drawing/2010/main" val="0"/>
+              </a:ext>
+            </a:extLst>
+          </a:blip>
+          <a:stretch>
+            <a:fillRect/>
+          </a:stretch>
+        </p:blipFill>
+        <p:spPr>
+          <a:xfrm>
+            <a:off x="5978759" y="4355587"/>
+            <a:ext cx="882901" cy="882901"/>
+          </a:xfrm>
+          <a:prstGeom prst="rect">
+            <a:avLst/>
+          </a:prstGeom>
+        </p:spPr>
+      </p:pic>
+    </p:spTree>
+    <p:extLst>
+      <p:ext uri="{BB962C8B-B14F-4D97-AF65-F5344CB8AC3E}">
+        <p14:creationId xmlns:p14="http://schemas.microsoft.com/office/powerpoint/2010/main" val="3373854012"/>
+      </p:ext>
+    </p:extLst>
+  </p:cSld>
+  <p:clrMapOvr>
+    <a:masterClrMapping/>
+  </p:clrMapOvr>
+</p:sld>
+</file>
+
+<file path=ppt/slides/slide33.xml><?xml version="1.0" encoding="utf-8"?>
+<p:sld xmlns:a="http://schemas.openxmlformats.org/drawingml/2006/main" xmlns:r="http://schemas.openxmlformats.org/officeDocument/2006/relationships" xmlns:p="http://schemas.openxmlformats.org/presentationml/2006/main">
+  <p:cSld>
+    <p:spTree>
+      <p:nvGrpSpPr>
+        <p:cNvPr id="1" name=""/>
+        <p:cNvGrpSpPr/>
+        <p:nvPr/>
+      </p:nvGrpSpPr>
+      <p:grpSpPr>
+        <a:xfrm>
+          <a:off x="0" y="0"/>
+          <a:ext cx="0" cy="0"/>
+          <a:chOff x="0" y="0"/>
+          <a:chExt cx="0" cy="0"/>
+        </a:xfrm>
+      </p:grpSpPr>
+      <p:pic>
+        <p:nvPicPr>
+          <p:cNvPr id="5" name="Obraz 4">
+            <a:extLst>
+              <a:ext uri="{FF2B5EF4-FFF2-40B4-BE49-F238E27FC236}">
+                <a16:creationId xmlns:a16="http://schemas.microsoft.com/office/drawing/2014/main" id="{4B297FDE-7D64-411A-8136-14C5C403D581}"/>
+              </a:ext>
+            </a:extLst>
+          </p:cNvPr>
+          <p:cNvPicPr>
+            <a:picLocks noChangeAspect="1"/>
+          </p:cNvPicPr>
+          <p:nvPr/>
+        </p:nvPicPr>
+        <p:blipFill>
+          <a:blip r:embed="rId2" cstate="print">
+            <a:extLst>
+              <a:ext uri="{28A0092B-C50C-407E-A947-70E740481C1C}">
+                <a14:useLocalDpi xmlns:a14="http://schemas.microsoft.com/office/drawing/2010/main" val="0"/>
+              </a:ext>
+            </a:extLst>
+          </a:blip>
+          <a:stretch>
+            <a:fillRect/>
+          </a:stretch>
+        </p:blipFill>
+        <p:spPr>
+          <a:xfrm>
+            <a:off x="672860" y="2037047"/>
+            <a:ext cx="3456317" cy="1611148"/>
+          </a:xfrm>
+          <a:prstGeom prst="rect">
+            <a:avLst/>
+          </a:prstGeom>
+        </p:spPr>
+      </p:pic>
+      <p:pic>
+        <p:nvPicPr>
+          <p:cNvPr id="12" name="Obraz 11">
+            <a:extLst>
+              <a:ext uri="{FF2B5EF4-FFF2-40B4-BE49-F238E27FC236}">
+                <a16:creationId xmlns:a16="http://schemas.microsoft.com/office/drawing/2014/main" id="{A3B3F413-08A4-4EB8-BE1B-48F5C097EF4C}"/>
+              </a:ext>
+            </a:extLst>
+          </p:cNvPr>
+          <p:cNvPicPr>
+            <a:picLocks noChangeAspect="1"/>
+          </p:cNvPicPr>
+          <p:nvPr/>
+        </p:nvPicPr>
+        <p:blipFill>
+          <a:blip r:embed="rId3" cstate="print">
+            <a:extLst>
+              <a:ext uri="{28A0092B-C50C-407E-A947-70E740481C1C}">
+                <a14:useLocalDpi xmlns:a14="http://schemas.microsoft.com/office/drawing/2010/main" val="0"/>
+              </a:ext>
+            </a:extLst>
+          </a:blip>
+          <a:stretch>
+            <a:fillRect/>
+          </a:stretch>
+        </p:blipFill>
+        <p:spPr>
+          <a:xfrm>
+            <a:off x="221514" y="524369"/>
+            <a:ext cx="4359007" cy="3402068"/>
+          </a:xfrm>
+          <a:prstGeom prst="rect">
+            <a:avLst/>
+          </a:prstGeom>
+        </p:spPr>
+      </p:pic>
+      <p:pic>
+        <p:nvPicPr>
+          <p:cNvPr id="3" name="Obraz 2">
+            <a:extLst>
+              <a:ext uri="{FF2B5EF4-FFF2-40B4-BE49-F238E27FC236}">
+                <a16:creationId xmlns:a16="http://schemas.microsoft.com/office/drawing/2014/main" id="{093C6C7F-2F60-4421-B05F-A9925A01AF5F}"/>
+              </a:ext>
+            </a:extLst>
+          </p:cNvPr>
+          <p:cNvPicPr>
+            <a:picLocks noChangeAspect="1"/>
+          </p:cNvPicPr>
+          <p:nvPr/>
+        </p:nvPicPr>
+        <p:blipFill>
+          <a:blip r:embed="rId4" cstate="print">
+            <a:extLst>
+              <a:ext uri="{28A0092B-C50C-407E-A947-70E740481C1C}">
+                <a14:useLocalDpi xmlns:a14="http://schemas.microsoft.com/office/drawing/2010/main" val="0"/>
+              </a:ext>
+            </a:extLst>
+          </a:blip>
+          <a:stretch>
+            <a:fillRect/>
+          </a:stretch>
+        </p:blipFill>
+        <p:spPr>
+          <a:xfrm>
+            <a:off x="5083353" y="4014158"/>
+            <a:ext cx="2025293" cy="2044460"/>
+          </a:xfrm>
+          <a:prstGeom prst="rect">
+            <a:avLst/>
+          </a:prstGeom>
+        </p:spPr>
+      </p:pic>
+      <p:pic>
+        <p:nvPicPr>
+          <p:cNvPr id="8" name="Obraz 7">
+            <a:extLst>
+              <a:ext uri="{FF2B5EF4-FFF2-40B4-BE49-F238E27FC236}">
+                <a16:creationId xmlns:a16="http://schemas.microsoft.com/office/drawing/2014/main" id="{FB67C1C4-E8C8-4E0B-A1AA-74D549A87EFC}"/>
+              </a:ext>
+            </a:extLst>
+          </p:cNvPr>
+          <p:cNvPicPr>
+            <a:picLocks noChangeAspect="1"/>
+          </p:cNvPicPr>
+          <p:nvPr/>
+        </p:nvPicPr>
+        <p:blipFill>
+          <a:blip r:embed="rId5" cstate="print">
+            <a:extLst>
+              <a:ext uri="{28A0092B-C50C-407E-A947-70E740481C1C}">
+                <a14:useLocalDpi xmlns:a14="http://schemas.microsoft.com/office/drawing/2010/main" val="0"/>
+              </a:ext>
+            </a:extLst>
+          </a:blip>
+          <a:stretch>
+            <a:fillRect/>
+          </a:stretch>
+        </p:blipFill>
+        <p:spPr>
+          <a:xfrm>
+            <a:off x="8353963" y="1990995"/>
+            <a:ext cx="3093404" cy="1611148"/>
+          </a:xfrm>
+          <a:prstGeom prst="rect">
+            <a:avLst/>
+          </a:prstGeom>
+        </p:spPr>
+      </p:pic>
+      <p:sp>
+        <p:nvSpPr>
+          <p:cNvPr id="9" name="Strzałka: w lewo i w prawo 8">
+            <a:extLst>
+              <a:ext uri="{FF2B5EF4-FFF2-40B4-BE49-F238E27FC236}">
+                <a16:creationId xmlns:a16="http://schemas.microsoft.com/office/drawing/2014/main" id="{A4E11431-B54D-41F2-87E4-81F579468115}"/>
+              </a:ext>
+            </a:extLst>
+          </p:cNvPr>
+          <p:cNvSpPr/>
+          <p:nvPr/>
+        </p:nvSpPr>
+        <p:spPr>
+          <a:xfrm rot="2259722">
+            <a:off x="3999300" y="4097096"/>
+            <a:ext cx="1747985" cy="374904"/>
+          </a:xfrm>
+          <a:prstGeom prst="leftRightArrow">
+            <a:avLst/>
+          </a:prstGeom>
+        </p:spPr>
+        <p:style>
+          <a:lnRef idx="1">
+            <a:schemeClr val="accent4"/>
+          </a:lnRef>
+          <a:fillRef idx="3">
+            <a:schemeClr val="accent4"/>
+          </a:fillRef>
+          <a:effectRef idx="2">
+            <a:schemeClr val="accent4"/>
+          </a:effectRef>
+          <a:fontRef idx="minor">
+            <a:schemeClr val="lt1"/>
+          </a:fontRef>
+        </p:style>
+        <p:txBody>
+          <a:bodyPr rtlCol="0" anchor="ctr"/>
+          <a:lstStyle/>
+          <a:p>
+            <a:pPr algn="ctr"/>
+            <a:endParaRPr lang="en-US"/>
+          </a:p>
+        </p:txBody>
+      </p:sp>
+      <p:pic>
+        <p:nvPicPr>
+          <p:cNvPr id="14" name="Obraz 13">
+            <a:extLst>
+              <a:ext uri="{FF2B5EF4-FFF2-40B4-BE49-F238E27FC236}">
+                <a16:creationId xmlns:a16="http://schemas.microsoft.com/office/drawing/2014/main" id="{F519EBA6-0B3F-4DFB-9AD9-F0C0A259679F}"/>
+              </a:ext>
+            </a:extLst>
+          </p:cNvPr>
+          <p:cNvPicPr>
+            <a:picLocks noChangeAspect="1"/>
+          </p:cNvPicPr>
+          <p:nvPr/>
+        </p:nvPicPr>
+        <p:blipFill>
+          <a:blip r:embed="rId3" cstate="print">
+            <a:extLst>
+              <a:ext uri="{28A0092B-C50C-407E-A947-70E740481C1C}">
+                <a14:useLocalDpi xmlns:a14="http://schemas.microsoft.com/office/drawing/2010/main" val="0"/>
+              </a:ext>
+            </a:extLst>
+          </a:blip>
+          <a:stretch>
+            <a:fillRect/>
+          </a:stretch>
+        </p:blipFill>
+        <p:spPr>
+          <a:xfrm>
+            <a:off x="7648601" y="524369"/>
+            <a:ext cx="4359007" cy="3402068"/>
+          </a:xfrm>
+          <a:prstGeom prst="rect">
+            <a:avLst/>
+          </a:prstGeom>
+        </p:spPr>
+      </p:pic>
+      <p:sp>
+        <p:nvSpPr>
+          <p:cNvPr id="11" name="Strzałka: w lewo i w prawo 10">
+            <a:extLst>
+              <a:ext uri="{FF2B5EF4-FFF2-40B4-BE49-F238E27FC236}">
+                <a16:creationId xmlns:a16="http://schemas.microsoft.com/office/drawing/2014/main" id="{A8A01F0F-B4F7-434A-8298-75F87C010B96}"/>
+              </a:ext>
+            </a:extLst>
+          </p:cNvPr>
+          <p:cNvSpPr/>
+          <p:nvPr/>
+        </p:nvSpPr>
+        <p:spPr>
+          <a:xfrm rot="19340278" flipH="1">
+            <a:off x="6444715" y="4097097"/>
+            <a:ext cx="1747985" cy="374904"/>
+          </a:xfrm>
+          <a:prstGeom prst="leftRightArrow">
+            <a:avLst/>
+          </a:prstGeom>
+        </p:spPr>
+        <p:style>
+          <a:lnRef idx="1">
+            <a:schemeClr val="accent4"/>
+          </a:lnRef>
+          <a:fillRef idx="3">
+            <a:schemeClr val="accent4"/>
+          </a:fillRef>
+          <a:effectRef idx="2">
+            <a:schemeClr val="accent4"/>
+          </a:effectRef>
+          <a:fontRef idx="minor">
+            <a:schemeClr val="lt1"/>
+          </a:fontRef>
+        </p:style>
+        <p:txBody>
+          <a:bodyPr rtlCol="0" anchor="ctr"/>
+          <a:lstStyle/>
+          <a:p>
+            <a:pPr algn="ctr"/>
+            <a:endParaRPr lang="en-US"/>
+          </a:p>
+        </p:txBody>
+      </p:sp>
+      <p:pic>
+        <p:nvPicPr>
+          <p:cNvPr id="15" name="Obraz 14">
+            <a:extLst>
+              <a:ext uri="{FF2B5EF4-FFF2-40B4-BE49-F238E27FC236}">
+                <a16:creationId xmlns:a16="http://schemas.microsoft.com/office/drawing/2014/main" id="{BA7D5CCD-379D-4BC2-8333-992C970C42C6}"/>
+              </a:ext>
+            </a:extLst>
+          </p:cNvPr>
+          <p:cNvPicPr>
+            <a:picLocks noChangeAspect="1"/>
+          </p:cNvPicPr>
+          <p:nvPr/>
+        </p:nvPicPr>
+        <p:blipFill>
+          <a:blip r:embed="rId3" cstate="print">
+            <a:extLst>
+              <a:ext uri="{28A0092B-C50C-407E-A947-70E740481C1C}">
+                <a14:useLocalDpi xmlns:a14="http://schemas.microsoft.com/office/drawing/2010/main" val="0"/>
+              </a:ext>
+            </a:extLst>
+          </a:blip>
+          <a:stretch>
+            <a:fillRect/>
+          </a:stretch>
+        </p:blipFill>
+        <p:spPr>
+          <a:xfrm>
+            <a:off x="3378616" y="2842621"/>
+            <a:ext cx="4359007" cy="3402068"/>
+          </a:xfrm>
+          <a:prstGeom prst="rect">
+            <a:avLst/>
+          </a:prstGeom>
+        </p:spPr>
+      </p:pic>
+    </p:spTree>
+    <p:extLst>
+      <p:ext uri="{BB962C8B-B14F-4D97-AF65-F5344CB8AC3E}">
+        <p14:creationId xmlns:p14="http://schemas.microsoft.com/office/powerpoint/2010/main" val="1698927392"/>
+      </p:ext>
+    </p:extLst>
+  </p:cSld>
+  <p:clrMapOvr>
+    <a:masterClrMapping/>
+  </p:clrMapOvr>
+</p:sld>
+</file>
+
+<file path=ppt/slides/slide34.xml><?xml version="1.0" encoding="utf-8"?>
 <p:sld xmlns:a="http://schemas.openxmlformats.org/drawingml/2006/main" xmlns:r="http://schemas.openxmlformats.org/officeDocument/2006/relationships" xmlns:p="http://schemas.openxmlformats.org/presentationml/2006/main">
   <p:cSld>
     <p:spTree>

--- a/docs/images.pptx
+++ b/docs/images.pptx
@@ -5,7 +5,7 @@
     <p:sldMasterId id="2147483672" r:id="rId1"/>
   </p:sldMasterIdLst>
   <p:notesMasterIdLst>
-    <p:notesMasterId r:id="rId60"/>
+    <p:notesMasterId r:id="rId62"/>
   </p:notesMasterIdLst>
   <p:sldIdLst>
     <p:sldId id="314" r:id="rId2"/>
@@ -15,9 +15,9 @@
     <p:sldId id="316" r:id="rId6"/>
     <p:sldId id="354" r:id="rId7"/>
     <p:sldId id="317" r:id="rId8"/>
-    <p:sldId id="312" r:id="rId9"/>
-    <p:sldId id="352" r:id="rId10"/>
-    <p:sldId id="355" r:id="rId11"/>
+    <p:sldId id="352" r:id="rId9"/>
+    <p:sldId id="355" r:id="rId10"/>
+    <p:sldId id="373" r:id="rId11"/>
     <p:sldId id="283" r:id="rId12"/>
     <p:sldId id="347" r:id="rId13"/>
     <p:sldId id="318" r:id="rId14"/>
@@ -27,45 +27,47 @@
     <p:sldId id="323" r:id="rId18"/>
     <p:sldId id="322" r:id="rId19"/>
     <p:sldId id="340" r:id="rId20"/>
-    <p:sldId id="356" r:id="rId21"/>
-    <p:sldId id="367" r:id="rId22"/>
-    <p:sldId id="358" r:id="rId23"/>
-    <p:sldId id="368" r:id="rId24"/>
-    <p:sldId id="357" r:id="rId25"/>
-    <p:sldId id="369" r:id="rId26"/>
-    <p:sldId id="360" r:id="rId27"/>
-    <p:sldId id="362" r:id="rId28"/>
-    <p:sldId id="361" r:id="rId29"/>
-    <p:sldId id="370" r:id="rId30"/>
-    <p:sldId id="363" r:id="rId31"/>
-    <p:sldId id="364" r:id="rId32"/>
-    <p:sldId id="365" r:id="rId33"/>
-    <p:sldId id="366" r:id="rId34"/>
-    <p:sldId id="371" r:id="rId35"/>
-    <p:sldId id="319" r:id="rId36"/>
-    <p:sldId id="320" r:id="rId37"/>
-    <p:sldId id="324" r:id="rId38"/>
-    <p:sldId id="325" r:id="rId39"/>
-    <p:sldId id="329" r:id="rId40"/>
-    <p:sldId id="330" r:id="rId41"/>
-    <p:sldId id="331" r:id="rId42"/>
-    <p:sldId id="332" r:id="rId43"/>
-    <p:sldId id="333" r:id="rId44"/>
-    <p:sldId id="334" r:id="rId45"/>
-    <p:sldId id="339" r:id="rId46"/>
-    <p:sldId id="335" r:id="rId47"/>
-    <p:sldId id="336" r:id="rId48"/>
-    <p:sldId id="337" r:id="rId49"/>
-    <p:sldId id="338" r:id="rId50"/>
-    <p:sldId id="326" r:id="rId51"/>
-    <p:sldId id="343" r:id="rId52"/>
-    <p:sldId id="344" r:id="rId53"/>
-    <p:sldId id="346" r:id="rId54"/>
-    <p:sldId id="342" r:id="rId55"/>
-    <p:sldId id="350" r:id="rId56"/>
-    <p:sldId id="351" r:id="rId57"/>
-    <p:sldId id="327" r:id="rId58"/>
-    <p:sldId id="294" r:id="rId59"/>
+    <p:sldId id="374" r:id="rId21"/>
+    <p:sldId id="356" r:id="rId22"/>
+    <p:sldId id="367" r:id="rId23"/>
+    <p:sldId id="358" r:id="rId24"/>
+    <p:sldId id="368" r:id="rId25"/>
+    <p:sldId id="357" r:id="rId26"/>
+    <p:sldId id="369" r:id="rId27"/>
+    <p:sldId id="360" r:id="rId28"/>
+    <p:sldId id="362" r:id="rId29"/>
+    <p:sldId id="361" r:id="rId30"/>
+    <p:sldId id="370" r:id="rId31"/>
+    <p:sldId id="363" r:id="rId32"/>
+    <p:sldId id="364" r:id="rId33"/>
+    <p:sldId id="365" r:id="rId34"/>
+    <p:sldId id="366" r:id="rId35"/>
+    <p:sldId id="371" r:id="rId36"/>
+    <p:sldId id="372" r:id="rId37"/>
+    <p:sldId id="319" r:id="rId38"/>
+    <p:sldId id="320" r:id="rId39"/>
+    <p:sldId id="324" r:id="rId40"/>
+    <p:sldId id="325" r:id="rId41"/>
+    <p:sldId id="329" r:id="rId42"/>
+    <p:sldId id="330" r:id="rId43"/>
+    <p:sldId id="331" r:id="rId44"/>
+    <p:sldId id="332" r:id="rId45"/>
+    <p:sldId id="333" r:id="rId46"/>
+    <p:sldId id="334" r:id="rId47"/>
+    <p:sldId id="339" r:id="rId48"/>
+    <p:sldId id="335" r:id="rId49"/>
+    <p:sldId id="336" r:id="rId50"/>
+    <p:sldId id="337" r:id="rId51"/>
+    <p:sldId id="338" r:id="rId52"/>
+    <p:sldId id="326" r:id="rId53"/>
+    <p:sldId id="343" r:id="rId54"/>
+    <p:sldId id="344" r:id="rId55"/>
+    <p:sldId id="346" r:id="rId56"/>
+    <p:sldId id="342" r:id="rId57"/>
+    <p:sldId id="350" r:id="rId58"/>
+    <p:sldId id="351" r:id="rId59"/>
+    <p:sldId id="327" r:id="rId60"/>
+    <p:sldId id="294" r:id="rId61"/>
   </p:sldIdLst>
   <p:sldSz cx="12192000" cy="6858000"/>
   <p:notesSz cx="6858000" cy="9144000"/>
@@ -25866,16 +25868,16 @@
           <inkml:channelProperty channel="Y" name="resolution" value="1000" units="1/cm"/>
         </inkml:channelProperties>
       </inkml:inkSource>
-      <inkml:timestamp xml:id="ts0" timeString="2020-02-24T10:00:33.567"/>
+      <inkml:timestamp xml:id="ts0" timeString="2020-05-26T04:20:42.503"/>
     </inkml:context>
     <inkml:brush xml:id="br0">
-      <inkml:brushProperty name="width" value="0.2" units="cm"/>
-      <inkml:brushProperty name="height" value="0.2" units="cm"/>
+      <inkml:brushProperty name="width" value="0.35" units="cm"/>
+      <inkml:brushProperty name="height" value="0.35" units="cm"/>
       <inkml:brushProperty name="color" value="#E71224"/>
       <inkml:brushProperty name="ignorePressure" value="1"/>
     </inkml:brush>
   </inkml:definitions>
-  <inkml:trace contextRef="#ctx0" brushRef="#br0">3989 0,'-17'1,"0"0,0 2,0 0,0 0,-4 3,-82 29,43-13,-44 12,-1-5,-7-3,63-17,1-2,-2-2,1-3,0-1,-38-6,-37-11,44 5,0 4,-10 2,18 8,0 2,1 3,0 4,1 2,0 4,-45 18,19 1,1 4,3 3,1 5,-29 24,3 8,4 5,4 4,-59 67,125-112,2 1,2 3,2 1,2 2,-1 8,-54 106,6 7,46-92,-94 202,-10 21,76-168,-96 201,94-179,-3 29,54-135,2 0,3 0,-1 25,8-37,2 1,1 0,3 0,4 34,5-9,3-1,3-1,2 0,3-1,3-1,11 15,25 42,5-3,52 67,-63-104,4-3,41 40,-53-69,2-1,1-3,3-2,13 6,37 18,3-5,3-4,1-5,44 10,44 7,3-9,25-3,2-9,1-10,2-9,68-8,-103-16,0-9,-1-8,0-9,17-11,-130 16,0-3,-1-4,-1-3,-1-4,-2-3,-2-3,10-10,34-27,-4-4,-4-5,-3-5,-5-4,-3-5,46-62,-89 89,-4-1,-2-3,-4-1,34-78,-52 93,-4-2,-1-1,-4-1,-3 0,-2-1,4-61,-14 62,-3-1,-3 1,-3-1,-8-30,-15-59,-17-37,-3 18,-8 3,-62-129,84 226,-3 1,-4 2,-2 2,-3 2,-4 2,-53-55,30 46,-4 3,-2 3,-4 4,-1 3,-71-35,32 26,-73-26,132 68,-1 4,0 1,-2 4,-11 1,13 6,-11 2,23 6</inkml:trace>
+  <inkml:trace contextRef="#ctx0" brushRef="#br0">138 915,'68'60,"-67"-59,0 0,1-1,-1 1,0-1,0 1,0-1,1 1,-1-1,0 0,1 0,-1 0,0 0,0 0,1 0,-1 0,0 0,1 0,-1 0,0-1,0 1,1-1,-1 1,0-1,1 0,4-1,0-1,-1-1,1 1,1-3,6-5,-1-1,0-1,0 0,-1-1,-1 0,-1-1,4-7,14-20,-9 17,0 0,2 1,1 1,1 1,1 0,1 2,0 1,5-1,110-76,-50 33,81-43,-115 79,2 1,0 4,22-4,178-42,-148 48,26 1,92-17,145-34,-279 58,1 5,0 3,2 5,344 6,-298-8,-1 6,99 18,-207-17,-1 2,1 1,-2 1,0 2,0 1,15 10,113 47,-39-18,-102-43,0 1,-1 0,0 2,0 0,9 10,8 10,27 34,-39-43,1 0,1-1,1-2,18 11,110 64,-69-46,-64-36,0 1,-1 1,-1 1,-1 0,0 2,-1 0,7 10,18 31,28 54,-40-65,76 111,-11-16,-68-100,-2 1,7 22,64 186,-56-143,-8-22,-5 2,5 37,-20-68,-2 2,-3-1,-2 1,-4 16,-3-21,-3 0,-2-1,-3 0,-9 26,-75 210,51-165,7-22,-39 76,46-120,-2-1,-2-2,-27 31,-33 28,-5-4,-4-4,-32 18,84-82,-1-3,-3-2,-1-2,-1-3,-2-2,-2-3,0-3,-22 4,21-10,-1-3,-27 2,-131 13,109-16,-93 8,-157-5,112-18,-33-14,225 10,-50-4,0-4,-20-9,-385-104,456 105,0-1,1-4,-47-28,-15-17,-16-18,72 44,19 13,-1 1,-1 3,-44-20,57 34,-18-8,0-2,2-2,-5-6,39 22,1-1,0 0,0 0,1-1,1-1,0 0,0 0,2-1,-1-1,1 0,1 0,-4-10,-3-19,1 0,-5-30,6 21,-13-31,-40-72,38 97,4-2,-15-50,26 62,-47-163,48 169,1-2,3 1,-3-40,-8-67,-4-57,6-202,18 380,0 1,2 0,3-13,21-81,-3 22,-19 73,-4 15,1 0,1 0,0 0,1 1,0-1,1 1,0 0,3-5,-6 13,194-309,-189 299</inkml:trace>
 </inkml:ink>
 </file>
 
@@ -26042,7 +26044,7 @@
           <a:p>
             <a:fld id="{51DC06D7-47F4-42EE-97DE-5D2CE932B02E}" type="datetimeFigureOut">
               <a:rPr lang="en-US" smtClean="0"/>
-              <a:t>2/24/2020</a:t>
+              <a:t>5/25/2020</a:t>
             </a:fld>
             <a:endParaRPr lang="en-US"/>
           </a:p>
@@ -26493,119 +26495,7 @@
           <a:p>
             <a:fld id="{1ECF6A35-0BFF-42C8-8651-D2B5FB2BDBD4}" type="slidenum">
               <a:rPr lang="en-US" smtClean="0"/>
-              <a:t>35</a:t>
-            </a:fld>
-            <a:endParaRPr lang="en-US"/>
-          </a:p>
-        </p:txBody>
-      </p:sp>
-    </p:spTree>
-    <p:extLst>
-      <p:ext uri="{BB962C8B-B14F-4D97-AF65-F5344CB8AC3E}">
-        <p14:creationId xmlns:p14="http://schemas.microsoft.com/office/powerpoint/2010/main" val="2787354356"/>
-      </p:ext>
-    </p:extLst>
-  </p:cSld>
-  <p:clrMapOvr>
-    <a:masterClrMapping/>
-  </p:clrMapOvr>
-</p:notes>
-</file>
-
-<file path=ppt/notesSlides/notesSlide11.xml><?xml version="1.0" encoding="utf-8"?>
-<p:notes xmlns:a="http://schemas.openxmlformats.org/drawingml/2006/main" xmlns:r="http://schemas.openxmlformats.org/officeDocument/2006/relationships" xmlns:p="http://schemas.openxmlformats.org/presentationml/2006/main">
-  <p:cSld>
-    <p:spTree>
-      <p:nvGrpSpPr>
-        <p:cNvPr id="1" name=""/>
-        <p:cNvGrpSpPr/>
-        <p:nvPr/>
-      </p:nvGrpSpPr>
-      <p:grpSpPr>
-        <a:xfrm>
-          <a:off x="0" y="0"/>
-          <a:ext cx="0" cy="0"/>
-          <a:chOff x="0" y="0"/>
-          <a:chExt cx="0" cy="0"/>
-        </a:xfrm>
-      </p:grpSpPr>
-      <p:sp>
-        <p:nvSpPr>
-          <p:cNvPr id="2" name="Symbol zastępczy obrazu slajdu 1"/>
-          <p:cNvSpPr>
-            <a:spLocks noGrp="1" noRot="1" noChangeAspect="1"/>
-          </p:cNvSpPr>
-          <p:nvPr>
-            <p:ph type="sldImg"/>
-          </p:nvPr>
-        </p:nvSpPr>
-        <p:spPr/>
-      </p:sp>
-      <p:sp>
-        <p:nvSpPr>
-          <p:cNvPr id="3" name="Symbol zastępczy notatek 2"/>
-          <p:cNvSpPr>
-            <a:spLocks noGrp="1"/>
-          </p:cNvSpPr>
-          <p:nvPr>
-            <p:ph type="body" idx="1"/>
-          </p:nvPr>
-        </p:nvSpPr>
-        <p:spPr/>
-        <p:txBody>
-          <a:bodyPr/>
-          <a:lstStyle/>
-          <a:p>
-            <a:r>
-              <a:rPr lang="pl-PL" dirty="0" err="1"/>
-              <a:t>Azazon</a:t>
-            </a:r>
-            <a:r>
-              <a:rPr lang="pl-PL" baseline="0" dirty="0"/>
-              <a:t> FIFO </a:t>
-            </a:r>
-            <a:r>
-              <a:rPr lang="pl-PL" baseline="0" dirty="0" err="1"/>
-              <a:t>does</a:t>
-            </a:r>
-            <a:r>
-              <a:rPr lang="pl-PL" baseline="0" dirty="0"/>
-              <a:t> </a:t>
-            </a:r>
-            <a:r>
-              <a:rPr lang="pl-PL" baseline="0" dirty="0" err="1"/>
-              <a:t>it</a:t>
-            </a:r>
-            <a:r>
-              <a:rPr lang="pl-PL" baseline="0" dirty="0"/>
-              <a:t> </a:t>
-            </a:r>
-            <a:r>
-              <a:rPr lang="pl-PL" baseline="0" dirty="0" err="1"/>
-              <a:t>wrong</a:t>
-            </a:r>
-            <a:endParaRPr lang="en-US" dirty="0"/>
-          </a:p>
-        </p:txBody>
-      </p:sp>
-      <p:sp>
-        <p:nvSpPr>
-          <p:cNvPr id="4" name="Symbol zastępczy numeru slajdu 3"/>
-          <p:cNvSpPr>
-            <a:spLocks noGrp="1"/>
-          </p:cNvSpPr>
-          <p:nvPr>
-            <p:ph type="sldNum" sz="quarter" idx="10"/>
-          </p:nvPr>
-        </p:nvSpPr>
-        <p:spPr/>
-        <p:txBody>
-          <a:bodyPr/>
-          <a:lstStyle/>
-          <a:p>
-            <a:fld id="{1ECF6A35-0BFF-42C8-8651-D2B5FB2BDBD4}" type="slidenum">
-              <a:rPr lang="en-US" smtClean="0"/>
-              <a:t>36</a:t>
+              <a:t>38</a:t>
             </a:fld>
             <a:endParaRPr lang="en-US"/>
           </a:p>
@@ -26861,96 +26751,6 @@
           <a:lstStyle/>
           <a:p>
             <a:r>
-              <a:rPr lang="pl-PL" dirty="0"/>
-              <a:t>Component design</a:t>
-            </a:r>
-          </a:p>
-          <a:p>
-            <a:endParaRPr lang="en-US" dirty="0"/>
-          </a:p>
-        </p:txBody>
-      </p:sp>
-      <p:sp>
-        <p:nvSpPr>
-          <p:cNvPr id="4" name="Symbol zastępczy numeru slajdu 3"/>
-          <p:cNvSpPr>
-            <a:spLocks noGrp="1"/>
-          </p:cNvSpPr>
-          <p:nvPr>
-            <p:ph type="sldNum" sz="quarter" idx="5"/>
-          </p:nvPr>
-        </p:nvSpPr>
-        <p:spPr/>
-        <p:txBody>
-          <a:bodyPr/>
-          <a:lstStyle/>
-          <a:p>
-            <a:fld id="{1ECF6A35-0BFF-42C8-8651-D2B5FB2BDBD4}" type="slidenum">
-              <a:rPr lang="en-US" smtClean="0"/>
-              <a:t>8</a:t>
-            </a:fld>
-            <a:endParaRPr lang="en-US"/>
-          </a:p>
-        </p:txBody>
-      </p:sp>
-    </p:spTree>
-    <p:extLst>
-      <p:ext uri="{BB962C8B-B14F-4D97-AF65-F5344CB8AC3E}">
-        <p14:creationId xmlns:p14="http://schemas.microsoft.com/office/powerpoint/2010/main" val="1332260639"/>
-      </p:ext>
-    </p:extLst>
-  </p:cSld>
-  <p:clrMapOvr>
-    <a:masterClrMapping/>
-  </p:clrMapOvr>
-</p:notes>
-</file>
-
-<file path=ppt/notesSlides/notesSlide5.xml><?xml version="1.0" encoding="utf-8"?>
-<p:notes xmlns:a="http://schemas.openxmlformats.org/drawingml/2006/main" xmlns:r="http://schemas.openxmlformats.org/officeDocument/2006/relationships" xmlns:p="http://schemas.openxmlformats.org/presentationml/2006/main">
-  <p:cSld>
-    <p:spTree>
-      <p:nvGrpSpPr>
-        <p:cNvPr id="1" name=""/>
-        <p:cNvGrpSpPr/>
-        <p:nvPr/>
-      </p:nvGrpSpPr>
-      <p:grpSpPr>
-        <a:xfrm>
-          <a:off x="0" y="0"/>
-          <a:ext cx="0" cy="0"/>
-          <a:chOff x="0" y="0"/>
-          <a:chExt cx="0" cy="0"/>
-        </a:xfrm>
-      </p:grpSpPr>
-      <p:sp>
-        <p:nvSpPr>
-          <p:cNvPr id="2" name="Symbol zastępczy obrazu slajdu 1"/>
-          <p:cNvSpPr>
-            <a:spLocks noGrp="1" noRot="1" noChangeAspect="1"/>
-          </p:cNvSpPr>
-          <p:nvPr>
-            <p:ph type="sldImg"/>
-          </p:nvPr>
-        </p:nvSpPr>
-        <p:spPr/>
-      </p:sp>
-      <p:sp>
-        <p:nvSpPr>
-          <p:cNvPr id="3" name="Symbol zastępczy notatek 2"/>
-          <p:cNvSpPr>
-            <a:spLocks noGrp="1"/>
-          </p:cNvSpPr>
-          <p:nvPr>
-            <p:ph type="body" idx="1"/>
-          </p:nvPr>
-        </p:nvSpPr>
-        <p:spPr/>
-        <p:txBody>
-          <a:bodyPr/>
-          <a:lstStyle/>
-          <a:p>
-            <a:r>
               <a:rPr lang="pl-PL" dirty="0" err="1"/>
               <a:t>Azazon</a:t>
             </a:r>
@@ -27018,7 +26818,7 @@
 </p:notes>
 </file>
 
-<file path=ppt/notesSlides/notesSlide6.xml><?xml version="1.0" encoding="utf-8"?>
+<file path=ppt/notesSlides/notesSlide5.xml><?xml version="1.0" encoding="utf-8"?>
 <p:notes xmlns:a="http://schemas.openxmlformats.org/drawingml/2006/main" xmlns:r="http://schemas.openxmlformats.org/officeDocument/2006/relationships" xmlns:p="http://schemas.openxmlformats.org/presentationml/2006/main">
   <p:cSld>
     <p:spTree>
@@ -27130,7 +26930,7 @@
 </p:notes>
 </file>
 
-<file path=ppt/notesSlides/notesSlide7.xml><?xml version="1.0" encoding="utf-8"?>
+<file path=ppt/notesSlides/notesSlide6.xml><?xml version="1.0" encoding="utf-8"?>
 <p:notes xmlns:a="http://schemas.openxmlformats.org/drawingml/2006/main" xmlns:r="http://schemas.openxmlformats.org/officeDocument/2006/relationships" xmlns:p="http://schemas.openxmlformats.org/presentationml/2006/main">
   <p:cSld>
     <p:spTree>
@@ -27242,7 +27042,7 @@
 </p:notes>
 </file>
 
-<file path=ppt/notesSlides/notesSlide8.xml><?xml version="1.0" encoding="utf-8"?>
+<file path=ppt/notesSlides/notesSlide7.xml><?xml version="1.0" encoding="utf-8"?>
 <p:notes xmlns:a="http://schemas.openxmlformats.org/drawingml/2006/main" xmlns:r="http://schemas.openxmlformats.org/officeDocument/2006/relationships" xmlns:p="http://schemas.openxmlformats.org/presentationml/2006/main">
   <p:cSld>
     <p:spTree>
@@ -27354,7 +27154,7 @@
 </p:notes>
 </file>
 
-<file path=ppt/notesSlides/notesSlide9.xml><?xml version="1.0" encoding="utf-8"?>
+<file path=ppt/notesSlides/notesSlide8.xml><?xml version="1.0" encoding="utf-8"?>
 <p:notes xmlns:a="http://schemas.openxmlformats.org/drawingml/2006/main" xmlns:r="http://schemas.openxmlformats.org/officeDocument/2006/relationships" xmlns:p="http://schemas.openxmlformats.org/presentationml/2006/main">
   <p:cSld>
     <p:spTree>
@@ -27457,6 +27257,118 @@
     <p:extLst>
       <p:ext uri="{BB962C8B-B14F-4D97-AF65-F5344CB8AC3E}">
         <p14:creationId xmlns:p14="http://schemas.microsoft.com/office/powerpoint/2010/main" val="2490224353"/>
+      </p:ext>
+    </p:extLst>
+  </p:cSld>
+  <p:clrMapOvr>
+    <a:masterClrMapping/>
+  </p:clrMapOvr>
+</p:notes>
+</file>
+
+<file path=ppt/notesSlides/notesSlide9.xml><?xml version="1.0" encoding="utf-8"?>
+<p:notes xmlns:a="http://schemas.openxmlformats.org/drawingml/2006/main" xmlns:r="http://schemas.openxmlformats.org/officeDocument/2006/relationships" xmlns:p="http://schemas.openxmlformats.org/presentationml/2006/main">
+  <p:cSld>
+    <p:spTree>
+      <p:nvGrpSpPr>
+        <p:cNvPr id="1" name=""/>
+        <p:cNvGrpSpPr/>
+        <p:nvPr/>
+      </p:nvGrpSpPr>
+      <p:grpSpPr>
+        <a:xfrm>
+          <a:off x="0" y="0"/>
+          <a:ext cx="0" cy="0"/>
+          <a:chOff x="0" y="0"/>
+          <a:chExt cx="0" cy="0"/>
+        </a:xfrm>
+      </p:grpSpPr>
+      <p:sp>
+        <p:nvSpPr>
+          <p:cNvPr id="2" name="Symbol zastępczy obrazu slajdu 1"/>
+          <p:cNvSpPr>
+            <a:spLocks noGrp="1" noRot="1" noChangeAspect="1"/>
+          </p:cNvSpPr>
+          <p:nvPr>
+            <p:ph type="sldImg"/>
+          </p:nvPr>
+        </p:nvSpPr>
+        <p:spPr/>
+      </p:sp>
+      <p:sp>
+        <p:nvSpPr>
+          <p:cNvPr id="3" name="Symbol zastępczy notatek 2"/>
+          <p:cNvSpPr>
+            <a:spLocks noGrp="1"/>
+          </p:cNvSpPr>
+          <p:nvPr>
+            <p:ph type="body" idx="1"/>
+          </p:nvPr>
+        </p:nvSpPr>
+        <p:spPr/>
+        <p:txBody>
+          <a:bodyPr/>
+          <a:lstStyle/>
+          <a:p>
+            <a:r>
+              <a:rPr lang="pl-PL" dirty="0" err="1"/>
+              <a:t>Azazon</a:t>
+            </a:r>
+            <a:r>
+              <a:rPr lang="pl-PL" baseline="0" dirty="0"/>
+              <a:t> FIFO </a:t>
+            </a:r>
+            <a:r>
+              <a:rPr lang="pl-PL" baseline="0" dirty="0" err="1"/>
+              <a:t>does</a:t>
+            </a:r>
+            <a:r>
+              <a:rPr lang="pl-PL" baseline="0" dirty="0"/>
+              <a:t> </a:t>
+            </a:r>
+            <a:r>
+              <a:rPr lang="pl-PL" baseline="0" dirty="0" err="1"/>
+              <a:t>it</a:t>
+            </a:r>
+            <a:r>
+              <a:rPr lang="pl-PL" baseline="0" dirty="0"/>
+              <a:t> </a:t>
+            </a:r>
+            <a:r>
+              <a:rPr lang="pl-PL" baseline="0" dirty="0" err="1"/>
+              <a:t>wrong</a:t>
+            </a:r>
+            <a:endParaRPr lang="en-US" dirty="0"/>
+          </a:p>
+        </p:txBody>
+      </p:sp>
+      <p:sp>
+        <p:nvSpPr>
+          <p:cNvPr id="4" name="Symbol zastępczy numeru slajdu 3"/>
+          <p:cNvSpPr>
+            <a:spLocks noGrp="1"/>
+          </p:cNvSpPr>
+          <p:nvPr>
+            <p:ph type="sldNum" sz="quarter" idx="10"/>
+          </p:nvPr>
+        </p:nvSpPr>
+        <p:spPr/>
+        <p:txBody>
+          <a:bodyPr/>
+          <a:lstStyle/>
+          <a:p>
+            <a:fld id="{1ECF6A35-0BFF-42C8-8651-D2B5FB2BDBD4}" type="slidenum">
+              <a:rPr lang="en-US" smtClean="0"/>
+              <a:t>37</a:t>
+            </a:fld>
+            <a:endParaRPr lang="en-US"/>
+          </a:p>
+        </p:txBody>
+      </p:sp>
+    </p:spTree>
+    <p:extLst>
+      <p:ext uri="{BB962C8B-B14F-4D97-AF65-F5344CB8AC3E}">
+        <p14:creationId xmlns:p14="http://schemas.microsoft.com/office/powerpoint/2010/main" val="2787354356"/>
       </p:ext>
     </p:extLst>
   </p:cSld>
@@ -27597,7 +27509,7 @@
           <a:p>
             <a:fld id="{B97B1ACE-8FC5-43AE-903F-A46F816E6A3A}" type="datetimeFigureOut">
               <a:rPr lang="en-US" smtClean="0"/>
-              <a:t>2/24/2020</a:t>
+              <a:t>5/25/2020</a:t>
             </a:fld>
             <a:endParaRPr lang="en-US"/>
           </a:p>
@@ -27767,7 +27679,7 @@
           <a:p>
             <a:fld id="{B97B1ACE-8FC5-43AE-903F-A46F816E6A3A}" type="datetimeFigureOut">
               <a:rPr lang="en-US" smtClean="0"/>
-              <a:t>2/24/2020</a:t>
+              <a:t>5/25/2020</a:t>
             </a:fld>
             <a:endParaRPr lang="en-US"/>
           </a:p>
@@ -27947,7 +27859,7 @@
           <a:p>
             <a:fld id="{B97B1ACE-8FC5-43AE-903F-A46F816E6A3A}" type="datetimeFigureOut">
               <a:rPr lang="en-US" smtClean="0"/>
-              <a:t>2/24/2020</a:t>
+              <a:t>5/25/2020</a:t>
             </a:fld>
             <a:endParaRPr lang="en-US"/>
           </a:p>
@@ -28117,7 +28029,7 @@
           <a:p>
             <a:fld id="{B97B1ACE-8FC5-43AE-903F-A46F816E6A3A}" type="datetimeFigureOut">
               <a:rPr lang="en-US" smtClean="0"/>
-              <a:t>2/24/2020</a:t>
+              <a:t>5/25/2020</a:t>
             </a:fld>
             <a:endParaRPr lang="en-US"/>
           </a:p>
@@ -28363,7 +28275,7 @@
           <a:p>
             <a:fld id="{B97B1ACE-8FC5-43AE-903F-A46F816E6A3A}" type="datetimeFigureOut">
               <a:rPr lang="en-US" smtClean="0"/>
-              <a:t>2/24/2020</a:t>
+              <a:t>5/25/2020</a:t>
             </a:fld>
             <a:endParaRPr lang="en-US"/>
           </a:p>
@@ -28595,7 +28507,7 @@
           <a:p>
             <a:fld id="{B97B1ACE-8FC5-43AE-903F-A46F816E6A3A}" type="datetimeFigureOut">
               <a:rPr lang="en-US" smtClean="0"/>
-              <a:t>2/24/2020</a:t>
+              <a:t>5/25/2020</a:t>
             </a:fld>
             <a:endParaRPr lang="en-US"/>
           </a:p>
@@ -28962,7 +28874,7 @@
           <a:p>
             <a:fld id="{B97B1ACE-8FC5-43AE-903F-A46F816E6A3A}" type="datetimeFigureOut">
               <a:rPr lang="en-US" smtClean="0"/>
-              <a:t>2/24/2020</a:t>
+              <a:t>5/25/2020</a:t>
             </a:fld>
             <a:endParaRPr lang="en-US"/>
           </a:p>
@@ -29080,7 +28992,7 @@
           <a:p>
             <a:fld id="{B97B1ACE-8FC5-43AE-903F-A46F816E6A3A}" type="datetimeFigureOut">
               <a:rPr lang="en-US" smtClean="0"/>
-              <a:t>2/24/2020</a:t>
+              <a:t>5/25/2020</a:t>
             </a:fld>
             <a:endParaRPr lang="en-US"/>
           </a:p>
@@ -29175,7 +29087,7 @@
           <a:p>
             <a:fld id="{B97B1ACE-8FC5-43AE-903F-A46F816E6A3A}" type="datetimeFigureOut">
               <a:rPr lang="en-US" smtClean="0"/>
-              <a:t>2/24/2020</a:t>
+              <a:t>5/25/2020</a:t>
             </a:fld>
             <a:endParaRPr lang="en-US"/>
           </a:p>
@@ -29452,7 +29364,7 @@
           <a:p>
             <a:fld id="{B97B1ACE-8FC5-43AE-903F-A46F816E6A3A}" type="datetimeFigureOut">
               <a:rPr lang="en-US" smtClean="0"/>
-              <a:t>2/24/2020</a:t>
+              <a:t>5/25/2020</a:t>
             </a:fld>
             <a:endParaRPr lang="en-US"/>
           </a:p>
@@ -29709,7 +29621,7 @@
           <a:p>
             <a:fld id="{B97B1ACE-8FC5-43AE-903F-A46F816E6A3A}" type="datetimeFigureOut">
               <a:rPr lang="en-US" smtClean="0"/>
-              <a:t>2/24/2020</a:t>
+              <a:t>5/25/2020</a:t>
             </a:fld>
             <a:endParaRPr lang="en-US"/>
           </a:p>
@@ -29925,7 +29837,7 @@
           <a:p>
             <a:fld id="{B97B1ACE-8FC5-43AE-903F-A46F816E6A3A}" type="datetimeFigureOut">
               <a:rPr lang="en-US" smtClean="0"/>
-              <a:t>2/24/2020</a:t>
+              <a:t>5/25/2020</a:t>
             </a:fld>
             <a:endParaRPr lang="en-US"/>
           </a:p>
@@ -31264,8 +31176,8 @@
         </p:nvSpPr>
         <p:spPr>
           <a:xfrm rot="5400000">
-            <a:off x="2732539" y="3443591"/>
-            <a:ext cx="6022705" cy="374970"/>
+            <a:off x="3405774" y="3226120"/>
+            <a:ext cx="3292790" cy="374970"/>
           </a:xfrm>
           <a:prstGeom prst="rightArrow">
             <a:avLst/>
@@ -31308,7 +31220,7 @@
         </p:nvSpPr>
         <p:spPr>
           <a:xfrm>
-            <a:off x="4673724" y="1322680"/>
+            <a:off x="3982001" y="3374158"/>
             <a:ext cx="2157759" cy="826649"/>
           </a:xfrm>
           <a:prstGeom prst="roundRect">
@@ -31317,13 +31229,13 @@
         </p:spPr>
         <p:style>
           <a:lnRef idx="1">
-            <a:schemeClr val="accent6"/>
+            <a:schemeClr val="accent2"/>
           </a:lnRef>
           <a:fillRef idx="3">
-            <a:schemeClr val="accent6"/>
+            <a:schemeClr val="accent2"/>
           </a:fillRef>
           <a:effectRef idx="2">
-            <a:schemeClr val="accent6"/>
+            <a:schemeClr val="accent2"/>
           </a:effectRef>
           <a:fontRef idx="minor">
             <a:schemeClr val="lt1"/>
@@ -31335,10 +31247,10 @@
           <a:p>
             <a:pPr algn="ctr"/>
             <a:r>
-              <a:rPr lang="pl-PL" sz="2000" dirty="0">
+              <a:rPr lang="pl-PL" sz="2000" dirty="0" err="1">
                 <a:latin typeface="Arial Black" panose="020B0A04020102020204" pitchFamily="34" charset="0"/>
               </a:rPr>
-              <a:t>Order *</a:t>
+              <a:t>Store</a:t>
             </a:r>
             <a:endParaRPr lang="en-US" sz="2000" dirty="0">
               <a:latin typeface="Arial Black" panose="020B0A04020102020204" pitchFamily="34" charset="0"/>
@@ -31360,7 +31272,7 @@
         </p:nvSpPr>
         <p:spPr>
           <a:xfrm>
-            <a:off x="2673258" y="1554899"/>
+            <a:off x="1981535" y="3606377"/>
             <a:ext cx="1638161" cy="374970"/>
           </a:xfrm>
           <a:prstGeom prst="rightArrow">
@@ -31421,7 +31333,7 @@
         </p:blipFill>
         <p:spPr>
           <a:xfrm>
-            <a:off x="2782462" y="373615"/>
+            <a:off x="2090739" y="2425093"/>
             <a:ext cx="1419752" cy="1419752"/>
           </a:xfrm>
           <a:prstGeom prst="rect">
@@ -31443,7 +31355,7 @@
         </p:nvSpPr>
         <p:spPr>
           <a:xfrm>
-            <a:off x="2310952" y="112005"/>
+            <a:off x="1619229" y="2163483"/>
             <a:ext cx="2247334" cy="523220"/>
           </a:xfrm>
           <a:prstGeom prst="rect">
@@ -31464,7 +31376,7 @@
                   <a:schemeClr val="bg1"/>
                 </a:solidFill>
               </a:rPr>
-              <a:t>OrderCreated</a:t>
+              <a:t>ShipOrder</a:t>
             </a:r>
             <a:endParaRPr lang="pl-PL" sz="2800" b="1" dirty="0">
               <a:solidFill>
@@ -31476,10 +31388,10 @@
       </p:sp>
       <p:sp>
         <p:nvSpPr>
-          <p:cNvPr id="7" name="Strzałka w prawo 7">
+          <p:cNvPr id="17" name="Strzałka w prawo 7">
             <a:extLst>
               <a:ext uri="{FF2B5EF4-FFF2-40B4-BE49-F238E27FC236}">
-                <a16:creationId xmlns:a16="http://schemas.microsoft.com/office/drawing/2014/main" id="{7E7D963D-A9A6-4130-9A3B-876BEC09D40F}"/>
+                <a16:creationId xmlns:a16="http://schemas.microsoft.com/office/drawing/2014/main" id="{88E3EF17-7FA6-4CB3-BE65-ADF3E7298124}"/>
               </a:ext>
             </a:extLst>
           </p:cNvPr>
@@ -31488,367 +31400,7 @@
         </p:nvSpPr>
         <p:spPr>
           <a:xfrm>
-            <a:off x="2673258" y="3524828"/>
-            <a:ext cx="1638161" cy="374970"/>
-          </a:xfrm>
-          <a:prstGeom prst="rightArrow">
-            <a:avLst/>
-          </a:prstGeom>
-        </p:spPr>
-        <p:style>
-          <a:lnRef idx="1">
-            <a:schemeClr val="accent4"/>
-          </a:lnRef>
-          <a:fillRef idx="3">
-            <a:schemeClr val="accent4"/>
-          </a:fillRef>
-          <a:effectRef idx="2">
-            <a:schemeClr val="accent4"/>
-          </a:effectRef>
-          <a:fontRef idx="minor">
-            <a:schemeClr val="lt1"/>
-          </a:fontRef>
-        </p:style>
-        <p:txBody>
-          <a:bodyPr rtlCol="0" anchor="ctr"/>
-          <a:lstStyle/>
-          <a:p>
-            <a:pPr algn="ctr"/>
-            <a:endParaRPr lang="en-US"/>
-          </a:p>
-        </p:txBody>
-      </p:sp>
-      <p:pic>
-        <p:nvPicPr>
-          <p:cNvPr id="8" name="Grafika 7" descr="Koperta">
-            <a:extLst>
-              <a:ext uri="{FF2B5EF4-FFF2-40B4-BE49-F238E27FC236}">
-                <a16:creationId xmlns:a16="http://schemas.microsoft.com/office/drawing/2014/main" id="{DA53BADF-ADFE-44B9-9EEC-8F2958C403D6}"/>
-              </a:ext>
-            </a:extLst>
-          </p:cNvPr>
-          <p:cNvPicPr>
-            <a:picLocks noChangeAspect="1"/>
-          </p:cNvPicPr>
-          <p:nvPr/>
-        </p:nvPicPr>
-        <p:blipFill>
-          <a:blip r:embed="rId2">
-            <a:extLst>
-              <a:ext uri="{28A0092B-C50C-407E-A947-70E740481C1C}">
-                <a14:useLocalDpi xmlns:a14="http://schemas.microsoft.com/office/drawing/2010/main" val="0"/>
-              </a:ext>
-              <a:ext uri="{96DAC541-7B7A-43D3-8B79-37D633B846F1}">
-                <asvg:svgBlip xmlns:asvg="http://schemas.microsoft.com/office/drawing/2016/SVG/main" r:embed="rId3"/>
-              </a:ext>
-            </a:extLst>
-          </a:blip>
-          <a:stretch>
-            <a:fillRect/>
-          </a:stretch>
-        </p:blipFill>
-        <p:spPr>
-          <a:xfrm>
-            <a:off x="2782462" y="2343544"/>
-            <a:ext cx="1419752" cy="1419752"/>
-          </a:xfrm>
-          <a:prstGeom prst="rect">
-            <a:avLst/>
-          </a:prstGeom>
-        </p:spPr>
-      </p:pic>
-      <p:sp>
-        <p:nvSpPr>
-          <p:cNvPr id="9" name="pole tekstowe 8">
-            <a:extLst>
-              <a:ext uri="{FF2B5EF4-FFF2-40B4-BE49-F238E27FC236}">
-                <a16:creationId xmlns:a16="http://schemas.microsoft.com/office/drawing/2014/main" id="{42167B2F-9BE0-41AB-92D4-784E9D108F6E}"/>
-              </a:ext>
-            </a:extLst>
-          </p:cNvPr>
-          <p:cNvSpPr txBox="1"/>
-          <p:nvPr/>
-        </p:nvSpPr>
-        <p:spPr>
-          <a:xfrm>
-            <a:off x="2310952" y="2081934"/>
-            <a:ext cx="2247334" cy="523220"/>
-          </a:xfrm>
-          <a:prstGeom prst="rect">
-            <a:avLst/>
-          </a:prstGeom>
-          <a:noFill/>
-        </p:spPr>
-        <p:txBody>
-          <a:bodyPr wrap="square" rtlCol="0">
-            <a:spAutoFit/>
-          </a:bodyPr>
-          <a:lstStyle/>
-          <a:p>
-            <a:pPr algn="ctr"/>
-            <a:r>
-              <a:rPr lang="pl-PL" sz="2800" b="1" dirty="0" err="1">
-                <a:solidFill>
-                  <a:schemeClr val="bg1"/>
-                </a:solidFill>
-              </a:rPr>
-              <a:t>LineAdded</a:t>
-            </a:r>
-            <a:endParaRPr lang="pl-PL" sz="2800" b="1" dirty="0">
-              <a:solidFill>
-                <a:schemeClr val="bg1"/>
-              </a:solidFill>
-            </a:endParaRPr>
-          </a:p>
-        </p:txBody>
-      </p:sp>
-      <p:sp>
-        <p:nvSpPr>
-          <p:cNvPr id="12" name="Strzałka w prawo 7">
-            <a:extLst>
-              <a:ext uri="{FF2B5EF4-FFF2-40B4-BE49-F238E27FC236}">
-                <a16:creationId xmlns:a16="http://schemas.microsoft.com/office/drawing/2014/main" id="{AD5403E2-3758-406C-BC63-18617784E9E9}"/>
-              </a:ext>
-            </a:extLst>
-          </p:cNvPr>
-          <p:cNvSpPr/>
-          <p:nvPr/>
-        </p:nvSpPr>
-        <p:spPr>
-          <a:xfrm>
-            <a:off x="2673258" y="5492622"/>
-            <a:ext cx="1638161" cy="374970"/>
-          </a:xfrm>
-          <a:prstGeom prst="rightArrow">
-            <a:avLst/>
-          </a:prstGeom>
-        </p:spPr>
-        <p:style>
-          <a:lnRef idx="1">
-            <a:schemeClr val="accent4"/>
-          </a:lnRef>
-          <a:fillRef idx="3">
-            <a:schemeClr val="accent4"/>
-          </a:fillRef>
-          <a:effectRef idx="2">
-            <a:schemeClr val="accent4"/>
-          </a:effectRef>
-          <a:fontRef idx="minor">
-            <a:schemeClr val="lt1"/>
-          </a:fontRef>
-        </p:style>
-        <p:txBody>
-          <a:bodyPr rtlCol="0" anchor="ctr"/>
-          <a:lstStyle/>
-          <a:p>
-            <a:pPr algn="ctr"/>
-            <a:endParaRPr lang="en-US"/>
-          </a:p>
-        </p:txBody>
-      </p:sp>
-      <p:pic>
-        <p:nvPicPr>
-          <p:cNvPr id="13" name="Grafika 12" descr="Koperta">
-            <a:extLst>
-              <a:ext uri="{FF2B5EF4-FFF2-40B4-BE49-F238E27FC236}">
-                <a16:creationId xmlns:a16="http://schemas.microsoft.com/office/drawing/2014/main" id="{6CF8E1A7-D515-4A4D-B513-DF6536EAB603}"/>
-              </a:ext>
-            </a:extLst>
-          </p:cNvPr>
-          <p:cNvPicPr>
-            <a:picLocks noChangeAspect="1"/>
-          </p:cNvPicPr>
-          <p:nvPr/>
-        </p:nvPicPr>
-        <p:blipFill>
-          <a:blip r:embed="rId2">
-            <a:extLst>
-              <a:ext uri="{28A0092B-C50C-407E-A947-70E740481C1C}">
-                <a14:useLocalDpi xmlns:a14="http://schemas.microsoft.com/office/drawing/2010/main" val="0"/>
-              </a:ext>
-              <a:ext uri="{96DAC541-7B7A-43D3-8B79-37D633B846F1}">
-                <asvg:svgBlip xmlns:asvg="http://schemas.microsoft.com/office/drawing/2016/SVG/main" r:embed="rId3"/>
-              </a:ext>
-            </a:extLst>
-          </a:blip>
-          <a:stretch>
-            <a:fillRect/>
-          </a:stretch>
-        </p:blipFill>
-        <p:spPr>
-          <a:xfrm>
-            <a:off x="2782462" y="4311338"/>
-            <a:ext cx="1419752" cy="1419752"/>
-          </a:xfrm>
-          <a:prstGeom prst="rect">
-            <a:avLst/>
-          </a:prstGeom>
-        </p:spPr>
-      </p:pic>
-      <p:sp>
-        <p:nvSpPr>
-          <p:cNvPr id="14" name="pole tekstowe 13">
-            <a:extLst>
-              <a:ext uri="{FF2B5EF4-FFF2-40B4-BE49-F238E27FC236}">
-                <a16:creationId xmlns:a16="http://schemas.microsoft.com/office/drawing/2014/main" id="{9D6188E9-950F-4C2E-A22E-96262D52A539}"/>
-              </a:ext>
-            </a:extLst>
-          </p:cNvPr>
-          <p:cNvSpPr txBox="1"/>
-          <p:nvPr/>
-        </p:nvSpPr>
-        <p:spPr>
-          <a:xfrm>
-            <a:off x="2160457" y="4060228"/>
-            <a:ext cx="2663762" cy="523220"/>
-          </a:xfrm>
-          <a:prstGeom prst="rect">
-            <a:avLst/>
-          </a:prstGeom>
-          <a:noFill/>
-        </p:spPr>
-        <p:txBody>
-          <a:bodyPr wrap="square" rtlCol="0">
-            <a:spAutoFit/>
-          </a:bodyPr>
-          <a:lstStyle/>
-          <a:p>
-            <a:pPr algn="ctr"/>
-            <a:r>
-              <a:rPr lang="pl-PL" sz="2800" b="1" dirty="0" err="1">
-                <a:solidFill>
-                  <a:schemeClr val="bg1"/>
-                </a:solidFill>
-              </a:rPr>
-              <a:t>OrderSubmitted</a:t>
-            </a:r>
-            <a:endParaRPr lang="pl-PL" sz="2800" b="1" dirty="0">
-              <a:solidFill>
-                <a:schemeClr val="bg1"/>
-              </a:solidFill>
-            </a:endParaRPr>
-          </a:p>
-        </p:txBody>
-      </p:sp>
-      <p:sp>
-        <p:nvSpPr>
-          <p:cNvPr id="15" name="Prostokąt zaokrąglony 7">
-            <a:extLst>
-              <a:ext uri="{FF2B5EF4-FFF2-40B4-BE49-F238E27FC236}">
-                <a16:creationId xmlns:a16="http://schemas.microsoft.com/office/drawing/2014/main" id="{1B28E5E2-6D47-4859-AC66-C635B6CC6011}"/>
-              </a:ext>
-            </a:extLst>
-          </p:cNvPr>
-          <p:cNvSpPr/>
-          <p:nvPr/>
-        </p:nvSpPr>
-        <p:spPr>
-          <a:xfrm>
-            <a:off x="4673724" y="3298988"/>
-            <a:ext cx="2157759" cy="826649"/>
-          </a:xfrm>
-          <a:prstGeom prst="roundRect">
-            <a:avLst/>
-          </a:prstGeom>
-        </p:spPr>
-        <p:style>
-          <a:lnRef idx="1">
-            <a:schemeClr val="accent6"/>
-          </a:lnRef>
-          <a:fillRef idx="3">
-            <a:schemeClr val="accent6"/>
-          </a:fillRef>
-          <a:effectRef idx="2">
-            <a:schemeClr val="accent6"/>
-          </a:effectRef>
-          <a:fontRef idx="minor">
-            <a:schemeClr val="lt1"/>
-          </a:fontRef>
-        </p:style>
-        <p:txBody>
-          <a:bodyPr rtlCol="0" anchor="ctr"/>
-          <a:lstStyle/>
-          <a:p>
-            <a:pPr algn="ctr"/>
-            <a:r>
-              <a:rPr lang="pl-PL" sz="2000" dirty="0">
-                <a:latin typeface="Arial Black" panose="020B0A04020102020204" pitchFamily="34" charset="0"/>
-              </a:rPr>
-              <a:t>Order</a:t>
-            </a:r>
-            <a:endParaRPr lang="en-US" sz="2000" dirty="0">
-              <a:latin typeface="Arial Black" panose="020B0A04020102020204" pitchFamily="34" charset="0"/>
-            </a:endParaRPr>
-          </a:p>
-        </p:txBody>
-      </p:sp>
-      <p:sp>
-        <p:nvSpPr>
-          <p:cNvPr id="16" name="Prostokąt zaokrąglony 7">
-            <a:extLst>
-              <a:ext uri="{FF2B5EF4-FFF2-40B4-BE49-F238E27FC236}">
-                <a16:creationId xmlns:a16="http://schemas.microsoft.com/office/drawing/2014/main" id="{72C00AC4-A2ED-4328-9217-30A8C8A8AC3F}"/>
-              </a:ext>
-            </a:extLst>
-          </p:cNvPr>
-          <p:cNvSpPr/>
-          <p:nvPr/>
-        </p:nvSpPr>
-        <p:spPr>
-          <a:xfrm>
-            <a:off x="4673724" y="5266782"/>
-            <a:ext cx="2157759" cy="826649"/>
-          </a:xfrm>
-          <a:prstGeom prst="roundRect">
-            <a:avLst/>
-          </a:prstGeom>
-        </p:spPr>
-        <p:style>
-          <a:lnRef idx="1">
-            <a:schemeClr val="accent6"/>
-          </a:lnRef>
-          <a:fillRef idx="3">
-            <a:schemeClr val="accent6"/>
-          </a:fillRef>
-          <a:effectRef idx="2">
-            <a:schemeClr val="accent6"/>
-          </a:effectRef>
-          <a:fontRef idx="minor">
-            <a:schemeClr val="lt1"/>
-          </a:fontRef>
-        </p:style>
-        <p:txBody>
-          <a:bodyPr rtlCol="0" anchor="ctr"/>
-          <a:lstStyle/>
-          <a:p>
-            <a:pPr algn="ctr"/>
-            <a:r>
-              <a:rPr lang="pl-PL" sz="2000" dirty="0">
-                <a:latin typeface="Arial Black" panose="020B0A04020102020204" pitchFamily="34" charset="0"/>
-              </a:rPr>
-              <a:t>Order</a:t>
-            </a:r>
-            <a:endParaRPr lang="en-US" sz="2000" dirty="0">
-              <a:latin typeface="Arial Black" panose="020B0A04020102020204" pitchFamily="34" charset="0"/>
-            </a:endParaRPr>
-          </a:p>
-        </p:txBody>
-      </p:sp>
-      <p:sp>
-        <p:nvSpPr>
-          <p:cNvPr id="17" name="Strzałka w prawo 7">
-            <a:extLst>
-              <a:ext uri="{FF2B5EF4-FFF2-40B4-BE49-F238E27FC236}">
-                <a16:creationId xmlns:a16="http://schemas.microsoft.com/office/drawing/2014/main" id="{88E3EF17-7FA6-4CB3-BE65-ADF3E7298124}"/>
-              </a:ext>
-            </a:extLst>
-          </p:cNvPr>
-          <p:cNvSpPr/>
-          <p:nvPr/>
-        </p:nvSpPr>
-        <p:spPr>
-          <a:xfrm>
-            <a:off x="7193788" y="5492622"/>
+            <a:off x="6502065" y="3599998"/>
             <a:ext cx="1638161" cy="374970"/>
           </a:xfrm>
           <a:prstGeom prst="rightArrow">
@@ -31909,7 +31461,7 @@
         </p:blipFill>
         <p:spPr>
           <a:xfrm>
-            <a:off x="7271121" y="4311338"/>
+            <a:off x="6579398" y="2418714"/>
             <a:ext cx="1419752" cy="1419752"/>
           </a:xfrm>
           <a:prstGeom prst="rect">
@@ -31931,7 +31483,7 @@
         </p:nvSpPr>
         <p:spPr>
           <a:xfrm>
-            <a:off x="6649116" y="4060228"/>
+            <a:off x="5957393" y="2163483"/>
             <a:ext cx="2663762" cy="523220"/>
           </a:xfrm>
           <a:prstGeom prst="rect">
@@ -31976,8 +31528,8 @@
         </p:nvSpPr>
         <p:spPr>
           <a:xfrm rot="5400000">
-            <a:off x="9126581" y="5308392"/>
-            <a:ext cx="2293104" cy="374970"/>
+            <a:off x="8820987" y="4112092"/>
+            <a:ext cx="1520845" cy="374970"/>
           </a:xfrm>
           <a:prstGeom prst="rightArrow">
             <a:avLst/>
@@ -32020,7 +31572,7 @@
         </p:nvSpPr>
         <p:spPr>
           <a:xfrm>
-            <a:off x="9194254" y="5266782"/>
+            <a:off x="8502531" y="3374158"/>
             <a:ext cx="2157759" cy="826649"/>
           </a:xfrm>
           <a:prstGeom prst="roundRect">
@@ -32029,13 +31581,13 @@
         </p:spPr>
         <p:style>
           <a:lnRef idx="1">
-            <a:schemeClr val="accent2"/>
+            <a:schemeClr val="accent1"/>
           </a:lnRef>
           <a:fillRef idx="3">
-            <a:schemeClr val="accent2"/>
+            <a:schemeClr val="accent1"/>
           </a:fillRef>
           <a:effectRef idx="2">
-            <a:schemeClr val="accent2"/>
+            <a:schemeClr val="accent1"/>
           </a:effectRef>
           <a:fontRef idx="minor">
             <a:schemeClr val="lt1"/>
@@ -32067,7 +31619,7 @@
     </p:spTree>
     <p:extLst>
       <p:ext uri="{BB962C8B-B14F-4D97-AF65-F5344CB8AC3E}">
-        <p14:creationId xmlns:p14="http://schemas.microsoft.com/office/powerpoint/2010/main" val="3602940661"/>
+        <p14:creationId xmlns:p14="http://schemas.microsoft.com/office/powerpoint/2010/main" val="342440928"/>
       </p:ext>
     </p:extLst>
   </p:cSld>
@@ -33513,7 +33065,7 @@
         </p:blipFill>
         <p:spPr>
           <a:xfrm>
-            <a:off x="2631057" y="4590299"/>
+            <a:off x="2209391" y="3614307"/>
             <a:ext cx="1628775" cy="1628775"/>
           </a:xfrm>
           <a:prstGeom prst="rect">
@@ -33549,7 +33101,7 @@
         </p:blipFill>
         <p:spPr>
           <a:xfrm>
-            <a:off x="5281612" y="2614612"/>
+            <a:off x="4859946" y="1638620"/>
             <a:ext cx="1628775" cy="1628775"/>
           </a:xfrm>
           <a:prstGeom prst="rect">
@@ -33585,7 +33137,7 @@
         </p:blipFill>
         <p:spPr>
           <a:xfrm>
-            <a:off x="7932170" y="4521786"/>
+            <a:off x="7510504" y="3545794"/>
             <a:ext cx="1765799" cy="1765799"/>
           </a:xfrm>
           <a:prstGeom prst="rect">
@@ -33607,7 +33159,7 @@
         </p:nvSpPr>
         <p:spPr>
           <a:xfrm rot="8248242">
-            <a:off x="4071764" y="4338037"/>
+            <a:off x="3650098" y="3362045"/>
             <a:ext cx="1415163" cy="374970"/>
           </a:xfrm>
           <a:prstGeom prst="rightArrow">
@@ -33651,7 +33203,7 @@
         </p:nvSpPr>
         <p:spPr>
           <a:xfrm rot="13351758" flipH="1">
-            <a:off x="6705075" y="4334300"/>
+            <a:off x="6283409" y="3358308"/>
             <a:ext cx="1415163" cy="374970"/>
           </a:xfrm>
           <a:prstGeom prst="rightArrow">
@@ -33678,6 +33230,143 @@
           <a:p>
             <a:pPr algn="ctr"/>
             <a:endParaRPr lang="en-US"/>
+          </a:p>
+        </p:txBody>
+      </p:sp>
+      <p:pic>
+        <p:nvPicPr>
+          <p:cNvPr id="7" name="Grafika 6" descr="Koperta">
+            <a:extLst>
+              <a:ext uri="{FF2B5EF4-FFF2-40B4-BE49-F238E27FC236}">
+                <a16:creationId xmlns:a16="http://schemas.microsoft.com/office/drawing/2014/main" id="{93CEFA5D-3E12-49A8-817F-08EC0EB5FEC0}"/>
+              </a:ext>
+            </a:extLst>
+          </p:cNvPr>
+          <p:cNvPicPr>
+            <a:picLocks noChangeAspect="1"/>
+          </p:cNvPicPr>
+          <p:nvPr/>
+        </p:nvPicPr>
+        <p:blipFill>
+          <a:blip r:embed="rId5">
+            <a:extLst>
+              <a:ext uri="{28A0092B-C50C-407E-A947-70E740481C1C}">
+                <a14:useLocalDpi xmlns:a14="http://schemas.microsoft.com/office/drawing/2010/main" val="0"/>
+              </a:ext>
+              <a:ext uri="{96DAC541-7B7A-43D3-8B79-37D633B846F1}">
+                <asvg:svgBlip xmlns:asvg="http://schemas.microsoft.com/office/drawing/2016/SVG/main" r:embed="rId6"/>
+              </a:ext>
+            </a:extLst>
+          </a:blip>
+          <a:stretch>
+            <a:fillRect/>
+          </a:stretch>
+        </p:blipFill>
+        <p:spPr>
+          <a:xfrm>
+            <a:off x="7234546" y="2295531"/>
+            <a:ext cx="1419752" cy="1419752"/>
+          </a:xfrm>
+          <a:prstGeom prst="rect">
+            <a:avLst/>
+          </a:prstGeom>
+        </p:spPr>
+      </p:pic>
+      <p:sp>
+        <p:nvSpPr>
+          <p:cNvPr id="8" name="pole tekstowe 7">
+            <a:extLst>
+              <a:ext uri="{FF2B5EF4-FFF2-40B4-BE49-F238E27FC236}">
+                <a16:creationId xmlns:a16="http://schemas.microsoft.com/office/drawing/2014/main" id="{D2A717EA-2E51-4526-A9F8-509D1DE32CDD}"/>
+              </a:ext>
+            </a:extLst>
+          </p:cNvPr>
+          <p:cNvSpPr txBox="1"/>
+          <p:nvPr/>
+        </p:nvSpPr>
+        <p:spPr>
+          <a:xfrm>
+            <a:off x="6612541" y="2040300"/>
+            <a:ext cx="2663762" cy="523220"/>
+          </a:xfrm>
+          <a:prstGeom prst="rect">
+            <a:avLst/>
+          </a:prstGeom>
+          <a:noFill/>
+        </p:spPr>
+        <p:txBody>
+          <a:bodyPr wrap="square" rtlCol="0">
+            <a:spAutoFit/>
+          </a:bodyPr>
+          <a:lstStyle/>
+          <a:p>
+            <a:pPr algn="ctr"/>
+            <a:r>
+              <a:rPr lang="pl-PL" sz="2800" b="1" dirty="0" err="1">
+                <a:solidFill>
+                  <a:schemeClr val="bg1"/>
+                </a:solidFill>
+              </a:rPr>
+              <a:t>CreateShipment</a:t>
+            </a:r>
+            <a:endParaRPr lang="pl-PL" sz="2800" b="1" dirty="0">
+              <a:solidFill>
+                <a:schemeClr val="bg1"/>
+              </a:solidFill>
+            </a:endParaRPr>
+          </a:p>
+        </p:txBody>
+      </p:sp>
+      <p:sp>
+        <p:nvSpPr>
+          <p:cNvPr id="9" name="pole tekstowe 8">
+            <a:extLst>
+              <a:ext uri="{FF2B5EF4-FFF2-40B4-BE49-F238E27FC236}">
+                <a16:creationId xmlns:a16="http://schemas.microsoft.com/office/drawing/2014/main" id="{B8F6509C-7324-443E-B687-D6984B58727C}"/>
+              </a:ext>
+            </a:extLst>
+          </p:cNvPr>
+          <p:cNvSpPr txBox="1"/>
+          <p:nvPr/>
+        </p:nvSpPr>
+        <p:spPr>
+          <a:xfrm>
+            <a:off x="2884349" y="2621465"/>
+            <a:ext cx="1446544" cy="954107"/>
+          </a:xfrm>
+          <a:prstGeom prst="rect">
+            <a:avLst/>
+          </a:prstGeom>
+          <a:noFill/>
+        </p:spPr>
+        <p:txBody>
+          <a:bodyPr wrap="square" rtlCol="0">
+            <a:spAutoFit/>
+          </a:bodyPr>
+          <a:lstStyle/>
+          <a:p>
+            <a:pPr algn="ctr"/>
+            <a:r>
+              <a:rPr lang="pl-PL" sz="2800" b="1" dirty="0">
+                <a:solidFill>
+                  <a:schemeClr val="bg1"/>
+                </a:solidFill>
+              </a:rPr>
+              <a:t>Update </a:t>
+            </a:r>
+            <a:r>
+              <a:rPr lang="pl-PL" sz="2800" b="1" dirty="0" err="1">
+                <a:solidFill>
+                  <a:schemeClr val="bg1"/>
+                </a:solidFill>
+              </a:rPr>
+              <a:t>Store</a:t>
+            </a:r>
+            <a:endParaRPr lang="pl-PL" sz="2800" b="1" dirty="0">
+              <a:solidFill>
+                <a:schemeClr val="bg1"/>
+              </a:solidFill>
+            </a:endParaRPr>
           </a:p>
         </p:txBody>
       </p:sp>
@@ -34043,6 +33732,562 @@
           <a:chExt cx="0" cy="0"/>
         </a:xfrm>
       </p:grpSpPr>
+      <p:sp>
+        <p:nvSpPr>
+          <p:cNvPr id="3" name="Strzałka w prawo 7">
+            <a:extLst>
+              <a:ext uri="{FF2B5EF4-FFF2-40B4-BE49-F238E27FC236}">
+                <a16:creationId xmlns:a16="http://schemas.microsoft.com/office/drawing/2014/main" id="{CEB68E8D-EA5E-478E-BE29-04633B48A448}"/>
+              </a:ext>
+            </a:extLst>
+          </p:cNvPr>
+          <p:cNvSpPr/>
+          <p:nvPr/>
+        </p:nvSpPr>
+        <p:spPr>
+          <a:xfrm rot="5400000">
+            <a:off x="3405774" y="3226120"/>
+            <a:ext cx="3292790" cy="374970"/>
+          </a:xfrm>
+          <a:prstGeom prst="rightArrow">
+            <a:avLst/>
+          </a:prstGeom>
+        </p:spPr>
+        <p:style>
+          <a:lnRef idx="1">
+            <a:schemeClr val="accent3"/>
+          </a:lnRef>
+          <a:fillRef idx="3">
+            <a:schemeClr val="accent3"/>
+          </a:fillRef>
+          <a:effectRef idx="2">
+            <a:schemeClr val="accent3"/>
+          </a:effectRef>
+          <a:fontRef idx="minor">
+            <a:schemeClr val="lt1"/>
+          </a:fontRef>
+        </p:style>
+        <p:txBody>
+          <a:bodyPr rtlCol="0" anchor="ctr"/>
+          <a:lstStyle/>
+          <a:p>
+            <a:pPr algn="ctr"/>
+            <a:endParaRPr lang="en-US"/>
+          </a:p>
+        </p:txBody>
+      </p:sp>
+      <p:sp>
+        <p:nvSpPr>
+          <p:cNvPr id="2" name="Prostokąt zaokrąglony 7">
+            <a:extLst>
+              <a:ext uri="{FF2B5EF4-FFF2-40B4-BE49-F238E27FC236}">
+                <a16:creationId xmlns:a16="http://schemas.microsoft.com/office/drawing/2014/main" id="{0420211B-FF64-43BD-89E7-4D122DE77551}"/>
+              </a:ext>
+            </a:extLst>
+          </p:cNvPr>
+          <p:cNvSpPr/>
+          <p:nvPr/>
+        </p:nvSpPr>
+        <p:spPr>
+          <a:xfrm>
+            <a:off x="3982001" y="3374158"/>
+            <a:ext cx="2157759" cy="826649"/>
+          </a:xfrm>
+          <a:prstGeom prst="roundRect">
+            <a:avLst/>
+          </a:prstGeom>
+        </p:spPr>
+        <p:style>
+          <a:lnRef idx="1">
+            <a:schemeClr val="accent2"/>
+          </a:lnRef>
+          <a:fillRef idx="3">
+            <a:schemeClr val="accent2"/>
+          </a:fillRef>
+          <a:effectRef idx="2">
+            <a:schemeClr val="accent2"/>
+          </a:effectRef>
+          <a:fontRef idx="minor">
+            <a:schemeClr val="lt1"/>
+          </a:fontRef>
+        </p:style>
+        <p:txBody>
+          <a:bodyPr rtlCol="0" anchor="ctr"/>
+          <a:lstStyle/>
+          <a:p>
+            <a:pPr algn="ctr"/>
+            <a:r>
+              <a:rPr lang="pl-PL" sz="2000" dirty="0" err="1">
+                <a:latin typeface="Arial Black" panose="020B0A04020102020204" pitchFamily="34" charset="0"/>
+              </a:rPr>
+              <a:t>Store</a:t>
+            </a:r>
+            <a:endParaRPr lang="en-US" sz="2000" dirty="0">
+              <a:latin typeface="Arial Black" panose="020B0A04020102020204" pitchFamily="34" charset="0"/>
+            </a:endParaRPr>
+          </a:p>
+        </p:txBody>
+      </p:sp>
+      <p:sp>
+        <p:nvSpPr>
+          <p:cNvPr id="4" name="Strzałka w prawo 7">
+            <a:extLst>
+              <a:ext uri="{FF2B5EF4-FFF2-40B4-BE49-F238E27FC236}">
+                <a16:creationId xmlns:a16="http://schemas.microsoft.com/office/drawing/2014/main" id="{21B20823-6AC2-4EDC-89AC-74C06C376C7C}"/>
+              </a:ext>
+            </a:extLst>
+          </p:cNvPr>
+          <p:cNvSpPr/>
+          <p:nvPr/>
+        </p:nvSpPr>
+        <p:spPr>
+          <a:xfrm>
+            <a:off x="1981535" y="3606377"/>
+            <a:ext cx="1638161" cy="374970"/>
+          </a:xfrm>
+          <a:prstGeom prst="rightArrow">
+            <a:avLst/>
+          </a:prstGeom>
+        </p:spPr>
+        <p:style>
+          <a:lnRef idx="1">
+            <a:schemeClr val="accent4"/>
+          </a:lnRef>
+          <a:fillRef idx="3">
+            <a:schemeClr val="accent4"/>
+          </a:fillRef>
+          <a:effectRef idx="2">
+            <a:schemeClr val="accent4"/>
+          </a:effectRef>
+          <a:fontRef idx="minor">
+            <a:schemeClr val="lt1"/>
+          </a:fontRef>
+        </p:style>
+        <p:txBody>
+          <a:bodyPr rtlCol="0" anchor="ctr"/>
+          <a:lstStyle/>
+          <a:p>
+            <a:pPr algn="ctr"/>
+            <a:endParaRPr lang="en-US"/>
+          </a:p>
+        </p:txBody>
+      </p:sp>
+      <p:pic>
+        <p:nvPicPr>
+          <p:cNvPr id="5" name="Grafika 4" descr="Koperta">
+            <a:extLst>
+              <a:ext uri="{FF2B5EF4-FFF2-40B4-BE49-F238E27FC236}">
+                <a16:creationId xmlns:a16="http://schemas.microsoft.com/office/drawing/2014/main" id="{C61877B2-B384-43DB-BF61-38A4C57B61A8}"/>
+              </a:ext>
+            </a:extLst>
+          </p:cNvPr>
+          <p:cNvPicPr>
+            <a:picLocks noChangeAspect="1"/>
+          </p:cNvPicPr>
+          <p:nvPr/>
+        </p:nvPicPr>
+        <p:blipFill>
+          <a:blip r:embed="rId2">
+            <a:extLst>
+              <a:ext uri="{28A0092B-C50C-407E-A947-70E740481C1C}">
+                <a14:useLocalDpi xmlns:a14="http://schemas.microsoft.com/office/drawing/2010/main" val="0"/>
+              </a:ext>
+              <a:ext uri="{96DAC541-7B7A-43D3-8B79-37D633B846F1}">
+                <asvg:svgBlip xmlns:asvg="http://schemas.microsoft.com/office/drawing/2016/SVG/main" r:embed="rId3"/>
+              </a:ext>
+            </a:extLst>
+          </a:blip>
+          <a:stretch>
+            <a:fillRect/>
+          </a:stretch>
+        </p:blipFill>
+        <p:spPr>
+          <a:xfrm>
+            <a:off x="2090739" y="2425093"/>
+            <a:ext cx="1419752" cy="1419752"/>
+          </a:xfrm>
+          <a:prstGeom prst="rect">
+            <a:avLst/>
+          </a:prstGeom>
+        </p:spPr>
+      </p:pic>
+      <p:sp>
+        <p:nvSpPr>
+          <p:cNvPr id="6" name="pole tekstowe 5">
+            <a:extLst>
+              <a:ext uri="{FF2B5EF4-FFF2-40B4-BE49-F238E27FC236}">
+                <a16:creationId xmlns:a16="http://schemas.microsoft.com/office/drawing/2014/main" id="{FE29D375-A7B6-46E0-99F8-3C2D69DD5E4E}"/>
+              </a:ext>
+            </a:extLst>
+          </p:cNvPr>
+          <p:cNvSpPr txBox="1"/>
+          <p:nvPr/>
+        </p:nvSpPr>
+        <p:spPr>
+          <a:xfrm>
+            <a:off x="1619229" y="2163483"/>
+            <a:ext cx="2247334" cy="523220"/>
+          </a:xfrm>
+          <a:prstGeom prst="rect">
+            <a:avLst/>
+          </a:prstGeom>
+          <a:noFill/>
+        </p:spPr>
+        <p:txBody>
+          <a:bodyPr wrap="square" rtlCol="0">
+            <a:spAutoFit/>
+          </a:bodyPr>
+          <a:lstStyle/>
+          <a:p>
+            <a:pPr algn="ctr"/>
+            <a:r>
+              <a:rPr lang="pl-PL" sz="2800" b="1" dirty="0" err="1">
+                <a:solidFill>
+                  <a:schemeClr val="bg1"/>
+                </a:solidFill>
+              </a:rPr>
+              <a:t>ShipOrder</a:t>
+            </a:r>
+            <a:endParaRPr lang="pl-PL" sz="2800" b="1" dirty="0">
+              <a:solidFill>
+                <a:schemeClr val="bg1"/>
+              </a:solidFill>
+            </a:endParaRPr>
+          </a:p>
+        </p:txBody>
+      </p:sp>
+      <p:sp>
+        <p:nvSpPr>
+          <p:cNvPr id="17" name="Strzałka w prawo 7">
+            <a:extLst>
+              <a:ext uri="{FF2B5EF4-FFF2-40B4-BE49-F238E27FC236}">
+                <a16:creationId xmlns:a16="http://schemas.microsoft.com/office/drawing/2014/main" id="{88E3EF17-7FA6-4CB3-BE65-ADF3E7298124}"/>
+              </a:ext>
+            </a:extLst>
+          </p:cNvPr>
+          <p:cNvSpPr/>
+          <p:nvPr/>
+        </p:nvSpPr>
+        <p:spPr>
+          <a:xfrm>
+            <a:off x="6502065" y="3599998"/>
+            <a:ext cx="1638161" cy="374970"/>
+          </a:xfrm>
+          <a:prstGeom prst="rightArrow">
+            <a:avLst/>
+          </a:prstGeom>
+        </p:spPr>
+        <p:style>
+          <a:lnRef idx="1">
+            <a:schemeClr val="accent4"/>
+          </a:lnRef>
+          <a:fillRef idx="3">
+            <a:schemeClr val="accent4"/>
+          </a:fillRef>
+          <a:effectRef idx="2">
+            <a:schemeClr val="accent4"/>
+          </a:effectRef>
+          <a:fontRef idx="minor">
+            <a:schemeClr val="lt1"/>
+          </a:fontRef>
+        </p:style>
+        <p:txBody>
+          <a:bodyPr rtlCol="0" anchor="ctr"/>
+          <a:lstStyle/>
+          <a:p>
+            <a:pPr algn="ctr"/>
+            <a:endParaRPr lang="en-US"/>
+          </a:p>
+        </p:txBody>
+      </p:sp>
+      <p:pic>
+        <p:nvPicPr>
+          <p:cNvPr id="19" name="Grafika 18" descr="Koperta">
+            <a:extLst>
+              <a:ext uri="{FF2B5EF4-FFF2-40B4-BE49-F238E27FC236}">
+                <a16:creationId xmlns:a16="http://schemas.microsoft.com/office/drawing/2014/main" id="{C094BA5B-EEB2-41C8-8633-5E65AE6E2484}"/>
+              </a:ext>
+            </a:extLst>
+          </p:cNvPr>
+          <p:cNvPicPr>
+            <a:picLocks noChangeAspect="1"/>
+          </p:cNvPicPr>
+          <p:nvPr/>
+        </p:nvPicPr>
+        <p:blipFill>
+          <a:blip r:embed="rId2">
+            <a:extLst>
+              <a:ext uri="{28A0092B-C50C-407E-A947-70E740481C1C}">
+                <a14:useLocalDpi xmlns:a14="http://schemas.microsoft.com/office/drawing/2010/main" val="0"/>
+              </a:ext>
+              <a:ext uri="{96DAC541-7B7A-43D3-8B79-37D633B846F1}">
+                <asvg:svgBlip xmlns:asvg="http://schemas.microsoft.com/office/drawing/2016/SVG/main" r:embed="rId3"/>
+              </a:ext>
+            </a:extLst>
+          </a:blip>
+          <a:stretch>
+            <a:fillRect/>
+          </a:stretch>
+        </p:blipFill>
+        <p:spPr>
+          <a:xfrm>
+            <a:off x="6579398" y="2418714"/>
+            <a:ext cx="1419752" cy="1419752"/>
+          </a:xfrm>
+          <a:prstGeom prst="rect">
+            <a:avLst/>
+          </a:prstGeom>
+        </p:spPr>
+      </p:pic>
+      <p:sp>
+        <p:nvSpPr>
+          <p:cNvPr id="20" name="pole tekstowe 19">
+            <a:extLst>
+              <a:ext uri="{FF2B5EF4-FFF2-40B4-BE49-F238E27FC236}">
+                <a16:creationId xmlns:a16="http://schemas.microsoft.com/office/drawing/2014/main" id="{EE3D42AC-1128-4CD7-AE74-1F0C901D8FA3}"/>
+              </a:ext>
+            </a:extLst>
+          </p:cNvPr>
+          <p:cNvSpPr txBox="1"/>
+          <p:nvPr/>
+        </p:nvSpPr>
+        <p:spPr>
+          <a:xfrm>
+            <a:off x="5957393" y="2163483"/>
+            <a:ext cx="2663762" cy="523220"/>
+          </a:xfrm>
+          <a:prstGeom prst="rect">
+            <a:avLst/>
+          </a:prstGeom>
+          <a:noFill/>
+        </p:spPr>
+        <p:txBody>
+          <a:bodyPr wrap="square" rtlCol="0">
+            <a:spAutoFit/>
+          </a:bodyPr>
+          <a:lstStyle/>
+          <a:p>
+            <a:pPr algn="ctr"/>
+            <a:r>
+              <a:rPr lang="pl-PL" sz="2800" b="1" dirty="0" err="1">
+                <a:solidFill>
+                  <a:schemeClr val="bg1"/>
+                </a:solidFill>
+              </a:rPr>
+              <a:t>CreateShipment</a:t>
+            </a:r>
+            <a:endParaRPr lang="pl-PL" sz="2800" b="1" dirty="0">
+              <a:solidFill>
+                <a:schemeClr val="bg1"/>
+              </a:solidFill>
+            </a:endParaRPr>
+          </a:p>
+        </p:txBody>
+      </p:sp>
+      <p:sp>
+        <p:nvSpPr>
+          <p:cNvPr id="21" name="Strzałka w prawo 7">
+            <a:extLst>
+              <a:ext uri="{FF2B5EF4-FFF2-40B4-BE49-F238E27FC236}">
+                <a16:creationId xmlns:a16="http://schemas.microsoft.com/office/drawing/2014/main" id="{570F4E0D-5544-4D00-AE90-DD38C7ACDF48}"/>
+              </a:ext>
+            </a:extLst>
+          </p:cNvPr>
+          <p:cNvSpPr/>
+          <p:nvPr/>
+        </p:nvSpPr>
+        <p:spPr>
+          <a:xfrm rot="5400000">
+            <a:off x="8820987" y="4112092"/>
+            <a:ext cx="1520845" cy="374970"/>
+          </a:xfrm>
+          <a:prstGeom prst="rightArrow">
+            <a:avLst/>
+          </a:prstGeom>
+        </p:spPr>
+        <p:style>
+          <a:lnRef idx="1">
+            <a:schemeClr val="accent3"/>
+          </a:lnRef>
+          <a:fillRef idx="3">
+            <a:schemeClr val="accent3"/>
+          </a:fillRef>
+          <a:effectRef idx="2">
+            <a:schemeClr val="accent3"/>
+          </a:effectRef>
+          <a:fontRef idx="minor">
+            <a:schemeClr val="lt1"/>
+          </a:fontRef>
+        </p:style>
+        <p:txBody>
+          <a:bodyPr rtlCol="0" anchor="ctr"/>
+          <a:lstStyle/>
+          <a:p>
+            <a:pPr algn="ctr"/>
+            <a:endParaRPr lang="en-US"/>
+          </a:p>
+        </p:txBody>
+      </p:sp>
+      <p:sp>
+        <p:nvSpPr>
+          <p:cNvPr id="22" name="Prostokąt zaokrąglony 7">
+            <a:extLst>
+              <a:ext uri="{FF2B5EF4-FFF2-40B4-BE49-F238E27FC236}">
+                <a16:creationId xmlns:a16="http://schemas.microsoft.com/office/drawing/2014/main" id="{DE4C78D8-B0F6-42E8-B206-0C322B89D988}"/>
+              </a:ext>
+            </a:extLst>
+          </p:cNvPr>
+          <p:cNvSpPr/>
+          <p:nvPr/>
+        </p:nvSpPr>
+        <p:spPr>
+          <a:xfrm>
+            <a:off x="8502531" y="3374158"/>
+            <a:ext cx="2157759" cy="826649"/>
+          </a:xfrm>
+          <a:prstGeom prst="roundRect">
+            <a:avLst/>
+          </a:prstGeom>
+        </p:spPr>
+        <p:style>
+          <a:lnRef idx="1">
+            <a:schemeClr val="accent1"/>
+          </a:lnRef>
+          <a:fillRef idx="3">
+            <a:schemeClr val="accent1"/>
+          </a:fillRef>
+          <a:effectRef idx="2">
+            <a:schemeClr val="accent1"/>
+          </a:effectRef>
+          <a:fontRef idx="minor">
+            <a:schemeClr val="lt1"/>
+          </a:fontRef>
+        </p:style>
+        <p:txBody>
+          <a:bodyPr rtlCol="0" anchor="ctr"/>
+          <a:lstStyle/>
+          <a:p>
+            <a:pPr algn="ctr"/>
+            <a:r>
+              <a:rPr lang="pl-PL" sz="2000" dirty="0" err="1">
+                <a:latin typeface="Arial Black" panose="020B0A04020102020204" pitchFamily="34" charset="0"/>
+              </a:rPr>
+              <a:t>Shipment</a:t>
+            </a:r>
+            <a:r>
+              <a:rPr lang="pl-PL" sz="2000" dirty="0">
+                <a:latin typeface="Arial Black" panose="020B0A04020102020204" pitchFamily="34" charset="0"/>
+              </a:rPr>
+              <a:t> *</a:t>
+            </a:r>
+            <a:endParaRPr lang="en-US" sz="2000" dirty="0">
+              <a:latin typeface="Arial Black" panose="020B0A04020102020204" pitchFamily="34" charset="0"/>
+            </a:endParaRPr>
+          </a:p>
+        </p:txBody>
+      </p:sp>
+      <p:pic>
+        <p:nvPicPr>
+          <p:cNvPr id="12" name="Obraz 11">
+            <a:extLst>
+              <a:ext uri="{FF2B5EF4-FFF2-40B4-BE49-F238E27FC236}">
+                <a16:creationId xmlns:a16="http://schemas.microsoft.com/office/drawing/2014/main" id="{92C3FCE7-F7A2-4867-82AD-AF31659DF914}"/>
+              </a:ext>
+            </a:extLst>
+          </p:cNvPr>
+          <p:cNvPicPr>
+            <a:picLocks noChangeAspect="1"/>
+          </p:cNvPicPr>
+          <p:nvPr/>
+        </p:nvPicPr>
+        <p:blipFill>
+          <a:blip r:embed="rId4" cstate="print">
+            <a:extLst>
+              <a:ext uri="{28A0092B-C50C-407E-A947-70E740481C1C}">
+                <a14:useLocalDpi xmlns:a14="http://schemas.microsoft.com/office/drawing/2010/main" val="0"/>
+              </a:ext>
+            </a:extLst>
+          </a:blip>
+          <a:stretch>
+            <a:fillRect/>
+          </a:stretch>
+        </p:blipFill>
+        <p:spPr>
+          <a:xfrm>
+            <a:off x="7150032" y="3637742"/>
+            <a:ext cx="957261" cy="957261"/>
+          </a:xfrm>
+          <a:prstGeom prst="rect">
+            <a:avLst/>
+          </a:prstGeom>
+        </p:spPr>
+      </p:pic>
+      <p:pic>
+        <p:nvPicPr>
+          <p:cNvPr id="13" name="Obraz 12">
+            <a:extLst>
+              <a:ext uri="{FF2B5EF4-FFF2-40B4-BE49-F238E27FC236}">
+                <a16:creationId xmlns:a16="http://schemas.microsoft.com/office/drawing/2014/main" id="{66B071E5-2910-4867-96C1-5087FC1ECC0D}"/>
+              </a:ext>
+            </a:extLst>
+          </p:cNvPr>
+          <p:cNvPicPr>
+            <a:picLocks noChangeAspect="1"/>
+          </p:cNvPicPr>
+          <p:nvPr/>
+        </p:nvPicPr>
+        <p:blipFill>
+          <a:blip r:embed="rId5" cstate="print">
+            <a:extLst>
+              <a:ext uri="{28A0092B-C50C-407E-A947-70E740481C1C}">
+                <a14:useLocalDpi xmlns:a14="http://schemas.microsoft.com/office/drawing/2010/main" val="0"/>
+              </a:ext>
+            </a:extLst>
+          </a:blip>
+          <a:stretch>
+            <a:fillRect/>
+          </a:stretch>
+        </p:blipFill>
+        <p:spPr>
+          <a:xfrm>
+            <a:off x="3676170" y="3844845"/>
+            <a:ext cx="809910" cy="1154438"/>
+          </a:xfrm>
+          <a:prstGeom prst="rect">
+            <a:avLst/>
+          </a:prstGeom>
+        </p:spPr>
+      </p:pic>
+    </p:spTree>
+    <p:extLst>
+      <p:ext uri="{BB962C8B-B14F-4D97-AF65-F5344CB8AC3E}">
+        <p14:creationId xmlns:p14="http://schemas.microsoft.com/office/powerpoint/2010/main" val="2594619644"/>
+      </p:ext>
+    </p:extLst>
+  </p:cSld>
+  <p:clrMapOvr>
+    <a:masterClrMapping/>
+  </p:clrMapOvr>
+</p:sld>
+</file>
+
+<file path=ppt/slides/slide21.xml><?xml version="1.0" encoding="utf-8"?>
+<p:sld xmlns:a="http://schemas.openxmlformats.org/drawingml/2006/main" xmlns:r="http://schemas.openxmlformats.org/officeDocument/2006/relationships" xmlns:p="http://schemas.openxmlformats.org/presentationml/2006/main">
+  <p:cSld>
+    <p:spTree>
+      <p:nvGrpSpPr>
+        <p:cNvPr id="1" name=""/>
+        <p:cNvGrpSpPr/>
+        <p:nvPr/>
+      </p:nvGrpSpPr>
+      <p:grpSpPr>
+        <a:xfrm>
+          <a:off x="0" y="0"/>
+          <a:ext cx="0" cy="0"/>
+          <a:chOff x="0" y="0"/>
+          <a:chExt cx="0" cy="0"/>
+        </a:xfrm>
+      </p:grpSpPr>
       <p:pic>
         <p:nvPicPr>
           <p:cNvPr id="2" name="Obraz 1">
@@ -34379,7 +34624,7 @@
 </p:sld>
 </file>
 
-<file path=ppt/slides/slide21.xml><?xml version="1.0" encoding="utf-8"?>
+<file path=ppt/slides/slide22.xml><?xml version="1.0" encoding="utf-8"?>
 <p:sld xmlns:a="http://schemas.openxmlformats.org/drawingml/2006/main" xmlns:r="http://schemas.openxmlformats.org/officeDocument/2006/relationships" xmlns:p="http://schemas.openxmlformats.org/presentationml/2006/main">
   <p:cSld>
     <p:spTree>
@@ -34790,8 +35035,8 @@
           </a:prstGeom>
         </p:spPr>
       </p:pic>
-      <mc:AlternateContent xmlns:mc="http://schemas.openxmlformats.org/markup-compatibility/2006">
-        <mc:Choice xmlns:p14="http://schemas.microsoft.com/office/powerpoint/2010/main" Requires="p14">
+      <mc:AlternateContent xmlns:mc="http://schemas.openxmlformats.org/markup-compatibility/2006" xmlns:p14="http://schemas.microsoft.com/office/powerpoint/2010/main">
+        <mc:Choice Requires="p14">
           <p:contentPart p14:bwMode="auto" r:id="rId7">
             <p14:nvContentPartPr>
               <p14:cNvPr id="4" name="Pismo odręczne 3">
@@ -34810,7 +35055,7 @@
             </p14:xfrm>
           </p:contentPart>
         </mc:Choice>
-        <mc:Fallback>
+        <mc:Fallback xmlns="">
           <p:pic>
             <p:nvPicPr>
               <p:cNvPr id="4" name="Pismo odręczne 3">
@@ -34854,7 +35099,7 @@
 </p:sld>
 </file>
 
-<file path=ppt/slides/slide22.xml><?xml version="1.0" encoding="utf-8"?>
+<file path=ppt/slides/slide23.xml><?xml version="1.0" encoding="utf-8"?>
 <p:sld xmlns:a="http://schemas.openxmlformats.org/drawingml/2006/main" xmlns:r="http://schemas.openxmlformats.org/officeDocument/2006/relationships" xmlns:p="http://schemas.openxmlformats.org/presentationml/2006/main">
   <p:cSld>
     <p:spTree>
@@ -35184,7 +35429,7 @@
 </p:sld>
 </file>
 
-<file path=ppt/slides/slide23.xml><?xml version="1.0" encoding="utf-8"?>
+<file path=ppt/slides/slide24.xml><?xml version="1.0" encoding="utf-8"?>
 <p:sld xmlns:a="http://schemas.openxmlformats.org/drawingml/2006/main" xmlns:r="http://schemas.openxmlformats.org/officeDocument/2006/relationships" xmlns:p="http://schemas.openxmlformats.org/presentationml/2006/main">
   <p:cSld>
     <p:spTree>
@@ -35537,8 +35782,8 @@
           </a:prstGeom>
         </p:spPr>
       </p:pic>
-      <mc:AlternateContent xmlns:mc="http://schemas.openxmlformats.org/markup-compatibility/2006">
-        <mc:Choice xmlns:p14="http://schemas.microsoft.com/office/powerpoint/2010/main" Requires="p14">
+      <mc:AlternateContent xmlns:mc="http://schemas.openxmlformats.org/markup-compatibility/2006" xmlns:p14="http://schemas.microsoft.com/office/powerpoint/2010/main">
+        <mc:Choice Requires="p14">
           <p:contentPart p14:bwMode="auto" r:id="rId7">
             <p14:nvContentPartPr>
               <p14:cNvPr id="4" name="Pismo odręczne 3">
@@ -35557,7 +35802,7 @@
             </p14:xfrm>
           </p:contentPart>
         </mc:Choice>
-        <mc:Fallback>
+        <mc:Fallback xmlns="">
           <p:pic>
             <p:nvPicPr>
               <p:cNvPr id="4" name="Pismo odręczne 3">
@@ -35601,7 +35846,7 @@
 </p:sld>
 </file>
 
-<file path=ppt/slides/slide24.xml><?xml version="1.0" encoding="utf-8"?>
+<file path=ppt/slides/slide25.xml><?xml version="1.0" encoding="utf-8"?>
 <p:sld xmlns:a="http://schemas.openxmlformats.org/drawingml/2006/main" xmlns:r="http://schemas.openxmlformats.org/officeDocument/2006/relationships" xmlns:p="http://schemas.openxmlformats.org/presentationml/2006/main">
   <p:cSld>
     <p:spTree>
@@ -35634,13 +35879,6 @@
         </p:nvPicPr>
         <p:blipFill>
           <a:blip r:embed="rId2" cstate="print">
-            <a:duotone>
-              <a:schemeClr val="accent6">
-                <a:shade val="45000"/>
-                <a:satMod val="135000"/>
-              </a:schemeClr>
-              <a:prstClr val="white"/>
-            </a:duotone>
             <a:extLst>
               <a:ext uri="{28A0092B-C50C-407E-A947-70E740481C1C}">
                 <a14:useLocalDpi xmlns:a14="http://schemas.microsoft.com/office/drawing/2010/main" val="0"/>
@@ -35677,13 +35915,6 @@
         </p:nvPicPr>
         <p:blipFill>
           <a:blip r:embed="rId3" cstate="print">
-            <a:duotone>
-              <a:schemeClr val="accent6">
-                <a:shade val="45000"/>
-                <a:satMod val="135000"/>
-              </a:schemeClr>
-              <a:prstClr val="white"/>
-            </a:duotone>
             <a:extLst>
               <a:ext uri="{28A0092B-C50C-407E-A947-70E740481C1C}">
                 <a14:useLocalDpi xmlns:a14="http://schemas.microsoft.com/office/drawing/2010/main" val="0"/>
@@ -35720,13 +35951,6 @@
         </p:nvPicPr>
         <p:blipFill>
           <a:blip r:embed="rId4" cstate="print">
-            <a:duotone>
-              <a:schemeClr val="accent6">
-                <a:shade val="45000"/>
-                <a:satMod val="135000"/>
-              </a:schemeClr>
-              <a:prstClr val="white"/>
-            </a:duotone>
             <a:extLst>
               <a:ext uri="{28A0092B-C50C-407E-A947-70E740481C1C}">
                 <a14:useLocalDpi xmlns:a14="http://schemas.microsoft.com/office/drawing/2010/main" val="0"/>
@@ -35970,7 +36194,7 @@
 </p:sld>
 </file>
 
-<file path=ppt/slides/slide25.xml><?xml version="1.0" encoding="utf-8"?>
+<file path=ppt/slides/slide26.xml><?xml version="1.0" encoding="utf-8"?>
 <p:sld xmlns:a="http://schemas.openxmlformats.org/drawingml/2006/main" xmlns:r="http://schemas.openxmlformats.org/officeDocument/2006/relationships" xmlns:p="http://schemas.openxmlformats.org/presentationml/2006/main">
   <p:cSld>
     <p:spTree>
@@ -36349,7 +36573,7 @@
 </p:sld>
 </file>
 
-<file path=ppt/slides/slide26.xml><?xml version="1.0" encoding="utf-8"?>
+<file path=ppt/slides/slide27.xml><?xml version="1.0" encoding="utf-8"?>
 <p:sld xmlns:a="http://schemas.openxmlformats.org/drawingml/2006/main" xmlns:r="http://schemas.openxmlformats.org/officeDocument/2006/relationships" xmlns:p="http://schemas.openxmlformats.org/presentationml/2006/main" show="0">
   <p:cSld>
     <p:spTree>
@@ -37114,7 +37338,7 @@
 </p:sld>
 </file>
 
-<file path=ppt/slides/slide27.xml><?xml version="1.0" encoding="utf-8"?>
+<file path=ppt/slides/slide28.xml><?xml version="1.0" encoding="utf-8"?>
 <p:sld xmlns:a="http://schemas.openxmlformats.org/drawingml/2006/main" xmlns:r="http://schemas.openxmlformats.org/officeDocument/2006/relationships" xmlns:p="http://schemas.openxmlformats.org/presentationml/2006/main" show="0">
   <p:cSld>
     <p:spTree>
@@ -37835,7 +38059,7 @@
 </p:sld>
 </file>
 
-<file path=ppt/slides/slide28.xml><?xml version="1.0" encoding="utf-8"?>
+<file path=ppt/slides/slide29.xml><?xml version="1.0" encoding="utf-8"?>
 <p:sld xmlns:a="http://schemas.openxmlformats.org/drawingml/2006/main" xmlns:r="http://schemas.openxmlformats.org/officeDocument/2006/relationships" xmlns:p="http://schemas.openxmlformats.org/presentationml/2006/main">
   <p:cSld>
     <p:spTree>
@@ -38388,753 +38612,6 @@
 </p:sld>
 </file>
 
-<file path=ppt/slides/slide29.xml><?xml version="1.0" encoding="utf-8"?>
-<p:sld xmlns:a="http://schemas.openxmlformats.org/drawingml/2006/main" xmlns:r="http://schemas.openxmlformats.org/officeDocument/2006/relationships" xmlns:p="http://schemas.openxmlformats.org/presentationml/2006/main">
-  <p:cSld>
-    <p:spTree>
-      <p:nvGrpSpPr>
-        <p:cNvPr id="1" name=""/>
-        <p:cNvGrpSpPr/>
-        <p:nvPr/>
-      </p:nvGrpSpPr>
-      <p:grpSpPr>
-        <a:xfrm>
-          <a:off x="0" y="0"/>
-          <a:ext cx="0" cy="0"/>
-          <a:chOff x="0" y="0"/>
-          <a:chExt cx="0" cy="0"/>
-        </a:xfrm>
-      </p:grpSpPr>
-      <p:pic>
-        <p:nvPicPr>
-          <p:cNvPr id="3" name="Obraz 2">
-            <a:extLst>
-              <a:ext uri="{FF2B5EF4-FFF2-40B4-BE49-F238E27FC236}">
-                <a16:creationId xmlns:a16="http://schemas.microsoft.com/office/drawing/2014/main" id="{E9C3BB99-58A5-43C3-B93D-2681049A88EE}"/>
-              </a:ext>
-            </a:extLst>
-          </p:cNvPr>
-          <p:cNvPicPr>
-            <a:picLocks noChangeAspect="1"/>
-          </p:cNvPicPr>
-          <p:nvPr/>
-        </p:nvPicPr>
-        <p:blipFill>
-          <a:blip r:embed="rId2" cstate="print">
-            <a:alphaModFix amt="35000"/>
-            <a:extLst>
-              <a:ext uri="{28A0092B-C50C-407E-A947-70E740481C1C}">
-                <a14:useLocalDpi xmlns:a14="http://schemas.microsoft.com/office/drawing/2010/main" val="0"/>
-              </a:ext>
-            </a:extLst>
-          </a:blip>
-          <a:stretch>
-            <a:fillRect/>
-          </a:stretch>
-        </p:blipFill>
-        <p:spPr>
-          <a:xfrm>
-            <a:off x="1586433" y="952685"/>
-            <a:ext cx="1628775" cy="1628775"/>
-          </a:xfrm>
-          <a:prstGeom prst="rect">
-            <a:avLst/>
-          </a:prstGeom>
-        </p:spPr>
-      </p:pic>
-      <p:pic>
-        <p:nvPicPr>
-          <p:cNvPr id="13" name="Grafika 12" descr="Koperta">
-            <a:extLst>
-              <a:ext uri="{FF2B5EF4-FFF2-40B4-BE49-F238E27FC236}">
-                <a16:creationId xmlns:a16="http://schemas.microsoft.com/office/drawing/2014/main" id="{D1F18683-0D21-4D5C-8A2B-9E0D85E17FBD}"/>
-              </a:ext>
-            </a:extLst>
-          </p:cNvPr>
-          <p:cNvPicPr>
-            <a:picLocks noChangeAspect="1"/>
-          </p:cNvPicPr>
-          <p:nvPr/>
-        </p:nvPicPr>
-        <p:blipFill>
-          <a:blip r:embed="rId3">
-            <a:extLst>
-              <a:ext uri="{28A0092B-C50C-407E-A947-70E740481C1C}">
-                <a14:useLocalDpi xmlns:a14="http://schemas.microsoft.com/office/drawing/2010/main" val="0"/>
-              </a:ext>
-              <a:ext uri="{96DAC541-7B7A-43D3-8B79-37D633B846F1}">
-                <asvg:svgBlip xmlns:asvg="http://schemas.microsoft.com/office/drawing/2016/SVG/main" r:embed="rId4"/>
-              </a:ext>
-            </a:extLst>
-          </a:blip>
-          <a:stretch>
-            <a:fillRect/>
-          </a:stretch>
-        </p:blipFill>
-        <p:spPr>
-          <a:xfrm>
-            <a:off x="1970662" y="2980922"/>
-            <a:ext cx="1419752" cy="1419752"/>
-          </a:xfrm>
-          <a:prstGeom prst="rect">
-            <a:avLst/>
-          </a:prstGeom>
-        </p:spPr>
-      </p:pic>
-      <p:pic>
-        <p:nvPicPr>
-          <p:cNvPr id="11" name="Obraz 10">
-            <a:extLst>
-              <a:ext uri="{FF2B5EF4-FFF2-40B4-BE49-F238E27FC236}">
-                <a16:creationId xmlns:a16="http://schemas.microsoft.com/office/drawing/2014/main" id="{72E13FC8-85E5-4466-B3D5-24F97A0BEA97}"/>
-              </a:ext>
-            </a:extLst>
-          </p:cNvPr>
-          <p:cNvPicPr>
-            <a:picLocks noChangeAspect="1"/>
-          </p:cNvPicPr>
-          <p:nvPr/>
-        </p:nvPicPr>
-        <p:blipFill>
-          <a:blip r:embed="rId5" cstate="print">
-            <a:extLst>
-              <a:ext uri="{28A0092B-C50C-407E-A947-70E740481C1C}">
-                <a14:useLocalDpi xmlns:a14="http://schemas.microsoft.com/office/drawing/2010/main" val="0"/>
-              </a:ext>
-            </a:extLst>
-          </a:blip>
-          <a:stretch>
-            <a:fillRect/>
-          </a:stretch>
-        </p:blipFill>
-        <p:spPr>
-          <a:xfrm>
-            <a:off x="3973535" y="3720801"/>
-            <a:ext cx="1628775" cy="1628775"/>
-          </a:xfrm>
-          <a:prstGeom prst="rect">
-            <a:avLst/>
-          </a:prstGeom>
-        </p:spPr>
-      </p:pic>
-      <p:pic>
-        <p:nvPicPr>
-          <p:cNvPr id="15" name="Obraz 14">
-            <a:extLst>
-              <a:ext uri="{FF2B5EF4-FFF2-40B4-BE49-F238E27FC236}">
-                <a16:creationId xmlns:a16="http://schemas.microsoft.com/office/drawing/2014/main" id="{1804F4BB-0CF2-4612-B4CC-C315693B86F7}"/>
-              </a:ext>
-            </a:extLst>
-          </p:cNvPr>
-          <p:cNvPicPr>
-            <a:picLocks noChangeAspect="1"/>
-          </p:cNvPicPr>
-          <p:nvPr/>
-        </p:nvPicPr>
-        <p:blipFill>
-          <a:blip r:embed="rId2" cstate="print">
-            <a:alphaModFix amt="35000"/>
-            <a:extLst>
-              <a:ext uri="{28A0092B-C50C-407E-A947-70E740481C1C}">
-                <a14:useLocalDpi xmlns:a14="http://schemas.microsoft.com/office/drawing/2010/main" val="0"/>
-              </a:ext>
-            </a:extLst>
-          </a:blip>
-          <a:stretch>
-            <a:fillRect/>
-          </a:stretch>
-        </p:blipFill>
-        <p:spPr>
-          <a:xfrm>
-            <a:off x="3973507" y="957815"/>
-            <a:ext cx="1628775" cy="1628775"/>
-          </a:xfrm>
-          <a:prstGeom prst="rect">
-            <a:avLst/>
-          </a:prstGeom>
-        </p:spPr>
-      </p:pic>
-      <p:pic>
-        <p:nvPicPr>
-          <p:cNvPr id="16" name="Obraz 15">
-            <a:extLst>
-              <a:ext uri="{FF2B5EF4-FFF2-40B4-BE49-F238E27FC236}">
-                <a16:creationId xmlns:a16="http://schemas.microsoft.com/office/drawing/2014/main" id="{EB4ECDBC-2353-4E54-95FB-E84CE61A9289}"/>
-              </a:ext>
-            </a:extLst>
-          </p:cNvPr>
-          <p:cNvPicPr>
-            <a:picLocks noChangeAspect="1"/>
-          </p:cNvPicPr>
-          <p:nvPr/>
-        </p:nvPicPr>
-        <p:blipFill>
-          <a:blip r:embed="rId5" cstate="print">
-            <a:extLst>
-              <a:ext uri="{28A0092B-C50C-407E-A947-70E740481C1C}">
-                <a14:useLocalDpi xmlns:a14="http://schemas.microsoft.com/office/drawing/2010/main" val="0"/>
-              </a:ext>
-            </a:extLst>
-          </a:blip>
-          <a:stretch>
-            <a:fillRect/>
-          </a:stretch>
-        </p:blipFill>
-        <p:spPr>
-          <a:xfrm>
-            <a:off x="8259193" y="3715672"/>
-            <a:ext cx="1628775" cy="1628775"/>
-          </a:xfrm>
-          <a:prstGeom prst="rect">
-            <a:avLst/>
-          </a:prstGeom>
-        </p:spPr>
-      </p:pic>
-      <p:pic>
-        <p:nvPicPr>
-          <p:cNvPr id="17" name="Obraz 16">
-            <a:extLst>
-              <a:ext uri="{FF2B5EF4-FFF2-40B4-BE49-F238E27FC236}">
-                <a16:creationId xmlns:a16="http://schemas.microsoft.com/office/drawing/2014/main" id="{3E38335A-5107-45BC-A7AB-33F8CA71D850}"/>
-              </a:ext>
-            </a:extLst>
-          </p:cNvPr>
-          <p:cNvPicPr>
-            <a:picLocks noChangeAspect="1"/>
-          </p:cNvPicPr>
-          <p:nvPr/>
-        </p:nvPicPr>
-        <p:blipFill>
-          <a:blip r:embed="rId2" cstate="print">
-            <a:alphaModFix amt="35000"/>
-            <a:extLst>
-              <a:ext uri="{28A0092B-C50C-407E-A947-70E740481C1C}">
-                <a14:useLocalDpi xmlns:a14="http://schemas.microsoft.com/office/drawing/2010/main" val="0"/>
-              </a:ext>
-            </a:extLst>
-          </a:blip>
-          <a:stretch>
-            <a:fillRect/>
-          </a:stretch>
-        </p:blipFill>
-        <p:spPr>
-          <a:xfrm>
-            <a:off x="8259165" y="952686"/>
-            <a:ext cx="1628775" cy="1628775"/>
-          </a:xfrm>
-          <a:prstGeom prst="rect">
-            <a:avLst/>
-          </a:prstGeom>
-        </p:spPr>
-      </p:pic>
-      <p:pic>
-        <p:nvPicPr>
-          <p:cNvPr id="19" name="Grafika 18" descr="Koperta">
-            <a:extLst>
-              <a:ext uri="{FF2B5EF4-FFF2-40B4-BE49-F238E27FC236}">
-                <a16:creationId xmlns:a16="http://schemas.microsoft.com/office/drawing/2014/main" id="{E43BF9D6-34AE-427D-9029-44AE8D57ADA3}"/>
-              </a:ext>
-            </a:extLst>
-          </p:cNvPr>
-          <p:cNvPicPr>
-            <a:picLocks noChangeAspect="1"/>
-          </p:cNvPicPr>
-          <p:nvPr/>
-        </p:nvPicPr>
-        <p:blipFill>
-          <a:blip r:embed="rId6">
-            <a:extLst>
-              <a:ext uri="{28A0092B-C50C-407E-A947-70E740481C1C}">
-                <a14:useLocalDpi xmlns:a14="http://schemas.microsoft.com/office/drawing/2010/main" val="0"/>
-              </a:ext>
-              <a:ext uri="{96DAC541-7B7A-43D3-8B79-37D633B846F1}">
-                <asvg:svgBlip xmlns:asvg="http://schemas.microsoft.com/office/drawing/2016/SVG/main" r:embed="rId7"/>
-              </a:ext>
-            </a:extLst>
-          </a:blip>
-          <a:stretch>
-            <a:fillRect/>
-          </a:stretch>
-        </p:blipFill>
-        <p:spPr>
-          <a:xfrm>
-            <a:off x="6185431" y="3055669"/>
-            <a:ext cx="1419752" cy="1419752"/>
-          </a:xfrm>
-          <a:prstGeom prst="rect">
-            <a:avLst/>
-          </a:prstGeom>
-        </p:spPr>
-      </p:pic>
-      <p:sp>
-        <p:nvSpPr>
-          <p:cNvPr id="20" name="Strzałka w prawo 7">
-            <a:extLst>
-              <a:ext uri="{FF2B5EF4-FFF2-40B4-BE49-F238E27FC236}">
-                <a16:creationId xmlns:a16="http://schemas.microsoft.com/office/drawing/2014/main" id="{7979CA9A-354A-42F8-AA0F-B52B95C48789}"/>
-              </a:ext>
-            </a:extLst>
-          </p:cNvPr>
-          <p:cNvSpPr/>
-          <p:nvPr/>
-        </p:nvSpPr>
-        <p:spPr>
-          <a:xfrm rot="5400000">
-            <a:off x="4592177" y="3058975"/>
-            <a:ext cx="945171" cy="374970"/>
-          </a:xfrm>
-          <a:prstGeom prst="rightArrow">
-            <a:avLst/>
-          </a:prstGeom>
-          <a:gradFill>
-            <a:gsLst>
-              <a:gs pos="0">
-                <a:schemeClr val="accent4">
-                  <a:satMod val="103000"/>
-                  <a:lumMod val="102000"/>
-                  <a:tint val="94000"/>
-                  <a:alpha val="50000"/>
-                </a:schemeClr>
-              </a:gs>
-              <a:gs pos="50000">
-                <a:schemeClr val="accent4">
-                  <a:satMod val="110000"/>
-                  <a:lumMod val="100000"/>
-                  <a:shade val="100000"/>
-                  <a:alpha val="52000"/>
-                </a:schemeClr>
-              </a:gs>
-              <a:gs pos="100000">
-                <a:schemeClr val="accent4">
-                  <a:lumMod val="99000"/>
-                  <a:satMod val="120000"/>
-                  <a:shade val="78000"/>
-                  <a:alpha val="52000"/>
-                </a:schemeClr>
-              </a:gs>
-            </a:gsLst>
-          </a:gradFill>
-          <a:ln>
-            <a:solidFill>
-              <a:schemeClr val="accent4">
-                <a:alpha val="53000"/>
-              </a:schemeClr>
-            </a:solidFill>
-          </a:ln>
-        </p:spPr>
-        <p:style>
-          <a:lnRef idx="1">
-            <a:schemeClr val="accent4"/>
-          </a:lnRef>
-          <a:fillRef idx="3">
-            <a:schemeClr val="accent4"/>
-          </a:fillRef>
-          <a:effectRef idx="2">
-            <a:schemeClr val="accent4"/>
-          </a:effectRef>
-          <a:fontRef idx="minor">
-            <a:schemeClr val="lt1"/>
-          </a:fontRef>
-        </p:style>
-        <p:txBody>
-          <a:bodyPr rtlCol="0" anchor="ctr"/>
-          <a:lstStyle/>
-          <a:p>
-            <a:pPr algn="ctr"/>
-            <a:endParaRPr lang="en-US"/>
-          </a:p>
-        </p:txBody>
-      </p:sp>
-      <p:sp>
-        <p:nvSpPr>
-          <p:cNvPr id="23" name="Strzałka w prawo 7">
-            <a:extLst>
-              <a:ext uri="{FF2B5EF4-FFF2-40B4-BE49-F238E27FC236}">
-                <a16:creationId xmlns:a16="http://schemas.microsoft.com/office/drawing/2014/main" id="{DFE94D7D-959A-4959-89A3-EC61EAA583B0}"/>
-              </a:ext>
-            </a:extLst>
-          </p:cNvPr>
-          <p:cNvSpPr/>
-          <p:nvPr/>
-        </p:nvSpPr>
-        <p:spPr>
-          <a:xfrm rot="16200000">
-            <a:off x="4029709" y="3030727"/>
-            <a:ext cx="945171" cy="374970"/>
-          </a:xfrm>
-          <a:prstGeom prst="rightArrow">
-            <a:avLst/>
-          </a:prstGeom>
-          <a:gradFill>
-            <a:gsLst>
-              <a:gs pos="0">
-                <a:schemeClr val="accent4">
-                  <a:satMod val="103000"/>
-                  <a:lumMod val="102000"/>
-                  <a:tint val="94000"/>
-                  <a:alpha val="50000"/>
-                </a:schemeClr>
-              </a:gs>
-              <a:gs pos="50000">
-                <a:schemeClr val="accent4">
-                  <a:satMod val="110000"/>
-                  <a:lumMod val="100000"/>
-                  <a:shade val="100000"/>
-                  <a:alpha val="52000"/>
-                </a:schemeClr>
-              </a:gs>
-              <a:gs pos="100000">
-                <a:schemeClr val="accent4">
-                  <a:lumMod val="99000"/>
-                  <a:satMod val="120000"/>
-                  <a:shade val="78000"/>
-                  <a:alpha val="52000"/>
-                </a:schemeClr>
-              </a:gs>
-            </a:gsLst>
-          </a:gradFill>
-          <a:ln>
-            <a:solidFill>
-              <a:schemeClr val="accent4">
-                <a:alpha val="53000"/>
-              </a:schemeClr>
-            </a:solidFill>
-          </a:ln>
-        </p:spPr>
-        <p:style>
-          <a:lnRef idx="1">
-            <a:schemeClr val="accent4"/>
-          </a:lnRef>
-          <a:fillRef idx="3">
-            <a:schemeClr val="accent4"/>
-          </a:fillRef>
-          <a:effectRef idx="2">
-            <a:schemeClr val="accent4"/>
-          </a:effectRef>
-          <a:fontRef idx="minor">
-            <a:schemeClr val="lt1"/>
-          </a:fontRef>
-        </p:style>
-        <p:txBody>
-          <a:bodyPr rtlCol="0" anchor="ctr"/>
-          <a:lstStyle/>
-          <a:p>
-            <a:pPr algn="ctr"/>
-            <a:endParaRPr lang="en-US"/>
-          </a:p>
-        </p:txBody>
-      </p:sp>
-      <p:sp>
-        <p:nvSpPr>
-          <p:cNvPr id="24" name="Strzałka w prawo 7">
-            <a:extLst>
-              <a:ext uri="{FF2B5EF4-FFF2-40B4-BE49-F238E27FC236}">
-                <a16:creationId xmlns:a16="http://schemas.microsoft.com/office/drawing/2014/main" id="{96278315-60CD-4E15-945D-A38F0091C22F}"/>
-              </a:ext>
-            </a:extLst>
-          </p:cNvPr>
-          <p:cNvSpPr/>
-          <p:nvPr/>
-        </p:nvSpPr>
-        <p:spPr>
-          <a:xfrm rot="13631094" flipH="1">
-            <a:off x="2826237" y="2881030"/>
-            <a:ext cx="1553018" cy="374970"/>
-          </a:xfrm>
-          <a:prstGeom prst="rightArrow">
-            <a:avLst/>
-          </a:prstGeom>
-          <a:gradFill>
-            <a:gsLst>
-              <a:gs pos="0">
-                <a:schemeClr val="accent4">
-                  <a:satMod val="103000"/>
-                  <a:lumMod val="102000"/>
-                  <a:tint val="94000"/>
-                  <a:alpha val="51000"/>
-                </a:schemeClr>
-              </a:gs>
-              <a:gs pos="50000">
-                <a:schemeClr val="accent4">
-                  <a:satMod val="110000"/>
-                  <a:lumMod val="100000"/>
-                  <a:shade val="100000"/>
-                  <a:alpha val="52000"/>
-                </a:schemeClr>
-              </a:gs>
-              <a:gs pos="100000">
-                <a:schemeClr val="accent4">
-                  <a:lumMod val="99000"/>
-                  <a:satMod val="120000"/>
-                  <a:shade val="78000"/>
-                  <a:alpha val="51000"/>
-                </a:schemeClr>
-              </a:gs>
-            </a:gsLst>
-          </a:gradFill>
-          <a:ln>
-            <a:solidFill>
-              <a:schemeClr val="accent4">
-                <a:alpha val="47000"/>
-              </a:schemeClr>
-            </a:solidFill>
-          </a:ln>
-        </p:spPr>
-        <p:style>
-          <a:lnRef idx="1">
-            <a:schemeClr val="accent4"/>
-          </a:lnRef>
-          <a:fillRef idx="3">
-            <a:schemeClr val="accent4"/>
-          </a:fillRef>
-          <a:effectRef idx="2">
-            <a:schemeClr val="accent4"/>
-          </a:effectRef>
-          <a:fontRef idx="minor">
-            <a:schemeClr val="lt1"/>
-          </a:fontRef>
-        </p:style>
-        <p:txBody>
-          <a:bodyPr rtlCol="0" anchor="ctr"/>
-          <a:lstStyle/>
-          <a:p>
-            <a:pPr algn="ctr"/>
-            <a:endParaRPr lang="en-US"/>
-          </a:p>
-        </p:txBody>
-      </p:sp>
-      <p:sp>
-        <p:nvSpPr>
-          <p:cNvPr id="27" name="Strzałka w prawo 7">
-            <a:extLst>
-              <a:ext uri="{FF2B5EF4-FFF2-40B4-BE49-F238E27FC236}">
-                <a16:creationId xmlns:a16="http://schemas.microsoft.com/office/drawing/2014/main" id="{063CDCE9-CA8F-428F-8578-903DDE5C79C2}"/>
-              </a:ext>
-            </a:extLst>
-          </p:cNvPr>
-          <p:cNvSpPr/>
-          <p:nvPr/>
-        </p:nvSpPr>
-        <p:spPr>
-          <a:xfrm rot="16200000">
-            <a:off x="8600966" y="3030729"/>
-            <a:ext cx="945171" cy="374970"/>
-          </a:xfrm>
-          <a:prstGeom prst="rightArrow">
-            <a:avLst/>
-          </a:prstGeom>
-          <a:gradFill>
-            <a:gsLst>
-              <a:gs pos="0">
-                <a:schemeClr val="accent4">
-                  <a:satMod val="103000"/>
-                  <a:lumMod val="102000"/>
-                  <a:tint val="94000"/>
-                  <a:alpha val="50000"/>
-                </a:schemeClr>
-              </a:gs>
-              <a:gs pos="50000">
-                <a:schemeClr val="accent4">
-                  <a:satMod val="110000"/>
-                  <a:lumMod val="100000"/>
-                  <a:shade val="100000"/>
-                  <a:alpha val="52000"/>
-                </a:schemeClr>
-              </a:gs>
-              <a:gs pos="100000">
-                <a:schemeClr val="accent4">
-                  <a:lumMod val="99000"/>
-                  <a:satMod val="120000"/>
-                  <a:shade val="78000"/>
-                  <a:alpha val="52000"/>
-                </a:schemeClr>
-              </a:gs>
-            </a:gsLst>
-          </a:gradFill>
-          <a:ln>
-            <a:solidFill>
-              <a:schemeClr val="accent4">
-                <a:alpha val="53000"/>
-              </a:schemeClr>
-            </a:solidFill>
-          </a:ln>
-        </p:spPr>
-        <p:style>
-          <a:lnRef idx="1">
-            <a:schemeClr val="accent4"/>
-          </a:lnRef>
-          <a:fillRef idx="3">
-            <a:schemeClr val="accent4"/>
-          </a:fillRef>
-          <a:effectRef idx="2">
-            <a:schemeClr val="accent4"/>
-          </a:effectRef>
-          <a:fontRef idx="minor">
-            <a:schemeClr val="lt1"/>
-          </a:fontRef>
-        </p:style>
-        <p:txBody>
-          <a:bodyPr rtlCol="0" anchor="ctr"/>
-          <a:lstStyle/>
-          <a:p>
-            <a:pPr algn="ctr"/>
-            <a:endParaRPr lang="en-US"/>
-          </a:p>
-        </p:txBody>
-      </p:sp>
-      <p:sp>
-        <p:nvSpPr>
-          <p:cNvPr id="28" name="pole tekstowe 27">
-            <a:extLst>
-              <a:ext uri="{FF2B5EF4-FFF2-40B4-BE49-F238E27FC236}">
-                <a16:creationId xmlns:a16="http://schemas.microsoft.com/office/drawing/2014/main" id="{66069CCA-66B3-4A51-919D-40EB38A73C8A}"/>
-              </a:ext>
-            </a:extLst>
-          </p:cNvPr>
-          <p:cNvSpPr txBox="1"/>
-          <p:nvPr/>
-        </p:nvSpPr>
-        <p:spPr>
-          <a:xfrm>
-            <a:off x="7949884" y="5345753"/>
-            <a:ext cx="2247334" cy="523220"/>
-          </a:xfrm>
-          <a:prstGeom prst="rect">
-            <a:avLst/>
-          </a:prstGeom>
-          <a:noFill/>
-        </p:spPr>
-        <p:txBody>
-          <a:bodyPr wrap="square" rtlCol="0">
-            <a:spAutoFit/>
-          </a:bodyPr>
-          <a:lstStyle/>
-          <a:p>
-            <a:pPr algn="ctr"/>
-            <a:r>
-              <a:rPr lang="pl-PL" sz="2800" b="1" dirty="0" err="1">
-                <a:solidFill>
-                  <a:schemeClr val="bg1"/>
-                </a:solidFill>
-              </a:rPr>
-              <a:t>Deduplication</a:t>
-            </a:r>
-            <a:endParaRPr lang="pl-PL" sz="2800" b="1" dirty="0">
-              <a:solidFill>
-                <a:schemeClr val="bg1"/>
-              </a:solidFill>
-            </a:endParaRPr>
-          </a:p>
-        </p:txBody>
-      </p:sp>
-      <p:sp>
-        <p:nvSpPr>
-          <p:cNvPr id="22" name="Strzałka w prawo 7">
-            <a:extLst>
-              <a:ext uri="{FF2B5EF4-FFF2-40B4-BE49-F238E27FC236}">
-                <a16:creationId xmlns:a16="http://schemas.microsoft.com/office/drawing/2014/main" id="{969C8690-27F2-4612-82D5-791A8C19C3B9}"/>
-              </a:ext>
-            </a:extLst>
-          </p:cNvPr>
-          <p:cNvSpPr/>
-          <p:nvPr/>
-        </p:nvSpPr>
-        <p:spPr>
-          <a:xfrm>
-            <a:off x="5769261" y="4368164"/>
-            <a:ext cx="2322942" cy="374970"/>
-          </a:xfrm>
-          <a:prstGeom prst="rightArrow">
-            <a:avLst/>
-          </a:prstGeom>
-        </p:spPr>
-        <p:style>
-          <a:lnRef idx="1">
-            <a:schemeClr val="accent4"/>
-          </a:lnRef>
-          <a:fillRef idx="3">
-            <a:schemeClr val="accent4"/>
-          </a:fillRef>
-          <a:effectRef idx="2">
-            <a:schemeClr val="accent4"/>
-          </a:effectRef>
-          <a:fontRef idx="minor">
-            <a:schemeClr val="lt1"/>
-          </a:fontRef>
-        </p:style>
-        <p:txBody>
-          <a:bodyPr rtlCol="0" anchor="ctr"/>
-          <a:lstStyle/>
-          <a:p>
-            <a:pPr algn="ctr"/>
-            <a:endParaRPr lang="en-US"/>
-          </a:p>
-        </p:txBody>
-      </p:sp>
-      <mc:AlternateContent xmlns:mc="http://schemas.openxmlformats.org/markup-compatibility/2006">
-        <mc:Choice xmlns:p14="http://schemas.microsoft.com/office/powerpoint/2010/main" Requires="p14">
-          <p:contentPart p14:bwMode="auto" r:id="rId8">
-            <p14:nvContentPartPr>
-              <p14:cNvPr id="4" name="Pismo odręczne 3">
-                <a:extLst>
-                  <a:ext uri="{FF2B5EF4-FFF2-40B4-BE49-F238E27FC236}">
-                    <a16:creationId xmlns:a16="http://schemas.microsoft.com/office/drawing/2014/main" id="{9B012FCD-7474-478F-A29C-CE1A8A559F21}"/>
-                  </a:ext>
-                </a:extLst>
-              </p14:cNvPr>
-              <p14:cNvContentPartPr/>
-              <p14:nvPr/>
-            </p14:nvContentPartPr>
-            <p14:xfrm>
-              <a:off x="5593070" y="3889377"/>
-              <a:ext cx="2741400" cy="1247400"/>
-            </p14:xfrm>
-          </p:contentPart>
-        </mc:Choice>
-        <mc:Fallback>
-          <p:pic>
-            <p:nvPicPr>
-              <p:cNvPr id="4" name="Pismo odręczne 3">
-                <a:extLst>
-                  <a:ext uri="{FF2B5EF4-FFF2-40B4-BE49-F238E27FC236}">
-                    <a16:creationId xmlns:a16="http://schemas.microsoft.com/office/drawing/2014/main" id="{9B012FCD-7474-478F-A29C-CE1A8A559F21}"/>
-                  </a:ext>
-                </a:extLst>
-              </p:cNvPr>
-              <p:cNvPicPr/>
-              <p:nvPr/>
-            </p:nvPicPr>
-            <p:blipFill>
-              <a:blip r:embed="rId9"/>
-              <a:stretch>
-                <a:fillRect/>
-              </a:stretch>
-            </p:blipFill>
-            <p:spPr>
-              <a:xfrm>
-                <a:off x="5557430" y="3853377"/>
-                <a:ext cx="2813040" cy="1319040"/>
-              </a:xfrm>
-              <a:prstGeom prst="rect">
-                <a:avLst/>
-              </a:prstGeom>
-            </p:spPr>
-          </p:pic>
-        </mc:Fallback>
-      </mc:AlternateContent>
-    </p:spTree>
-    <p:extLst>
-      <p:ext uri="{BB962C8B-B14F-4D97-AF65-F5344CB8AC3E}">
-        <p14:creationId xmlns:p14="http://schemas.microsoft.com/office/powerpoint/2010/main" val="3666783911"/>
-      </p:ext>
-    </p:extLst>
-  </p:cSld>
-  <p:clrMapOvr>
-    <a:masterClrMapping/>
-  </p:clrMapOvr>
-</p:sld>
-</file>
-
 <file path=ppt/slides/slide3.xml><?xml version="1.0" encoding="utf-8"?>
 <p:sld xmlns:a="http://schemas.openxmlformats.org/drawingml/2006/main" xmlns:r="http://schemas.openxmlformats.org/officeDocument/2006/relationships" xmlns:p="http://schemas.openxmlformats.org/presentationml/2006/main">
   <p:cSld>
@@ -39167,14 +38644,14 @@
           <p:nvPr>
             <p:extLst>
               <p:ext uri="{D42A27DB-BD31-4B8C-83A1-F6EECF244321}">
-                <p14:modId xmlns:p14="http://schemas.microsoft.com/office/powerpoint/2010/main" val="3738608831"/>
+                <p14:modId xmlns:p14="http://schemas.microsoft.com/office/powerpoint/2010/main" val="3655460388"/>
               </p:ext>
             </p:extLst>
           </p:nvPr>
         </p:nvGraphicFramePr>
         <p:xfrm>
           <a:off x="963358" y="2703902"/>
-          <a:ext cx="6096000" cy="1112520"/>
+          <a:ext cx="5067891" cy="1112520"/>
         </p:xfrm>
         <a:graphic>
           <a:graphicData uri="http://schemas.openxmlformats.org/drawingml/2006/table">
@@ -39183,21 +38660,21 @@
                 <a:tableStyleId>{5C22544A-7EE6-4342-B048-85BDC9FD1C3A}</a:tableStyleId>
               </a:tblPr>
               <a:tblGrid>
-                <a:gridCol w="2032000">
+                <a:gridCol w="1689297">
                   <a:extLst>
                     <a:ext uri="{9D8B030D-6E8A-4147-A177-3AD203B41FA5}">
                       <a16:colId xmlns:a16="http://schemas.microsoft.com/office/drawing/2014/main" val="570515857"/>
                     </a:ext>
                   </a:extLst>
                 </a:gridCol>
-                <a:gridCol w="2032000">
+                <a:gridCol w="1689297">
                   <a:extLst>
                     <a:ext uri="{9D8B030D-6E8A-4147-A177-3AD203B41FA5}">
                       <a16:colId xmlns:a16="http://schemas.microsoft.com/office/drawing/2014/main" val="385747487"/>
                     </a:ext>
                   </a:extLst>
                 </a:gridCol>
-                <a:gridCol w="2032000">
+                <a:gridCol w="1689297">
                   <a:extLst>
                     <a:ext uri="{9D8B030D-6E8A-4147-A177-3AD203B41FA5}">
                       <a16:colId xmlns:a16="http://schemas.microsoft.com/office/drawing/2014/main" val="2696571957"/>
@@ -39218,7 +38695,14 @@
                       <a:endParaRPr lang="en-US" dirty="0"/>
                     </a:p>
                   </a:txBody>
-                  <a:tcPr/>
+                  <a:tcPr>
+                    <a:solidFill>
+                      <a:schemeClr val="accent2">
+                        <a:lumMod val="60000"/>
+                        <a:lumOff val="40000"/>
+                      </a:schemeClr>
+                    </a:solidFill>
+                  </a:tcPr>
                 </a:tc>
                 <a:tc>
                   <a:txBody>
@@ -39232,7 +38716,14 @@
                       <a:endParaRPr lang="en-US" dirty="0"/>
                     </a:p>
                   </a:txBody>
-                  <a:tcPr/>
+                  <a:tcPr>
+                    <a:solidFill>
+                      <a:schemeClr val="accent2">
+                        <a:lumMod val="60000"/>
+                        <a:lumOff val="40000"/>
+                      </a:schemeClr>
+                    </a:solidFill>
+                  </a:tcPr>
                 </a:tc>
                 <a:tc>
                   <a:txBody>
@@ -39246,7 +38737,14 @@
                       <a:endParaRPr lang="en-US" dirty="0"/>
                     </a:p>
                   </a:txBody>
-                  <a:tcPr/>
+                  <a:tcPr>
+                    <a:solidFill>
+                      <a:schemeClr val="accent2">
+                        <a:lumMod val="60000"/>
+                        <a:lumOff val="40000"/>
+                      </a:schemeClr>
+                    </a:solidFill>
+                  </a:tcPr>
                 </a:tc>
                 <a:extLst>
                   <a:ext uri="{0D108BD9-81ED-4DB2-BD59-A6C34878D82A}">
@@ -39413,14 +38911,14 @@
           <p:nvPr>
             <p:extLst>
               <p:ext uri="{D42A27DB-BD31-4B8C-83A1-F6EECF244321}">
-                <p14:modId xmlns:p14="http://schemas.microsoft.com/office/powerpoint/2010/main" val="3540063472"/>
+                <p14:modId xmlns:p14="http://schemas.microsoft.com/office/powerpoint/2010/main" val="2750941114"/>
               </p:ext>
             </p:extLst>
           </p:nvPr>
         </p:nvGraphicFramePr>
         <p:xfrm>
-          <a:off x="4678601" y="932535"/>
-          <a:ext cx="6096000" cy="1112520"/>
+          <a:off x="5761193" y="932535"/>
+          <a:ext cx="5013408" cy="1112520"/>
         </p:xfrm>
         <a:graphic>
           <a:graphicData uri="http://schemas.openxmlformats.org/drawingml/2006/table">
@@ -39429,21 +38927,21 @@
                 <a:tableStyleId>{5C22544A-7EE6-4342-B048-85BDC9FD1C3A}</a:tableStyleId>
               </a:tblPr>
               <a:tblGrid>
-                <a:gridCol w="2032000">
+                <a:gridCol w="1671136">
                   <a:extLst>
                     <a:ext uri="{9D8B030D-6E8A-4147-A177-3AD203B41FA5}">
                       <a16:colId xmlns:a16="http://schemas.microsoft.com/office/drawing/2014/main" val="570515857"/>
                     </a:ext>
                   </a:extLst>
                 </a:gridCol>
-                <a:gridCol w="2032000">
+                <a:gridCol w="1671136">
                   <a:extLst>
                     <a:ext uri="{9D8B030D-6E8A-4147-A177-3AD203B41FA5}">
                       <a16:colId xmlns:a16="http://schemas.microsoft.com/office/drawing/2014/main" val="385747487"/>
                     </a:ext>
                   </a:extLst>
                 </a:gridCol>
-                <a:gridCol w="2032000">
+                <a:gridCol w="1671136">
                   <a:extLst>
                     <a:ext uri="{9D8B030D-6E8A-4147-A177-3AD203B41FA5}">
                       <a16:colId xmlns:a16="http://schemas.microsoft.com/office/drawing/2014/main" val="2696571957"/>
@@ -39464,7 +38962,14 @@
                       <a:endParaRPr lang="en-US" dirty="0"/>
                     </a:p>
                   </a:txBody>
-                  <a:tcPr/>
+                  <a:tcPr>
+                    <a:solidFill>
+                      <a:schemeClr val="accent2">
+                        <a:lumMod val="60000"/>
+                        <a:lumOff val="40000"/>
+                      </a:schemeClr>
+                    </a:solidFill>
+                  </a:tcPr>
                 </a:tc>
                 <a:tc>
                   <a:txBody>
@@ -39478,7 +38983,14 @@
                       <a:endParaRPr lang="en-US" dirty="0"/>
                     </a:p>
                   </a:txBody>
-                  <a:tcPr/>
+                  <a:tcPr>
+                    <a:solidFill>
+                      <a:schemeClr val="accent2">
+                        <a:lumMod val="60000"/>
+                        <a:lumOff val="40000"/>
+                      </a:schemeClr>
+                    </a:solidFill>
+                  </a:tcPr>
                 </a:tc>
                 <a:tc>
                   <a:txBody>
@@ -39492,7 +39004,14 @@
                       <a:endParaRPr lang="en-US" dirty="0"/>
                     </a:p>
                   </a:txBody>
-                  <a:tcPr/>
+                  <a:tcPr>
+                    <a:solidFill>
+                      <a:schemeClr val="accent2">
+                        <a:lumMod val="60000"/>
+                        <a:lumOff val="40000"/>
+                      </a:schemeClr>
+                    </a:solidFill>
+                  </a:tcPr>
                 </a:tc>
                 <a:extLst>
                   <a:ext uri="{0D108BD9-81ED-4DB2-BD59-A6C34878D82A}">
@@ -39683,7 +39202,7 @@
           <p:nvPr>
             <p:extLst>
               <p:ext uri="{D42A27DB-BD31-4B8C-83A1-F6EECF244321}">
-                <p14:modId xmlns:p14="http://schemas.microsoft.com/office/powerpoint/2010/main" val="4026198632"/>
+                <p14:modId xmlns:p14="http://schemas.microsoft.com/office/powerpoint/2010/main" val="1402338543"/>
               </p:ext>
             </p:extLst>
           </p:nvPr>
@@ -39734,7 +39253,14 @@
                       <a:endParaRPr lang="en-US" dirty="0"/>
                     </a:p>
                   </a:txBody>
-                  <a:tcPr/>
+                  <a:tcPr>
+                    <a:solidFill>
+                      <a:schemeClr val="accent2">
+                        <a:lumMod val="60000"/>
+                        <a:lumOff val="40000"/>
+                      </a:schemeClr>
+                    </a:solidFill>
+                  </a:tcPr>
                 </a:tc>
                 <a:tc>
                   <a:txBody>
@@ -39748,7 +39274,14 @@
                       <a:endParaRPr lang="en-US" dirty="0"/>
                     </a:p>
                   </a:txBody>
-                  <a:tcPr/>
+                  <a:tcPr>
+                    <a:solidFill>
+                      <a:schemeClr val="accent2">
+                        <a:lumMod val="60000"/>
+                        <a:lumOff val="40000"/>
+                      </a:schemeClr>
+                    </a:solidFill>
+                  </a:tcPr>
                 </a:tc>
                 <a:tc>
                   <a:txBody>
@@ -39762,7 +39295,14 @@
                       <a:endParaRPr lang="en-US" dirty="0"/>
                     </a:p>
                   </a:txBody>
-                  <a:tcPr/>
+                  <a:tcPr>
+                    <a:solidFill>
+                      <a:schemeClr val="accent2">
+                        <a:lumMod val="60000"/>
+                        <a:lumOff val="40000"/>
+                      </a:schemeClr>
+                    </a:solidFill>
+                  </a:tcPr>
                 </a:tc>
                 <a:extLst>
                   <a:ext uri="{0D108BD9-81ED-4DB2-BD59-A6C34878D82A}">
@@ -39984,14 +39524,14 @@
           </a:graphicData>
         </a:graphic>
       </p:graphicFrame>
-      <mc:AlternateContent xmlns:mc="http://schemas.openxmlformats.org/markup-compatibility/2006" xmlns:p14="http://schemas.microsoft.com/office/powerpoint/2010/main">
-        <mc:Choice Requires="p14">
+      <mc:AlternateContent xmlns:mc="http://schemas.openxmlformats.org/markup-compatibility/2006">
+        <mc:Choice xmlns:p14="http://schemas.microsoft.com/office/powerpoint/2010/main" Requires="p14">
           <p:contentPart p14:bwMode="auto" r:id="rId2">
             <p14:nvContentPartPr>
-              <p14:cNvPr id="8" name="Pismo odręczne 7">
+              <p14:cNvPr id="7" name="Pismo odręczne 6">
                 <a:extLst>
                   <a:ext uri="{FF2B5EF4-FFF2-40B4-BE49-F238E27FC236}">
-                    <a16:creationId xmlns:a16="http://schemas.microsoft.com/office/drawing/2014/main" id="{397B37FF-177D-42B7-A009-CD1F2F0F6A81}"/>
+                    <a16:creationId xmlns:a16="http://schemas.microsoft.com/office/drawing/2014/main" id="{5BFE11A3-0A91-4B39-992B-EE07E669D6EA}"/>
                   </a:ext>
                 </a:extLst>
               </p14:cNvPr>
@@ -39999,18 +39539,18 @@
               <p14:nvPr/>
             </p14:nvContentPartPr>
             <p14:xfrm>
-              <a:off x="4778030" y="2335977"/>
-              <a:ext cx="2118960" cy="1973520"/>
+              <a:off x="4229390" y="2442897"/>
+              <a:ext cx="2013120" cy="1663200"/>
             </p14:xfrm>
           </p:contentPart>
         </mc:Choice>
-        <mc:Fallback xmlns="">
+        <mc:Fallback>
           <p:pic>
             <p:nvPicPr>
-              <p:cNvPr id="8" name="Pismo odręczne 7">
+              <p:cNvPr id="7" name="Pismo odręczne 6">
                 <a:extLst>
                   <a:ext uri="{FF2B5EF4-FFF2-40B4-BE49-F238E27FC236}">
-                    <a16:creationId xmlns:a16="http://schemas.microsoft.com/office/drawing/2014/main" id="{397B37FF-177D-42B7-A009-CD1F2F0F6A81}"/>
+                    <a16:creationId xmlns:a16="http://schemas.microsoft.com/office/drawing/2014/main" id="{5BFE11A3-0A91-4B39-992B-EE07E669D6EA}"/>
                   </a:ext>
                 </a:extLst>
               </p:cNvPr>
@@ -40025,8 +39565,8 @@
             </p:blipFill>
             <p:spPr>
               <a:xfrm>
-                <a:off x="4742030" y="2299977"/>
-                <a:ext cx="2190600" cy="2045160"/>
+                <a:off x="4166390" y="2379897"/>
+                <a:ext cx="2138760" cy="1788840"/>
               </a:xfrm>
               <a:prstGeom prst="rect">
                 <a:avLst/>
@@ -40067,10 +39607,10 @@
       </p:grpSpPr>
       <p:pic>
         <p:nvPicPr>
-          <p:cNvPr id="11" name="Obraz 10">
+          <p:cNvPr id="3" name="Obraz 2">
             <a:extLst>
               <a:ext uri="{FF2B5EF4-FFF2-40B4-BE49-F238E27FC236}">
-                <a16:creationId xmlns:a16="http://schemas.microsoft.com/office/drawing/2014/main" id="{72E13FC8-85E5-4466-B3D5-24F97A0BEA97}"/>
+                <a16:creationId xmlns:a16="http://schemas.microsoft.com/office/drawing/2014/main" id="{E9C3BB99-58A5-43C3-B93D-2681049A88EE}"/>
               </a:ext>
             </a:extLst>
           </p:cNvPr>
@@ -40081,13 +39621,7 @@
         </p:nvPicPr>
         <p:blipFill>
           <a:blip r:embed="rId2" cstate="print">
-            <a:duotone>
-              <a:schemeClr val="accent6">
-                <a:shade val="45000"/>
-                <a:satMod val="135000"/>
-              </a:schemeClr>
-              <a:prstClr val="white"/>
-            </a:duotone>
+            <a:alphaModFix amt="35000"/>
             <a:extLst>
               <a:ext uri="{28A0092B-C50C-407E-A947-70E740481C1C}">
                 <a14:useLocalDpi xmlns:a14="http://schemas.microsoft.com/office/drawing/2010/main" val="0"/>
@@ -40100,7 +39634,82 @@
         </p:blipFill>
         <p:spPr>
           <a:xfrm>
-            <a:off x="1097676" y="3715672"/>
+            <a:off x="1586433" y="952685"/>
+            <a:ext cx="1628775" cy="1628775"/>
+          </a:xfrm>
+          <a:prstGeom prst="rect">
+            <a:avLst/>
+          </a:prstGeom>
+        </p:spPr>
+      </p:pic>
+      <p:pic>
+        <p:nvPicPr>
+          <p:cNvPr id="13" name="Grafika 12" descr="Koperta">
+            <a:extLst>
+              <a:ext uri="{FF2B5EF4-FFF2-40B4-BE49-F238E27FC236}">
+                <a16:creationId xmlns:a16="http://schemas.microsoft.com/office/drawing/2014/main" id="{D1F18683-0D21-4D5C-8A2B-9E0D85E17FBD}"/>
+              </a:ext>
+            </a:extLst>
+          </p:cNvPr>
+          <p:cNvPicPr>
+            <a:picLocks noChangeAspect="1"/>
+          </p:cNvPicPr>
+          <p:nvPr/>
+        </p:nvPicPr>
+        <p:blipFill>
+          <a:blip r:embed="rId3">
+            <a:extLst>
+              <a:ext uri="{28A0092B-C50C-407E-A947-70E740481C1C}">
+                <a14:useLocalDpi xmlns:a14="http://schemas.microsoft.com/office/drawing/2010/main" val="0"/>
+              </a:ext>
+              <a:ext uri="{96DAC541-7B7A-43D3-8B79-37D633B846F1}">
+                <asvg:svgBlip xmlns:asvg="http://schemas.microsoft.com/office/drawing/2016/SVG/main" r:embed="rId4"/>
+              </a:ext>
+            </a:extLst>
+          </a:blip>
+          <a:stretch>
+            <a:fillRect/>
+          </a:stretch>
+        </p:blipFill>
+        <p:spPr>
+          <a:xfrm>
+            <a:off x="1970662" y="2980922"/>
+            <a:ext cx="1419752" cy="1419752"/>
+          </a:xfrm>
+          <a:prstGeom prst="rect">
+            <a:avLst/>
+          </a:prstGeom>
+        </p:spPr>
+      </p:pic>
+      <p:pic>
+        <p:nvPicPr>
+          <p:cNvPr id="11" name="Obraz 10">
+            <a:extLst>
+              <a:ext uri="{FF2B5EF4-FFF2-40B4-BE49-F238E27FC236}">
+                <a16:creationId xmlns:a16="http://schemas.microsoft.com/office/drawing/2014/main" id="{72E13FC8-85E5-4466-B3D5-24F97A0BEA97}"/>
+              </a:ext>
+            </a:extLst>
+          </p:cNvPr>
+          <p:cNvPicPr>
+            <a:picLocks noChangeAspect="1"/>
+          </p:cNvPicPr>
+          <p:nvPr/>
+        </p:nvPicPr>
+        <p:blipFill>
+          <a:blip r:embed="rId5" cstate="print">
+            <a:extLst>
+              <a:ext uri="{28A0092B-C50C-407E-A947-70E740481C1C}">
+                <a14:useLocalDpi xmlns:a14="http://schemas.microsoft.com/office/drawing/2010/main" val="0"/>
+              </a:ext>
+            </a:extLst>
+          </a:blip>
+          <a:stretch>
+            <a:fillRect/>
+          </a:stretch>
+        </p:blipFill>
+        <p:spPr>
+          <a:xfrm>
+            <a:off x="3973535" y="3720801"/>
             <a:ext cx="1628775" cy="1628775"/>
           </a:xfrm>
           <a:prstGeom prst="rect">
@@ -40123,14 +39732,8 @@
           <p:nvPr/>
         </p:nvPicPr>
         <p:blipFill>
-          <a:blip r:embed="rId3" cstate="print">
-            <a:duotone>
-              <a:schemeClr val="accent6">
-                <a:shade val="45000"/>
-                <a:satMod val="135000"/>
-              </a:schemeClr>
-              <a:prstClr val="white"/>
-            </a:duotone>
+          <a:blip r:embed="rId2" cstate="print">
+            <a:alphaModFix amt="35000"/>
             <a:extLst>
               <a:ext uri="{28A0092B-C50C-407E-A947-70E740481C1C}">
                 <a14:useLocalDpi xmlns:a14="http://schemas.microsoft.com/office/drawing/2010/main" val="0"/>
@@ -40143,7 +39746,7 @@
         </p:blipFill>
         <p:spPr>
           <a:xfrm>
-            <a:off x="1097648" y="952686"/>
+            <a:off x="3973507" y="957815"/>
             <a:ext cx="1628775" cy="1628775"/>
           </a:xfrm>
           <a:prstGeom prst="rect">
@@ -40166,14 +39769,7 @@
           <p:nvPr/>
         </p:nvPicPr>
         <p:blipFill>
-          <a:blip r:embed="rId2" cstate="print">
-            <a:duotone>
-              <a:schemeClr val="accent6">
-                <a:shade val="45000"/>
-                <a:satMod val="135000"/>
-              </a:schemeClr>
-              <a:prstClr val="white"/>
-            </a:duotone>
+          <a:blip r:embed="rId5" cstate="print">
             <a:extLst>
               <a:ext uri="{28A0092B-C50C-407E-A947-70E740481C1C}">
                 <a14:useLocalDpi xmlns:a14="http://schemas.microsoft.com/office/drawing/2010/main" val="0"/>
@@ -40209,14 +39805,8 @@
           <p:nvPr/>
         </p:nvPicPr>
         <p:blipFill>
-          <a:blip r:embed="rId3" cstate="print">
-            <a:duotone>
-              <a:schemeClr val="accent6">
-                <a:shade val="45000"/>
-                <a:satMod val="135000"/>
-              </a:schemeClr>
-              <a:prstClr val="white"/>
-            </a:duotone>
+          <a:blip r:embed="rId2" cstate="print">
+            <a:alphaModFix amt="35000"/>
             <a:extLst>
               <a:ext uri="{28A0092B-C50C-407E-A947-70E740481C1C}">
                 <a14:useLocalDpi xmlns:a14="http://schemas.microsoft.com/office/drawing/2010/main" val="0"/>
@@ -40252,13 +39842,13 @@
           <p:nvPr/>
         </p:nvPicPr>
         <p:blipFill>
-          <a:blip r:embed="rId4">
+          <a:blip r:embed="rId6">
             <a:extLst>
               <a:ext uri="{28A0092B-C50C-407E-A947-70E740481C1C}">
                 <a14:useLocalDpi xmlns:a14="http://schemas.microsoft.com/office/drawing/2010/main" val="0"/>
               </a:ext>
               <a:ext uri="{96DAC541-7B7A-43D3-8B79-37D633B846F1}">
-                <asvg:svgBlip xmlns:asvg="http://schemas.microsoft.com/office/drawing/2016/SVG/main" r:embed="rId5"/>
+                <asvg:svgBlip xmlns:asvg="http://schemas.microsoft.com/office/drawing/2016/SVG/main" r:embed="rId7"/>
               </a:ext>
             </a:extLst>
           </a:blip>
@@ -40268,7 +39858,7 @@
         </p:blipFill>
         <p:spPr>
           <a:xfrm>
-            <a:off x="2960502" y="3052138"/>
+            <a:off x="6185431" y="3055669"/>
             <a:ext cx="1419752" cy="1419752"/>
           </a:xfrm>
           <a:prstGeom prst="rect">
@@ -40290,12 +39880,47 @@
         </p:nvSpPr>
         <p:spPr>
           <a:xfrm rot="5400000">
-            <a:off x="1716318" y="3053847"/>
+            <a:off x="4592177" y="3058975"/>
             <a:ext cx="945171" cy="374970"/>
           </a:xfrm>
           <a:prstGeom prst="rightArrow">
             <a:avLst/>
           </a:prstGeom>
+          <a:gradFill>
+            <a:gsLst>
+              <a:gs pos="0">
+                <a:schemeClr val="accent4">
+                  <a:satMod val="103000"/>
+                  <a:lumMod val="102000"/>
+                  <a:tint val="94000"/>
+                  <a:alpha val="50000"/>
+                </a:schemeClr>
+              </a:gs>
+              <a:gs pos="50000">
+                <a:schemeClr val="accent4">
+                  <a:satMod val="110000"/>
+                  <a:lumMod val="100000"/>
+                  <a:shade val="100000"/>
+                  <a:alpha val="52000"/>
+                </a:schemeClr>
+              </a:gs>
+              <a:gs pos="100000">
+                <a:schemeClr val="accent4">
+                  <a:lumMod val="99000"/>
+                  <a:satMod val="120000"/>
+                  <a:shade val="78000"/>
+                  <a:alpha val="52000"/>
+                </a:schemeClr>
+              </a:gs>
+            </a:gsLst>
+          </a:gradFill>
+          <a:ln>
+            <a:solidFill>
+              <a:schemeClr val="accent4">
+                <a:alpha val="53000"/>
+              </a:schemeClr>
+            </a:solidFill>
+          </a:ln>
         </p:spPr>
         <p:style>
           <a:lnRef idx="1">
@@ -40334,12 +39959,126 @@
         </p:nvSpPr>
         <p:spPr>
           <a:xfrm rot="16200000">
-            <a:off x="1153851" y="3025598"/>
+            <a:off x="4029709" y="3030727"/>
             <a:ext cx="945171" cy="374970"/>
           </a:xfrm>
           <a:prstGeom prst="rightArrow">
             <a:avLst/>
           </a:prstGeom>
+          <a:gradFill>
+            <a:gsLst>
+              <a:gs pos="0">
+                <a:schemeClr val="accent4">
+                  <a:satMod val="103000"/>
+                  <a:lumMod val="102000"/>
+                  <a:tint val="94000"/>
+                  <a:alpha val="50000"/>
+                </a:schemeClr>
+              </a:gs>
+              <a:gs pos="50000">
+                <a:schemeClr val="accent4">
+                  <a:satMod val="110000"/>
+                  <a:lumMod val="100000"/>
+                  <a:shade val="100000"/>
+                  <a:alpha val="52000"/>
+                </a:schemeClr>
+              </a:gs>
+              <a:gs pos="100000">
+                <a:schemeClr val="accent4">
+                  <a:lumMod val="99000"/>
+                  <a:satMod val="120000"/>
+                  <a:shade val="78000"/>
+                  <a:alpha val="52000"/>
+                </a:schemeClr>
+              </a:gs>
+            </a:gsLst>
+          </a:gradFill>
+          <a:ln>
+            <a:solidFill>
+              <a:schemeClr val="accent4">
+                <a:alpha val="53000"/>
+              </a:schemeClr>
+            </a:solidFill>
+          </a:ln>
+        </p:spPr>
+        <p:style>
+          <a:lnRef idx="1">
+            <a:schemeClr val="accent4"/>
+          </a:lnRef>
+          <a:fillRef idx="3">
+            <a:schemeClr val="accent4"/>
+          </a:fillRef>
+          <a:effectRef idx="2">
+            <a:schemeClr val="accent4"/>
+          </a:effectRef>
+          <a:fontRef idx="minor">
+            <a:schemeClr val="lt1"/>
+          </a:fontRef>
+        </p:style>
+        <p:txBody>
+          <a:bodyPr rtlCol="0" anchor="ctr"/>
+          <a:lstStyle/>
+          <a:p>
+            <a:pPr algn="ctr"/>
+            <a:endParaRPr lang="en-US"/>
+          </a:p>
+        </p:txBody>
+      </p:sp>
+      <p:sp>
+        <p:nvSpPr>
+          <p:cNvPr id="24" name="Strzałka w prawo 7">
+            <a:extLst>
+              <a:ext uri="{FF2B5EF4-FFF2-40B4-BE49-F238E27FC236}">
+                <a16:creationId xmlns:a16="http://schemas.microsoft.com/office/drawing/2014/main" id="{96278315-60CD-4E15-945D-A38F0091C22F}"/>
+              </a:ext>
+            </a:extLst>
+          </p:cNvPr>
+          <p:cNvSpPr/>
+          <p:nvPr/>
+        </p:nvSpPr>
+        <p:spPr>
+          <a:xfrm rot="13631094" flipH="1">
+            <a:off x="2826237" y="2881030"/>
+            <a:ext cx="1553018" cy="374970"/>
+          </a:xfrm>
+          <a:prstGeom prst="rightArrow">
+            <a:avLst/>
+          </a:prstGeom>
+          <a:gradFill>
+            <a:gsLst>
+              <a:gs pos="0">
+                <a:schemeClr val="accent4">
+                  <a:satMod val="103000"/>
+                  <a:lumMod val="102000"/>
+                  <a:tint val="94000"/>
+                  <a:alpha val="51000"/>
+                </a:schemeClr>
+              </a:gs>
+              <a:gs pos="50000">
+                <a:schemeClr val="accent4">
+                  <a:satMod val="110000"/>
+                  <a:lumMod val="100000"/>
+                  <a:shade val="100000"/>
+                  <a:alpha val="52000"/>
+                </a:schemeClr>
+              </a:gs>
+              <a:gs pos="100000">
+                <a:schemeClr val="accent4">
+                  <a:lumMod val="99000"/>
+                  <a:satMod val="120000"/>
+                  <a:shade val="78000"/>
+                  <a:alpha val="51000"/>
+                </a:schemeClr>
+              </a:gs>
+            </a:gsLst>
+          </a:gradFill>
+          <a:ln>
+            <a:solidFill>
+              <a:schemeClr val="accent4">
+                <a:alpha val="47000"/>
+              </a:schemeClr>
+            </a:solidFill>
+          </a:ln>
         </p:spPr>
         <p:style>
           <a:lnRef idx="1">
@@ -40378,12 +40117,47 @@
         </p:nvSpPr>
         <p:spPr>
           <a:xfrm rot="16200000">
-            <a:off x="8600968" y="3030729"/>
+            <a:off x="8600966" y="3030729"/>
             <a:ext cx="945171" cy="374970"/>
           </a:xfrm>
           <a:prstGeom prst="rightArrow">
             <a:avLst/>
           </a:prstGeom>
+          <a:gradFill>
+            <a:gsLst>
+              <a:gs pos="0">
+                <a:schemeClr val="accent4">
+                  <a:satMod val="103000"/>
+                  <a:lumMod val="102000"/>
+                  <a:tint val="94000"/>
+                  <a:alpha val="50000"/>
+                </a:schemeClr>
+              </a:gs>
+              <a:gs pos="50000">
+                <a:schemeClr val="accent4">
+                  <a:satMod val="110000"/>
+                  <a:lumMod val="100000"/>
+                  <a:shade val="100000"/>
+                  <a:alpha val="52000"/>
+                </a:schemeClr>
+              </a:gs>
+              <a:gs pos="100000">
+                <a:schemeClr val="accent4">
+                  <a:lumMod val="99000"/>
+                  <a:satMod val="120000"/>
+                  <a:shade val="78000"/>
+                  <a:alpha val="52000"/>
+                </a:schemeClr>
+              </a:gs>
+            </a:gsLst>
+          </a:gradFill>
+          <a:ln>
+            <a:solidFill>
+              <a:schemeClr val="accent4">
+                <a:alpha val="53000"/>
+              </a:schemeClr>
+            </a:solidFill>
+          </a:ln>
         </p:spPr>
         <p:style>
           <a:lnRef idx="1">
@@ -40467,6 +40241,498 @@
         </p:nvSpPr>
         <p:spPr>
           <a:xfrm>
+            <a:off x="5769261" y="4368164"/>
+            <a:ext cx="2322942" cy="374970"/>
+          </a:xfrm>
+          <a:prstGeom prst="rightArrow">
+            <a:avLst/>
+          </a:prstGeom>
+        </p:spPr>
+        <p:style>
+          <a:lnRef idx="1">
+            <a:schemeClr val="accent4"/>
+          </a:lnRef>
+          <a:fillRef idx="3">
+            <a:schemeClr val="accent4"/>
+          </a:fillRef>
+          <a:effectRef idx="2">
+            <a:schemeClr val="accent4"/>
+          </a:effectRef>
+          <a:fontRef idx="minor">
+            <a:schemeClr val="lt1"/>
+          </a:fontRef>
+        </p:style>
+        <p:txBody>
+          <a:bodyPr rtlCol="0" anchor="ctr"/>
+          <a:lstStyle/>
+          <a:p>
+            <a:pPr algn="ctr"/>
+            <a:endParaRPr lang="en-US"/>
+          </a:p>
+        </p:txBody>
+      </p:sp>
+      <mc:AlternateContent xmlns:mc="http://schemas.openxmlformats.org/markup-compatibility/2006" xmlns:p14="http://schemas.microsoft.com/office/powerpoint/2010/main">
+        <mc:Choice Requires="p14">
+          <p:contentPart p14:bwMode="auto" r:id="rId8">
+            <p14:nvContentPartPr>
+              <p14:cNvPr id="4" name="Pismo odręczne 3">
+                <a:extLst>
+                  <a:ext uri="{FF2B5EF4-FFF2-40B4-BE49-F238E27FC236}">
+                    <a16:creationId xmlns:a16="http://schemas.microsoft.com/office/drawing/2014/main" id="{9B012FCD-7474-478F-A29C-CE1A8A559F21}"/>
+                  </a:ext>
+                </a:extLst>
+              </p14:cNvPr>
+              <p14:cNvContentPartPr/>
+              <p14:nvPr/>
+            </p14:nvContentPartPr>
+            <p14:xfrm>
+              <a:off x="5593070" y="3889377"/>
+              <a:ext cx="2741400" cy="1247400"/>
+            </p14:xfrm>
+          </p:contentPart>
+        </mc:Choice>
+        <mc:Fallback xmlns="">
+          <p:pic>
+            <p:nvPicPr>
+              <p:cNvPr id="4" name="Pismo odręczne 3">
+                <a:extLst>
+                  <a:ext uri="{FF2B5EF4-FFF2-40B4-BE49-F238E27FC236}">
+                    <a16:creationId xmlns:a16="http://schemas.microsoft.com/office/drawing/2014/main" id="{9B012FCD-7474-478F-A29C-CE1A8A559F21}"/>
+                  </a:ext>
+                </a:extLst>
+              </p:cNvPr>
+              <p:cNvPicPr/>
+              <p:nvPr/>
+            </p:nvPicPr>
+            <p:blipFill>
+              <a:blip r:embed="rId9"/>
+              <a:stretch>
+                <a:fillRect/>
+              </a:stretch>
+            </p:blipFill>
+            <p:spPr>
+              <a:xfrm>
+                <a:off x="5557430" y="3853377"/>
+                <a:ext cx="2813040" cy="1319040"/>
+              </a:xfrm>
+              <a:prstGeom prst="rect">
+                <a:avLst/>
+              </a:prstGeom>
+            </p:spPr>
+          </p:pic>
+        </mc:Fallback>
+      </mc:AlternateContent>
+    </p:spTree>
+    <p:extLst>
+      <p:ext uri="{BB962C8B-B14F-4D97-AF65-F5344CB8AC3E}">
+        <p14:creationId xmlns:p14="http://schemas.microsoft.com/office/powerpoint/2010/main" val="3666783911"/>
+      </p:ext>
+    </p:extLst>
+  </p:cSld>
+  <p:clrMapOvr>
+    <a:masterClrMapping/>
+  </p:clrMapOvr>
+</p:sld>
+</file>
+
+<file path=ppt/slides/slide31.xml><?xml version="1.0" encoding="utf-8"?>
+<p:sld xmlns:a="http://schemas.openxmlformats.org/drawingml/2006/main" xmlns:r="http://schemas.openxmlformats.org/officeDocument/2006/relationships" xmlns:p="http://schemas.openxmlformats.org/presentationml/2006/main">
+  <p:cSld>
+    <p:spTree>
+      <p:nvGrpSpPr>
+        <p:cNvPr id="1" name=""/>
+        <p:cNvGrpSpPr/>
+        <p:nvPr/>
+      </p:nvGrpSpPr>
+      <p:grpSpPr>
+        <a:xfrm>
+          <a:off x="0" y="0"/>
+          <a:ext cx="0" cy="0"/>
+          <a:chOff x="0" y="0"/>
+          <a:chExt cx="0" cy="0"/>
+        </a:xfrm>
+      </p:grpSpPr>
+      <p:pic>
+        <p:nvPicPr>
+          <p:cNvPr id="11" name="Obraz 10">
+            <a:extLst>
+              <a:ext uri="{FF2B5EF4-FFF2-40B4-BE49-F238E27FC236}">
+                <a16:creationId xmlns:a16="http://schemas.microsoft.com/office/drawing/2014/main" id="{72E13FC8-85E5-4466-B3D5-24F97A0BEA97}"/>
+              </a:ext>
+            </a:extLst>
+          </p:cNvPr>
+          <p:cNvPicPr>
+            <a:picLocks noChangeAspect="1"/>
+          </p:cNvPicPr>
+          <p:nvPr/>
+        </p:nvPicPr>
+        <p:blipFill>
+          <a:blip r:embed="rId2" cstate="print">
+            <a:extLst>
+              <a:ext uri="{28A0092B-C50C-407E-A947-70E740481C1C}">
+                <a14:useLocalDpi xmlns:a14="http://schemas.microsoft.com/office/drawing/2010/main" val="0"/>
+              </a:ext>
+            </a:extLst>
+          </a:blip>
+          <a:stretch>
+            <a:fillRect/>
+          </a:stretch>
+        </p:blipFill>
+        <p:spPr>
+          <a:xfrm>
+            <a:off x="1097676" y="3715672"/>
+            <a:ext cx="1628775" cy="1628775"/>
+          </a:xfrm>
+          <a:prstGeom prst="rect">
+            <a:avLst/>
+          </a:prstGeom>
+        </p:spPr>
+      </p:pic>
+      <p:pic>
+        <p:nvPicPr>
+          <p:cNvPr id="15" name="Obraz 14">
+            <a:extLst>
+              <a:ext uri="{FF2B5EF4-FFF2-40B4-BE49-F238E27FC236}">
+                <a16:creationId xmlns:a16="http://schemas.microsoft.com/office/drawing/2014/main" id="{1804F4BB-0CF2-4612-B4CC-C315693B86F7}"/>
+              </a:ext>
+            </a:extLst>
+          </p:cNvPr>
+          <p:cNvPicPr>
+            <a:picLocks noChangeAspect="1"/>
+          </p:cNvPicPr>
+          <p:nvPr/>
+        </p:nvPicPr>
+        <p:blipFill>
+          <a:blip r:embed="rId3" cstate="print">
+            <a:duotone>
+              <a:schemeClr val="accent6">
+                <a:shade val="45000"/>
+                <a:satMod val="135000"/>
+              </a:schemeClr>
+              <a:prstClr val="white"/>
+            </a:duotone>
+            <a:extLst>
+              <a:ext uri="{28A0092B-C50C-407E-A947-70E740481C1C}">
+                <a14:useLocalDpi xmlns:a14="http://schemas.microsoft.com/office/drawing/2010/main" val="0"/>
+              </a:ext>
+            </a:extLst>
+          </a:blip>
+          <a:stretch>
+            <a:fillRect/>
+          </a:stretch>
+        </p:blipFill>
+        <p:spPr>
+          <a:xfrm>
+            <a:off x="1097648" y="952686"/>
+            <a:ext cx="1628775" cy="1628775"/>
+          </a:xfrm>
+          <a:prstGeom prst="rect">
+            <a:avLst/>
+          </a:prstGeom>
+        </p:spPr>
+      </p:pic>
+      <p:pic>
+        <p:nvPicPr>
+          <p:cNvPr id="16" name="Obraz 15">
+            <a:extLst>
+              <a:ext uri="{FF2B5EF4-FFF2-40B4-BE49-F238E27FC236}">
+                <a16:creationId xmlns:a16="http://schemas.microsoft.com/office/drawing/2014/main" id="{EB4ECDBC-2353-4E54-95FB-E84CE61A9289}"/>
+              </a:ext>
+            </a:extLst>
+          </p:cNvPr>
+          <p:cNvPicPr>
+            <a:picLocks noChangeAspect="1"/>
+          </p:cNvPicPr>
+          <p:nvPr/>
+        </p:nvPicPr>
+        <p:blipFill>
+          <a:blip r:embed="rId2" cstate="print">
+            <a:extLst>
+              <a:ext uri="{28A0092B-C50C-407E-A947-70E740481C1C}">
+                <a14:useLocalDpi xmlns:a14="http://schemas.microsoft.com/office/drawing/2010/main" val="0"/>
+              </a:ext>
+            </a:extLst>
+          </a:blip>
+          <a:stretch>
+            <a:fillRect/>
+          </a:stretch>
+        </p:blipFill>
+        <p:spPr>
+          <a:xfrm>
+            <a:off x="8259193" y="3715672"/>
+            <a:ext cx="1628775" cy="1628775"/>
+          </a:xfrm>
+          <a:prstGeom prst="rect">
+            <a:avLst/>
+          </a:prstGeom>
+        </p:spPr>
+      </p:pic>
+      <p:pic>
+        <p:nvPicPr>
+          <p:cNvPr id="17" name="Obraz 16">
+            <a:extLst>
+              <a:ext uri="{FF2B5EF4-FFF2-40B4-BE49-F238E27FC236}">
+                <a16:creationId xmlns:a16="http://schemas.microsoft.com/office/drawing/2014/main" id="{3E38335A-5107-45BC-A7AB-33F8CA71D850}"/>
+              </a:ext>
+            </a:extLst>
+          </p:cNvPr>
+          <p:cNvPicPr>
+            <a:picLocks noChangeAspect="1"/>
+          </p:cNvPicPr>
+          <p:nvPr/>
+        </p:nvPicPr>
+        <p:blipFill>
+          <a:blip r:embed="rId3" cstate="print">
+            <a:extLst>
+              <a:ext uri="{28A0092B-C50C-407E-A947-70E740481C1C}">
+                <a14:useLocalDpi xmlns:a14="http://schemas.microsoft.com/office/drawing/2010/main" val="0"/>
+              </a:ext>
+            </a:extLst>
+          </a:blip>
+          <a:stretch>
+            <a:fillRect/>
+          </a:stretch>
+        </p:blipFill>
+        <p:spPr>
+          <a:xfrm>
+            <a:off x="8259165" y="952686"/>
+            <a:ext cx="1628775" cy="1628775"/>
+          </a:xfrm>
+          <a:prstGeom prst="rect">
+            <a:avLst/>
+          </a:prstGeom>
+        </p:spPr>
+      </p:pic>
+      <p:pic>
+        <p:nvPicPr>
+          <p:cNvPr id="19" name="Grafika 18" descr="Koperta">
+            <a:extLst>
+              <a:ext uri="{FF2B5EF4-FFF2-40B4-BE49-F238E27FC236}">
+                <a16:creationId xmlns:a16="http://schemas.microsoft.com/office/drawing/2014/main" id="{E43BF9D6-34AE-427D-9029-44AE8D57ADA3}"/>
+              </a:ext>
+            </a:extLst>
+          </p:cNvPr>
+          <p:cNvPicPr>
+            <a:picLocks noChangeAspect="1"/>
+          </p:cNvPicPr>
+          <p:nvPr/>
+        </p:nvPicPr>
+        <p:blipFill>
+          <a:blip r:embed="rId4">
+            <a:extLst>
+              <a:ext uri="{28A0092B-C50C-407E-A947-70E740481C1C}">
+                <a14:useLocalDpi xmlns:a14="http://schemas.microsoft.com/office/drawing/2010/main" val="0"/>
+              </a:ext>
+              <a:ext uri="{96DAC541-7B7A-43D3-8B79-37D633B846F1}">
+                <asvg:svgBlip xmlns:asvg="http://schemas.microsoft.com/office/drawing/2016/SVG/main" r:embed="rId5"/>
+              </a:ext>
+            </a:extLst>
+          </a:blip>
+          <a:stretch>
+            <a:fillRect/>
+          </a:stretch>
+        </p:blipFill>
+        <p:spPr>
+          <a:xfrm>
+            <a:off x="2960502" y="3052138"/>
+            <a:ext cx="1419752" cy="1419752"/>
+          </a:xfrm>
+          <a:prstGeom prst="rect">
+            <a:avLst/>
+          </a:prstGeom>
+        </p:spPr>
+      </p:pic>
+      <p:sp>
+        <p:nvSpPr>
+          <p:cNvPr id="20" name="Strzałka w prawo 7">
+            <a:extLst>
+              <a:ext uri="{FF2B5EF4-FFF2-40B4-BE49-F238E27FC236}">
+                <a16:creationId xmlns:a16="http://schemas.microsoft.com/office/drawing/2014/main" id="{7979CA9A-354A-42F8-AA0F-B52B95C48789}"/>
+              </a:ext>
+            </a:extLst>
+          </p:cNvPr>
+          <p:cNvSpPr/>
+          <p:nvPr/>
+        </p:nvSpPr>
+        <p:spPr>
+          <a:xfrm rot="5400000">
+            <a:off x="1716318" y="3053847"/>
+            <a:ext cx="945171" cy="374970"/>
+          </a:xfrm>
+          <a:prstGeom prst="rightArrow">
+            <a:avLst/>
+          </a:prstGeom>
+        </p:spPr>
+        <p:style>
+          <a:lnRef idx="1">
+            <a:schemeClr val="accent4"/>
+          </a:lnRef>
+          <a:fillRef idx="3">
+            <a:schemeClr val="accent4"/>
+          </a:fillRef>
+          <a:effectRef idx="2">
+            <a:schemeClr val="accent4"/>
+          </a:effectRef>
+          <a:fontRef idx="minor">
+            <a:schemeClr val="lt1"/>
+          </a:fontRef>
+        </p:style>
+        <p:txBody>
+          <a:bodyPr rtlCol="0" anchor="ctr"/>
+          <a:lstStyle/>
+          <a:p>
+            <a:pPr algn="ctr"/>
+            <a:endParaRPr lang="en-US"/>
+          </a:p>
+        </p:txBody>
+      </p:sp>
+      <p:sp>
+        <p:nvSpPr>
+          <p:cNvPr id="23" name="Strzałka w prawo 7">
+            <a:extLst>
+              <a:ext uri="{FF2B5EF4-FFF2-40B4-BE49-F238E27FC236}">
+                <a16:creationId xmlns:a16="http://schemas.microsoft.com/office/drawing/2014/main" id="{DFE94D7D-959A-4959-89A3-EC61EAA583B0}"/>
+              </a:ext>
+            </a:extLst>
+          </p:cNvPr>
+          <p:cNvSpPr/>
+          <p:nvPr/>
+        </p:nvSpPr>
+        <p:spPr>
+          <a:xfrm rot="16200000">
+            <a:off x="1153851" y="3025598"/>
+            <a:ext cx="945171" cy="374970"/>
+          </a:xfrm>
+          <a:prstGeom prst="rightArrow">
+            <a:avLst/>
+          </a:prstGeom>
+        </p:spPr>
+        <p:style>
+          <a:lnRef idx="1">
+            <a:schemeClr val="accent4"/>
+          </a:lnRef>
+          <a:fillRef idx="3">
+            <a:schemeClr val="accent4"/>
+          </a:fillRef>
+          <a:effectRef idx="2">
+            <a:schemeClr val="accent4"/>
+          </a:effectRef>
+          <a:fontRef idx="minor">
+            <a:schemeClr val="lt1"/>
+          </a:fontRef>
+        </p:style>
+        <p:txBody>
+          <a:bodyPr rtlCol="0" anchor="ctr"/>
+          <a:lstStyle/>
+          <a:p>
+            <a:pPr algn="ctr"/>
+            <a:endParaRPr lang="en-US"/>
+          </a:p>
+        </p:txBody>
+      </p:sp>
+      <p:sp>
+        <p:nvSpPr>
+          <p:cNvPr id="27" name="Strzałka w prawo 7">
+            <a:extLst>
+              <a:ext uri="{FF2B5EF4-FFF2-40B4-BE49-F238E27FC236}">
+                <a16:creationId xmlns:a16="http://schemas.microsoft.com/office/drawing/2014/main" id="{063CDCE9-CA8F-428F-8578-903DDE5C79C2}"/>
+              </a:ext>
+            </a:extLst>
+          </p:cNvPr>
+          <p:cNvSpPr/>
+          <p:nvPr/>
+        </p:nvSpPr>
+        <p:spPr>
+          <a:xfrm rot="16200000">
+            <a:off x="8600968" y="3030729"/>
+            <a:ext cx="945171" cy="374970"/>
+          </a:xfrm>
+          <a:prstGeom prst="rightArrow">
+            <a:avLst/>
+          </a:prstGeom>
+        </p:spPr>
+        <p:style>
+          <a:lnRef idx="1">
+            <a:schemeClr val="accent4"/>
+          </a:lnRef>
+          <a:fillRef idx="3">
+            <a:schemeClr val="accent4"/>
+          </a:fillRef>
+          <a:effectRef idx="2">
+            <a:schemeClr val="accent4"/>
+          </a:effectRef>
+          <a:fontRef idx="minor">
+            <a:schemeClr val="lt1"/>
+          </a:fontRef>
+        </p:style>
+        <p:txBody>
+          <a:bodyPr rtlCol="0" anchor="ctr"/>
+          <a:lstStyle/>
+          <a:p>
+            <a:pPr algn="ctr"/>
+            <a:endParaRPr lang="en-US"/>
+          </a:p>
+        </p:txBody>
+      </p:sp>
+      <p:sp>
+        <p:nvSpPr>
+          <p:cNvPr id="28" name="pole tekstowe 27">
+            <a:extLst>
+              <a:ext uri="{FF2B5EF4-FFF2-40B4-BE49-F238E27FC236}">
+                <a16:creationId xmlns:a16="http://schemas.microsoft.com/office/drawing/2014/main" id="{66069CCA-66B3-4A51-919D-40EB38A73C8A}"/>
+              </a:ext>
+            </a:extLst>
+          </p:cNvPr>
+          <p:cNvSpPr txBox="1"/>
+          <p:nvPr/>
+        </p:nvSpPr>
+        <p:spPr>
+          <a:xfrm>
+            <a:off x="7949884" y="5345753"/>
+            <a:ext cx="2247334" cy="523220"/>
+          </a:xfrm>
+          <a:prstGeom prst="rect">
+            <a:avLst/>
+          </a:prstGeom>
+          <a:noFill/>
+        </p:spPr>
+        <p:txBody>
+          <a:bodyPr wrap="square" rtlCol="0">
+            <a:spAutoFit/>
+          </a:bodyPr>
+          <a:lstStyle/>
+          <a:p>
+            <a:pPr algn="ctr"/>
+            <a:r>
+              <a:rPr lang="pl-PL" sz="2800" b="1" dirty="0" err="1">
+                <a:solidFill>
+                  <a:schemeClr val="bg1"/>
+                </a:solidFill>
+              </a:rPr>
+              <a:t>Deduplication</a:t>
+            </a:r>
+            <a:endParaRPr lang="pl-PL" sz="2800" b="1" dirty="0">
+              <a:solidFill>
+                <a:schemeClr val="bg1"/>
+              </a:solidFill>
+            </a:endParaRPr>
+          </a:p>
+        </p:txBody>
+      </p:sp>
+      <p:sp>
+        <p:nvSpPr>
+          <p:cNvPr id="22" name="Strzałka w prawo 7">
+            <a:extLst>
+              <a:ext uri="{FF2B5EF4-FFF2-40B4-BE49-F238E27FC236}">
+                <a16:creationId xmlns:a16="http://schemas.microsoft.com/office/drawing/2014/main" id="{969C8690-27F2-4612-82D5-791A8C19C3B9}"/>
+              </a:ext>
+            </a:extLst>
+          </p:cNvPr>
+          <p:cNvSpPr/>
+          <p:nvPr/>
+        </p:nvSpPr>
+        <p:spPr>
+          <a:xfrm>
             <a:off x="2934580" y="4342574"/>
             <a:ext cx="1471596" cy="374970"/>
           </a:xfrm>
@@ -40514,7 +40780,7 @@
         <p:blipFill>
           <a:blip r:embed="rId6" cstate="print">
             <a:duotone>
-              <a:schemeClr val="accent6">
+              <a:schemeClr val="accent2">
                 <a:shade val="45000"/>
                 <a:satMod val="135000"/>
               </a:schemeClr>
@@ -40681,13 +40947,6 @@
         </p:nvPicPr>
         <p:blipFill>
           <a:blip r:embed="rId3" cstate="print">
-            <a:duotone>
-              <a:schemeClr val="accent6">
-                <a:shade val="45000"/>
-                <a:satMod val="135000"/>
-              </a:schemeClr>
-              <a:prstClr val="white"/>
-            </a:duotone>
             <a:extLst>
               <a:ext uri="{28A0092B-C50C-407E-A947-70E740481C1C}">
                 <a14:useLocalDpi xmlns:a14="http://schemas.microsoft.com/office/drawing/2010/main" val="0"/>
@@ -40809,7 +41068,7 @@
 </p:sld>
 </file>
 
-<file path=ppt/slides/slide31.xml><?xml version="1.0" encoding="utf-8"?>
+<file path=ppt/slides/slide32.xml><?xml version="1.0" encoding="utf-8"?>
 <p:sld xmlns:a="http://schemas.openxmlformats.org/drawingml/2006/main" xmlns:r="http://schemas.openxmlformats.org/officeDocument/2006/relationships" xmlns:p="http://schemas.openxmlformats.org/presentationml/2006/main">
   <p:cSld>
     <p:spTree>
@@ -40842,13 +41101,6 @@
         </p:nvPicPr>
         <p:blipFill>
           <a:blip r:embed="rId2" cstate="print">
-            <a:duotone>
-              <a:schemeClr val="accent6">
-                <a:shade val="45000"/>
-                <a:satMod val="135000"/>
-              </a:schemeClr>
-              <a:prstClr val="white"/>
-            </a:duotone>
             <a:extLst>
               <a:ext uri="{28A0092B-C50C-407E-A947-70E740481C1C}">
                 <a14:useLocalDpi xmlns:a14="http://schemas.microsoft.com/office/drawing/2010/main" val="0"/>
@@ -40885,13 +41137,6 @@
         </p:nvPicPr>
         <p:blipFill>
           <a:blip r:embed="rId2" cstate="print">
-            <a:duotone>
-              <a:schemeClr val="accent6">
-                <a:shade val="45000"/>
-                <a:satMod val="135000"/>
-              </a:schemeClr>
-              <a:prstClr val="white"/>
-            </a:duotone>
             <a:extLst>
               <a:ext uri="{28A0092B-C50C-407E-A947-70E740481C1C}">
                 <a14:useLocalDpi xmlns:a14="http://schemas.microsoft.com/office/drawing/2010/main" val="0"/>
@@ -41018,7 +41263,7 @@
         <p:blipFill>
           <a:blip r:embed="rId3" cstate="print">
             <a:duotone>
-              <a:schemeClr val="accent6">
+              <a:schemeClr val="accent2">
                 <a:shade val="45000"/>
                 <a:satMod val="135000"/>
               </a:schemeClr>
@@ -41103,13 +41348,6 @@
         </p:nvPicPr>
         <p:blipFill>
           <a:blip r:embed="rId4" cstate="print">
-            <a:duotone>
-              <a:schemeClr val="accent6">
-                <a:shade val="45000"/>
-                <a:satMod val="135000"/>
-              </a:schemeClr>
-              <a:prstClr val="white"/>
-            </a:duotone>
             <a:alphaModFix amt="35000"/>
             <a:extLst>
               <a:ext uri="{28A0092B-C50C-407E-A947-70E740481C1C}">
@@ -41147,13 +41385,6 @@
         </p:nvPicPr>
         <p:blipFill>
           <a:blip r:embed="rId4" cstate="print">
-            <a:duotone>
-              <a:schemeClr val="accent6">
-                <a:shade val="45000"/>
-                <a:satMod val="135000"/>
-              </a:schemeClr>
-              <a:prstClr val="white"/>
-            </a:duotone>
             <a:alphaModFix amt="35000"/>
             <a:extLst>
               <a:ext uri="{28A0092B-C50C-407E-A947-70E740481C1C}">
@@ -41503,7 +41734,7 @@
 </p:sld>
 </file>
 
-<file path=ppt/slides/slide32.xml><?xml version="1.0" encoding="utf-8"?>
+<file path=ppt/slides/slide33.xml><?xml version="1.0" encoding="utf-8"?>
 <p:sld xmlns:a="http://schemas.openxmlformats.org/drawingml/2006/main" xmlns:r="http://schemas.openxmlformats.org/officeDocument/2006/relationships" xmlns:p="http://schemas.openxmlformats.org/presentationml/2006/main">
   <p:cSld>
     <p:spTree>
@@ -41696,7 +41927,7 @@
         <p:blipFill>
           <a:blip r:embed="rId3" cstate="print">
             <a:duotone>
-              <a:schemeClr val="accent6">
+              <a:schemeClr val="accent2">
                 <a:shade val="45000"/>
                 <a:satMod val="135000"/>
               </a:schemeClr>
@@ -41781,13 +42012,6 @@
         </p:nvPicPr>
         <p:blipFill>
           <a:blip r:embed="rId4" cstate="print">
-            <a:duotone>
-              <a:schemeClr val="accent6">
-                <a:shade val="45000"/>
-                <a:satMod val="135000"/>
-              </a:schemeClr>
-              <a:prstClr val="white"/>
-            </a:duotone>
             <a:alphaModFix amt="35000"/>
             <a:extLst>
               <a:ext uri="{28A0092B-C50C-407E-A947-70E740481C1C}">
@@ -41825,13 +42049,6 @@
         </p:nvPicPr>
         <p:blipFill>
           <a:blip r:embed="rId4" cstate="print">
-            <a:duotone>
-              <a:schemeClr val="accent6">
-                <a:shade val="45000"/>
-                <a:satMod val="135000"/>
-              </a:schemeClr>
-              <a:prstClr val="white"/>
-            </a:duotone>
             <a:alphaModFix amt="35000"/>
             <a:extLst>
               <a:ext uri="{28A0092B-C50C-407E-A947-70E740481C1C}">
@@ -42012,85 +42229,6 @@
       </p:sp>
       <p:sp>
         <p:nvSpPr>
-          <p:cNvPr id="31" name="Strzałka w prawo 7">
-            <a:extLst>
-              <a:ext uri="{FF2B5EF4-FFF2-40B4-BE49-F238E27FC236}">
-                <a16:creationId xmlns:a16="http://schemas.microsoft.com/office/drawing/2014/main" id="{E63D47F3-3426-4430-8869-9DDAE34766B7}"/>
-              </a:ext>
-            </a:extLst>
-          </p:cNvPr>
-          <p:cNvSpPr/>
-          <p:nvPr/>
-        </p:nvSpPr>
-        <p:spPr>
-          <a:xfrm rot="16200000">
-            <a:off x="1153855" y="3025599"/>
-            <a:ext cx="945171" cy="374970"/>
-          </a:xfrm>
-          <a:prstGeom prst="rightArrow">
-            <a:avLst/>
-          </a:prstGeom>
-          <a:gradFill>
-            <a:gsLst>
-              <a:gs pos="0">
-                <a:schemeClr val="accent4">
-                  <a:satMod val="103000"/>
-                  <a:lumMod val="102000"/>
-                  <a:tint val="94000"/>
-                  <a:alpha val="25000"/>
-                </a:schemeClr>
-              </a:gs>
-              <a:gs pos="50000">
-                <a:schemeClr val="accent4">
-                  <a:satMod val="110000"/>
-                  <a:lumMod val="100000"/>
-                  <a:shade val="100000"/>
-                  <a:alpha val="28000"/>
-                </a:schemeClr>
-              </a:gs>
-              <a:gs pos="100000">
-                <a:schemeClr val="accent4">
-                  <a:lumMod val="99000"/>
-                  <a:satMod val="120000"/>
-                  <a:shade val="78000"/>
-                  <a:alpha val="21000"/>
-                </a:schemeClr>
-              </a:gs>
-            </a:gsLst>
-          </a:gradFill>
-          <a:ln>
-            <a:solidFill>
-              <a:schemeClr val="accent4">
-                <a:alpha val="25000"/>
-              </a:schemeClr>
-            </a:solidFill>
-          </a:ln>
-        </p:spPr>
-        <p:style>
-          <a:lnRef idx="1">
-            <a:schemeClr val="accent4"/>
-          </a:lnRef>
-          <a:fillRef idx="3">
-            <a:schemeClr val="accent4"/>
-          </a:fillRef>
-          <a:effectRef idx="2">
-            <a:schemeClr val="accent4"/>
-          </a:effectRef>
-          <a:fontRef idx="minor">
-            <a:schemeClr val="lt1"/>
-          </a:fontRef>
-        </p:style>
-        <p:txBody>
-          <a:bodyPr rtlCol="0" anchor="ctr"/>
-          <a:lstStyle/>
-          <a:p>
-            <a:pPr algn="ctr"/>
-            <a:endParaRPr lang="en-US"/>
-          </a:p>
-        </p:txBody>
-      </p:sp>
-      <p:sp>
-        <p:nvSpPr>
           <p:cNvPr id="32" name="Strzałka w prawo 7">
             <a:extLst>
               <a:ext uri="{FF2B5EF4-FFF2-40B4-BE49-F238E27FC236}">
@@ -42103,7 +42241,7 @@
         </p:nvSpPr>
         <p:spPr>
           <a:xfrm rot="5400000">
-            <a:off x="1716321" y="3053849"/>
+            <a:off x="1439450" y="3030730"/>
             <a:ext cx="945171" cy="374970"/>
           </a:xfrm>
           <a:prstGeom prst="rightArrow">
@@ -42181,7 +42319,7 @@
 </p:sld>
 </file>
 
-<file path=ppt/slides/slide33.xml><?xml version="1.0" encoding="utf-8"?>
+<file path=ppt/slides/slide34.xml><?xml version="1.0" encoding="utf-8"?>
 <p:sld xmlns:a="http://schemas.openxmlformats.org/drawingml/2006/main" xmlns:r="http://schemas.openxmlformats.org/officeDocument/2006/relationships" xmlns:p="http://schemas.openxmlformats.org/presentationml/2006/main">
   <p:cSld>
     <p:spTree>
@@ -42374,7 +42512,7 @@
         <p:blipFill>
           <a:blip r:embed="rId3" cstate="print">
             <a:duotone>
-              <a:schemeClr val="accent6">
+              <a:schemeClr val="accent2">
                 <a:shade val="45000"/>
                 <a:satMod val="135000"/>
               </a:schemeClr>
@@ -42459,13 +42597,6 @@
         </p:nvPicPr>
         <p:blipFill>
           <a:blip r:embed="rId4" cstate="print">
-            <a:duotone>
-              <a:schemeClr val="accent6">
-                <a:shade val="45000"/>
-                <a:satMod val="135000"/>
-              </a:schemeClr>
-              <a:prstClr val="white"/>
-            </a:duotone>
             <a:alphaModFix amt="35000"/>
             <a:extLst>
               <a:ext uri="{28A0092B-C50C-407E-A947-70E740481C1C}">
@@ -42503,13 +42634,6 @@
         </p:nvPicPr>
         <p:blipFill>
           <a:blip r:embed="rId4" cstate="print">
-            <a:duotone>
-              <a:schemeClr val="accent6">
-                <a:shade val="45000"/>
-                <a:satMod val="135000"/>
-              </a:schemeClr>
-              <a:prstClr val="white"/>
-            </a:duotone>
             <a:alphaModFix amt="35000"/>
             <a:extLst>
               <a:ext uri="{28A0092B-C50C-407E-A947-70E740481C1C}">
@@ -42624,16 +42748,22 @@
           <p:nvPr/>
         </p:nvPicPr>
         <p:blipFill>
-          <a:blip r:embed="rId7" cstate="print">
+          <a:blip r:embed="rId7">
+            <a:duotone>
+              <a:schemeClr val="accent4">
+                <a:shade val="45000"/>
+                <a:satMod val="135000"/>
+              </a:schemeClr>
+              <a:prstClr val="white"/>
+            </a:duotone>
             <a:extLst>
               <a:ext uri="{28A0092B-C50C-407E-A947-70E740481C1C}">
                 <a14:useLocalDpi xmlns:a14="http://schemas.microsoft.com/office/drawing/2010/main" val="0"/>
               </a:ext>
             </a:extLst>
           </a:blip>
-          <a:stretch>
-            <a:fillRect/>
-          </a:stretch>
+          <a:srcRect/>
+          <a:stretch/>
         </p:blipFill>
         <p:spPr>
           <a:xfrm>
@@ -42660,16 +42790,22 @@
           <p:nvPr/>
         </p:nvPicPr>
         <p:blipFill>
-          <a:blip r:embed="rId7" cstate="print">
+          <a:blip r:embed="rId7">
+            <a:duotone>
+              <a:schemeClr val="accent4">
+                <a:shade val="45000"/>
+                <a:satMod val="135000"/>
+              </a:schemeClr>
+              <a:prstClr val="white"/>
+            </a:duotone>
             <a:extLst>
               <a:ext uri="{28A0092B-C50C-407E-A947-70E740481C1C}">
                 <a14:useLocalDpi xmlns:a14="http://schemas.microsoft.com/office/drawing/2010/main" val="0"/>
               </a:ext>
             </a:extLst>
           </a:blip>
-          <a:stretch>
-            <a:fillRect/>
-          </a:stretch>
+          <a:srcRect/>
+          <a:stretch/>
         </p:blipFill>
         <p:spPr>
           <a:xfrm>
@@ -42762,85 +42898,6 @@
       </p:sp>
       <p:sp>
         <p:nvSpPr>
-          <p:cNvPr id="24" name="Strzałka w prawo 7">
-            <a:extLst>
-              <a:ext uri="{FF2B5EF4-FFF2-40B4-BE49-F238E27FC236}">
-                <a16:creationId xmlns:a16="http://schemas.microsoft.com/office/drawing/2014/main" id="{9DF97A28-CA7F-4927-846B-A931FFA66128}"/>
-              </a:ext>
-            </a:extLst>
-          </p:cNvPr>
-          <p:cNvSpPr/>
-          <p:nvPr/>
-        </p:nvSpPr>
-        <p:spPr>
-          <a:xfrm rot="16200000">
-            <a:off x="1153855" y="3025599"/>
-            <a:ext cx="945171" cy="374970"/>
-          </a:xfrm>
-          <a:prstGeom prst="rightArrow">
-            <a:avLst/>
-          </a:prstGeom>
-          <a:gradFill>
-            <a:gsLst>
-              <a:gs pos="0">
-                <a:schemeClr val="accent4">
-                  <a:satMod val="103000"/>
-                  <a:lumMod val="102000"/>
-                  <a:tint val="94000"/>
-                  <a:alpha val="25000"/>
-                </a:schemeClr>
-              </a:gs>
-              <a:gs pos="50000">
-                <a:schemeClr val="accent4">
-                  <a:satMod val="110000"/>
-                  <a:lumMod val="100000"/>
-                  <a:shade val="100000"/>
-                  <a:alpha val="28000"/>
-                </a:schemeClr>
-              </a:gs>
-              <a:gs pos="100000">
-                <a:schemeClr val="accent4">
-                  <a:lumMod val="99000"/>
-                  <a:satMod val="120000"/>
-                  <a:shade val="78000"/>
-                  <a:alpha val="21000"/>
-                </a:schemeClr>
-              </a:gs>
-            </a:gsLst>
-          </a:gradFill>
-          <a:ln>
-            <a:solidFill>
-              <a:schemeClr val="accent4">
-                <a:alpha val="25000"/>
-              </a:schemeClr>
-            </a:solidFill>
-          </a:ln>
-        </p:spPr>
-        <p:style>
-          <a:lnRef idx="1">
-            <a:schemeClr val="accent4"/>
-          </a:lnRef>
-          <a:fillRef idx="3">
-            <a:schemeClr val="accent4"/>
-          </a:fillRef>
-          <a:effectRef idx="2">
-            <a:schemeClr val="accent4"/>
-          </a:effectRef>
-          <a:fontRef idx="minor">
-            <a:schemeClr val="lt1"/>
-          </a:fontRef>
-        </p:style>
-        <p:txBody>
-          <a:bodyPr rtlCol="0" anchor="ctr"/>
-          <a:lstStyle/>
-          <a:p>
-            <a:pPr algn="ctr"/>
-            <a:endParaRPr lang="en-US"/>
-          </a:p>
-        </p:txBody>
-      </p:sp>
-      <p:sp>
-        <p:nvSpPr>
           <p:cNvPr id="25" name="Strzałka w prawo 7">
             <a:extLst>
               <a:ext uri="{FF2B5EF4-FFF2-40B4-BE49-F238E27FC236}">
@@ -42853,7 +42910,7 @@
         </p:nvSpPr>
         <p:spPr>
           <a:xfrm rot="5400000">
-            <a:off x="1716321" y="3053849"/>
+            <a:off x="1439500" y="3030731"/>
             <a:ext cx="945171" cy="374970"/>
           </a:xfrm>
           <a:prstGeom prst="rightArrow">
@@ -42931,7 +42988,7 @@
 </p:sld>
 </file>
 
-<file path=ppt/slides/slide34.xml><?xml version="1.0" encoding="utf-8"?>
+<file path=ppt/slides/slide35.xml><?xml version="1.0" encoding="utf-8"?>
 <p:sld xmlns:a="http://schemas.openxmlformats.org/drawingml/2006/main" xmlns:r="http://schemas.openxmlformats.org/officeDocument/2006/relationships" xmlns:p="http://schemas.openxmlformats.org/presentationml/2006/main">
   <p:cSld>
     <p:spTree>
@@ -42975,7 +43032,7 @@
         </p:blipFill>
         <p:spPr>
           <a:xfrm>
-            <a:off x="8472395" y="2578594"/>
+            <a:off x="6662546" y="2569087"/>
             <a:ext cx="1628775" cy="1628775"/>
           </a:xfrm>
           <a:prstGeom prst="rect">
@@ -42997,7 +43054,7 @@
         </p:nvSpPr>
         <p:spPr>
           <a:xfrm>
-            <a:off x="8163086" y="4208675"/>
+            <a:off x="6353237" y="4199168"/>
             <a:ext cx="2247334" cy="523220"/>
           </a:xfrm>
           <a:prstGeom prst="rect">
@@ -43045,7 +43102,7 @@
         <p:blipFill>
           <a:blip r:embed="rId3" cstate="print">
             <a:duotone>
-              <a:schemeClr val="accent6">
+              <a:schemeClr val="accent2">
                 <a:shade val="45000"/>
                 <a:satMod val="135000"/>
               </a:schemeClr>
@@ -43062,7 +43119,7 @@
         </p:blipFill>
         <p:spPr>
           <a:xfrm>
-            <a:off x="4823124" y="2555607"/>
+            <a:off x="3013275" y="2546100"/>
             <a:ext cx="1765799" cy="1765799"/>
           </a:xfrm>
           <a:prstGeom prst="rect">
@@ -43084,7 +43141,7 @@
         </p:nvSpPr>
         <p:spPr>
           <a:xfrm>
-            <a:off x="6792669" y="3205496"/>
+            <a:off x="4982820" y="3195989"/>
             <a:ext cx="1471596" cy="374970"/>
           </a:xfrm>
           <a:prstGeom prst="rightArrow">
@@ -43145,7 +43202,7 @@
         </p:blipFill>
         <p:spPr>
           <a:xfrm>
-            <a:off x="6818591" y="1915060"/>
+            <a:off x="5008742" y="1905553"/>
             <a:ext cx="1419752" cy="1419752"/>
           </a:xfrm>
           <a:prstGeom prst="rect">
@@ -43168,20 +43225,26 @@
           <p:nvPr/>
         </p:nvPicPr>
         <p:blipFill>
-          <a:blip r:embed="rId6" cstate="print">
+          <a:blip r:embed="rId6">
+            <a:duotone>
+              <a:schemeClr val="accent4">
+                <a:shade val="45000"/>
+                <a:satMod val="135000"/>
+              </a:schemeClr>
+              <a:prstClr val="white"/>
+            </a:duotone>
             <a:extLst>
               <a:ext uri="{28A0092B-C50C-407E-A947-70E740481C1C}">
                 <a14:useLocalDpi xmlns:a14="http://schemas.microsoft.com/office/drawing/2010/main" val="0"/>
               </a:ext>
             </a:extLst>
           </a:blip>
-          <a:stretch>
-            <a:fillRect/>
-          </a:stretch>
+          <a:srcRect/>
+          <a:stretch/>
         </p:blipFill>
         <p:spPr>
           <a:xfrm>
-            <a:off x="6952983" y="3745922"/>
+            <a:off x="5143134" y="3736415"/>
             <a:ext cx="1150968" cy="1150968"/>
           </a:xfrm>
           <a:prstGeom prst="rect">
@@ -43202,7 +43265,894 @@
 </p:sld>
 </file>
 
-<file path=ppt/slides/slide35.xml><?xml version="1.0" encoding="utf-8"?>
+<file path=ppt/slides/slide36.xml><?xml version="1.0" encoding="utf-8"?>
+<p:sld xmlns:a="http://schemas.openxmlformats.org/drawingml/2006/main" xmlns:r="http://schemas.openxmlformats.org/officeDocument/2006/relationships" xmlns:p="http://schemas.openxmlformats.org/presentationml/2006/main">
+  <p:cSld>
+    <p:spTree>
+      <p:nvGrpSpPr>
+        <p:cNvPr id="1" name=""/>
+        <p:cNvGrpSpPr/>
+        <p:nvPr/>
+      </p:nvGrpSpPr>
+      <p:grpSpPr>
+        <a:xfrm>
+          <a:off x="0" y="0"/>
+          <a:ext cx="0" cy="0"/>
+          <a:chOff x="0" y="0"/>
+          <a:chExt cx="0" cy="0"/>
+        </a:xfrm>
+      </p:grpSpPr>
+      <p:sp>
+        <p:nvSpPr>
+          <p:cNvPr id="23" name="Prostokąt: zaokrąglone rogi 22">
+            <a:extLst>
+              <a:ext uri="{FF2B5EF4-FFF2-40B4-BE49-F238E27FC236}">
+                <a16:creationId xmlns:a16="http://schemas.microsoft.com/office/drawing/2014/main" id="{D15BAC2B-5C27-419B-8270-7343E3A2C6CD}"/>
+              </a:ext>
+            </a:extLst>
+          </p:cNvPr>
+          <p:cNvSpPr/>
+          <p:nvPr/>
+        </p:nvSpPr>
+        <p:spPr>
+          <a:xfrm>
+            <a:off x="261207" y="3781278"/>
+            <a:ext cx="4467768" cy="2528813"/>
+          </a:xfrm>
+          <a:prstGeom prst="roundRect">
+            <a:avLst/>
+          </a:prstGeom>
+          <a:noFill/>
+          <a:ln w="76200"/>
+        </p:spPr>
+        <p:style>
+          <a:lnRef idx="2">
+            <a:schemeClr val="accent1">
+              <a:shade val="50000"/>
+            </a:schemeClr>
+          </a:lnRef>
+          <a:fillRef idx="1">
+            <a:schemeClr val="accent1"/>
+          </a:fillRef>
+          <a:effectRef idx="0">
+            <a:schemeClr val="accent1"/>
+          </a:effectRef>
+          <a:fontRef idx="minor">
+            <a:schemeClr val="lt1"/>
+          </a:fontRef>
+        </p:style>
+        <p:txBody>
+          <a:bodyPr rtlCol="0" anchor="ctr"/>
+          <a:lstStyle/>
+          <a:p>
+            <a:pPr algn="ctr"/>
+            <a:endParaRPr lang="en-US"/>
+          </a:p>
+        </p:txBody>
+      </p:sp>
+      <p:sp>
+        <p:nvSpPr>
+          <p:cNvPr id="8" name="Prostokąt: zaokrąglone rogi 7">
+            <a:extLst>
+              <a:ext uri="{FF2B5EF4-FFF2-40B4-BE49-F238E27FC236}">
+                <a16:creationId xmlns:a16="http://schemas.microsoft.com/office/drawing/2014/main" id="{95ED5EB3-F329-4C6B-82B2-379E7D2E0CFA}"/>
+              </a:ext>
+            </a:extLst>
+          </p:cNvPr>
+          <p:cNvSpPr/>
+          <p:nvPr/>
+        </p:nvSpPr>
+        <p:spPr>
+          <a:xfrm>
+            <a:off x="371834" y="3908463"/>
+            <a:ext cx="4467768" cy="2528813"/>
+          </a:xfrm>
+          <a:prstGeom prst="roundRect">
+            <a:avLst/>
+          </a:prstGeom>
+          <a:solidFill>
+            <a:schemeClr val="tx1"/>
+          </a:solidFill>
+          <a:ln w="76200"/>
+        </p:spPr>
+        <p:style>
+          <a:lnRef idx="2">
+            <a:schemeClr val="accent1">
+              <a:shade val="50000"/>
+            </a:schemeClr>
+          </a:lnRef>
+          <a:fillRef idx="1">
+            <a:schemeClr val="accent1"/>
+          </a:fillRef>
+          <a:effectRef idx="0">
+            <a:schemeClr val="accent1"/>
+          </a:effectRef>
+          <a:fontRef idx="minor">
+            <a:schemeClr val="lt1"/>
+          </a:fontRef>
+        </p:style>
+        <p:txBody>
+          <a:bodyPr rtlCol="0" anchor="ctr"/>
+          <a:lstStyle/>
+          <a:p>
+            <a:pPr algn="ctr"/>
+            <a:endParaRPr lang="en-US"/>
+          </a:p>
+        </p:txBody>
+      </p:sp>
+      <p:sp>
+        <p:nvSpPr>
+          <p:cNvPr id="4" name="Prostokąt zaokrąglony 9">
+            <a:extLst>
+              <a:ext uri="{FF2B5EF4-FFF2-40B4-BE49-F238E27FC236}">
+                <a16:creationId xmlns:a16="http://schemas.microsoft.com/office/drawing/2014/main" id="{019AE2F0-25F5-4A24-8A32-22A90CD5C9B7}"/>
+              </a:ext>
+            </a:extLst>
+          </p:cNvPr>
+          <p:cNvSpPr/>
+          <p:nvPr/>
+        </p:nvSpPr>
+        <p:spPr>
+          <a:xfrm>
+            <a:off x="580373" y="1457413"/>
+            <a:ext cx="2826081" cy="1414360"/>
+          </a:xfrm>
+          <a:prstGeom prst="roundRect">
+            <a:avLst/>
+          </a:prstGeom>
+        </p:spPr>
+        <p:style>
+          <a:lnRef idx="1">
+            <a:schemeClr val="accent5"/>
+          </a:lnRef>
+          <a:fillRef idx="3">
+            <a:schemeClr val="accent5"/>
+          </a:fillRef>
+          <a:effectRef idx="2">
+            <a:schemeClr val="accent5"/>
+          </a:effectRef>
+          <a:fontRef idx="minor">
+            <a:schemeClr val="lt1"/>
+          </a:fontRef>
+        </p:style>
+        <p:txBody>
+          <a:bodyPr rtlCol="0" anchor="ctr"/>
+          <a:lstStyle/>
+          <a:p>
+            <a:pPr algn="ctr"/>
+            <a:r>
+              <a:rPr lang="pl-PL" sz="2400" dirty="0" err="1">
+                <a:latin typeface="Arial Black" panose="020B0A04020102020204" pitchFamily="34" charset="0"/>
+              </a:rPr>
+              <a:t>Shipping</a:t>
+            </a:r>
+            <a:endParaRPr lang="pl-PL" sz="2400" dirty="0">
+              <a:latin typeface="Arial Black" panose="020B0A04020102020204" pitchFamily="34" charset="0"/>
+            </a:endParaRPr>
+          </a:p>
+          <a:p>
+            <a:pPr algn="ctr"/>
+            <a:r>
+              <a:rPr lang="pl-PL" sz="2400" dirty="0">
+                <a:latin typeface="Arial Black" panose="020B0A04020102020204" pitchFamily="34" charset="0"/>
+              </a:rPr>
+              <a:t>HQ</a:t>
+            </a:r>
+            <a:endParaRPr lang="en-US" sz="2400" dirty="0">
+              <a:latin typeface="Arial Black" panose="020B0A04020102020204" pitchFamily="34" charset="0"/>
+            </a:endParaRPr>
+          </a:p>
+        </p:txBody>
+      </p:sp>
+      <p:sp>
+        <p:nvSpPr>
+          <p:cNvPr id="5" name="Prostokąt zaokrąglony 9">
+            <a:extLst>
+              <a:ext uri="{FF2B5EF4-FFF2-40B4-BE49-F238E27FC236}">
+                <a16:creationId xmlns:a16="http://schemas.microsoft.com/office/drawing/2014/main" id="{1A10EEB6-CD8D-4737-A1D8-F32801F5DBDF}"/>
+              </a:ext>
+            </a:extLst>
+          </p:cNvPr>
+          <p:cNvSpPr/>
+          <p:nvPr/>
+        </p:nvSpPr>
+        <p:spPr>
+          <a:xfrm>
+            <a:off x="580373" y="4543454"/>
+            <a:ext cx="2826081" cy="1414360"/>
+          </a:xfrm>
+          <a:prstGeom prst="roundRect">
+            <a:avLst/>
+          </a:prstGeom>
+        </p:spPr>
+        <p:style>
+          <a:lnRef idx="1">
+            <a:schemeClr val="accent5"/>
+          </a:lnRef>
+          <a:fillRef idx="3">
+            <a:schemeClr val="accent5"/>
+          </a:fillRef>
+          <a:effectRef idx="2">
+            <a:schemeClr val="accent5"/>
+          </a:effectRef>
+          <a:fontRef idx="minor">
+            <a:schemeClr val="lt1"/>
+          </a:fontRef>
+        </p:style>
+        <p:txBody>
+          <a:bodyPr rtlCol="0" anchor="ctr"/>
+          <a:lstStyle/>
+          <a:p>
+            <a:pPr algn="ctr"/>
+            <a:r>
+              <a:rPr lang="pl-PL" sz="2400" dirty="0" err="1">
+                <a:latin typeface="Arial Black" panose="020B0A04020102020204" pitchFamily="34" charset="0"/>
+              </a:rPr>
+              <a:t>Shipping</a:t>
+            </a:r>
+            <a:endParaRPr lang="pl-PL" sz="2400" dirty="0">
+              <a:latin typeface="Arial Black" panose="020B0A04020102020204" pitchFamily="34" charset="0"/>
+            </a:endParaRPr>
+          </a:p>
+          <a:p>
+            <a:pPr algn="ctr"/>
+            <a:r>
+              <a:rPr lang="pl-PL" sz="2400" dirty="0" err="1">
+                <a:latin typeface="Arial Black" panose="020B0A04020102020204" pitchFamily="34" charset="0"/>
+              </a:rPr>
+              <a:t>Store</a:t>
+            </a:r>
+            <a:endParaRPr lang="en-US" sz="2400" dirty="0">
+              <a:latin typeface="Arial Black" panose="020B0A04020102020204" pitchFamily="34" charset="0"/>
+            </a:endParaRPr>
+          </a:p>
+        </p:txBody>
+      </p:sp>
+      <p:sp>
+        <p:nvSpPr>
+          <p:cNvPr id="6" name="Prostokąt: zaokrąglone rogi 5">
+            <a:extLst>
+              <a:ext uri="{FF2B5EF4-FFF2-40B4-BE49-F238E27FC236}">
+                <a16:creationId xmlns:a16="http://schemas.microsoft.com/office/drawing/2014/main" id="{09B5B3E2-A4F4-4404-A182-C96D7C4B1EF0}"/>
+              </a:ext>
+            </a:extLst>
+          </p:cNvPr>
+          <p:cNvSpPr/>
+          <p:nvPr/>
+        </p:nvSpPr>
+        <p:spPr>
+          <a:xfrm>
+            <a:off x="371834" y="900188"/>
+            <a:ext cx="4467768" cy="2528813"/>
+          </a:xfrm>
+          <a:prstGeom prst="roundRect">
+            <a:avLst/>
+          </a:prstGeom>
+          <a:noFill/>
+          <a:ln w="76200"/>
+        </p:spPr>
+        <p:style>
+          <a:lnRef idx="2">
+            <a:schemeClr val="accent1">
+              <a:shade val="50000"/>
+            </a:schemeClr>
+          </a:lnRef>
+          <a:fillRef idx="1">
+            <a:schemeClr val="accent1"/>
+          </a:fillRef>
+          <a:effectRef idx="0">
+            <a:schemeClr val="accent1"/>
+          </a:effectRef>
+          <a:fontRef idx="minor">
+            <a:schemeClr val="lt1"/>
+          </a:fontRef>
+        </p:style>
+        <p:txBody>
+          <a:bodyPr rtlCol="0" anchor="ctr"/>
+          <a:lstStyle/>
+          <a:p>
+            <a:pPr algn="ctr"/>
+            <a:endParaRPr lang="en-US"/>
+          </a:p>
+        </p:txBody>
+      </p:sp>
+      <p:sp>
+        <p:nvSpPr>
+          <p:cNvPr id="7" name="Prostokąt: zaokrąglone rogi 6">
+            <a:extLst>
+              <a:ext uri="{FF2B5EF4-FFF2-40B4-BE49-F238E27FC236}">
+                <a16:creationId xmlns:a16="http://schemas.microsoft.com/office/drawing/2014/main" id="{9F358AFC-78E0-4152-AF7D-4C4185BEFCF9}"/>
+              </a:ext>
+            </a:extLst>
+          </p:cNvPr>
+          <p:cNvSpPr/>
+          <p:nvPr/>
+        </p:nvSpPr>
+        <p:spPr>
+          <a:xfrm>
+            <a:off x="6634458" y="900187"/>
+            <a:ext cx="4467768" cy="5537089"/>
+          </a:xfrm>
+          <a:prstGeom prst="roundRect">
+            <a:avLst/>
+          </a:prstGeom>
+          <a:noFill/>
+          <a:ln w="76200"/>
+        </p:spPr>
+        <p:style>
+          <a:lnRef idx="2">
+            <a:schemeClr val="accent1">
+              <a:shade val="50000"/>
+            </a:schemeClr>
+          </a:lnRef>
+          <a:fillRef idx="1">
+            <a:schemeClr val="accent1"/>
+          </a:fillRef>
+          <a:effectRef idx="0">
+            <a:schemeClr val="accent1"/>
+          </a:effectRef>
+          <a:fontRef idx="minor">
+            <a:schemeClr val="lt1"/>
+          </a:fontRef>
+        </p:style>
+        <p:txBody>
+          <a:bodyPr rtlCol="0" anchor="ctr"/>
+          <a:lstStyle/>
+          <a:p>
+            <a:pPr algn="ctr"/>
+            <a:endParaRPr lang="en-US"/>
+          </a:p>
+        </p:txBody>
+      </p:sp>
+      <p:sp>
+        <p:nvSpPr>
+          <p:cNvPr id="9" name="Prostokąt zaokrąglony 9">
+            <a:extLst>
+              <a:ext uri="{FF2B5EF4-FFF2-40B4-BE49-F238E27FC236}">
+                <a16:creationId xmlns:a16="http://schemas.microsoft.com/office/drawing/2014/main" id="{17DC7494-1A9C-4579-9283-281A730579C4}"/>
+              </a:ext>
+            </a:extLst>
+          </p:cNvPr>
+          <p:cNvSpPr/>
+          <p:nvPr/>
+        </p:nvSpPr>
+        <p:spPr>
+          <a:xfrm>
+            <a:off x="8347256" y="1336993"/>
+            <a:ext cx="2159583" cy="864122"/>
+          </a:xfrm>
+          <a:prstGeom prst="roundRect">
+            <a:avLst/>
+          </a:prstGeom>
+        </p:spPr>
+        <p:style>
+          <a:lnRef idx="1">
+            <a:schemeClr val="accent2"/>
+          </a:lnRef>
+          <a:fillRef idx="3">
+            <a:schemeClr val="accent2"/>
+          </a:fillRef>
+          <a:effectRef idx="2">
+            <a:schemeClr val="accent2"/>
+          </a:effectRef>
+          <a:fontRef idx="minor">
+            <a:schemeClr val="lt1"/>
+          </a:fontRef>
+        </p:style>
+        <p:txBody>
+          <a:bodyPr rtlCol="0" anchor="ctr"/>
+          <a:lstStyle/>
+          <a:p>
+            <a:pPr algn="ctr"/>
+            <a:r>
+              <a:rPr lang="pl-PL" sz="2400" dirty="0">
+                <a:latin typeface="Arial Black" panose="020B0A04020102020204" pitchFamily="34" charset="0"/>
+              </a:rPr>
+              <a:t>Billing A</a:t>
+            </a:r>
+            <a:endParaRPr lang="en-US" sz="2400" dirty="0">
+              <a:latin typeface="Arial Black" panose="020B0A04020102020204" pitchFamily="34" charset="0"/>
+            </a:endParaRPr>
+          </a:p>
+        </p:txBody>
+      </p:sp>
+      <p:sp>
+        <p:nvSpPr>
+          <p:cNvPr id="10" name="Prostokąt zaokrąglony 9">
+            <a:extLst>
+              <a:ext uri="{FF2B5EF4-FFF2-40B4-BE49-F238E27FC236}">
+                <a16:creationId xmlns:a16="http://schemas.microsoft.com/office/drawing/2014/main" id="{DC866476-0397-4A29-9115-C4D4902B28A1}"/>
+              </a:ext>
+            </a:extLst>
+          </p:cNvPr>
+          <p:cNvSpPr/>
+          <p:nvPr/>
+        </p:nvSpPr>
+        <p:spPr>
+          <a:xfrm>
+            <a:off x="8347256" y="2564879"/>
+            <a:ext cx="2159583" cy="864122"/>
+          </a:xfrm>
+          <a:prstGeom prst="roundRect">
+            <a:avLst/>
+          </a:prstGeom>
+        </p:spPr>
+        <p:style>
+          <a:lnRef idx="1">
+            <a:schemeClr val="accent2"/>
+          </a:lnRef>
+          <a:fillRef idx="3">
+            <a:schemeClr val="accent2"/>
+          </a:fillRef>
+          <a:effectRef idx="2">
+            <a:schemeClr val="accent2"/>
+          </a:effectRef>
+          <a:fontRef idx="minor">
+            <a:schemeClr val="lt1"/>
+          </a:fontRef>
+        </p:style>
+        <p:txBody>
+          <a:bodyPr rtlCol="0" anchor="ctr"/>
+          <a:lstStyle/>
+          <a:p>
+            <a:pPr algn="ctr"/>
+            <a:r>
+              <a:rPr lang="pl-PL" sz="2400" dirty="0">
+                <a:latin typeface="Arial Black" panose="020B0A04020102020204" pitchFamily="34" charset="0"/>
+              </a:rPr>
+              <a:t>Billing B</a:t>
+            </a:r>
+            <a:endParaRPr lang="en-US" sz="2400" dirty="0">
+              <a:latin typeface="Arial Black" panose="020B0A04020102020204" pitchFamily="34" charset="0"/>
+            </a:endParaRPr>
+          </a:p>
+        </p:txBody>
+      </p:sp>
+      <p:sp>
+        <p:nvSpPr>
+          <p:cNvPr id="11" name="Prostokąt zaokrąglony 9">
+            <a:extLst>
+              <a:ext uri="{FF2B5EF4-FFF2-40B4-BE49-F238E27FC236}">
+                <a16:creationId xmlns:a16="http://schemas.microsoft.com/office/drawing/2014/main" id="{AB0F6694-6326-4C3B-9CD6-6495FBC5368B}"/>
+              </a:ext>
+            </a:extLst>
+          </p:cNvPr>
+          <p:cNvSpPr/>
+          <p:nvPr/>
+        </p:nvSpPr>
+        <p:spPr>
+          <a:xfrm>
+            <a:off x="8347256" y="3859094"/>
+            <a:ext cx="2159583" cy="864122"/>
+          </a:xfrm>
+          <a:prstGeom prst="roundRect">
+            <a:avLst/>
+          </a:prstGeom>
+        </p:spPr>
+        <p:style>
+          <a:lnRef idx="1">
+            <a:schemeClr val="accent2"/>
+          </a:lnRef>
+          <a:fillRef idx="3">
+            <a:schemeClr val="accent2"/>
+          </a:fillRef>
+          <a:effectRef idx="2">
+            <a:schemeClr val="accent2"/>
+          </a:effectRef>
+          <a:fontRef idx="minor">
+            <a:schemeClr val="lt1"/>
+          </a:fontRef>
+        </p:style>
+        <p:txBody>
+          <a:bodyPr rtlCol="0" anchor="ctr"/>
+          <a:lstStyle/>
+          <a:p>
+            <a:pPr algn="ctr"/>
+            <a:r>
+              <a:rPr lang="pl-PL" sz="2400" dirty="0">
+                <a:latin typeface="Arial Black" panose="020B0A04020102020204" pitchFamily="34" charset="0"/>
+              </a:rPr>
+              <a:t>Billing C</a:t>
+            </a:r>
+            <a:endParaRPr lang="en-US" sz="2400" dirty="0">
+              <a:latin typeface="Arial Black" panose="020B0A04020102020204" pitchFamily="34" charset="0"/>
+            </a:endParaRPr>
+          </a:p>
+        </p:txBody>
+      </p:sp>
+      <p:sp>
+        <p:nvSpPr>
+          <p:cNvPr id="12" name="Prostokąt zaokrąglony 9">
+            <a:extLst>
+              <a:ext uri="{FF2B5EF4-FFF2-40B4-BE49-F238E27FC236}">
+                <a16:creationId xmlns:a16="http://schemas.microsoft.com/office/drawing/2014/main" id="{5D5B1A25-B44A-45DE-8544-5BFF1CC987AE}"/>
+              </a:ext>
+            </a:extLst>
+          </p:cNvPr>
+          <p:cNvSpPr/>
+          <p:nvPr/>
+        </p:nvSpPr>
+        <p:spPr>
+          <a:xfrm>
+            <a:off x="8347255" y="5153309"/>
+            <a:ext cx="2159583" cy="864122"/>
+          </a:xfrm>
+          <a:prstGeom prst="roundRect">
+            <a:avLst/>
+          </a:prstGeom>
+        </p:spPr>
+        <p:style>
+          <a:lnRef idx="1">
+            <a:schemeClr val="accent2"/>
+          </a:lnRef>
+          <a:fillRef idx="3">
+            <a:schemeClr val="accent2"/>
+          </a:fillRef>
+          <a:effectRef idx="2">
+            <a:schemeClr val="accent2"/>
+          </a:effectRef>
+          <a:fontRef idx="minor">
+            <a:schemeClr val="lt1"/>
+          </a:fontRef>
+        </p:style>
+        <p:txBody>
+          <a:bodyPr rtlCol="0" anchor="ctr"/>
+          <a:lstStyle/>
+          <a:p>
+            <a:pPr algn="ctr"/>
+            <a:r>
+              <a:rPr lang="pl-PL" sz="2400" dirty="0">
+                <a:latin typeface="Arial Black" panose="020B0A04020102020204" pitchFamily="34" charset="0"/>
+              </a:rPr>
+              <a:t>Billing D</a:t>
+            </a:r>
+            <a:endParaRPr lang="en-US" sz="2400" dirty="0">
+              <a:latin typeface="Arial Black" panose="020B0A04020102020204" pitchFamily="34" charset="0"/>
+            </a:endParaRPr>
+          </a:p>
+        </p:txBody>
+      </p:sp>
+      <p:pic>
+        <p:nvPicPr>
+          <p:cNvPr id="16" name="Obraz 15">
+            <a:extLst>
+              <a:ext uri="{FF2B5EF4-FFF2-40B4-BE49-F238E27FC236}">
+                <a16:creationId xmlns:a16="http://schemas.microsoft.com/office/drawing/2014/main" id="{64C7962B-DE62-4BD4-B835-772B00F34212}"/>
+              </a:ext>
+            </a:extLst>
+          </p:cNvPr>
+          <p:cNvPicPr>
+            <a:picLocks noChangeAspect="1"/>
+          </p:cNvPicPr>
+          <p:nvPr/>
+        </p:nvPicPr>
+        <p:blipFill>
+          <a:blip r:embed="rId2" cstate="print">
+            <a:duotone>
+              <a:schemeClr val="accent2">
+                <a:shade val="45000"/>
+                <a:satMod val="135000"/>
+              </a:schemeClr>
+              <a:prstClr val="white"/>
+            </a:duotone>
+            <a:extLst>
+              <a:ext uri="{28A0092B-C50C-407E-A947-70E740481C1C}">
+                <a14:useLocalDpi xmlns:a14="http://schemas.microsoft.com/office/drawing/2010/main" val="0"/>
+              </a:ext>
+            </a:extLst>
+          </a:blip>
+          <a:srcRect/>
+          <a:stretch/>
+        </p:blipFill>
+        <p:spPr>
+          <a:xfrm>
+            <a:off x="4839602" y="2766328"/>
+            <a:ext cx="1765799" cy="1765799"/>
+          </a:xfrm>
+          <a:prstGeom prst="rect">
+            <a:avLst/>
+          </a:prstGeom>
+        </p:spPr>
+      </p:pic>
+      <p:pic>
+        <p:nvPicPr>
+          <p:cNvPr id="18" name="Obraz 17" descr="Obraz zawierający rysunek&#10;&#10;Opis wygenerowany automatycznie">
+            <a:extLst>
+              <a:ext uri="{FF2B5EF4-FFF2-40B4-BE49-F238E27FC236}">
+                <a16:creationId xmlns:a16="http://schemas.microsoft.com/office/drawing/2014/main" id="{82BBA6F8-3B86-423A-98B5-981B6357211A}"/>
+              </a:ext>
+            </a:extLst>
+          </p:cNvPr>
+          <p:cNvPicPr>
+            <a:picLocks noChangeAspect="1"/>
+          </p:cNvPicPr>
+          <p:nvPr/>
+        </p:nvPicPr>
+        <p:blipFill>
+          <a:blip r:embed="rId3">
+            <a:duotone>
+              <a:srgbClr val="FFC000">
+                <a:shade val="45000"/>
+                <a:satMod val="135000"/>
+              </a:srgbClr>
+              <a:prstClr val="white"/>
+            </a:duotone>
+            <a:extLst>
+              <a:ext uri="{28A0092B-C50C-407E-A947-70E740481C1C}">
+                <a14:useLocalDpi xmlns:a14="http://schemas.microsoft.com/office/drawing/2010/main" val="0"/>
+              </a:ext>
+            </a:extLst>
+          </a:blip>
+          <a:stretch>
+            <a:fillRect/>
+          </a:stretch>
+        </p:blipFill>
+        <p:spPr>
+          <a:xfrm>
+            <a:off x="3487883" y="1529448"/>
+            <a:ext cx="1270289" cy="1270289"/>
+          </a:xfrm>
+          <a:prstGeom prst="rect">
+            <a:avLst/>
+          </a:prstGeom>
+        </p:spPr>
+      </p:pic>
+      <p:pic>
+        <p:nvPicPr>
+          <p:cNvPr id="19" name="Obraz 18" descr="Obraz zawierający rysunek&#10;&#10;Opis wygenerowany automatycznie">
+            <a:extLst>
+              <a:ext uri="{FF2B5EF4-FFF2-40B4-BE49-F238E27FC236}">
+                <a16:creationId xmlns:a16="http://schemas.microsoft.com/office/drawing/2014/main" id="{56E2B7E2-CB8B-4BC1-8F8B-6CD796CA5B54}"/>
+              </a:ext>
+            </a:extLst>
+          </p:cNvPr>
+          <p:cNvPicPr>
+            <a:picLocks noChangeAspect="1"/>
+          </p:cNvPicPr>
+          <p:nvPr/>
+        </p:nvPicPr>
+        <p:blipFill>
+          <a:blip r:embed="rId4">
+            <a:duotone>
+              <a:schemeClr val="accent4">
+                <a:shade val="45000"/>
+                <a:satMod val="135000"/>
+              </a:schemeClr>
+              <a:prstClr val="white"/>
+            </a:duotone>
+            <a:extLst>
+              <a:ext uri="{28A0092B-C50C-407E-A947-70E740481C1C}">
+                <a14:useLocalDpi xmlns:a14="http://schemas.microsoft.com/office/drawing/2010/main" val="0"/>
+              </a:ext>
+            </a:extLst>
+          </a:blip>
+          <a:stretch>
+            <a:fillRect/>
+          </a:stretch>
+        </p:blipFill>
+        <p:spPr>
+          <a:xfrm>
+            <a:off x="3487882" y="4615489"/>
+            <a:ext cx="1270289" cy="1270289"/>
+          </a:xfrm>
+          <a:prstGeom prst="rect">
+            <a:avLst/>
+          </a:prstGeom>
+        </p:spPr>
+      </p:pic>
+      <p:pic>
+        <p:nvPicPr>
+          <p:cNvPr id="20" name="Obraz 19" descr="Obraz zawierający rysunek&#10;&#10;Opis wygenerowany automatycznie">
+            <a:extLst>
+              <a:ext uri="{FF2B5EF4-FFF2-40B4-BE49-F238E27FC236}">
+                <a16:creationId xmlns:a16="http://schemas.microsoft.com/office/drawing/2014/main" id="{3D985983-B7A6-47D1-813D-A519D34FA1F0}"/>
+              </a:ext>
+            </a:extLst>
+          </p:cNvPr>
+          <p:cNvPicPr>
+            <a:picLocks noChangeAspect="1"/>
+          </p:cNvPicPr>
+          <p:nvPr/>
+        </p:nvPicPr>
+        <p:blipFill>
+          <a:blip r:embed="rId4">
+            <a:duotone>
+              <a:schemeClr val="accent4">
+                <a:shade val="45000"/>
+                <a:satMod val="135000"/>
+              </a:schemeClr>
+              <a:prstClr val="white"/>
+            </a:duotone>
+            <a:extLst>
+              <a:ext uri="{28A0092B-C50C-407E-A947-70E740481C1C}">
+                <a14:useLocalDpi xmlns:a14="http://schemas.microsoft.com/office/drawing/2010/main" val="0"/>
+              </a:ext>
+            </a:extLst>
+          </a:blip>
+          <a:stretch>
+            <a:fillRect/>
+          </a:stretch>
+        </p:blipFill>
+        <p:spPr>
+          <a:xfrm>
+            <a:off x="6855713" y="3033586"/>
+            <a:ext cx="1270289" cy="1270289"/>
+          </a:xfrm>
+          <a:prstGeom prst="rect">
+            <a:avLst/>
+          </a:prstGeom>
+        </p:spPr>
+      </p:pic>
+      <p:pic>
+        <p:nvPicPr>
+          <p:cNvPr id="3" name="Grafika 2" descr="Baza danych">
+            <a:extLst>
+              <a:ext uri="{FF2B5EF4-FFF2-40B4-BE49-F238E27FC236}">
+                <a16:creationId xmlns:a16="http://schemas.microsoft.com/office/drawing/2014/main" id="{D1BD3A6C-0961-4112-87A4-D084137E1087}"/>
+              </a:ext>
+            </a:extLst>
+          </p:cNvPr>
+          <p:cNvPicPr>
+            <a:picLocks noChangeAspect="1"/>
+          </p:cNvPicPr>
+          <p:nvPr/>
+        </p:nvPicPr>
+        <p:blipFill>
+          <a:blip r:embed="rId5">
+            <a:extLst>
+              <a:ext uri="{28A0092B-C50C-407E-A947-70E740481C1C}">
+                <a14:useLocalDpi xmlns:a14="http://schemas.microsoft.com/office/drawing/2010/main" val="0"/>
+              </a:ext>
+              <a:ext uri="{96DAC541-7B7A-43D3-8B79-37D633B846F1}">
+                <asvg:svgBlip xmlns:asvg="http://schemas.microsoft.com/office/drawing/2016/SVG/main" r:embed="rId6"/>
+              </a:ext>
+            </a:extLst>
+          </a:blip>
+          <a:stretch>
+            <a:fillRect/>
+          </a:stretch>
+        </p:blipFill>
+        <p:spPr>
+          <a:xfrm>
+            <a:off x="2852960" y="2364799"/>
+            <a:ext cx="914400" cy="914400"/>
+          </a:xfrm>
+          <a:prstGeom prst="rect">
+            <a:avLst/>
+          </a:prstGeom>
+        </p:spPr>
+      </p:pic>
+      <p:pic>
+        <p:nvPicPr>
+          <p:cNvPr id="17" name="Grafika 16" descr="Baza danych">
+            <a:extLst>
+              <a:ext uri="{FF2B5EF4-FFF2-40B4-BE49-F238E27FC236}">
+                <a16:creationId xmlns:a16="http://schemas.microsoft.com/office/drawing/2014/main" id="{E37860DC-F957-43BC-AE99-A0B10BC11B4B}"/>
+              </a:ext>
+            </a:extLst>
+          </p:cNvPr>
+          <p:cNvPicPr>
+            <a:picLocks noChangeAspect="1"/>
+          </p:cNvPicPr>
+          <p:nvPr/>
+        </p:nvPicPr>
+        <p:blipFill>
+          <a:blip r:embed="rId5">
+            <a:extLst>
+              <a:ext uri="{28A0092B-C50C-407E-A947-70E740481C1C}">
+                <a14:useLocalDpi xmlns:a14="http://schemas.microsoft.com/office/drawing/2010/main" val="0"/>
+              </a:ext>
+              <a:ext uri="{96DAC541-7B7A-43D3-8B79-37D633B846F1}">
+                <asvg:svgBlip xmlns:asvg="http://schemas.microsoft.com/office/drawing/2016/SVG/main" r:embed="rId7"/>
+              </a:ext>
+            </a:extLst>
+          </a:blip>
+          <a:stretch>
+            <a:fillRect/>
+          </a:stretch>
+        </p:blipFill>
+        <p:spPr>
+          <a:xfrm>
+            <a:off x="2852960" y="5450840"/>
+            <a:ext cx="914400" cy="914400"/>
+          </a:xfrm>
+          <a:prstGeom prst="rect">
+            <a:avLst/>
+          </a:prstGeom>
+        </p:spPr>
+      </p:pic>
+      <p:pic>
+        <p:nvPicPr>
+          <p:cNvPr id="21" name="Grafika 20" descr="Baza danych">
+            <a:extLst>
+              <a:ext uri="{FF2B5EF4-FFF2-40B4-BE49-F238E27FC236}">
+                <a16:creationId xmlns:a16="http://schemas.microsoft.com/office/drawing/2014/main" id="{4D9C2F46-2DF5-4818-BFBF-AB50BC4586A4}"/>
+              </a:ext>
+            </a:extLst>
+          </p:cNvPr>
+          <p:cNvPicPr>
+            <a:picLocks noChangeAspect="1"/>
+          </p:cNvPicPr>
+          <p:nvPr/>
+        </p:nvPicPr>
+        <p:blipFill>
+          <a:blip r:embed="rId5">
+            <a:extLst>
+              <a:ext uri="{28A0092B-C50C-407E-A947-70E740481C1C}">
+                <a14:useLocalDpi xmlns:a14="http://schemas.microsoft.com/office/drawing/2010/main" val="0"/>
+              </a:ext>
+              <a:ext uri="{96DAC541-7B7A-43D3-8B79-37D633B846F1}">
+                <asvg:svgBlip xmlns:asvg="http://schemas.microsoft.com/office/drawing/2016/SVG/main" r:embed="rId7"/>
+              </a:ext>
+            </a:extLst>
+          </a:blip>
+          <a:stretch>
+            <a:fillRect/>
+          </a:stretch>
+        </p:blipFill>
+        <p:spPr>
+          <a:xfrm>
+            <a:off x="7943057" y="1953838"/>
+            <a:ext cx="914400" cy="914400"/>
+          </a:xfrm>
+          <a:prstGeom prst="rect">
+            <a:avLst/>
+          </a:prstGeom>
+        </p:spPr>
+      </p:pic>
+      <p:pic>
+        <p:nvPicPr>
+          <p:cNvPr id="22" name="Grafika 21" descr="Baza danych">
+            <a:extLst>
+              <a:ext uri="{FF2B5EF4-FFF2-40B4-BE49-F238E27FC236}">
+                <a16:creationId xmlns:a16="http://schemas.microsoft.com/office/drawing/2014/main" id="{3BBEB32E-A127-4B3A-9891-CB0220415E2F}"/>
+              </a:ext>
+            </a:extLst>
+          </p:cNvPr>
+          <p:cNvPicPr>
+            <a:picLocks noChangeAspect="1"/>
+          </p:cNvPicPr>
+          <p:nvPr/>
+        </p:nvPicPr>
+        <p:blipFill>
+          <a:blip r:embed="rId5">
+            <a:extLst>
+              <a:ext uri="{28A0092B-C50C-407E-A947-70E740481C1C}">
+                <a14:useLocalDpi xmlns:a14="http://schemas.microsoft.com/office/drawing/2010/main" val="0"/>
+              </a:ext>
+              <a:ext uri="{96DAC541-7B7A-43D3-8B79-37D633B846F1}">
+                <asvg:svgBlip xmlns:asvg="http://schemas.microsoft.com/office/drawing/2016/SVG/main" r:embed="rId7"/>
+              </a:ext>
+            </a:extLst>
+          </a:blip>
+          <a:stretch>
+            <a:fillRect/>
+          </a:stretch>
+        </p:blipFill>
+        <p:spPr>
+          <a:xfrm>
+            <a:off x="7890055" y="4475939"/>
+            <a:ext cx="914400" cy="914400"/>
+          </a:xfrm>
+          <a:prstGeom prst="rect">
+            <a:avLst/>
+          </a:prstGeom>
+        </p:spPr>
+      </p:pic>
+    </p:spTree>
+    <p:extLst>
+      <p:ext uri="{BB962C8B-B14F-4D97-AF65-F5344CB8AC3E}">
+        <p14:creationId xmlns:p14="http://schemas.microsoft.com/office/powerpoint/2010/main" val="367977212"/>
+      </p:ext>
+    </p:extLst>
+  </p:cSld>
+  <p:clrMapOvr>
+    <a:masterClrMapping/>
+  </p:clrMapOvr>
+</p:sld>
+</file>
+
+<file path=ppt/slides/slide37.xml><?xml version="1.0" encoding="utf-8"?>
 <p:sld xmlns:a="http://schemas.openxmlformats.org/drawingml/2006/main" xmlns:r="http://schemas.openxmlformats.org/officeDocument/2006/relationships" xmlns:p="http://schemas.openxmlformats.org/presentationml/2006/main">
   <p:cSld>
     <p:spTree>
@@ -43257,7 +44207,7 @@
 </p:sld>
 </file>
 
-<file path=ppt/slides/slide36.xml><?xml version="1.0" encoding="utf-8"?>
+<file path=ppt/slides/slide38.xml><?xml version="1.0" encoding="utf-8"?>
 <p:sld xmlns:a="http://schemas.openxmlformats.org/drawingml/2006/main" xmlns:r="http://schemas.openxmlformats.org/officeDocument/2006/relationships" xmlns:p="http://schemas.openxmlformats.org/presentationml/2006/main">
   <p:cSld>
     <p:spTree>
@@ -43312,7 +44262,7 @@
 </p:sld>
 </file>
 
-<file path=ppt/slides/slide37.xml><?xml version="1.0" encoding="utf-8"?>
+<file path=ppt/slides/slide39.xml><?xml version="1.0" encoding="utf-8"?>
 <p:sld xmlns:a="http://schemas.openxmlformats.org/drawingml/2006/main" xmlns:r="http://schemas.openxmlformats.org/officeDocument/2006/relationships" xmlns:p="http://schemas.openxmlformats.org/presentationml/2006/main">
   <p:cSld>
     <p:spTree>
@@ -43849,434 +44799,6 @@
     <p:extLst>
       <p:ext uri="{BB962C8B-B14F-4D97-AF65-F5344CB8AC3E}">
         <p14:creationId xmlns:p14="http://schemas.microsoft.com/office/powerpoint/2010/main" val="2917483841"/>
-      </p:ext>
-    </p:extLst>
-  </p:cSld>
-  <p:clrMapOvr>
-    <a:masterClrMapping/>
-  </p:clrMapOvr>
-</p:sld>
-</file>
-
-<file path=ppt/slides/slide38.xml><?xml version="1.0" encoding="utf-8"?>
-<p:sld xmlns:a="http://schemas.openxmlformats.org/drawingml/2006/main" xmlns:r="http://schemas.openxmlformats.org/officeDocument/2006/relationships" xmlns:p="http://schemas.openxmlformats.org/presentationml/2006/main">
-  <p:cSld>
-    <p:spTree>
-      <p:nvGrpSpPr>
-        <p:cNvPr id="1" name=""/>
-        <p:cNvGrpSpPr/>
-        <p:nvPr/>
-      </p:nvGrpSpPr>
-      <p:grpSpPr>
-        <a:xfrm>
-          <a:off x="0" y="0"/>
-          <a:ext cx="0" cy="0"/>
-          <a:chOff x="0" y="0"/>
-          <a:chExt cx="0" cy="0"/>
-        </a:xfrm>
-      </p:grpSpPr>
-      <p:pic>
-        <p:nvPicPr>
-          <p:cNvPr id="3" name="Obraz 2">
-            <a:extLst>
-              <a:ext uri="{FF2B5EF4-FFF2-40B4-BE49-F238E27FC236}">
-                <a16:creationId xmlns:a16="http://schemas.microsoft.com/office/drawing/2014/main" id="{857983A3-4F25-41C1-B19A-8BCB5553033C}"/>
-              </a:ext>
-            </a:extLst>
-          </p:cNvPr>
-          <p:cNvPicPr>
-            <a:picLocks noChangeAspect="1"/>
-          </p:cNvPicPr>
-          <p:nvPr/>
-        </p:nvPicPr>
-        <p:blipFill>
-          <a:blip r:embed="rId2" cstate="print">
-            <a:extLst>
-              <a:ext uri="{28A0092B-C50C-407E-A947-70E740481C1C}">
-                <a14:useLocalDpi xmlns:a14="http://schemas.microsoft.com/office/drawing/2010/main" val="0"/>
-              </a:ext>
-            </a:extLst>
-          </a:blip>
-          <a:stretch>
-            <a:fillRect/>
-          </a:stretch>
-        </p:blipFill>
-        <p:spPr>
-          <a:xfrm>
-            <a:off x="339512" y="864080"/>
-            <a:ext cx="4359007" cy="3402068"/>
-          </a:xfrm>
-          <a:prstGeom prst="rect">
-            <a:avLst/>
-          </a:prstGeom>
-        </p:spPr>
-      </p:pic>
-      <p:pic>
-        <p:nvPicPr>
-          <p:cNvPr id="7" name="Grafika 6">
-            <a:extLst>
-              <a:ext uri="{FF2B5EF4-FFF2-40B4-BE49-F238E27FC236}">
-                <a16:creationId xmlns:a16="http://schemas.microsoft.com/office/drawing/2014/main" id="{62913EBD-239E-403C-831E-3BD673A1A5C2}"/>
-              </a:ext>
-            </a:extLst>
-          </p:cNvPr>
-          <p:cNvPicPr>
-            <a:picLocks noChangeAspect="1"/>
-          </p:cNvPicPr>
-          <p:nvPr/>
-        </p:nvPicPr>
-        <p:blipFill>
-          <a:blip r:embed="rId3" cstate="print">
-            <a:extLst>
-              <a:ext uri="{28A0092B-C50C-407E-A947-70E740481C1C}">
-                <a14:useLocalDpi xmlns:a14="http://schemas.microsoft.com/office/drawing/2010/main" val="0"/>
-              </a:ext>
-            </a:extLst>
-          </a:blip>
-          <a:stretch>
-            <a:fillRect/>
-          </a:stretch>
-        </p:blipFill>
-        <p:spPr>
-          <a:xfrm>
-            <a:off x="3514725" y="2520344"/>
-            <a:ext cx="5162550" cy="1817310"/>
-          </a:xfrm>
-          <a:prstGeom prst="rect">
-            <a:avLst/>
-          </a:prstGeom>
-        </p:spPr>
-      </p:pic>
-      <p:pic>
-        <p:nvPicPr>
-          <p:cNvPr id="8" name="Obraz 7">
-            <a:extLst>
-              <a:ext uri="{FF2B5EF4-FFF2-40B4-BE49-F238E27FC236}">
-                <a16:creationId xmlns:a16="http://schemas.microsoft.com/office/drawing/2014/main" id="{4037ED0E-94DE-462E-BCCA-81417062B3C0}"/>
-              </a:ext>
-            </a:extLst>
-          </p:cNvPr>
-          <p:cNvPicPr>
-            <a:picLocks noChangeAspect="1"/>
-          </p:cNvPicPr>
-          <p:nvPr/>
-        </p:nvPicPr>
-        <p:blipFill>
-          <a:blip r:embed="rId2" cstate="print">
-            <a:extLst>
-              <a:ext uri="{28A0092B-C50C-407E-A947-70E740481C1C}">
-                <a14:useLocalDpi xmlns:a14="http://schemas.microsoft.com/office/drawing/2010/main" val="0"/>
-              </a:ext>
-            </a:extLst>
-          </a:blip>
-          <a:stretch>
-            <a:fillRect/>
-          </a:stretch>
-        </p:blipFill>
-        <p:spPr>
-          <a:xfrm>
-            <a:off x="7493481" y="864080"/>
-            <a:ext cx="4359007" cy="3402068"/>
-          </a:xfrm>
-          <a:prstGeom prst="rect">
-            <a:avLst/>
-          </a:prstGeom>
-        </p:spPr>
-      </p:pic>
-    </p:spTree>
-    <p:extLst>
-      <p:ext uri="{BB962C8B-B14F-4D97-AF65-F5344CB8AC3E}">
-        <p14:creationId xmlns:p14="http://schemas.microsoft.com/office/powerpoint/2010/main" val="3212910446"/>
-      </p:ext>
-    </p:extLst>
-  </p:cSld>
-  <p:clrMapOvr>
-    <a:masterClrMapping/>
-  </p:clrMapOvr>
-</p:sld>
-</file>
-
-<file path=ppt/slides/slide39.xml><?xml version="1.0" encoding="utf-8"?>
-<p:sld xmlns:a="http://schemas.openxmlformats.org/drawingml/2006/main" xmlns:r="http://schemas.openxmlformats.org/officeDocument/2006/relationships" xmlns:p="http://schemas.openxmlformats.org/presentationml/2006/main">
-  <p:cSld>
-    <p:spTree>
-      <p:nvGrpSpPr>
-        <p:cNvPr id="1" name=""/>
-        <p:cNvGrpSpPr/>
-        <p:nvPr/>
-      </p:nvGrpSpPr>
-      <p:grpSpPr>
-        <a:xfrm>
-          <a:off x="0" y="0"/>
-          <a:ext cx="0" cy="0"/>
-          <a:chOff x="0" y="0"/>
-          <a:chExt cx="0" cy="0"/>
-        </a:xfrm>
-      </p:grpSpPr>
-      <p:pic>
-        <p:nvPicPr>
-          <p:cNvPr id="3" name="Obraz 2">
-            <a:extLst>
-              <a:ext uri="{FF2B5EF4-FFF2-40B4-BE49-F238E27FC236}">
-                <a16:creationId xmlns:a16="http://schemas.microsoft.com/office/drawing/2014/main" id="{857983A3-4F25-41C1-B19A-8BCB5553033C}"/>
-              </a:ext>
-            </a:extLst>
-          </p:cNvPr>
-          <p:cNvPicPr>
-            <a:picLocks noChangeAspect="1"/>
-          </p:cNvPicPr>
-          <p:nvPr/>
-        </p:nvPicPr>
-        <p:blipFill>
-          <a:blip r:embed="rId2" cstate="print">
-            <a:extLst>
-              <a:ext uri="{28A0092B-C50C-407E-A947-70E740481C1C}">
-                <a14:useLocalDpi xmlns:a14="http://schemas.microsoft.com/office/drawing/2010/main" val="0"/>
-              </a:ext>
-            </a:extLst>
-          </a:blip>
-          <a:stretch>
-            <a:fillRect/>
-          </a:stretch>
-        </p:blipFill>
-        <p:spPr>
-          <a:xfrm>
-            <a:off x="339512" y="864080"/>
-            <a:ext cx="4359007" cy="3402068"/>
-          </a:xfrm>
-          <a:prstGeom prst="rect">
-            <a:avLst/>
-          </a:prstGeom>
-        </p:spPr>
-      </p:pic>
-      <p:pic>
-        <p:nvPicPr>
-          <p:cNvPr id="8" name="Obraz 7">
-            <a:extLst>
-              <a:ext uri="{FF2B5EF4-FFF2-40B4-BE49-F238E27FC236}">
-                <a16:creationId xmlns:a16="http://schemas.microsoft.com/office/drawing/2014/main" id="{4037ED0E-94DE-462E-BCCA-81417062B3C0}"/>
-              </a:ext>
-            </a:extLst>
-          </p:cNvPr>
-          <p:cNvPicPr>
-            <a:picLocks noChangeAspect="1"/>
-          </p:cNvPicPr>
-          <p:nvPr/>
-        </p:nvPicPr>
-        <p:blipFill>
-          <a:blip r:embed="rId2" cstate="print">
-            <a:extLst>
-              <a:ext uri="{28A0092B-C50C-407E-A947-70E740481C1C}">
-                <a14:useLocalDpi xmlns:a14="http://schemas.microsoft.com/office/drawing/2010/main" val="0"/>
-              </a:ext>
-            </a:extLst>
-          </a:blip>
-          <a:stretch>
-            <a:fillRect/>
-          </a:stretch>
-        </p:blipFill>
-        <p:spPr>
-          <a:xfrm>
-            <a:off x="7493481" y="864080"/>
-            <a:ext cx="4359007" cy="3402068"/>
-          </a:xfrm>
-          <a:prstGeom prst="rect">
-            <a:avLst/>
-          </a:prstGeom>
-        </p:spPr>
-      </p:pic>
-      <p:pic>
-        <p:nvPicPr>
-          <p:cNvPr id="5" name="Obraz 4">
-            <a:extLst>
-              <a:ext uri="{FF2B5EF4-FFF2-40B4-BE49-F238E27FC236}">
-                <a16:creationId xmlns:a16="http://schemas.microsoft.com/office/drawing/2014/main" id="{D7715D39-33E3-4CF0-BC2B-0B8A73F1568F}"/>
-              </a:ext>
-            </a:extLst>
-          </p:cNvPr>
-          <p:cNvPicPr>
-            <a:picLocks noChangeAspect="1"/>
-          </p:cNvPicPr>
-          <p:nvPr/>
-        </p:nvPicPr>
-        <p:blipFill>
-          <a:blip r:embed="rId3" cstate="print">
-            <a:extLst>
-              <a:ext uri="{28A0092B-C50C-407E-A947-70E740481C1C}">
-                <a14:useLocalDpi xmlns:a14="http://schemas.microsoft.com/office/drawing/2010/main" val="0"/>
-              </a:ext>
-            </a:extLst>
-          </a:blip>
-          <a:stretch>
-            <a:fillRect/>
-          </a:stretch>
-        </p:blipFill>
-        <p:spPr>
-          <a:xfrm>
-            <a:off x="3267075" y="2270674"/>
-            <a:ext cx="1280223" cy="1280223"/>
-          </a:xfrm>
-          <a:prstGeom prst="rect">
-            <a:avLst/>
-          </a:prstGeom>
-        </p:spPr>
-      </p:pic>
-      <p:pic>
-        <p:nvPicPr>
-          <p:cNvPr id="6" name="Obraz 5">
-            <a:extLst>
-              <a:ext uri="{FF2B5EF4-FFF2-40B4-BE49-F238E27FC236}">
-                <a16:creationId xmlns:a16="http://schemas.microsoft.com/office/drawing/2014/main" id="{530A1178-880C-4657-86A3-4F13274F3B58}"/>
-              </a:ext>
-            </a:extLst>
-          </p:cNvPr>
-          <p:cNvPicPr>
-            <a:picLocks noChangeAspect="1"/>
-          </p:cNvPicPr>
-          <p:nvPr/>
-        </p:nvPicPr>
-        <p:blipFill>
-          <a:blip r:embed="rId3" cstate="print">
-            <a:extLst>
-              <a:ext uri="{28A0092B-C50C-407E-A947-70E740481C1C}">
-                <a14:useLocalDpi xmlns:a14="http://schemas.microsoft.com/office/drawing/2010/main" val="0"/>
-              </a:ext>
-            </a:extLst>
-          </a:blip>
-          <a:stretch>
-            <a:fillRect/>
-          </a:stretch>
-        </p:blipFill>
-        <p:spPr>
-          <a:xfrm>
-            <a:off x="3267075" y="3429000"/>
-            <a:ext cx="1280223" cy="1280223"/>
-          </a:xfrm>
-          <a:prstGeom prst="rect">
-            <a:avLst/>
-          </a:prstGeom>
-        </p:spPr>
-      </p:pic>
-      <p:pic>
-        <p:nvPicPr>
-          <p:cNvPr id="11" name="Obraz 10">
-            <a:extLst>
-              <a:ext uri="{FF2B5EF4-FFF2-40B4-BE49-F238E27FC236}">
-                <a16:creationId xmlns:a16="http://schemas.microsoft.com/office/drawing/2014/main" id="{0E032E12-401E-474B-8921-29912DDE6274}"/>
-              </a:ext>
-            </a:extLst>
-          </p:cNvPr>
-          <p:cNvPicPr>
-            <a:picLocks noChangeAspect="1"/>
-          </p:cNvPicPr>
-          <p:nvPr/>
-        </p:nvPicPr>
-        <p:blipFill>
-          <a:blip r:embed="rId3" cstate="print">
-            <a:extLst>
-              <a:ext uri="{28A0092B-C50C-407E-A947-70E740481C1C}">
-                <a14:useLocalDpi xmlns:a14="http://schemas.microsoft.com/office/drawing/2010/main" val="0"/>
-              </a:ext>
-            </a:extLst>
-          </a:blip>
-          <a:stretch>
-            <a:fillRect/>
-          </a:stretch>
-        </p:blipFill>
-        <p:spPr>
-          <a:xfrm>
-            <a:off x="6702148" y="2270674"/>
-            <a:ext cx="1280223" cy="1280223"/>
-          </a:xfrm>
-          <a:prstGeom prst="rect">
-            <a:avLst/>
-          </a:prstGeom>
-        </p:spPr>
-      </p:pic>
-      <p:pic>
-        <p:nvPicPr>
-          <p:cNvPr id="12" name="Obraz 11">
-            <a:extLst>
-              <a:ext uri="{FF2B5EF4-FFF2-40B4-BE49-F238E27FC236}">
-                <a16:creationId xmlns:a16="http://schemas.microsoft.com/office/drawing/2014/main" id="{B9F8EB00-50B5-4127-BFFA-475F98FE0463}"/>
-              </a:ext>
-            </a:extLst>
-          </p:cNvPr>
-          <p:cNvPicPr>
-            <a:picLocks noChangeAspect="1"/>
-          </p:cNvPicPr>
-          <p:nvPr/>
-        </p:nvPicPr>
-        <p:blipFill>
-          <a:blip r:embed="rId3" cstate="print">
-            <a:extLst>
-              <a:ext uri="{28A0092B-C50C-407E-A947-70E740481C1C}">
-                <a14:useLocalDpi xmlns:a14="http://schemas.microsoft.com/office/drawing/2010/main" val="0"/>
-              </a:ext>
-            </a:extLst>
-          </a:blip>
-          <a:stretch>
-            <a:fillRect/>
-          </a:stretch>
-        </p:blipFill>
-        <p:spPr>
-          <a:xfrm>
-            <a:off x="6702148" y="3429000"/>
-            <a:ext cx="1280223" cy="1280223"/>
-          </a:xfrm>
-          <a:prstGeom prst="rect">
-            <a:avLst/>
-          </a:prstGeom>
-        </p:spPr>
-      </p:pic>
-      <p:sp>
-        <p:nvSpPr>
-          <p:cNvPr id="13" name="Strzałka w prawo 7">
-            <a:extLst>
-              <a:ext uri="{FF2B5EF4-FFF2-40B4-BE49-F238E27FC236}">
-                <a16:creationId xmlns:a16="http://schemas.microsoft.com/office/drawing/2014/main" id="{AED1DCF7-7748-46F3-985A-6BB199D53354}"/>
-              </a:ext>
-            </a:extLst>
-          </p:cNvPr>
-          <p:cNvSpPr/>
-          <p:nvPr/>
-        </p:nvSpPr>
-        <p:spPr>
-          <a:xfrm>
-            <a:off x="4656803" y="2634560"/>
-            <a:ext cx="1894124" cy="374970"/>
-          </a:xfrm>
-          <a:prstGeom prst="rightArrow">
-            <a:avLst/>
-          </a:prstGeom>
-        </p:spPr>
-        <p:style>
-          <a:lnRef idx="1">
-            <a:schemeClr val="accent4"/>
-          </a:lnRef>
-          <a:fillRef idx="3">
-            <a:schemeClr val="accent4"/>
-          </a:fillRef>
-          <a:effectRef idx="2">
-            <a:schemeClr val="accent4"/>
-          </a:effectRef>
-          <a:fontRef idx="minor">
-            <a:schemeClr val="lt1"/>
-          </a:fontRef>
-        </p:style>
-        <p:txBody>
-          <a:bodyPr rtlCol="0" anchor="ctr"/>
-          <a:lstStyle/>
-          <a:p>
-            <a:pPr algn="ctr"/>
-            <a:endParaRPr lang="en-US"/>
-          </a:p>
-        </p:txBody>
-      </p:sp>
-    </p:spTree>
-    <p:extLst>
-      <p:ext uri="{BB962C8B-B14F-4D97-AF65-F5344CB8AC3E}">
-        <p14:creationId xmlns:p14="http://schemas.microsoft.com/office/powerpoint/2010/main" val="108947002"/>
       </p:ext>
     </p:extLst>
   </p:cSld>
@@ -44683,6 +45205,434 @@
       </p:pic>
       <p:pic>
         <p:nvPicPr>
+          <p:cNvPr id="7" name="Grafika 6">
+            <a:extLst>
+              <a:ext uri="{FF2B5EF4-FFF2-40B4-BE49-F238E27FC236}">
+                <a16:creationId xmlns:a16="http://schemas.microsoft.com/office/drawing/2014/main" id="{62913EBD-239E-403C-831E-3BD673A1A5C2}"/>
+              </a:ext>
+            </a:extLst>
+          </p:cNvPr>
+          <p:cNvPicPr>
+            <a:picLocks noChangeAspect="1"/>
+          </p:cNvPicPr>
+          <p:nvPr/>
+        </p:nvPicPr>
+        <p:blipFill>
+          <a:blip r:embed="rId3" cstate="print">
+            <a:extLst>
+              <a:ext uri="{28A0092B-C50C-407E-A947-70E740481C1C}">
+                <a14:useLocalDpi xmlns:a14="http://schemas.microsoft.com/office/drawing/2010/main" val="0"/>
+              </a:ext>
+            </a:extLst>
+          </a:blip>
+          <a:stretch>
+            <a:fillRect/>
+          </a:stretch>
+        </p:blipFill>
+        <p:spPr>
+          <a:xfrm>
+            <a:off x="3514725" y="2520344"/>
+            <a:ext cx="5162550" cy="1817310"/>
+          </a:xfrm>
+          <a:prstGeom prst="rect">
+            <a:avLst/>
+          </a:prstGeom>
+        </p:spPr>
+      </p:pic>
+      <p:pic>
+        <p:nvPicPr>
+          <p:cNvPr id="8" name="Obraz 7">
+            <a:extLst>
+              <a:ext uri="{FF2B5EF4-FFF2-40B4-BE49-F238E27FC236}">
+                <a16:creationId xmlns:a16="http://schemas.microsoft.com/office/drawing/2014/main" id="{4037ED0E-94DE-462E-BCCA-81417062B3C0}"/>
+              </a:ext>
+            </a:extLst>
+          </p:cNvPr>
+          <p:cNvPicPr>
+            <a:picLocks noChangeAspect="1"/>
+          </p:cNvPicPr>
+          <p:nvPr/>
+        </p:nvPicPr>
+        <p:blipFill>
+          <a:blip r:embed="rId2" cstate="print">
+            <a:extLst>
+              <a:ext uri="{28A0092B-C50C-407E-A947-70E740481C1C}">
+                <a14:useLocalDpi xmlns:a14="http://schemas.microsoft.com/office/drawing/2010/main" val="0"/>
+              </a:ext>
+            </a:extLst>
+          </a:blip>
+          <a:stretch>
+            <a:fillRect/>
+          </a:stretch>
+        </p:blipFill>
+        <p:spPr>
+          <a:xfrm>
+            <a:off x="7493481" y="864080"/>
+            <a:ext cx="4359007" cy="3402068"/>
+          </a:xfrm>
+          <a:prstGeom prst="rect">
+            <a:avLst/>
+          </a:prstGeom>
+        </p:spPr>
+      </p:pic>
+    </p:spTree>
+    <p:extLst>
+      <p:ext uri="{BB962C8B-B14F-4D97-AF65-F5344CB8AC3E}">
+        <p14:creationId xmlns:p14="http://schemas.microsoft.com/office/powerpoint/2010/main" val="3212910446"/>
+      </p:ext>
+    </p:extLst>
+  </p:cSld>
+  <p:clrMapOvr>
+    <a:masterClrMapping/>
+  </p:clrMapOvr>
+</p:sld>
+</file>
+
+<file path=ppt/slides/slide41.xml><?xml version="1.0" encoding="utf-8"?>
+<p:sld xmlns:a="http://schemas.openxmlformats.org/drawingml/2006/main" xmlns:r="http://schemas.openxmlformats.org/officeDocument/2006/relationships" xmlns:p="http://schemas.openxmlformats.org/presentationml/2006/main">
+  <p:cSld>
+    <p:spTree>
+      <p:nvGrpSpPr>
+        <p:cNvPr id="1" name=""/>
+        <p:cNvGrpSpPr/>
+        <p:nvPr/>
+      </p:nvGrpSpPr>
+      <p:grpSpPr>
+        <a:xfrm>
+          <a:off x="0" y="0"/>
+          <a:ext cx="0" cy="0"/>
+          <a:chOff x="0" y="0"/>
+          <a:chExt cx="0" cy="0"/>
+        </a:xfrm>
+      </p:grpSpPr>
+      <p:pic>
+        <p:nvPicPr>
+          <p:cNvPr id="3" name="Obraz 2">
+            <a:extLst>
+              <a:ext uri="{FF2B5EF4-FFF2-40B4-BE49-F238E27FC236}">
+                <a16:creationId xmlns:a16="http://schemas.microsoft.com/office/drawing/2014/main" id="{857983A3-4F25-41C1-B19A-8BCB5553033C}"/>
+              </a:ext>
+            </a:extLst>
+          </p:cNvPr>
+          <p:cNvPicPr>
+            <a:picLocks noChangeAspect="1"/>
+          </p:cNvPicPr>
+          <p:nvPr/>
+        </p:nvPicPr>
+        <p:blipFill>
+          <a:blip r:embed="rId2" cstate="print">
+            <a:extLst>
+              <a:ext uri="{28A0092B-C50C-407E-A947-70E740481C1C}">
+                <a14:useLocalDpi xmlns:a14="http://schemas.microsoft.com/office/drawing/2010/main" val="0"/>
+              </a:ext>
+            </a:extLst>
+          </a:blip>
+          <a:stretch>
+            <a:fillRect/>
+          </a:stretch>
+        </p:blipFill>
+        <p:spPr>
+          <a:xfrm>
+            <a:off x="339512" y="864080"/>
+            <a:ext cx="4359007" cy="3402068"/>
+          </a:xfrm>
+          <a:prstGeom prst="rect">
+            <a:avLst/>
+          </a:prstGeom>
+        </p:spPr>
+      </p:pic>
+      <p:pic>
+        <p:nvPicPr>
+          <p:cNvPr id="8" name="Obraz 7">
+            <a:extLst>
+              <a:ext uri="{FF2B5EF4-FFF2-40B4-BE49-F238E27FC236}">
+                <a16:creationId xmlns:a16="http://schemas.microsoft.com/office/drawing/2014/main" id="{4037ED0E-94DE-462E-BCCA-81417062B3C0}"/>
+              </a:ext>
+            </a:extLst>
+          </p:cNvPr>
+          <p:cNvPicPr>
+            <a:picLocks noChangeAspect="1"/>
+          </p:cNvPicPr>
+          <p:nvPr/>
+        </p:nvPicPr>
+        <p:blipFill>
+          <a:blip r:embed="rId2" cstate="print">
+            <a:extLst>
+              <a:ext uri="{28A0092B-C50C-407E-A947-70E740481C1C}">
+                <a14:useLocalDpi xmlns:a14="http://schemas.microsoft.com/office/drawing/2010/main" val="0"/>
+              </a:ext>
+            </a:extLst>
+          </a:blip>
+          <a:stretch>
+            <a:fillRect/>
+          </a:stretch>
+        </p:blipFill>
+        <p:spPr>
+          <a:xfrm>
+            <a:off x="7493481" y="864080"/>
+            <a:ext cx="4359007" cy="3402068"/>
+          </a:xfrm>
+          <a:prstGeom prst="rect">
+            <a:avLst/>
+          </a:prstGeom>
+        </p:spPr>
+      </p:pic>
+      <p:pic>
+        <p:nvPicPr>
+          <p:cNvPr id="5" name="Obraz 4">
+            <a:extLst>
+              <a:ext uri="{FF2B5EF4-FFF2-40B4-BE49-F238E27FC236}">
+                <a16:creationId xmlns:a16="http://schemas.microsoft.com/office/drawing/2014/main" id="{D7715D39-33E3-4CF0-BC2B-0B8A73F1568F}"/>
+              </a:ext>
+            </a:extLst>
+          </p:cNvPr>
+          <p:cNvPicPr>
+            <a:picLocks noChangeAspect="1"/>
+          </p:cNvPicPr>
+          <p:nvPr/>
+        </p:nvPicPr>
+        <p:blipFill>
+          <a:blip r:embed="rId3" cstate="print">
+            <a:extLst>
+              <a:ext uri="{28A0092B-C50C-407E-A947-70E740481C1C}">
+                <a14:useLocalDpi xmlns:a14="http://schemas.microsoft.com/office/drawing/2010/main" val="0"/>
+              </a:ext>
+            </a:extLst>
+          </a:blip>
+          <a:stretch>
+            <a:fillRect/>
+          </a:stretch>
+        </p:blipFill>
+        <p:spPr>
+          <a:xfrm>
+            <a:off x="3267075" y="2270674"/>
+            <a:ext cx="1280223" cy="1280223"/>
+          </a:xfrm>
+          <a:prstGeom prst="rect">
+            <a:avLst/>
+          </a:prstGeom>
+        </p:spPr>
+      </p:pic>
+      <p:pic>
+        <p:nvPicPr>
+          <p:cNvPr id="6" name="Obraz 5">
+            <a:extLst>
+              <a:ext uri="{FF2B5EF4-FFF2-40B4-BE49-F238E27FC236}">
+                <a16:creationId xmlns:a16="http://schemas.microsoft.com/office/drawing/2014/main" id="{530A1178-880C-4657-86A3-4F13274F3B58}"/>
+              </a:ext>
+            </a:extLst>
+          </p:cNvPr>
+          <p:cNvPicPr>
+            <a:picLocks noChangeAspect="1"/>
+          </p:cNvPicPr>
+          <p:nvPr/>
+        </p:nvPicPr>
+        <p:blipFill>
+          <a:blip r:embed="rId3" cstate="print">
+            <a:extLst>
+              <a:ext uri="{28A0092B-C50C-407E-A947-70E740481C1C}">
+                <a14:useLocalDpi xmlns:a14="http://schemas.microsoft.com/office/drawing/2010/main" val="0"/>
+              </a:ext>
+            </a:extLst>
+          </a:blip>
+          <a:stretch>
+            <a:fillRect/>
+          </a:stretch>
+        </p:blipFill>
+        <p:spPr>
+          <a:xfrm>
+            <a:off x="3267075" y="3429000"/>
+            <a:ext cx="1280223" cy="1280223"/>
+          </a:xfrm>
+          <a:prstGeom prst="rect">
+            <a:avLst/>
+          </a:prstGeom>
+        </p:spPr>
+      </p:pic>
+      <p:pic>
+        <p:nvPicPr>
+          <p:cNvPr id="11" name="Obraz 10">
+            <a:extLst>
+              <a:ext uri="{FF2B5EF4-FFF2-40B4-BE49-F238E27FC236}">
+                <a16:creationId xmlns:a16="http://schemas.microsoft.com/office/drawing/2014/main" id="{0E032E12-401E-474B-8921-29912DDE6274}"/>
+              </a:ext>
+            </a:extLst>
+          </p:cNvPr>
+          <p:cNvPicPr>
+            <a:picLocks noChangeAspect="1"/>
+          </p:cNvPicPr>
+          <p:nvPr/>
+        </p:nvPicPr>
+        <p:blipFill>
+          <a:blip r:embed="rId3" cstate="print">
+            <a:extLst>
+              <a:ext uri="{28A0092B-C50C-407E-A947-70E740481C1C}">
+                <a14:useLocalDpi xmlns:a14="http://schemas.microsoft.com/office/drawing/2010/main" val="0"/>
+              </a:ext>
+            </a:extLst>
+          </a:blip>
+          <a:stretch>
+            <a:fillRect/>
+          </a:stretch>
+        </p:blipFill>
+        <p:spPr>
+          <a:xfrm>
+            <a:off x="6702148" y="2270674"/>
+            <a:ext cx="1280223" cy="1280223"/>
+          </a:xfrm>
+          <a:prstGeom prst="rect">
+            <a:avLst/>
+          </a:prstGeom>
+        </p:spPr>
+      </p:pic>
+      <p:pic>
+        <p:nvPicPr>
+          <p:cNvPr id="12" name="Obraz 11">
+            <a:extLst>
+              <a:ext uri="{FF2B5EF4-FFF2-40B4-BE49-F238E27FC236}">
+                <a16:creationId xmlns:a16="http://schemas.microsoft.com/office/drawing/2014/main" id="{B9F8EB00-50B5-4127-BFFA-475F98FE0463}"/>
+              </a:ext>
+            </a:extLst>
+          </p:cNvPr>
+          <p:cNvPicPr>
+            <a:picLocks noChangeAspect="1"/>
+          </p:cNvPicPr>
+          <p:nvPr/>
+        </p:nvPicPr>
+        <p:blipFill>
+          <a:blip r:embed="rId3" cstate="print">
+            <a:extLst>
+              <a:ext uri="{28A0092B-C50C-407E-A947-70E740481C1C}">
+                <a14:useLocalDpi xmlns:a14="http://schemas.microsoft.com/office/drawing/2010/main" val="0"/>
+              </a:ext>
+            </a:extLst>
+          </a:blip>
+          <a:stretch>
+            <a:fillRect/>
+          </a:stretch>
+        </p:blipFill>
+        <p:spPr>
+          <a:xfrm>
+            <a:off x="6702148" y="3429000"/>
+            <a:ext cx="1280223" cy="1280223"/>
+          </a:xfrm>
+          <a:prstGeom prst="rect">
+            <a:avLst/>
+          </a:prstGeom>
+        </p:spPr>
+      </p:pic>
+      <p:sp>
+        <p:nvSpPr>
+          <p:cNvPr id="13" name="Strzałka w prawo 7">
+            <a:extLst>
+              <a:ext uri="{FF2B5EF4-FFF2-40B4-BE49-F238E27FC236}">
+                <a16:creationId xmlns:a16="http://schemas.microsoft.com/office/drawing/2014/main" id="{AED1DCF7-7748-46F3-985A-6BB199D53354}"/>
+              </a:ext>
+            </a:extLst>
+          </p:cNvPr>
+          <p:cNvSpPr/>
+          <p:nvPr/>
+        </p:nvSpPr>
+        <p:spPr>
+          <a:xfrm>
+            <a:off x="4656803" y="2634560"/>
+            <a:ext cx="1894124" cy="374970"/>
+          </a:xfrm>
+          <a:prstGeom prst="rightArrow">
+            <a:avLst/>
+          </a:prstGeom>
+        </p:spPr>
+        <p:style>
+          <a:lnRef idx="1">
+            <a:schemeClr val="accent4"/>
+          </a:lnRef>
+          <a:fillRef idx="3">
+            <a:schemeClr val="accent4"/>
+          </a:fillRef>
+          <a:effectRef idx="2">
+            <a:schemeClr val="accent4"/>
+          </a:effectRef>
+          <a:fontRef idx="minor">
+            <a:schemeClr val="lt1"/>
+          </a:fontRef>
+        </p:style>
+        <p:txBody>
+          <a:bodyPr rtlCol="0" anchor="ctr"/>
+          <a:lstStyle/>
+          <a:p>
+            <a:pPr algn="ctr"/>
+            <a:endParaRPr lang="en-US"/>
+          </a:p>
+        </p:txBody>
+      </p:sp>
+    </p:spTree>
+    <p:extLst>
+      <p:ext uri="{BB962C8B-B14F-4D97-AF65-F5344CB8AC3E}">
+        <p14:creationId xmlns:p14="http://schemas.microsoft.com/office/powerpoint/2010/main" val="108947002"/>
+      </p:ext>
+    </p:extLst>
+  </p:cSld>
+  <p:clrMapOvr>
+    <a:masterClrMapping/>
+  </p:clrMapOvr>
+</p:sld>
+</file>
+
+<file path=ppt/slides/slide42.xml><?xml version="1.0" encoding="utf-8"?>
+<p:sld xmlns:a="http://schemas.openxmlformats.org/drawingml/2006/main" xmlns:r="http://schemas.openxmlformats.org/officeDocument/2006/relationships" xmlns:p="http://schemas.openxmlformats.org/presentationml/2006/main">
+  <p:cSld>
+    <p:spTree>
+      <p:nvGrpSpPr>
+        <p:cNvPr id="1" name=""/>
+        <p:cNvGrpSpPr/>
+        <p:nvPr/>
+      </p:nvGrpSpPr>
+      <p:grpSpPr>
+        <a:xfrm>
+          <a:off x="0" y="0"/>
+          <a:ext cx="0" cy="0"/>
+          <a:chOff x="0" y="0"/>
+          <a:chExt cx="0" cy="0"/>
+        </a:xfrm>
+      </p:grpSpPr>
+      <p:pic>
+        <p:nvPicPr>
+          <p:cNvPr id="3" name="Obraz 2">
+            <a:extLst>
+              <a:ext uri="{FF2B5EF4-FFF2-40B4-BE49-F238E27FC236}">
+                <a16:creationId xmlns:a16="http://schemas.microsoft.com/office/drawing/2014/main" id="{857983A3-4F25-41C1-B19A-8BCB5553033C}"/>
+              </a:ext>
+            </a:extLst>
+          </p:cNvPr>
+          <p:cNvPicPr>
+            <a:picLocks noChangeAspect="1"/>
+          </p:cNvPicPr>
+          <p:nvPr/>
+        </p:nvPicPr>
+        <p:blipFill>
+          <a:blip r:embed="rId2" cstate="print">
+            <a:extLst>
+              <a:ext uri="{28A0092B-C50C-407E-A947-70E740481C1C}">
+                <a14:useLocalDpi xmlns:a14="http://schemas.microsoft.com/office/drawing/2010/main" val="0"/>
+              </a:ext>
+            </a:extLst>
+          </a:blip>
+          <a:stretch>
+            <a:fillRect/>
+          </a:stretch>
+        </p:blipFill>
+        <p:spPr>
+          <a:xfrm>
+            <a:off x="339512" y="864080"/>
+            <a:ext cx="4359007" cy="3402068"/>
+          </a:xfrm>
+          <a:prstGeom prst="rect">
+            <a:avLst/>
+          </a:prstGeom>
+        </p:spPr>
+      </p:pic>
+      <p:pic>
+        <p:nvPicPr>
           <p:cNvPr id="8" name="Obraz 7">
             <a:extLst>
               <a:ext uri="{FF2B5EF4-FFF2-40B4-BE49-F238E27FC236}">
@@ -44918,7 +45868,7 @@
 </p:sld>
 </file>
 
-<file path=ppt/slides/slide41.xml><?xml version="1.0" encoding="utf-8"?>
+<file path=ppt/slides/slide43.xml><?xml version="1.0" encoding="utf-8"?>
 <p:sld xmlns:a="http://schemas.openxmlformats.org/drawingml/2006/main" xmlns:r="http://schemas.openxmlformats.org/officeDocument/2006/relationships" xmlns:p="http://schemas.openxmlformats.org/presentationml/2006/main">
   <p:cSld>
     <p:spTree>
@@ -45208,7 +46158,7 @@
 </p:sld>
 </file>
 
-<file path=ppt/slides/slide42.xml><?xml version="1.0" encoding="utf-8"?>
+<file path=ppt/slides/slide44.xml><?xml version="1.0" encoding="utf-8"?>
 <p:sld xmlns:a="http://schemas.openxmlformats.org/drawingml/2006/main" xmlns:r="http://schemas.openxmlformats.org/officeDocument/2006/relationships" xmlns:p="http://schemas.openxmlformats.org/presentationml/2006/main">
   <p:cSld>
     <p:spTree>
@@ -45498,7 +46448,7 @@
 </p:sld>
 </file>
 
-<file path=ppt/slides/slide43.xml><?xml version="1.0" encoding="utf-8"?>
+<file path=ppt/slides/slide45.xml><?xml version="1.0" encoding="utf-8"?>
 <p:sld xmlns:a="http://schemas.openxmlformats.org/drawingml/2006/main" xmlns:r="http://schemas.openxmlformats.org/officeDocument/2006/relationships" xmlns:p="http://schemas.openxmlformats.org/presentationml/2006/main">
   <p:cSld>
     <p:spTree>
@@ -45788,7 +46738,7 @@
 </p:sld>
 </file>
 
-<file path=ppt/slides/slide44.xml><?xml version="1.0" encoding="utf-8"?>
+<file path=ppt/slides/slide46.xml><?xml version="1.0" encoding="utf-8"?>
 <p:sld xmlns:a="http://schemas.openxmlformats.org/drawingml/2006/main" xmlns:r="http://schemas.openxmlformats.org/officeDocument/2006/relationships" xmlns:p="http://schemas.openxmlformats.org/presentationml/2006/main">
   <p:cSld>
     <p:spTree>
@@ -46078,7 +47028,7 @@
 </p:sld>
 </file>
 
-<file path=ppt/slides/slide45.xml><?xml version="1.0" encoding="utf-8"?>
+<file path=ppt/slides/slide47.xml><?xml version="1.0" encoding="utf-8"?>
 <p:sld xmlns:a="http://schemas.openxmlformats.org/drawingml/2006/main" xmlns:r="http://schemas.openxmlformats.org/officeDocument/2006/relationships" xmlns:p="http://schemas.openxmlformats.org/presentationml/2006/main">
   <p:cSld>
     <p:spTree>
@@ -46448,7 +47398,7 @@
 </p:sld>
 </file>
 
-<file path=ppt/slides/slide46.xml><?xml version="1.0" encoding="utf-8"?>
+<file path=ppt/slides/slide48.xml><?xml version="1.0" encoding="utf-8"?>
 <p:sld xmlns:a="http://schemas.openxmlformats.org/drawingml/2006/main" xmlns:r="http://schemas.openxmlformats.org/officeDocument/2006/relationships" xmlns:p="http://schemas.openxmlformats.org/presentationml/2006/main">
   <p:cSld>
     <p:spTree>
@@ -46738,7 +47688,7 @@
 </p:sld>
 </file>
 
-<file path=ppt/slides/slide47.xml><?xml version="1.0" encoding="utf-8"?>
+<file path=ppt/slides/slide49.xml><?xml version="1.0" encoding="utf-8"?>
 <p:sld xmlns:a="http://schemas.openxmlformats.org/drawingml/2006/main" xmlns:r="http://schemas.openxmlformats.org/officeDocument/2006/relationships" xmlns:p="http://schemas.openxmlformats.org/presentationml/2006/main">
   <p:cSld>
     <p:spTree>
@@ -47028,7 +47978,312 @@
 </p:sld>
 </file>
 
-<file path=ppt/slides/slide48.xml><?xml version="1.0" encoding="utf-8"?>
+<file path=ppt/slides/slide5.xml><?xml version="1.0" encoding="utf-8"?>
+<p:sld xmlns:a="http://schemas.openxmlformats.org/drawingml/2006/main" xmlns:r="http://schemas.openxmlformats.org/officeDocument/2006/relationships" xmlns:p="http://schemas.openxmlformats.org/presentationml/2006/main">
+  <p:cSld>
+    <p:spTree>
+      <p:nvGrpSpPr>
+        <p:cNvPr id="1" name=""/>
+        <p:cNvGrpSpPr/>
+        <p:nvPr/>
+      </p:nvGrpSpPr>
+      <p:grpSpPr>
+        <a:xfrm>
+          <a:off x="0" y="0"/>
+          <a:ext cx="0" cy="0"/>
+          <a:chOff x="0" y="0"/>
+          <a:chExt cx="0" cy="0"/>
+        </a:xfrm>
+      </p:grpSpPr>
+      <p:sp>
+        <p:nvSpPr>
+          <p:cNvPr id="2" name="Prostokąt: ścięte rogi u góry 1">
+            <a:extLst>
+              <a:ext uri="{FF2B5EF4-FFF2-40B4-BE49-F238E27FC236}">
+                <a16:creationId xmlns:a16="http://schemas.microsoft.com/office/drawing/2014/main" id="{64D3AA40-BAFD-4E79-8AF2-09FA5B472B08}"/>
+              </a:ext>
+            </a:extLst>
+          </p:cNvPr>
+          <p:cNvSpPr/>
+          <p:nvPr/>
+        </p:nvSpPr>
+        <p:spPr>
+          <a:xfrm>
+            <a:off x="2059254" y="2639008"/>
+            <a:ext cx="2861387" cy="1579984"/>
+          </a:xfrm>
+          <a:prstGeom prst="snip2SameRect">
+            <a:avLst>
+              <a:gd name="adj1" fmla="val 50000"/>
+              <a:gd name="adj2" fmla="val 0"/>
+            </a:avLst>
+          </a:prstGeom>
+          <a:ln w="127000" cap="rnd">
+            <a:round/>
+            <a:headEnd type="none" w="med" len="med"/>
+            <a:tailEnd type="none" w="med" len="med"/>
+          </a:ln>
+        </p:spPr>
+        <p:style>
+          <a:lnRef idx="1">
+            <a:schemeClr val="accent5"/>
+          </a:lnRef>
+          <a:fillRef idx="3">
+            <a:schemeClr val="accent5"/>
+          </a:fillRef>
+          <a:effectRef idx="2">
+            <a:schemeClr val="accent5"/>
+          </a:effectRef>
+          <a:fontRef idx="minor">
+            <a:schemeClr val="lt1"/>
+          </a:fontRef>
+        </p:style>
+        <p:txBody>
+          <a:bodyPr rtlCol="0" anchor="ctr"/>
+          <a:lstStyle/>
+          <a:p>
+            <a:pPr algn="ctr"/>
+            <a:endParaRPr lang="en-US"/>
+          </a:p>
+        </p:txBody>
+      </p:sp>
+      <p:sp>
+        <p:nvSpPr>
+          <p:cNvPr id="3" name="Strzałka w prawo 7">
+            <a:extLst>
+              <a:ext uri="{FF2B5EF4-FFF2-40B4-BE49-F238E27FC236}">
+                <a16:creationId xmlns:a16="http://schemas.microsoft.com/office/drawing/2014/main" id="{9F357059-2133-4700-9014-DC9B074F9DF1}"/>
+              </a:ext>
+            </a:extLst>
+          </p:cNvPr>
+          <p:cNvSpPr/>
+          <p:nvPr/>
+        </p:nvSpPr>
+        <p:spPr>
+          <a:xfrm>
+            <a:off x="5211389" y="3241515"/>
+            <a:ext cx="1769221" cy="374970"/>
+          </a:xfrm>
+          <a:prstGeom prst="rightArrow">
+            <a:avLst/>
+          </a:prstGeom>
+        </p:spPr>
+        <p:style>
+          <a:lnRef idx="1">
+            <a:schemeClr val="accent4"/>
+          </a:lnRef>
+          <a:fillRef idx="3">
+            <a:schemeClr val="accent4"/>
+          </a:fillRef>
+          <a:effectRef idx="2">
+            <a:schemeClr val="accent4"/>
+          </a:effectRef>
+          <a:fontRef idx="minor">
+            <a:schemeClr val="lt1"/>
+          </a:fontRef>
+        </p:style>
+        <p:txBody>
+          <a:bodyPr rtlCol="0" anchor="ctr"/>
+          <a:lstStyle/>
+          <a:p>
+            <a:pPr algn="ctr"/>
+            <a:endParaRPr lang="en-US"/>
+          </a:p>
+        </p:txBody>
+      </p:sp>
+      <p:sp>
+        <p:nvSpPr>
+          <p:cNvPr id="4" name="Prostokąt: ścięte rogi u góry 3">
+            <a:extLst>
+              <a:ext uri="{FF2B5EF4-FFF2-40B4-BE49-F238E27FC236}">
+                <a16:creationId xmlns:a16="http://schemas.microsoft.com/office/drawing/2014/main" id="{A444FE7D-67CB-47C7-8FA3-F45496FB3AD9}"/>
+              </a:ext>
+            </a:extLst>
+          </p:cNvPr>
+          <p:cNvSpPr/>
+          <p:nvPr/>
+        </p:nvSpPr>
+        <p:spPr>
+          <a:xfrm>
+            <a:off x="7271359" y="2639008"/>
+            <a:ext cx="2861387" cy="1579984"/>
+          </a:xfrm>
+          <a:prstGeom prst="snip2SameRect">
+            <a:avLst>
+              <a:gd name="adj1" fmla="val 50000"/>
+              <a:gd name="adj2" fmla="val 0"/>
+            </a:avLst>
+          </a:prstGeom>
+          <a:ln w="127000" cap="rnd">
+            <a:round/>
+            <a:headEnd type="none" w="med" len="med"/>
+            <a:tailEnd type="none" w="med" len="med"/>
+          </a:ln>
+        </p:spPr>
+        <p:style>
+          <a:lnRef idx="1">
+            <a:schemeClr val="accent5"/>
+          </a:lnRef>
+          <a:fillRef idx="3">
+            <a:schemeClr val="accent5"/>
+          </a:fillRef>
+          <a:effectRef idx="2">
+            <a:schemeClr val="accent5"/>
+          </a:effectRef>
+          <a:fontRef idx="minor">
+            <a:schemeClr val="lt1"/>
+          </a:fontRef>
+        </p:style>
+        <p:txBody>
+          <a:bodyPr rtlCol="0" anchor="ctr"/>
+          <a:lstStyle/>
+          <a:p>
+            <a:pPr algn="ctr"/>
+            <a:endParaRPr lang="en-US"/>
+          </a:p>
+        </p:txBody>
+      </p:sp>
+      <p:sp>
+        <p:nvSpPr>
+          <p:cNvPr id="8" name="Strzałka w prawo 7">
+            <a:extLst>
+              <a:ext uri="{FF2B5EF4-FFF2-40B4-BE49-F238E27FC236}">
+                <a16:creationId xmlns:a16="http://schemas.microsoft.com/office/drawing/2014/main" id="{ADE51CB5-F9EA-4E3B-8E1E-D84E3BD3DD86}"/>
+              </a:ext>
+            </a:extLst>
+          </p:cNvPr>
+          <p:cNvSpPr/>
+          <p:nvPr/>
+        </p:nvSpPr>
+        <p:spPr>
+          <a:xfrm>
+            <a:off x="1031861" y="3144486"/>
+            <a:ext cx="907295" cy="374970"/>
+          </a:xfrm>
+          <a:prstGeom prst="rightArrow">
+            <a:avLst/>
+          </a:prstGeom>
+        </p:spPr>
+        <p:style>
+          <a:lnRef idx="1">
+            <a:schemeClr val="accent4"/>
+          </a:lnRef>
+          <a:fillRef idx="3">
+            <a:schemeClr val="accent4"/>
+          </a:fillRef>
+          <a:effectRef idx="2">
+            <a:schemeClr val="accent4"/>
+          </a:effectRef>
+          <a:fontRef idx="minor">
+            <a:schemeClr val="lt1"/>
+          </a:fontRef>
+        </p:style>
+        <p:txBody>
+          <a:bodyPr rtlCol="0" anchor="ctr"/>
+          <a:lstStyle/>
+          <a:p>
+            <a:pPr algn="ctr"/>
+            <a:endParaRPr lang="en-US"/>
+          </a:p>
+        </p:txBody>
+      </p:sp>
+      <p:sp>
+        <p:nvSpPr>
+          <p:cNvPr id="9" name="Strzałka w prawo 7">
+            <a:extLst>
+              <a:ext uri="{FF2B5EF4-FFF2-40B4-BE49-F238E27FC236}">
+                <a16:creationId xmlns:a16="http://schemas.microsoft.com/office/drawing/2014/main" id="{036492BD-014D-43E0-B050-D8FB4D5069B4}"/>
+              </a:ext>
+            </a:extLst>
+          </p:cNvPr>
+          <p:cNvSpPr/>
+          <p:nvPr/>
+        </p:nvSpPr>
+        <p:spPr>
+          <a:xfrm>
+            <a:off x="10303397" y="3176672"/>
+            <a:ext cx="907295" cy="374970"/>
+          </a:xfrm>
+          <a:prstGeom prst="rightArrow">
+            <a:avLst/>
+          </a:prstGeom>
+        </p:spPr>
+        <p:style>
+          <a:lnRef idx="1">
+            <a:schemeClr val="accent4"/>
+          </a:lnRef>
+          <a:fillRef idx="3">
+            <a:schemeClr val="accent4"/>
+          </a:fillRef>
+          <a:effectRef idx="2">
+            <a:schemeClr val="accent4"/>
+          </a:effectRef>
+          <a:fontRef idx="minor">
+            <a:schemeClr val="lt1"/>
+          </a:fontRef>
+        </p:style>
+        <p:txBody>
+          <a:bodyPr rtlCol="0" anchor="ctr"/>
+          <a:lstStyle/>
+          <a:p>
+            <a:pPr algn="ctr"/>
+            <a:endParaRPr lang="en-US"/>
+          </a:p>
+        </p:txBody>
+      </p:sp>
+      <p:pic>
+        <p:nvPicPr>
+          <p:cNvPr id="10" name="Grafika 9" descr="Koperta">
+            <a:extLst>
+              <a:ext uri="{FF2B5EF4-FFF2-40B4-BE49-F238E27FC236}">
+                <a16:creationId xmlns:a16="http://schemas.microsoft.com/office/drawing/2014/main" id="{AEFEC32E-125B-40A9-AB13-24BD58A1DEF1}"/>
+              </a:ext>
+            </a:extLst>
+          </p:cNvPr>
+          <p:cNvPicPr>
+            <a:picLocks noChangeAspect="1"/>
+          </p:cNvPicPr>
+          <p:nvPr/>
+        </p:nvPicPr>
+        <p:blipFill>
+          <a:blip r:embed="rId3">
+            <a:extLst>
+              <a:ext uri="{28A0092B-C50C-407E-A947-70E740481C1C}">
+                <a14:useLocalDpi xmlns:a14="http://schemas.microsoft.com/office/drawing/2010/main" val="0"/>
+              </a:ext>
+              <a:ext uri="{96DAC541-7B7A-43D3-8B79-37D633B846F1}">
+                <asvg:svgBlip xmlns:asvg="http://schemas.microsoft.com/office/drawing/2016/SVG/main" r:embed="rId4"/>
+              </a:ext>
+            </a:extLst>
+          </a:blip>
+          <a:stretch>
+            <a:fillRect/>
+          </a:stretch>
+        </p:blipFill>
+        <p:spPr>
+          <a:xfrm>
+            <a:off x="5386123" y="2064272"/>
+            <a:ext cx="1419752" cy="1419752"/>
+          </a:xfrm>
+          <a:prstGeom prst="rect">
+            <a:avLst/>
+          </a:prstGeom>
+        </p:spPr>
+      </p:pic>
+    </p:spTree>
+    <p:extLst>
+      <p:ext uri="{BB962C8B-B14F-4D97-AF65-F5344CB8AC3E}">
+        <p14:creationId xmlns:p14="http://schemas.microsoft.com/office/powerpoint/2010/main" val="3881261673"/>
+      </p:ext>
+    </p:extLst>
+  </p:cSld>
+  <p:clrMapOvr>
+    <a:masterClrMapping/>
+  </p:clrMapOvr>
+</p:sld>
+</file>
+
+<file path=ppt/slides/slide50.xml><?xml version="1.0" encoding="utf-8"?>
 <p:sld xmlns:a="http://schemas.openxmlformats.org/drawingml/2006/main" xmlns:r="http://schemas.openxmlformats.org/officeDocument/2006/relationships" xmlns:p="http://schemas.openxmlformats.org/presentationml/2006/main">
   <p:cSld>
     <p:spTree>
@@ -47318,7 +48573,7 @@
 </p:sld>
 </file>
 
-<file path=ppt/slides/slide49.xml><?xml version="1.0" encoding="utf-8"?>
+<file path=ppt/slides/slide51.xml><?xml version="1.0" encoding="utf-8"?>
 <p:sld xmlns:a="http://schemas.openxmlformats.org/drawingml/2006/main" xmlns:r="http://schemas.openxmlformats.org/officeDocument/2006/relationships" xmlns:p="http://schemas.openxmlformats.org/presentationml/2006/main">
   <p:cSld>
     <p:spTree>
@@ -47688,312 +48943,7 @@
 </p:sld>
 </file>
 
-<file path=ppt/slides/slide5.xml><?xml version="1.0" encoding="utf-8"?>
-<p:sld xmlns:a="http://schemas.openxmlformats.org/drawingml/2006/main" xmlns:r="http://schemas.openxmlformats.org/officeDocument/2006/relationships" xmlns:p="http://schemas.openxmlformats.org/presentationml/2006/main">
-  <p:cSld>
-    <p:spTree>
-      <p:nvGrpSpPr>
-        <p:cNvPr id="1" name=""/>
-        <p:cNvGrpSpPr/>
-        <p:nvPr/>
-      </p:nvGrpSpPr>
-      <p:grpSpPr>
-        <a:xfrm>
-          <a:off x="0" y="0"/>
-          <a:ext cx="0" cy="0"/>
-          <a:chOff x="0" y="0"/>
-          <a:chExt cx="0" cy="0"/>
-        </a:xfrm>
-      </p:grpSpPr>
-      <p:sp>
-        <p:nvSpPr>
-          <p:cNvPr id="2" name="Prostokąt: ścięte rogi u góry 1">
-            <a:extLst>
-              <a:ext uri="{FF2B5EF4-FFF2-40B4-BE49-F238E27FC236}">
-                <a16:creationId xmlns:a16="http://schemas.microsoft.com/office/drawing/2014/main" id="{64D3AA40-BAFD-4E79-8AF2-09FA5B472B08}"/>
-              </a:ext>
-            </a:extLst>
-          </p:cNvPr>
-          <p:cNvSpPr/>
-          <p:nvPr/>
-        </p:nvSpPr>
-        <p:spPr>
-          <a:xfrm>
-            <a:off x="2059254" y="2639008"/>
-            <a:ext cx="2861387" cy="1579984"/>
-          </a:xfrm>
-          <a:prstGeom prst="snip2SameRect">
-            <a:avLst>
-              <a:gd name="adj1" fmla="val 50000"/>
-              <a:gd name="adj2" fmla="val 0"/>
-            </a:avLst>
-          </a:prstGeom>
-          <a:ln w="127000" cap="rnd">
-            <a:round/>
-            <a:headEnd type="none" w="med" len="med"/>
-            <a:tailEnd type="none" w="med" len="med"/>
-          </a:ln>
-        </p:spPr>
-        <p:style>
-          <a:lnRef idx="1">
-            <a:schemeClr val="accent5"/>
-          </a:lnRef>
-          <a:fillRef idx="3">
-            <a:schemeClr val="accent5"/>
-          </a:fillRef>
-          <a:effectRef idx="2">
-            <a:schemeClr val="accent5"/>
-          </a:effectRef>
-          <a:fontRef idx="minor">
-            <a:schemeClr val="lt1"/>
-          </a:fontRef>
-        </p:style>
-        <p:txBody>
-          <a:bodyPr rtlCol="0" anchor="ctr"/>
-          <a:lstStyle/>
-          <a:p>
-            <a:pPr algn="ctr"/>
-            <a:endParaRPr lang="en-US"/>
-          </a:p>
-        </p:txBody>
-      </p:sp>
-      <p:sp>
-        <p:nvSpPr>
-          <p:cNvPr id="3" name="Strzałka w prawo 7">
-            <a:extLst>
-              <a:ext uri="{FF2B5EF4-FFF2-40B4-BE49-F238E27FC236}">
-                <a16:creationId xmlns:a16="http://schemas.microsoft.com/office/drawing/2014/main" id="{9F357059-2133-4700-9014-DC9B074F9DF1}"/>
-              </a:ext>
-            </a:extLst>
-          </p:cNvPr>
-          <p:cNvSpPr/>
-          <p:nvPr/>
-        </p:nvSpPr>
-        <p:spPr>
-          <a:xfrm>
-            <a:off x="5211389" y="3241515"/>
-            <a:ext cx="1769221" cy="374970"/>
-          </a:xfrm>
-          <a:prstGeom prst="rightArrow">
-            <a:avLst/>
-          </a:prstGeom>
-        </p:spPr>
-        <p:style>
-          <a:lnRef idx="1">
-            <a:schemeClr val="accent4"/>
-          </a:lnRef>
-          <a:fillRef idx="3">
-            <a:schemeClr val="accent4"/>
-          </a:fillRef>
-          <a:effectRef idx="2">
-            <a:schemeClr val="accent4"/>
-          </a:effectRef>
-          <a:fontRef idx="minor">
-            <a:schemeClr val="lt1"/>
-          </a:fontRef>
-        </p:style>
-        <p:txBody>
-          <a:bodyPr rtlCol="0" anchor="ctr"/>
-          <a:lstStyle/>
-          <a:p>
-            <a:pPr algn="ctr"/>
-            <a:endParaRPr lang="en-US"/>
-          </a:p>
-        </p:txBody>
-      </p:sp>
-      <p:sp>
-        <p:nvSpPr>
-          <p:cNvPr id="4" name="Prostokąt: ścięte rogi u góry 3">
-            <a:extLst>
-              <a:ext uri="{FF2B5EF4-FFF2-40B4-BE49-F238E27FC236}">
-                <a16:creationId xmlns:a16="http://schemas.microsoft.com/office/drawing/2014/main" id="{A444FE7D-67CB-47C7-8FA3-F45496FB3AD9}"/>
-              </a:ext>
-            </a:extLst>
-          </p:cNvPr>
-          <p:cNvSpPr/>
-          <p:nvPr/>
-        </p:nvSpPr>
-        <p:spPr>
-          <a:xfrm>
-            <a:off x="7271359" y="2639008"/>
-            <a:ext cx="2861387" cy="1579984"/>
-          </a:xfrm>
-          <a:prstGeom prst="snip2SameRect">
-            <a:avLst>
-              <a:gd name="adj1" fmla="val 50000"/>
-              <a:gd name="adj2" fmla="val 0"/>
-            </a:avLst>
-          </a:prstGeom>
-          <a:ln w="127000" cap="rnd">
-            <a:round/>
-            <a:headEnd type="none" w="med" len="med"/>
-            <a:tailEnd type="none" w="med" len="med"/>
-          </a:ln>
-        </p:spPr>
-        <p:style>
-          <a:lnRef idx="1">
-            <a:schemeClr val="accent5"/>
-          </a:lnRef>
-          <a:fillRef idx="3">
-            <a:schemeClr val="accent5"/>
-          </a:fillRef>
-          <a:effectRef idx="2">
-            <a:schemeClr val="accent5"/>
-          </a:effectRef>
-          <a:fontRef idx="minor">
-            <a:schemeClr val="lt1"/>
-          </a:fontRef>
-        </p:style>
-        <p:txBody>
-          <a:bodyPr rtlCol="0" anchor="ctr"/>
-          <a:lstStyle/>
-          <a:p>
-            <a:pPr algn="ctr"/>
-            <a:endParaRPr lang="en-US"/>
-          </a:p>
-        </p:txBody>
-      </p:sp>
-      <p:sp>
-        <p:nvSpPr>
-          <p:cNvPr id="8" name="Strzałka w prawo 7">
-            <a:extLst>
-              <a:ext uri="{FF2B5EF4-FFF2-40B4-BE49-F238E27FC236}">
-                <a16:creationId xmlns:a16="http://schemas.microsoft.com/office/drawing/2014/main" id="{ADE51CB5-F9EA-4E3B-8E1E-D84E3BD3DD86}"/>
-              </a:ext>
-            </a:extLst>
-          </p:cNvPr>
-          <p:cNvSpPr/>
-          <p:nvPr/>
-        </p:nvSpPr>
-        <p:spPr>
-          <a:xfrm>
-            <a:off x="1031861" y="3144486"/>
-            <a:ext cx="907295" cy="374970"/>
-          </a:xfrm>
-          <a:prstGeom prst="rightArrow">
-            <a:avLst/>
-          </a:prstGeom>
-        </p:spPr>
-        <p:style>
-          <a:lnRef idx="1">
-            <a:schemeClr val="accent4"/>
-          </a:lnRef>
-          <a:fillRef idx="3">
-            <a:schemeClr val="accent4"/>
-          </a:fillRef>
-          <a:effectRef idx="2">
-            <a:schemeClr val="accent4"/>
-          </a:effectRef>
-          <a:fontRef idx="minor">
-            <a:schemeClr val="lt1"/>
-          </a:fontRef>
-        </p:style>
-        <p:txBody>
-          <a:bodyPr rtlCol="0" anchor="ctr"/>
-          <a:lstStyle/>
-          <a:p>
-            <a:pPr algn="ctr"/>
-            <a:endParaRPr lang="en-US"/>
-          </a:p>
-        </p:txBody>
-      </p:sp>
-      <p:sp>
-        <p:nvSpPr>
-          <p:cNvPr id="9" name="Strzałka w prawo 7">
-            <a:extLst>
-              <a:ext uri="{FF2B5EF4-FFF2-40B4-BE49-F238E27FC236}">
-                <a16:creationId xmlns:a16="http://schemas.microsoft.com/office/drawing/2014/main" id="{036492BD-014D-43E0-B050-D8FB4D5069B4}"/>
-              </a:ext>
-            </a:extLst>
-          </p:cNvPr>
-          <p:cNvSpPr/>
-          <p:nvPr/>
-        </p:nvSpPr>
-        <p:spPr>
-          <a:xfrm>
-            <a:off x="10303397" y="3176672"/>
-            <a:ext cx="907295" cy="374970"/>
-          </a:xfrm>
-          <a:prstGeom prst="rightArrow">
-            <a:avLst/>
-          </a:prstGeom>
-        </p:spPr>
-        <p:style>
-          <a:lnRef idx="1">
-            <a:schemeClr val="accent4"/>
-          </a:lnRef>
-          <a:fillRef idx="3">
-            <a:schemeClr val="accent4"/>
-          </a:fillRef>
-          <a:effectRef idx="2">
-            <a:schemeClr val="accent4"/>
-          </a:effectRef>
-          <a:fontRef idx="minor">
-            <a:schemeClr val="lt1"/>
-          </a:fontRef>
-        </p:style>
-        <p:txBody>
-          <a:bodyPr rtlCol="0" anchor="ctr"/>
-          <a:lstStyle/>
-          <a:p>
-            <a:pPr algn="ctr"/>
-            <a:endParaRPr lang="en-US"/>
-          </a:p>
-        </p:txBody>
-      </p:sp>
-      <p:pic>
-        <p:nvPicPr>
-          <p:cNvPr id="10" name="Grafika 9" descr="Koperta">
-            <a:extLst>
-              <a:ext uri="{FF2B5EF4-FFF2-40B4-BE49-F238E27FC236}">
-                <a16:creationId xmlns:a16="http://schemas.microsoft.com/office/drawing/2014/main" id="{AEFEC32E-125B-40A9-AB13-24BD58A1DEF1}"/>
-              </a:ext>
-            </a:extLst>
-          </p:cNvPr>
-          <p:cNvPicPr>
-            <a:picLocks noChangeAspect="1"/>
-          </p:cNvPicPr>
-          <p:nvPr/>
-        </p:nvPicPr>
-        <p:blipFill>
-          <a:blip r:embed="rId3">
-            <a:extLst>
-              <a:ext uri="{28A0092B-C50C-407E-A947-70E740481C1C}">
-                <a14:useLocalDpi xmlns:a14="http://schemas.microsoft.com/office/drawing/2010/main" val="0"/>
-              </a:ext>
-              <a:ext uri="{96DAC541-7B7A-43D3-8B79-37D633B846F1}">
-                <asvg:svgBlip xmlns:asvg="http://schemas.microsoft.com/office/drawing/2016/SVG/main" r:embed="rId4"/>
-              </a:ext>
-            </a:extLst>
-          </a:blip>
-          <a:stretch>
-            <a:fillRect/>
-          </a:stretch>
-        </p:blipFill>
-        <p:spPr>
-          <a:xfrm>
-            <a:off x="5386123" y="2064272"/>
-            <a:ext cx="1419752" cy="1419752"/>
-          </a:xfrm>
-          <a:prstGeom prst="rect">
-            <a:avLst/>
-          </a:prstGeom>
-        </p:spPr>
-      </p:pic>
-    </p:spTree>
-    <p:extLst>
-      <p:ext uri="{BB962C8B-B14F-4D97-AF65-F5344CB8AC3E}">
-        <p14:creationId xmlns:p14="http://schemas.microsoft.com/office/powerpoint/2010/main" val="3881261673"/>
-      </p:ext>
-    </p:extLst>
-  </p:cSld>
-  <p:clrMapOvr>
-    <a:masterClrMapping/>
-  </p:clrMapOvr>
-</p:sld>
-</file>
-
-<file path=ppt/slides/slide50.xml><?xml version="1.0" encoding="utf-8"?>
+<file path=ppt/slides/slide52.xml><?xml version="1.0" encoding="utf-8"?>
 <p:sld xmlns:a="http://schemas.openxmlformats.org/drawingml/2006/main" xmlns:r="http://schemas.openxmlformats.org/officeDocument/2006/relationships" xmlns:p="http://schemas.openxmlformats.org/presentationml/2006/main">
   <p:cSld>
     <p:spTree>
@@ -48167,7 +49117,7 @@
 </p:sld>
 </file>
 
-<file path=ppt/slides/slide51.xml><?xml version="1.0" encoding="utf-8"?>
+<file path=ppt/slides/slide53.xml><?xml version="1.0" encoding="utf-8"?>
 <p:sld xmlns:a="http://schemas.openxmlformats.org/drawingml/2006/main" xmlns:r="http://schemas.openxmlformats.org/officeDocument/2006/relationships" xmlns:p="http://schemas.openxmlformats.org/presentationml/2006/main">
   <p:cSld>
     <p:spTree>
@@ -48413,7 +49363,7 @@
 </p:sld>
 </file>
 
-<file path=ppt/slides/slide52.xml><?xml version="1.0" encoding="utf-8"?>
+<file path=ppt/slides/slide54.xml><?xml version="1.0" encoding="utf-8"?>
 <p:sld xmlns:a="http://schemas.openxmlformats.org/drawingml/2006/main" xmlns:r="http://schemas.openxmlformats.org/officeDocument/2006/relationships" xmlns:p="http://schemas.openxmlformats.org/presentationml/2006/main">
   <p:cSld>
     <p:spTree>
@@ -48565,7 +49515,7 @@
 </p:sld>
 </file>
 
-<file path=ppt/slides/slide53.xml><?xml version="1.0" encoding="utf-8"?>
+<file path=ppt/slides/slide55.xml><?xml version="1.0" encoding="utf-8"?>
 <p:sld xmlns:a="http://schemas.openxmlformats.org/drawingml/2006/main" xmlns:r="http://schemas.openxmlformats.org/officeDocument/2006/relationships" xmlns:p="http://schemas.openxmlformats.org/presentationml/2006/main">
   <p:cSld>
     <p:spTree>
@@ -48892,7 +49842,7 @@
 </p:sld>
 </file>
 
-<file path=ppt/slides/slide54.xml><?xml version="1.0" encoding="utf-8"?>
+<file path=ppt/slides/slide56.xml><?xml version="1.0" encoding="utf-8"?>
 <p:sld xmlns:a="http://schemas.openxmlformats.org/drawingml/2006/main" xmlns:r="http://schemas.openxmlformats.org/officeDocument/2006/relationships" xmlns:p="http://schemas.openxmlformats.org/presentationml/2006/main">
   <p:cSld>
     <p:spTree>
@@ -49102,7 +50052,7 @@
 </p:sld>
 </file>
 
-<file path=ppt/slides/slide55.xml><?xml version="1.0" encoding="utf-8"?>
+<file path=ppt/slides/slide57.xml><?xml version="1.0" encoding="utf-8"?>
 <p:sld xmlns:a="http://schemas.openxmlformats.org/drawingml/2006/main" xmlns:r="http://schemas.openxmlformats.org/officeDocument/2006/relationships" xmlns:p="http://schemas.openxmlformats.org/presentationml/2006/main">
   <p:cSld>
     <p:spTree>
@@ -49398,7 +50348,7 @@
 </p:sld>
 </file>
 
-<file path=ppt/slides/slide56.xml><?xml version="1.0" encoding="utf-8"?>
+<file path=ppt/slides/slide58.xml><?xml version="1.0" encoding="utf-8"?>
 <p:sld xmlns:a="http://schemas.openxmlformats.org/drawingml/2006/main" xmlns:r="http://schemas.openxmlformats.org/officeDocument/2006/relationships" xmlns:p="http://schemas.openxmlformats.org/presentationml/2006/main">
   <p:cSld>
     <p:spTree>
@@ -49780,7 +50730,7 @@
 </p:sld>
 </file>
 
-<file path=ppt/slides/slide57.xml><?xml version="1.0" encoding="utf-8"?>
+<file path=ppt/slides/slide59.xml><?xml version="1.0" encoding="utf-8"?>
 <p:sld xmlns:a="http://schemas.openxmlformats.org/drawingml/2006/main" xmlns:r="http://schemas.openxmlformats.org/officeDocument/2006/relationships" xmlns:p="http://schemas.openxmlformats.org/presentationml/2006/main">
   <p:cSld>
     <p:spTree>
@@ -50114,7 +51064,560 @@
 </p:sld>
 </file>
 
-<file path=ppt/slides/slide58.xml><?xml version="1.0" encoding="utf-8"?>
+<file path=ppt/slides/slide6.xml><?xml version="1.0" encoding="utf-8"?>
+<p:sld xmlns:a="http://schemas.openxmlformats.org/drawingml/2006/main" xmlns:r="http://schemas.openxmlformats.org/officeDocument/2006/relationships" xmlns:p="http://schemas.openxmlformats.org/presentationml/2006/main">
+  <p:cSld>
+    <p:spTree>
+      <p:nvGrpSpPr>
+        <p:cNvPr id="1" name=""/>
+        <p:cNvGrpSpPr/>
+        <p:nvPr/>
+      </p:nvGrpSpPr>
+      <p:grpSpPr>
+        <a:xfrm>
+          <a:off x="0" y="0"/>
+          <a:ext cx="0" cy="0"/>
+          <a:chOff x="0" y="0"/>
+          <a:chExt cx="0" cy="0"/>
+        </a:xfrm>
+      </p:grpSpPr>
+      <p:sp>
+        <p:nvSpPr>
+          <p:cNvPr id="2" name="Prostokąt zaokrąglony 7">
+            <a:extLst>
+              <a:ext uri="{FF2B5EF4-FFF2-40B4-BE49-F238E27FC236}">
+                <a16:creationId xmlns:a16="http://schemas.microsoft.com/office/drawing/2014/main" id="{B5C02D19-C183-45D7-82D3-329473E6C99E}"/>
+              </a:ext>
+            </a:extLst>
+          </p:cNvPr>
+          <p:cNvSpPr/>
+          <p:nvPr/>
+        </p:nvSpPr>
+        <p:spPr>
+          <a:xfrm rot="16200000">
+            <a:off x="1423949" y="2544305"/>
+            <a:ext cx="2826081" cy="1694200"/>
+          </a:xfrm>
+          <a:prstGeom prst="roundRect">
+            <a:avLst/>
+          </a:prstGeom>
+        </p:spPr>
+        <p:style>
+          <a:lnRef idx="1">
+            <a:schemeClr val="accent2"/>
+          </a:lnRef>
+          <a:fillRef idx="3">
+            <a:schemeClr val="accent2"/>
+          </a:fillRef>
+          <a:effectRef idx="2">
+            <a:schemeClr val="accent2"/>
+          </a:effectRef>
+          <a:fontRef idx="minor">
+            <a:schemeClr val="lt1"/>
+          </a:fontRef>
+        </p:style>
+        <p:txBody>
+          <a:bodyPr vert="vert" rtlCol="0" anchor="ctr"/>
+          <a:lstStyle/>
+          <a:p>
+            <a:pPr algn="ctr"/>
+            <a:r>
+              <a:rPr lang="pl-PL" sz="2000" dirty="0" err="1">
+                <a:latin typeface="Arial Black" panose="020B0A04020102020204" pitchFamily="34" charset="0"/>
+              </a:rPr>
+              <a:t>Frontend</a:t>
+            </a:r>
+            <a:endParaRPr lang="en-US" sz="2000" dirty="0">
+              <a:latin typeface="Arial Black" panose="020B0A04020102020204" pitchFamily="34" charset="0"/>
+            </a:endParaRPr>
+          </a:p>
+        </p:txBody>
+      </p:sp>
+      <p:pic>
+        <p:nvPicPr>
+          <p:cNvPr id="3" name="Obraz 2" descr="Obraz zawierający budynek, rysunek, zegar&#10;&#10;Opis wygenerowany automatycznie">
+            <a:extLst>
+              <a:ext uri="{FF2B5EF4-FFF2-40B4-BE49-F238E27FC236}">
+                <a16:creationId xmlns:a16="http://schemas.microsoft.com/office/drawing/2014/main" id="{C46365D1-A05A-48F3-8E0B-9B03F4B21894}"/>
+              </a:ext>
+            </a:extLst>
+          </p:cNvPr>
+          <p:cNvPicPr>
+            <a:picLocks noChangeAspect="1"/>
+          </p:cNvPicPr>
+          <p:nvPr/>
+        </p:nvPicPr>
+        <p:blipFill>
+          <a:blip r:embed="rId2" cstate="print">
+            <a:extLst>
+              <a:ext uri="{28A0092B-C50C-407E-A947-70E740481C1C}">
+                <a14:useLocalDpi xmlns:a14="http://schemas.microsoft.com/office/drawing/2010/main" val="0"/>
+              </a:ext>
+            </a:extLst>
+          </a:blip>
+          <a:stretch>
+            <a:fillRect/>
+          </a:stretch>
+        </p:blipFill>
+        <p:spPr>
+          <a:xfrm>
+            <a:off x="5021027" y="3339632"/>
+            <a:ext cx="1574800" cy="1574800"/>
+          </a:xfrm>
+          <a:prstGeom prst="rect">
+            <a:avLst/>
+          </a:prstGeom>
+        </p:spPr>
+      </p:pic>
+      <p:sp>
+        <p:nvSpPr>
+          <p:cNvPr id="4" name="Strzałka w prawo 7">
+            <a:extLst>
+              <a:ext uri="{FF2B5EF4-FFF2-40B4-BE49-F238E27FC236}">
+                <a16:creationId xmlns:a16="http://schemas.microsoft.com/office/drawing/2014/main" id="{8CDF5F7F-0BA8-4867-8F67-E08CCB5C11F2}"/>
+              </a:ext>
+            </a:extLst>
+          </p:cNvPr>
+          <p:cNvSpPr/>
+          <p:nvPr/>
+        </p:nvSpPr>
+        <p:spPr>
+          <a:xfrm>
+            <a:off x="3974752" y="3939547"/>
+            <a:ext cx="714375" cy="374970"/>
+          </a:xfrm>
+          <a:prstGeom prst="rightArrow">
+            <a:avLst/>
+          </a:prstGeom>
+        </p:spPr>
+        <p:style>
+          <a:lnRef idx="1">
+            <a:schemeClr val="accent4"/>
+          </a:lnRef>
+          <a:fillRef idx="3">
+            <a:schemeClr val="accent4"/>
+          </a:fillRef>
+          <a:effectRef idx="2">
+            <a:schemeClr val="accent4"/>
+          </a:effectRef>
+          <a:fontRef idx="minor">
+            <a:schemeClr val="lt1"/>
+          </a:fontRef>
+        </p:style>
+        <p:txBody>
+          <a:bodyPr rtlCol="0" anchor="ctr"/>
+          <a:lstStyle/>
+          <a:p>
+            <a:pPr algn="ctr"/>
+            <a:endParaRPr lang="en-US"/>
+          </a:p>
+        </p:txBody>
+      </p:sp>
+      <p:pic>
+        <p:nvPicPr>
+          <p:cNvPr id="6" name="Obraz 5">
+            <a:extLst>
+              <a:ext uri="{FF2B5EF4-FFF2-40B4-BE49-F238E27FC236}">
+                <a16:creationId xmlns:a16="http://schemas.microsoft.com/office/drawing/2014/main" id="{B49177F7-E0F5-4068-B04D-45D2E762B828}"/>
+              </a:ext>
+            </a:extLst>
+          </p:cNvPr>
+          <p:cNvPicPr>
+            <a:picLocks noChangeAspect="1"/>
+          </p:cNvPicPr>
+          <p:nvPr/>
+        </p:nvPicPr>
+        <p:blipFill>
+          <a:blip r:embed="rId3" cstate="print">
+            <a:extLst>
+              <a:ext uri="{28A0092B-C50C-407E-A947-70E740481C1C}">
+                <a14:useLocalDpi xmlns:a14="http://schemas.microsoft.com/office/drawing/2010/main" val="0"/>
+              </a:ext>
+            </a:extLst>
+          </a:blip>
+          <a:srcRect/>
+          <a:stretch/>
+        </p:blipFill>
+        <p:spPr>
+          <a:xfrm>
+            <a:off x="4979790" y="1734130"/>
+            <a:ext cx="1657274" cy="1657274"/>
+          </a:xfrm>
+          <a:prstGeom prst="rect">
+            <a:avLst/>
+          </a:prstGeom>
+        </p:spPr>
+      </p:pic>
+      <p:sp>
+        <p:nvSpPr>
+          <p:cNvPr id="7" name="Strzałka w prawo 7">
+            <a:extLst>
+              <a:ext uri="{FF2B5EF4-FFF2-40B4-BE49-F238E27FC236}">
+                <a16:creationId xmlns:a16="http://schemas.microsoft.com/office/drawing/2014/main" id="{48212CC0-42A7-4514-9BF7-2BC7A917F2E9}"/>
+              </a:ext>
+            </a:extLst>
+          </p:cNvPr>
+          <p:cNvSpPr/>
+          <p:nvPr/>
+        </p:nvSpPr>
+        <p:spPr>
+          <a:xfrm>
+            <a:off x="3974750" y="2324159"/>
+            <a:ext cx="714375" cy="374970"/>
+          </a:xfrm>
+          <a:prstGeom prst="rightArrow">
+            <a:avLst/>
+          </a:prstGeom>
+        </p:spPr>
+        <p:style>
+          <a:lnRef idx="1">
+            <a:schemeClr val="accent4"/>
+          </a:lnRef>
+          <a:fillRef idx="3">
+            <a:schemeClr val="accent4"/>
+          </a:fillRef>
+          <a:effectRef idx="2">
+            <a:schemeClr val="accent4"/>
+          </a:effectRef>
+          <a:fontRef idx="minor">
+            <a:schemeClr val="lt1"/>
+          </a:fontRef>
+        </p:style>
+        <p:txBody>
+          <a:bodyPr rtlCol="0" anchor="ctr"/>
+          <a:lstStyle/>
+          <a:p>
+            <a:pPr algn="ctr"/>
+            <a:endParaRPr lang="en-US"/>
+          </a:p>
+        </p:txBody>
+      </p:sp>
+      <p:sp>
+        <p:nvSpPr>
+          <p:cNvPr id="8" name="Strzałka w prawo 7">
+            <a:extLst>
+              <a:ext uri="{FF2B5EF4-FFF2-40B4-BE49-F238E27FC236}">
+                <a16:creationId xmlns:a16="http://schemas.microsoft.com/office/drawing/2014/main" id="{9DF1095E-E160-4F31-BB87-100FD12312F9}"/>
+              </a:ext>
+            </a:extLst>
+          </p:cNvPr>
+          <p:cNvSpPr/>
+          <p:nvPr/>
+        </p:nvSpPr>
+        <p:spPr>
+          <a:xfrm>
+            <a:off x="6886498" y="2596841"/>
+            <a:ext cx="714375" cy="374970"/>
+          </a:xfrm>
+          <a:prstGeom prst="rightArrow">
+            <a:avLst/>
+          </a:prstGeom>
+        </p:spPr>
+        <p:style>
+          <a:lnRef idx="1">
+            <a:schemeClr val="accent4"/>
+          </a:lnRef>
+          <a:fillRef idx="3">
+            <a:schemeClr val="accent4"/>
+          </a:fillRef>
+          <a:effectRef idx="2">
+            <a:schemeClr val="accent4"/>
+          </a:effectRef>
+          <a:fontRef idx="minor">
+            <a:schemeClr val="lt1"/>
+          </a:fontRef>
+        </p:style>
+        <p:txBody>
+          <a:bodyPr rtlCol="0" anchor="ctr"/>
+          <a:lstStyle/>
+          <a:p>
+            <a:pPr algn="ctr"/>
+            <a:endParaRPr lang="en-US"/>
+          </a:p>
+        </p:txBody>
+      </p:sp>
+      <p:sp>
+        <p:nvSpPr>
+          <p:cNvPr id="9" name="Strzałka w prawo 7">
+            <a:extLst>
+              <a:ext uri="{FF2B5EF4-FFF2-40B4-BE49-F238E27FC236}">
+                <a16:creationId xmlns:a16="http://schemas.microsoft.com/office/drawing/2014/main" id="{6359BF95-96C1-4306-A3B2-52F2541EB117}"/>
+              </a:ext>
+            </a:extLst>
+          </p:cNvPr>
+          <p:cNvSpPr/>
+          <p:nvPr/>
+        </p:nvSpPr>
+        <p:spPr>
+          <a:xfrm rot="10800000">
+            <a:off x="6865879" y="3939547"/>
+            <a:ext cx="714375" cy="374970"/>
+          </a:xfrm>
+          <a:prstGeom prst="rightArrow">
+            <a:avLst/>
+          </a:prstGeom>
+        </p:spPr>
+        <p:style>
+          <a:lnRef idx="1">
+            <a:schemeClr val="accent4"/>
+          </a:lnRef>
+          <a:fillRef idx="3">
+            <a:schemeClr val="accent4"/>
+          </a:fillRef>
+          <a:effectRef idx="2">
+            <a:schemeClr val="accent4"/>
+          </a:effectRef>
+          <a:fontRef idx="minor">
+            <a:schemeClr val="lt1"/>
+          </a:fontRef>
+        </p:style>
+        <p:txBody>
+          <a:bodyPr rtlCol="0" anchor="ctr"/>
+          <a:lstStyle/>
+          <a:p>
+            <a:pPr algn="ctr"/>
+            <a:endParaRPr lang="en-US"/>
+          </a:p>
+        </p:txBody>
+      </p:sp>
+      <p:sp>
+        <p:nvSpPr>
+          <p:cNvPr id="10" name="Strzałka w prawo 7">
+            <a:extLst>
+              <a:ext uri="{FF2B5EF4-FFF2-40B4-BE49-F238E27FC236}">
+                <a16:creationId xmlns:a16="http://schemas.microsoft.com/office/drawing/2014/main" id="{E411FDC6-261A-4180-A91A-32F8AEA3949B}"/>
+              </a:ext>
+            </a:extLst>
+          </p:cNvPr>
+          <p:cNvSpPr/>
+          <p:nvPr/>
+        </p:nvSpPr>
+        <p:spPr>
+          <a:xfrm rot="10800000">
+            <a:off x="6886496" y="2076492"/>
+            <a:ext cx="714375" cy="374970"/>
+          </a:xfrm>
+          <a:prstGeom prst="rightArrow">
+            <a:avLst/>
+          </a:prstGeom>
+        </p:spPr>
+        <p:style>
+          <a:lnRef idx="1">
+            <a:schemeClr val="accent4"/>
+          </a:lnRef>
+          <a:fillRef idx="3">
+            <a:schemeClr val="accent4"/>
+          </a:fillRef>
+          <a:effectRef idx="2">
+            <a:schemeClr val="accent4"/>
+          </a:effectRef>
+          <a:fontRef idx="minor">
+            <a:schemeClr val="lt1"/>
+          </a:fontRef>
+        </p:style>
+        <p:txBody>
+          <a:bodyPr rtlCol="0" anchor="ctr"/>
+          <a:lstStyle/>
+          <a:p>
+            <a:pPr algn="ctr"/>
+            <a:endParaRPr lang="en-US"/>
+          </a:p>
+        </p:txBody>
+      </p:sp>
+      <p:sp>
+        <p:nvSpPr>
+          <p:cNvPr id="13" name="Prostokąt zaokrąglony 7">
+            <a:extLst>
+              <a:ext uri="{FF2B5EF4-FFF2-40B4-BE49-F238E27FC236}">
+                <a16:creationId xmlns:a16="http://schemas.microsoft.com/office/drawing/2014/main" id="{C4CB468F-EE7D-438A-8DD2-A4D306FD017A}"/>
+              </a:ext>
+            </a:extLst>
+          </p:cNvPr>
+          <p:cNvSpPr/>
+          <p:nvPr/>
+        </p:nvSpPr>
+        <p:spPr>
+          <a:xfrm>
+            <a:off x="2129806" y="3785522"/>
+            <a:ext cx="1414361" cy="777003"/>
+          </a:xfrm>
+          <a:prstGeom prst="roundRect">
+            <a:avLst/>
+          </a:prstGeom>
+        </p:spPr>
+        <p:style>
+          <a:lnRef idx="1">
+            <a:schemeClr val="accent6"/>
+          </a:lnRef>
+          <a:fillRef idx="3">
+            <a:schemeClr val="accent6"/>
+          </a:fillRef>
+          <a:effectRef idx="2">
+            <a:schemeClr val="accent6"/>
+          </a:effectRef>
+          <a:fontRef idx="minor">
+            <a:schemeClr val="lt1"/>
+          </a:fontRef>
+        </p:style>
+        <p:txBody>
+          <a:bodyPr rtlCol="0" anchor="ctr"/>
+          <a:lstStyle/>
+          <a:p>
+            <a:pPr algn="ctr"/>
+            <a:r>
+              <a:rPr lang="pl-PL" sz="2000" dirty="0" err="1">
+                <a:latin typeface="Arial Black" panose="020B0A04020102020204" pitchFamily="34" charset="0"/>
+              </a:rPr>
+              <a:t>Domain</a:t>
+            </a:r>
+            <a:endParaRPr lang="pl-PL" sz="2000" dirty="0">
+              <a:latin typeface="Arial Black" panose="020B0A04020102020204" pitchFamily="34" charset="0"/>
+            </a:endParaRPr>
+          </a:p>
+          <a:p>
+            <a:pPr algn="ctr"/>
+            <a:r>
+              <a:rPr lang="pl-PL" sz="2000" dirty="0">
+                <a:latin typeface="Arial Black" panose="020B0A04020102020204" pitchFamily="34" charset="0"/>
+              </a:rPr>
+              <a:t>model</a:t>
+            </a:r>
+            <a:endParaRPr lang="en-US" sz="2000" dirty="0">
+              <a:latin typeface="Arial Black" panose="020B0A04020102020204" pitchFamily="34" charset="0"/>
+            </a:endParaRPr>
+          </a:p>
+        </p:txBody>
+      </p:sp>
+      <p:sp>
+        <p:nvSpPr>
+          <p:cNvPr id="14" name="Prostokąt zaokrąglony 7">
+            <a:extLst>
+              <a:ext uri="{FF2B5EF4-FFF2-40B4-BE49-F238E27FC236}">
+                <a16:creationId xmlns:a16="http://schemas.microsoft.com/office/drawing/2014/main" id="{ACE563D6-BDAD-4150-AEE5-78FF30D728AA}"/>
+              </a:ext>
+            </a:extLst>
+          </p:cNvPr>
+          <p:cNvSpPr/>
+          <p:nvPr/>
+        </p:nvSpPr>
+        <p:spPr>
+          <a:xfrm rot="16200000">
+            <a:off x="7408065" y="2544304"/>
+            <a:ext cx="2826081" cy="1694200"/>
+          </a:xfrm>
+          <a:prstGeom prst="roundRect">
+            <a:avLst/>
+          </a:prstGeom>
+        </p:spPr>
+        <p:style>
+          <a:lnRef idx="1">
+            <a:schemeClr val="accent4"/>
+          </a:lnRef>
+          <a:fillRef idx="3">
+            <a:schemeClr val="accent4"/>
+          </a:fillRef>
+          <a:effectRef idx="2">
+            <a:schemeClr val="accent4"/>
+          </a:effectRef>
+          <a:fontRef idx="minor">
+            <a:schemeClr val="lt1"/>
+          </a:fontRef>
+        </p:style>
+        <p:txBody>
+          <a:bodyPr vert="vert" rtlCol="0" anchor="ctr"/>
+          <a:lstStyle/>
+          <a:p>
+            <a:pPr algn="ctr"/>
+            <a:r>
+              <a:rPr lang="pl-PL" sz="2000" dirty="0" err="1">
+                <a:latin typeface="Arial Black" panose="020B0A04020102020204" pitchFamily="34" charset="0"/>
+              </a:rPr>
+              <a:t>Backend</a:t>
+            </a:r>
+            <a:endParaRPr lang="en-US" sz="2000" dirty="0">
+              <a:latin typeface="Arial Black" panose="020B0A04020102020204" pitchFamily="34" charset="0"/>
+            </a:endParaRPr>
+          </a:p>
+        </p:txBody>
+      </p:sp>
+      <p:sp>
+        <p:nvSpPr>
+          <p:cNvPr id="15" name="Prostokąt zaokrąglony 7">
+            <a:extLst>
+              <a:ext uri="{FF2B5EF4-FFF2-40B4-BE49-F238E27FC236}">
+                <a16:creationId xmlns:a16="http://schemas.microsoft.com/office/drawing/2014/main" id="{9BB49F68-F576-4EBE-83C3-4DF49AC49A99}"/>
+              </a:ext>
+            </a:extLst>
+          </p:cNvPr>
+          <p:cNvSpPr/>
+          <p:nvPr/>
+        </p:nvSpPr>
+        <p:spPr>
+          <a:xfrm>
+            <a:off x="8113924" y="3785521"/>
+            <a:ext cx="1414361" cy="777003"/>
+          </a:xfrm>
+          <a:prstGeom prst="roundRect">
+            <a:avLst/>
+          </a:prstGeom>
+        </p:spPr>
+        <p:style>
+          <a:lnRef idx="1">
+            <a:schemeClr val="accent6"/>
+          </a:lnRef>
+          <a:fillRef idx="3">
+            <a:schemeClr val="accent6"/>
+          </a:fillRef>
+          <a:effectRef idx="2">
+            <a:schemeClr val="accent6"/>
+          </a:effectRef>
+          <a:fontRef idx="minor">
+            <a:schemeClr val="lt1"/>
+          </a:fontRef>
+        </p:style>
+        <p:txBody>
+          <a:bodyPr rtlCol="0" anchor="ctr"/>
+          <a:lstStyle/>
+          <a:p>
+            <a:pPr algn="ctr"/>
+            <a:r>
+              <a:rPr lang="pl-PL" sz="2000" dirty="0" err="1">
+                <a:latin typeface="Arial Black" panose="020B0A04020102020204" pitchFamily="34" charset="0"/>
+              </a:rPr>
+              <a:t>Domain</a:t>
+            </a:r>
+            <a:endParaRPr lang="pl-PL" sz="2000" dirty="0">
+              <a:latin typeface="Arial Black" panose="020B0A04020102020204" pitchFamily="34" charset="0"/>
+            </a:endParaRPr>
+          </a:p>
+          <a:p>
+            <a:pPr algn="ctr"/>
+            <a:r>
+              <a:rPr lang="pl-PL" sz="2000" dirty="0">
+                <a:latin typeface="Arial Black" panose="020B0A04020102020204" pitchFamily="34" charset="0"/>
+              </a:rPr>
+              <a:t>model</a:t>
+            </a:r>
+            <a:endParaRPr lang="en-US" sz="2000" dirty="0">
+              <a:latin typeface="Arial Black" panose="020B0A04020102020204" pitchFamily="34" charset="0"/>
+            </a:endParaRPr>
+          </a:p>
+        </p:txBody>
+      </p:sp>
+    </p:spTree>
+    <p:extLst>
+      <p:ext uri="{BB962C8B-B14F-4D97-AF65-F5344CB8AC3E}">
+        <p14:creationId xmlns:p14="http://schemas.microsoft.com/office/powerpoint/2010/main" val="406113792"/>
+      </p:ext>
+    </p:extLst>
+  </p:cSld>
+  <p:clrMapOvr>
+    <a:masterClrMapping/>
+  </p:clrMapOvr>
+</p:sld>
+</file>
+
+<file path=ppt/slides/slide60.xml><?xml version="1.0" encoding="utf-8"?>
 <p:sld xmlns:a="http://schemas.openxmlformats.org/drawingml/2006/main" xmlns:r="http://schemas.openxmlformats.org/officeDocument/2006/relationships" xmlns:p="http://schemas.openxmlformats.org/presentationml/2006/main">
   <p:cSld>
     <p:spTree>
@@ -50249,559 +51752,6 @@
     <p:extLst>
       <p:ext uri="{BB962C8B-B14F-4D97-AF65-F5344CB8AC3E}">
         <p14:creationId xmlns:p14="http://schemas.microsoft.com/office/powerpoint/2010/main" val="894129137"/>
-      </p:ext>
-    </p:extLst>
-  </p:cSld>
-  <p:clrMapOvr>
-    <a:masterClrMapping/>
-  </p:clrMapOvr>
-</p:sld>
-</file>
-
-<file path=ppt/slides/slide6.xml><?xml version="1.0" encoding="utf-8"?>
-<p:sld xmlns:a="http://schemas.openxmlformats.org/drawingml/2006/main" xmlns:r="http://schemas.openxmlformats.org/officeDocument/2006/relationships" xmlns:p="http://schemas.openxmlformats.org/presentationml/2006/main">
-  <p:cSld>
-    <p:spTree>
-      <p:nvGrpSpPr>
-        <p:cNvPr id="1" name=""/>
-        <p:cNvGrpSpPr/>
-        <p:nvPr/>
-      </p:nvGrpSpPr>
-      <p:grpSpPr>
-        <a:xfrm>
-          <a:off x="0" y="0"/>
-          <a:ext cx="0" cy="0"/>
-          <a:chOff x="0" y="0"/>
-          <a:chExt cx="0" cy="0"/>
-        </a:xfrm>
-      </p:grpSpPr>
-      <p:sp>
-        <p:nvSpPr>
-          <p:cNvPr id="2" name="Prostokąt zaokrąglony 7">
-            <a:extLst>
-              <a:ext uri="{FF2B5EF4-FFF2-40B4-BE49-F238E27FC236}">
-                <a16:creationId xmlns:a16="http://schemas.microsoft.com/office/drawing/2014/main" id="{B5C02D19-C183-45D7-82D3-329473E6C99E}"/>
-              </a:ext>
-            </a:extLst>
-          </p:cNvPr>
-          <p:cNvSpPr/>
-          <p:nvPr/>
-        </p:nvSpPr>
-        <p:spPr>
-          <a:xfrm rot="16200000">
-            <a:off x="1423948" y="2544305"/>
-            <a:ext cx="2826081" cy="1694200"/>
-          </a:xfrm>
-          <a:prstGeom prst="roundRect">
-            <a:avLst/>
-          </a:prstGeom>
-        </p:spPr>
-        <p:style>
-          <a:lnRef idx="1">
-            <a:schemeClr val="accent2"/>
-          </a:lnRef>
-          <a:fillRef idx="3">
-            <a:schemeClr val="accent2"/>
-          </a:fillRef>
-          <a:effectRef idx="2">
-            <a:schemeClr val="accent2"/>
-          </a:effectRef>
-          <a:fontRef idx="minor">
-            <a:schemeClr val="lt1"/>
-          </a:fontRef>
-        </p:style>
-        <p:txBody>
-          <a:bodyPr vert="vert" rtlCol="0" anchor="ctr"/>
-          <a:lstStyle/>
-          <a:p>
-            <a:pPr algn="ctr"/>
-            <a:r>
-              <a:rPr lang="pl-PL" sz="2000" dirty="0" err="1">
-                <a:latin typeface="Arial Black" panose="020B0A04020102020204" pitchFamily="34" charset="0"/>
-              </a:rPr>
-              <a:t>Frontend</a:t>
-            </a:r>
-            <a:endParaRPr lang="en-US" sz="2000" dirty="0">
-              <a:latin typeface="Arial Black" panose="020B0A04020102020204" pitchFamily="34" charset="0"/>
-            </a:endParaRPr>
-          </a:p>
-        </p:txBody>
-      </p:sp>
-      <p:pic>
-        <p:nvPicPr>
-          <p:cNvPr id="3" name="Obraz 2" descr="Obraz zawierający budynek, rysunek, zegar&#10;&#10;Opis wygenerowany automatycznie">
-            <a:extLst>
-              <a:ext uri="{FF2B5EF4-FFF2-40B4-BE49-F238E27FC236}">
-                <a16:creationId xmlns:a16="http://schemas.microsoft.com/office/drawing/2014/main" id="{C46365D1-A05A-48F3-8E0B-9B03F4B21894}"/>
-              </a:ext>
-            </a:extLst>
-          </p:cNvPr>
-          <p:cNvPicPr>
-            <a:picLocks noChangeAspect="1"/>
-          </p:cNvPicPr>
-          <p:nvPr/>
-        </p:nvPicPr>
-        <p:blipFill>
-          <a:blip r:embed="rId2" cstate="print">
-            <a:extLst>
-              <a:ext uri="{28A0092B-C50C-407E-A947-70E740481C1C}">
-                <a14:useLocalDpi xmlns:a14="http://schemas.microsoft.com/office/drawing/2010/main" val="0"/>
-              </a:ext>
-            </a:extLst>
-          </a:blip>
-          <a:stretch>
-            <a:fillRect/>
-          </a:stretch>
-        </p:blipFill>
-        <p:spPr>
-          <a:xfrm>
-            <a:off x="5021027" y="3339632"/>
-            <a:ext cx="1574800" cy="1574800"/>
-          </a:xfrm>
-          <a:prstGeom prst="rect">
-            <a:avLst/>
-          </a:prstGeom>
-        </p:spPr>
-      </p:pic>
-      <p:sp>
-        <p:nvSpPr>
-          <p:cNvPr id="4" name="Strzałka w prawo 7">
-            <a:extLst>
-              <a:ext uri="{FF2B5EF4-FFF2-40B4-BE49-F238E27FC236}">
-                <a16:creationId xmlns:a16="http://schemas.microsoft.com/office/drawing/2014/main" id="{8CDF5F7F-0BA8-4867-8F67-E08CCB5C11F2}"/>
-              </a:ext>
-            </a:extLst>
-          </p:cNvPr>
-          <p:cNvSpPr/>
-          <p:nvPr/>
-        </p:nvSpPr>
-        <p:spPr>
-          <a:xfrm>
-            <a:off x="3974752" y="3939547"/>
-            <a:ext cx="714375" cy="374970"/>
-          </a:xfrm>
-          <a:prstGeom prst="rightArrow">
-            <a:avLst/>
-          </a:prstGeom>
-        </p:spPr>
-        <p:style>
-          <a:lnRef idx="1">
-            <a:schemeClr val="accent4"/>
-          </a:lnRef>
-          <a:fillRef idx="3">
-            <a:schemeClr val="accent4"/>
-          </a:fillRef>
-          <a:effectRef idx="2">
-            <a:schemeClr val="accent4"/>
-          </a:effectRef>
-          <a:fontRef idx="minor">
-            <a:schemeClr val="lt1"/>
-          </a:fontRef>
-        </p:style>
-        <p:txBody>
-          <a:bodyPr rtlCol="0" anchor="ctr"/>
-          <a:lstStyle/>
-          <a:p>
-            <a:pPr algn="ctr"/>
-            <a:endParaRPr lang="en-US"/>
-          </a:p>
-        </p:txBody>
-      </p:sp>
-      <p:pic>
-        <p:nvPicPr>
-          <p:cNvPr id="6" name="Obraz 5">
-            <a:extLst>
-              <a:ext uri="{FF2B5EF4-FFF2-40B4-BE49-F238E27FC236}">
-                <a16:creationId xmlns:a16="http://schemas.microsoft.com/office/drawing/2014/main" id="{B49177F7-E0F5-4068-B04D-45D2E762B828}"/>
-              </a:ext>
-            </a:extLst>
-          </p:cNvPr>
-          <p:cNvPicPr>
-            <a:picLocks noChangeAspect="1"/>
-          </p:cNvPicPr>
-          <p:nvPr/>
-        </p:nvPicPr>
-        <p:blipFill>
-          <a:blip r:embed="rId3" cstate="print">
-            <a:extLst>
-              <a:ext uri="{28A0092B-C50C-407E-A947-70E740481C1C}">
-                <a14:useLocalDpi xmlns:a14="http://schemas.microsoft.com/office/drawing/2010/main" val="0"/>
-              </a:ext>
-            </a:extLst>
-          </a:blip>
-          <a:srcRect/>
-          <a:stretch/>
-        </p:blipFill>
-        <p:spPr>
-          <a:xfrm>
-            <a:off x="4979790" y="1734130"/>
-            <a:ext cx="1657274" cy="1657274"/>
-          </a:xfrm>
-          <a:prstGeom prst="rect">
-            <a:avLst/>
-          </a:prstGeom>
-        </p:spPr>
-      </p:pic>
-      <p:sp>
-        <p:nvSpPr>
-          <p:cNvPr id="7" name="Strzałka w prawo 7">
-            <a:extLst>
-              <a:ext uri="{FF2B5EF4-FFF2-40B4-BE49-F238E27FC236}">
-                <a16:creationId xmlns:a16="http://schemas.microsoft.com/office/drawing/2014/main" id="{48212CC0-42A7-4514-9BF7-2BC7A917F2E9}"/>
-              </a:ext>
-            </a:extLst>
-          </p:cNvPr>
-          <p:cNvSpPr/>
-          <p:nvPr/>
-        </p:nvSpPr>
-        <p:spPr>
-          <a:xfrm>
-            <a:off x="3974750" y="2324159"/>
-            <a:ext cx="714375" cy="374970"/>
-          </a:xfrm>
-          <a:prstGeom prst="rightArrow">
-            <a:avLst/>
-          </a:prstGeom>
-        </p:spPr>
-        <p:style>
-          <a:lnRef idx="1">
-            <a:schemeClr val="accent4"/>
-          </a:lnRef>
-          <a:fillRef idx="3">
-            <a:schemeClr val="accent4"/>
-          </a:fillRef>
-          <a:effectRef idx="2">
-            <a:schemeClr val="accent4"/>
-          </a:effectRef>
-          <a:fontRef idx="minor">
-            <a:schemeClr val="lt1"/>
-          </a:fontRef>
-        </p:style>
-        <p:txBody>
-          <a:bodyPr rtlCol="0" anchor="ctr"/>
-          <a:lstStyle/>
-          <a:p>
-            <a:pPr algn="ctr"/>
-            <a:endParaRPr lang="en-US"/>
-          </a:p>
-        </p:txBody>
-      </p:sp>
-      <p:sp>
-        <p:nvSpPr>
-          <p:cNvPr id="8" name="Strzałka w prawo 7">
-            <a:extLst>
-              <a:ext uri="{FF2B5EF4-FFF2-40B4-BE49-F238E27FC236}">
-                <a16:creationId xmlns:a16="http://schemas.microsoft.com/office/drawing/2014/main" id="{9DF1095E-E160-4F31-BB87-100FD12312F9}"/>
-              </a:ext>
-            </a:extLst>
-          </p:cNvPr>
-          <p:cNvSpPr/>
-          <p:nvPr/>
-        </p:nvSpPr>
-        <p:spPr>
-          <a:xfrm>
-            <a:off x="6886498" y="2596841"/>
-            <a:ext cx="714375" cy="374970"/>
-          </a:xfrm>
-          <a:prstGeom prst="rightArrow">
-            <a:avLst/>
-          </a:prstGeom>
-        </p:spPr>
-        <p:style>
-          <a:lnRef idx="1">
-            <a:schemeClr val="accent4"/>
-          </a:lnRef>
-          <a:fillRef idx="3">
-            <a:schemeClr val="accent4"/>
-          </a:fillRef>
-          <a:effectRef idx="2">
-            <a:schemeClr val="accent4"/>
-          </a:effectRef>
-          <a:fontRef idx="minor">
-            <a:schemeClr val="lt1"/>
-          </a:fontRef>
-        </p:style>
-        <p:txBody>
-          <a:bodyPr rtlCol="0" anchor="ctr"/>
-          <a:lstStyle/>
-          <a:p>
-            <a:pPr algn="ctr"/>
-            <a:endParaRPr lang="en-US"/>
-          </a:p>
-        </p:txBody>
-      </p:sp>
-      <p:sp>
-        <p:nvSpPr>
-          <p:cNvPr id="9" name="Strzałka w prawo 7">
-            <a:extLst>
-              <a:ext uri="{FF2B5EF4-FFF2-40B4-BE49-F238E27FC236}">
-                <a16:creationId xmlns:a16="http://schemas.microsoft.com/office/drawing/2014/main" id="{6359BF95-96C1-4306-A3B2-52F2541EB117}"/>
-              </a:ext>
-            </a:extLst>
-          </p:cNvPr>
-          <p:cNvSpPr/>
-          <p:nvPr/>
-        </p:nvSpPr>
-        <p:spPr>
-          <a:xfrm rot="10800000">
-            <a:off x="6865879" y="3939547"/>
-            <a:ext cx="714375" cy="374970"/>
-          </a:xfrm>
-          <a:prstGeom prst="rightArrow">
-            <a:avLst/>
-          </a:prstGeom>
-        </p:spPr>
-        <p:style>
-          <a:lnRef idx="1">
-            <a:schemeClr val="accent4"/>
-          </a:lnRef>
-          <a:fillRef idx="3">
-            <a:schemeClr val="accent4"/>
-          </a:fillRef>
-          <a:effectRef idx="2">
-            <a:schemeClr val="accent4"/>
-          </a:effectRef>
-          <a:fontRef idx="minor">
-            <a:schemeClr val="lt1"/>
-          </a:fontRef>
-        </p:style>
-        <p:txBody>
-          <a:bodyPr rtlCol="0" anchor="ctr"/>
-          <a:lstStyle/>
-          <a:p>
-            <a:pPr algn="ctr"/>
-            <a:endParaRPr lang="en-US"/>
-          </a:p>
-        </p:txBody>
-      </p:sp>
-      <p:sp>
-        <p:nvSpPr>
-          <p:cNvPr id="10" name="Strzałka w prawo 7">
-            <a:extLst>
-              <a:ext uri="{FF2B5EF4-FFF2-40B4-BE49-F238E27FC236}">
-                <a16:creationId xmlns:a16="http://schemas.microsoft.com/office/drawing/2014/main" id="{E411FDC6-261A-4180-A91A-32F8AEA3949B}"/>
-              </a:ext>
-            </a:extLst>
-          </p:cNvPr>
-          <p:cNvSpPr/>
-          <p:nvPr/>
-        </p:nvSpPr>
-        <p:spPr>
-          <a:xfrm rot="10800000">
-            <a:off x="6886496" y="2076492"/>
-            <a:ext cx="714375" cy="374970"/>
-          </a:xfrm>
-          <a:prstGeom prst="rightArrow">
-            <a:avLst/>
-          </a:prstGeom>
-        </p:spPr>
-        <p:style>
-          <a:lnRef idx="1">
-            <a:schemeClr val="accent4"/>
-          </a:lnRef>
-          <a:fillRef idx="3">
-            <a:schemeClr val="accent4"/>
-          </a:fillRef>
-          <a:effectRef idx="2">
-            <a:schemeClr val="accent4"/>
-          </a:effectRef>
-          <a:fontRef idx="minor">
-            <a:schemeClr val="lt1"/>
-          </a:fontRef>
-        </p:style>
-        <p:txBody>
-          <a:bodyPr rtlCol="0" anchor="ctr"/>
-          <a:lstStyle/>
-          <a:p>
-            <a:pPr algn="ctr"/>
-            <a:endParaRPr lang="en-US"/>
-          </a:p>
-        </p:txBody>
-      </p:sp>
-      <p:sp>
-        <p:nvSpPr>
-          <p:cNvPr id="13" name="Prostokąt zaokrąglony 7">
-            <a:extLst>
-              <a:ext uri="{FF2B5EF4-FFF2-40B4-BE49-F238E27FC236}">
-                <a16:creationId xmlns:a16="http://schemas.microsoft.com/office/drawing/2014/main" id="{C4CB468F-EE7D-438A-8DD2-A4D306FD017A}"/>
-              </a:ext>
-            </a:extLst>
-          </p:cNvPr>
-          <p:cNvSpPr/>
-          <p:nvPr/>
-        </p:nvSpPr>
-        <p:spPr>
-          <a:xfrm>
-            <a:off x="2129806" y="3785522"/>
-            <a:ext cx="1414361" cy="777003"/>
-          </a:xfrm>
-          <a:prstGeom prst="roundRect">
-            <a:avLst/>
-          </a:prstGeom>
-        </p:spPr>
-        <p:style>
-          <a:lnRef idx="1">
-            <a:schemeClr val="accent6"/>
-          </a:lnRef>
-          <a:fillRef idx="3">
-            <a:schemeClr val="accent6"/>
-          </a:fillRef>
-          <a:effectRef idx="2">
-            <a:schemeClr val="accent6"/>
-          </a:effectRef>
-          <a:fontRef idx="minor">
-            <a:schemeClr val="lt1"/>
-          </a:fontRef>
-        </p:style>
-        <p:txBody>
-          <a:bodyPr rtlCol="0" anchor="ctr"/>
-          <a:lstStyle/>
-          <a:p>
-            <a:pPr algn="ctr"/>
-            <a:r>
-              <a:rPr lang="pl-PL" sz="2000" dirty="0" err="1">
-                <a:latin typeface="Arial Black" panose="020B0A04020102020204" pitchFamily="34" charset="0"/>
-              </a:rPr>
-              <a:t>Domain</a:t>
-            </a:r>
-            <a:endParaRPr lang="pl-PL" sz="2000" dirty="0">
-              <a:latin typeface="Arial Black" panose="020B0A04020102020204" pitchFamily="34" charset="0"/>
-            </a:endParaRPr>
-          </a:p>
-          <a:p>
-            <a:pPr algn="ctr"/>
-            <a:r>
-              <a:rPr lang="pl-PL" sz="2000" dirty="0">
-                <a:latin typeface="Arial Black" panose="020B0A04020102020204" pitchFamily="34" charset="0"/>
-              </a:rPr>
-              <a:t>model</a:t>
-            </a:r>
-            <a:endParaRPr lang="en-US" sz="2000" dirty="0">
-              <a:latin typeface="Arial Black" panose="020B0A04020102020204" pitchFamily="34" charset="0"/>
-            </a:endParaRPr>
-          </a:p>
-        </p:txBody>
-      </p:sp>
-      <p:sp>
-        <p:nvSpPr>
-          <p:cNvPr id="14" name="Prostokąt zaokrąglony 7">
-            <a:extLst>
-              <a:ext uri="{FF2B5EF4-FFF2-40B4-BE49-F238E27FC236}">
-                <a16:creationId xmlns:a16="http://schemas.microsoft.com/office/drawing/2014/main" id="{ACE563D6-BDAD-4150-AEE5-78FF30D728AA}"/>
-              </a:ext>
-            </a:extLst>
-          </p:cNvPr>
-          <p:cNvSpPr/>
-          <p:nvPr/>
-        </p:nvSpPr>
-        <p:spPr>
-          <a:xfrm rot="16200000">
-            <a:off x="7408065" y="2544304"/>
-            <a:ext cx="2826081" cy="1694200"/>
-          </a:xfrm>
-          <a:prstGeom prst="roundRect">
-            <a:avLst/>
-          </a:prstGeom>
-        </p:spPr>
-        <p:style>
-          <a:lnRef idx="1">
-            <a:schemeClr val="accent4"/>
-          </a:lnRef>
-          <a:fillRef idx="3">
-            <a:schemeClr val="accent4"/>
-          </a:fillRef>
-          <a:effectRef idx="2">
-            <a:schemeClr val="accent4"/>
-          </a:effectRef>
-          <a:fontRef idx="minor">
-            <a:schemeClr val="lt1"/>
-          </a:fontRef>
-        </p:style>
-        <p:txBody>
-          <a:bodyPr vert="vert" rtlCol="0" anchor="ctr"/>
-          <a:lstStyle/>
-          <a:p>
-            <a:pPr algn="ctr"/>
-            <a:r>
-              <a:rPr lang="pl-PL" sz="2000" dirty="0" err="1">
-                <a:latin typeface="Arial Black" panose="020B0A04020102020204" pitchFamily="34" charset="0"/>
-              </a:rPr>
-              <a:t>Backend</a:t>
-            </a:r>
-            <a:endParaRPr lang="en-US" sz="2000" dirty="0">
-              <a:latin typeface="Arial Black" panose="020B0A04020102020204" pitchFamily="34" charset="0"/>
-            </a:endParaRPr>
-          </a:p>
-        </p:txBody>
-      </p:sp>
-      <p:sp>
-        <p:nvSpPr>
-          <p:cNvPr id="15" name="Prostokąt zaokrąglony 7">
-            <a:extLst>
-              <a:ext uri="{FF2B5EF4-FFF2-40B4-BE49-F238E27FC236}">
-                <a16:creationId xmlns:a16="http://schemas.microsoft.com/office/drawing/2014/main" id="{9BB49F68-F576-4EBE-83C3-4DF49AC49A99}"/>
-              </a:ext>
-            </a:extLst>
-          </p:cNvPr>
-          <p:cNvSpPr/>
-          <p:nvPr/>
-        </p:nvSpPr>
-        <p:spPr>
-          <a:xfrm>
-            <a:off x="8113924" y="3785521"/>
-            <a:ext cx="1414361" cy="777003"/>
-          </a:xfrm>
-          <a:prstGeom prst="roundRect">
-            <a:avLst/>
-          </a:prstGeom>
-        </p:spPr>
-        <p:style>
-          <a:lnRef idx="1">
-            <a:schemeClr val="accent6"/>
-          </a:lnRef>
-          <a:fillRef idx="3">
-            <a:schemeClr val="accent6"/>
-          </a:fillRef>
-          <a:effectRef idx="2">
-            <a:schemeClr val="accent6"/>
-          </a:effectRef>
-          <a:fontRef idx="minor">
-            <a:schemeClr val="lt1"/>
-          </a:fontRef>
-        </p:style>
-        <p:txBody>
-          <a:bodyPr rtlCol="0" anchor="ctr"/>
-          <a:lstStyle/>
-          <a:p>
-            <a:pPr algn="ctr"/>
-            <a:r>
-              <a:rPr lang="pl-PL" sz="2000" dirty="0" err="1">
-                <a:latin typeface="Arial Black" panose="020B0A04020102020204" pitchFamily="34" charset="0"/>
-              </a:rPr>
-              <a:t>Domain</a:t>
-            </a:r>
-            <a:endParaRPr lang="pl-PL" sz="2000" dirty="0">
-              <a:latin typeface="Arial Black" panose="020B0A04020102020204" pitchFamily="34" charset="0"/>
-            </a:endParaRPr>
-          </a:p>
-          <a:p>
-            <a:pPr algn="ctr"/>
-            <a:r>
-              <a:rPr lang="pl-PL" sz="2000" dirty="0">
-                <a:latin typeface="Arial Black" panose="020B0A04020102020204" pitchFamily="34" charset="0"/>
-              </a:rPr>
-              <a:t>model</a:t>
-            </a:r>
-            <a:endParaRPr lang="en-US" sz="2000" dirty="0">
-              <a:latin typeface="Arial Black" panose="020B0A04020102020204" pitchFamily="34" charset="0"/>
-            </a:endParaRPr>
-          </a:p>
-        </p:txBody>
-      </p:sp>
-    </p:spTree>
-    <p:extLst>
-      <p:ext uri="{BB962C8B-B14F-4D97-AF65-F5344CB8AC3E}">
-        <p14:creationId xmlns:p14="http://schemas.microsoft.com/office/powerpoint/2010/main" val="406113792"/>
       </p:ext>
     </p:extLst>
   </p:cSld>
@@ -51283,252 +52233,6 @@
 </file>
 
 <file path=ppt/slides/slide8.xml><?xml version="1.0" encoding="utf-8"?>
-<p:sld xmlns:a="http://schemas.openxmlformats.org/drawingml/2006/main" xmlns:r="http://schemas.openxmlformats.org/officeDocument/2006/relationships" xmlns:p="http://schemas.openxmlformats.org/presentationml/2006/main" show="0">
-  <p:cSld>
-    <p:spTree>
-      <p:nvGrpSpPr>
-        <p:cNvPr id="1" name=""/>
-        <p:cNvGrpSpPr/>
-        <p:nvPr/>
-      </p:nvGrpSpPr>
-      <p:grpSpPr>
-        <a:xfrm>
-          <a:off x="0" y="0"/>
-          <a:ext cx="0" cy="0"/>
-          <a:chOff x="0" y="0"/>
-          <a:chExt cx="0" cy="0"/>
-        </a:xfrm>
-      </p:grpSpPr>
-      <p:pic>
-        <p:nvPicPr>
-          <p:cNvPr id="3" name="Obraz 2">
-            <a:extLst>
-              <a:ext uri="{FF2B5EF4-FFF2-40B4-BE49-F238E27FC236}">
-                <a16:creationId xmlns:a16="http://schemas.microsoft.com/office/drawing/2014/main" id="{635CE953-8361-47C3-A32B-495006153385}"/>
-              </a:ext>
-            </a:extLst>
-          </p:cNvPr>
-          <p:cNvPicPr>
-            <a:picLocks noChangeAspect="1"/>
-          </p:cNvPicPr>
-          <p:nvPr/>
-        </p:nvPicPr>
-        <p:blipFill>
-          <a:blip r:embed="rId3" cstate="print">
-            <a:extLst>
-              <a:ext uri="{28A0092B-C50C-407E-A947-70E740481C1C}">
-                <a14:useLocalDpi xmlns:a14="http://schemas.microsoft.com/office/drawing/2010/main" val="0"/>
-              </a:ext>
-            </a:extLst>
-          </a:blip>
-          <a:stretch>
-            <a:fillRect/>
-          </a:stretch>
-        </p:blipFill>
-        <p:spPr>
-          <a:xfrm>
-            <a:off x="316669" y="2541980"/>
-            <a:ext cx="3330758" cy="1774039"/>
-          </a:xfrm>
-          <a:prstGeom prst="rect">
-            <a:avLst/>
-          </a:prstGeom>
-        </p:spPr>
-      </p:pic>
-      <p:pic>
-        <p:nvPicPr>
-          <p:cNvPr id="4" name="Obraz 3">
-            <a:extLst>
-              <a:ext uri="{FF2B5EF4-FFF2-40B4-BE49-F238E27FC236}">
-                <a16:creationId xmlns:a16="http://schemas.microsoft.com/office/drawing/2014/main" id="{C5150845-C0FE-43BB-B8C0-CBA4B768A512}"/>
-              </a:ext>
-            </a:extLst>
-          </p:cNvPr>
-          <p:cNvPicPr>
-            <a:picLocks noChangeAspect="1"/>
-          </p:cNvPicPr>
-          <p:nvPr/>
-        </p:nvPicPr>
-        <p:blipFill>
-          <a:blip r:embed="rId3" cstate="print">
-            <a:extLst>
-              <a:ext uri="{28A0092B-C50C-407E-A947-70E740481C1C}">
-                <a14:useLocalDpi xmlns:a14="http://schemas.microsoft.com/office/drawing/2010/main" val="0"/>
-              </a:ext>
-            </a:extLst>
-          </a:blip>
-          <a:stretch>
-            <a:fillRect/>
-          </a:stretch>
-        </p:blipFill>
-        <p:spPr>
-          <a:xfrm>
-            <a:off x="3740907" y="2541980"/>
-            <a:ext cx="3330758" cy="1774039"/>
-          </a:xfrm>
-          <a:prstGeom prst="rect">
-            <a:avLst/>
-          </a:prstGeom>
-        </p:spPr>
-      </p:pic>
-      <p:pic>
-        <p:nvPicPr>
-          <p:cNvPr id="5" name="Obraz 4">
-            <a:extLst>
-              <a:ext uri="{FF2B5EF4-FFF2-40B4-BE49-F238E27FC236}">
-                <a16:creationId xmlns:a16="http://schemas.microsoft.com/office/drawing/2014/main" id="{82F36ED9-D14E-49C4-A320-DA6FEA85FDC5}"/>
-              </a:ext>
-            </a:extLst>
-          </p:cNvPr>
-          <p:cNvPicPr>
-            <a:picLocks noChangeAspect="1"/>
-          </p:cNvPicPr>
-          <p:nvPr/>
-        </p:nvPicPr>
-        <p:blipFill>
-          <a:blip r:embed="rId3" cstate="print">
-            <a:extLst>
-              <a:ext uri="{28A0092B-C50C-407E-A947-70E740481C1C}">
-                <a14:useLocalDpi xmlns:a14="http://schemas.microsoft.com/office/drawing/2010/main" val="0"/>
-              </a:ext>
-            </a:extLst>
-          </a:blip>
-          <a:stretch>
-            <a:fillRect/>
-          </a:stretch>
-        </p:blipFill>
-        <p:spPr>
-          <a:xfrm rot="19343771">
-            <a:off x="6579356" y="941779"/>
-            <a:ext cx="3330758" cy="1774039"/>
-          </a:xfrm>
-          <a:prstGeom prst="rect">
-            <a:avLst/>
-          </a:prstGeom>
-        </p:spPr>
-      </p:pic>
-      <p:pic>
-        <p:nvPicPr>
-          <p:cNvPr id="6" name="Obraz 5">
-            <a:extLst>
-              <a:ext uri="{FF2B5EF4-FFF2-40B4-BE49-F238E27FC236}">
-                <a16:creationId xmlns:a16="http://schemas.microsoft.com/office/drawing/2014/main" id="{20B61700-64C9-4A6A-9937-3DFC3B5ED055}"/>
-              </a:ext>
-            </a:extLst>
-          </p:cNvPr>
-          <p:cNvPicPr>
-            <a:picLocks noChangeAspect="1"/>
-          </p:cNvPicPr>
-          <p:nvPr/>
-        </p:nvPicPr>
-        <p:blipFill>
-          <a:blip r:embed="rId4" cstate="print">
-            <a:extLst>
-              <a:ext uri="{28A0092B-C50C-407E-A947-70E740481C1C}">
-                <a14:useLocalDpi xmlns:a14="http://schemas.microsoft.com/office/drawing/2010/main" val="0"/>
-              </a:ext>
-            </a:extLst>
-          </a:blip>
-          <a:stretch>
-            <a:fillRect/>
-          </a:stretch>
-        </p:blipFill>
-        <p:spPr>
-          <a:xfrm rot="3221884">
-            <a:off x="6369767" y="4456371"/>
-            <a:ext cx="1787446" cy="952035"/>
-          </a:xfrm>
-          <a:prstGeom prst="rect">
-            <a:avLst/>
-          </a:prstGeom>
-        </p:spPr>
-      </p:pic>
-      <p:pic>
-        <p:nvPicPr>
-          <p:cNvPr id="7" name="Obraz 6">
-            <a:extLst>
-              <a:ext uri="{FF2B5EF4-FFF2-40B4-BE49-F238E27FC236}">
-                <a16:creationId xmlns:a16="http://schemas.microsoft.com/office/drawing/2014/main" id="{83C7EE30-82BB-4FF8-9B64-22A5F2AA2F06}"/>
-              </a:ext>
-            </a:extLst>
-          </p:cNvPr>
-          <p:cNvPicPr>
-            <a:picLocks noChangeAspect="1"/>
-          </p:cNvPicPr>
-          <p:nvPr/>
-        </p:nvPicPr>
-        <p:blipFill>
-          <a:blip r:embed="rId5" cstate="print">
-            <a:extLst>
-              <a:ext uri="{28A0092B-C50C-407E-A947-70E740481C1C}">
-                <a14:useLocalDpi xmlns:a14="http://schemas.microsoft.com/office/drawing/2010/main" val="0"/>
-              </a:ext>
-            </a:extLst>
-          </a:blip>
-          <a:stretch>
-            <a:fillRect/>
-          </a:stretch>
-        </p:blipFill>
-        <p:spPr>
-          <a:xfrm rot="3221884">
-            <a:off x="2800241" y="4553717"/>
-            <a:ext cx="2401150" cy="1278908"/>
-          </a:xfrm>
-          <a:prstGeom prst="rect">
-            <a:avLst/>
-          </a:prstGeom>
-        </p:spPr>
-      </p:pic>
-      <p:pic>
-        <p:nvPicPr>
-          <p:cNvPr id="9" name="Obraz 8">
-            <a:extLst>
-              <a:ext uri="{FF2B5EF4-FFF2-40B4-BE49-F238E27FC236}">
-                <a16:creationId xmlns:a16="http://schemas.microsoft.com/office/drawing/2014/main" id="{AB26620C-405B-4ACF-A083-898C160D53B8}"/>
-              </a:ext>
-            </a:extLst>
-          </p:cNvPr>
-          <p:cNvPicPr>
-            <a:picLocks noChangeAspect="1"/>
-          </p:cNvPicPr>
-          <p:nvPr/>
-        </p:nvPicPr>
-        <p:blipFill>
-          <a:blip r:embed="rId4" cstate="print">
-            <a:extLst>
-              <a:ext uri="{28A0092B-C50C-407E-A947-70E740481C1C}">
-                <a14:useLocalDpi xmlns:a14="http://schemas.microsoft.com/office/drawing/2010/main" val="0"/>
-              </a:ext>
-            </a:extLst>
-          </a:blip>
-          <a:stretch>
-            <a:fillRect/>
-          </a:stretch>
-        </p:blipFill>
-        <p:spPr>
-          <a:xfrm>
-            <a:off x="8012829" y="4812312"/>
-            <a:ext cx="1787446" cy="952035"/>
-          </a:xfrm>
-          <a:prstGeom prst="rect">
-            <a:avLst/>
-          </a:prstGeom>
-        </p:spPr>
-      </p:pic>
-    </p:spTree>
-    <p:extLst>
-      <p:ext uri="{BB962C8B-B14F-4D97-AF65-F5344CB8AC3E}">
-        <p14:creationId xmlns:p14="http://schemas.microsoft.com/office/powerpoint/2010/main" val="3665762833"/>
-      </p:ext>
-    </p:extLst>
-  </p:cSld>
-  <p:clrMapOvr>
-    <a:masterClrMapping/>
-  </p:clrMapOvr>
-</p:sld>
-</file>
-
-<file path=ppt/slides/slide9.xml><?xml version="1.0" encoding="utf-8"?>
 <p:sld xmlns:a="http://schemas.openxmlformats.org/drawingml/2006/main" xmlns:r="http://schemas.openxmlformats.org/officeDocument/2006/relationships" xmlns:p="http://schemas.openxmlformats.org/presentationml/2006/main">
   <p:cSld>
     <p:spTree>
@@ -52121,6 +52825,844 @@
     <p:extLst>
       <p:ext uri="{BB962C8B-B14F-4D97-AF65-F5344CB8AC3E}">
         <p14:creationId xmlns:p14="http://schemas.microsoft.com/office/powerpoint/2010/main" val="1737288747"/>
+      </p:ext>
+    </p:extLst>
+  </p:cSld>
+  <p:clrMapOvr>
+    <a:masterClrMapping/>
+  </p:clrMapOvr>
+</p:sld>
+</file>
+
+<file path=ppt/slides/slide9.xml><?xml version="1.0" encoding="utf-8"?>
+<p:sld xmlns:a="http://schemas.openxmlformats.org/drawingml/2006/main" xmlns:r="http://schemas.openxmlformats.org/officeDocument/2006/relationships" xmlns:p="http://schemas.openxmlformats.org/presentationml/2006/main">
+  <p:cSld>
+    <p:spTree>
+      <p:nvGrpSpPr>
+        <p:cNvPr id="1" name=""/>
+        <p:cNvGrpSpPr/>
+        <p:nvPr/>
+      </p:nvGrpSpPr>
+      <p:grpSpPr>
+        <a:xfrm>
+          <a:off x="0" y="0"/>
+          <a:ext cx="0" cy="0"/>
+          <a:chOff x="0" y="0"/>
+          <a:chExt cx="0" cy="0"/>
+        </a:xfrm>
+      </p:grpSpPr>
+      <p:sp>
+        <p:nvSpPr>
+          <p:cNvPr id="3" name="Strzałka w prawo 7">
+            <a:extLst>
+              <a:ext uri="{FF2B5EF4-FFF2-40B4-BE49-F238E27FC236}">
+                <a16:creationId xmlns:a16="http://schemas.microsoft.com/office/drawing/2014/main" id="{CEB68E8D-EA5E-478E-BE29-04633B48A448}"/>
+              </a:ext>
+            </a:extLst>
+          </p:cNvPr>
+          <p:cNvSpPr/>
+          <p:nvPr/>
+        </p:nvSpPr>
+        <p:spPr>
+          <a:xfrm rot="5400000">
+            <a:off x="2732539" y="3443591"/>
+            <a:ext cx="6022705" cy="374970"/>
+          </a:xfrm>
+          <a:prstGeom prst="rightArrow">
+            <a:avLst/>
+          </a:prstGeom>
+        </p:spPr>
+        <p:style>
+          <a:lnRef idx="1">
+            <a:schemeClr val="accent3"/>
+          </a:lnRef>
+          <a:fillRef idx="3">
+            <a:schemeClr val="accent3"/>
+          </a:fillRef>
+          <a:effectRef idx="2">
+            <a:schemeClr val="accent3"/>
+          </a:effectRef>
+          <a:fontRef idx="minor">
+            <a:schemeClr val="lt1"/>
+          </a:fontRef>
+        </p:style>
+        <p:txBody>
+          <a:bodyPr rtlCol="0" anchor="ctr"/>
+          <a:lstStyle/>
+          <a:p>
+            <a:pPr algn="ctr"/>
+            <a:endParaRPr lang="en-US"/>
+          </a:p>
+        </p:txBody>
+      </p:sp>
+      <p:sp>
+        <p:nvSpPr>
+          <p:cNvPr id="2" name="Prostokąt zaokrąglony 7">
+            <a:extLst>
+              <a:ext uri="{FF2B5EF4-FFF2-40B4-BE49-F238E27FC236}">
+                <a16:creationId xmlns:a16="http://schemas.microsoft.com/office/drawing/2014/main" id="{0420211B-FF64-43BD-89E7-4D122DE77551}"/>
+              </a:ext>
+            </a:extLst>
+          </p:cNvPr>
+          <p:cNvSpPr/>
+          <p:nvPr/>
+        </p:nvSpPr>
+        <p:spPr>
+          <a:xfrm>
+            <a:off x="4673724" y="1322680"/>
+            <a:ext cx="2157759" cy="826649"/>
+          </a:xfrm>
+          <a:prstGeom prst="roundRect">
+            <a:avLst/>
+          </a:prstGeom>
+        </p:spPr>
+        <p:style>
+          <a:lnRef idx="1">
+            <a:schemeClr val="accent6"/>
+          </a:lnRef>
+          <a:fillRef idx="3">
+            <a:schemeClr val="accent6"/>
+          </a:fillRef>
+          <a:effectRef idx="2">
+            <a:schemeClr val="accent6"/>
+          </a:effectRef>
+          <a:fontRef idx="minor">
+            <a:schemeClr val="lt1"/>
+          </a:fontRef>
+        </p:style>
+        <p:txBody>
+          <a:bodyPr rtlCol="0" anchor="ctr"/>
+          <a:lstStyle/>
+          <a:p>
+            <a:pPr algn="ctr"/>
+            <a:r>
+              <a:rPr lang="pl-PL" sz="2000" dirty="0">
+                <a:latin typeface="Arial Black" panose="020B0A04020102020204" pitchFamily="34" charset="0"/>
+              </a:rPr>
+              <a:t>Order *</a:t>
+            </a:r>
+            <a:endParaRPr lang="en-US" sz="2000" dirty="0">
+              <a:latin typeface="Arial Black" panose="020B0A04020102020204" pitchFamily="34" charset="0"/>
+            </a:endParaRPr>
+          </a:p>
+        </p:txBody>
+      </p:sp>
+      <p:sp>
+        <p:nvSpPr>
+          <p:cNvPr id="4" name="Strzałka w prawo 7">
+            <a:extLst>
+              <a:ext uri="{FF2B5EF4-FFF2-40B4-BE49-F238E27FC236}">
+                <a16:creationId xmlns:a16="http://schemas.microsoft.com/office/drawing/2014/main" id="{21B20823-6AC2-4EDC-89AC-74C06C376C7C}"/>
+              </a:ext>
+            </a:extLst>
+          </p:cNvPr>
+          <p:cNvSpPr/>
+          <p:nvPr/>
+        </p:nvSpPr>
+        <p:spPr>
+          <a:xfrm>
+            <a:off x="2673258" y="1554899"/>
+            <a:ext cx="1638161" cy="374970"/>
+          </a:xfrm>
+          <a:prstGeom prst="rightArrow">
+            <a:avLst/>
+          </a:prstGeom>
+        </p:spPr>
+        <p:style>
+          <a:lnRef idx="1">
+            <a:schemeClr val="accent4"/>
+          </a:lnRef>
+          <a:fillRef idx="3">
+            <a:schemeClr val="accent4"/>
+          </a:fillRef>
+          <a:effectRef idx="2">
+            <a:schemeClr val="accent4"/>
+          </a:effectRef>
+          <a:fontRef idx="minor">
+            <a:schemeClr val="lt1"/>
+          </a:fontRef>
+        </p:style>
+        <p:txBody>
+          <a:bodyPr rtlCol="0" anchor="ctr"/>
+          <a:lstStyle/>
+          <a:p>
+            <a:pPr algn="ctr"/>
+            <a:endParaRPr lang="en-US"/>
+          </a:p>
+        </p:txBody>
+      </p:sp>
+      <p:pic>
+        <p:nvPicPr>
+          <p:cNvPr id="5" name="Grafika 4" descr="Koperta">
+            <a:extLst>
+              <a:ext uri="{FF2B5EF4-FFF2-40B4-BE49-F238E27FC236}">
+                <a16:creationId xmlns:a16="http://schemas.microsoft.com/office/drawing/2014/main" id="{C61877B2-B384-43DB-BF61-38A4C57B61A8}"/>
+              </a:ext>
+            </a:extLst>
+          </p:cNvPr>
+          <p:cNvPicPr>
+            <a:picLocks noChangeAspect="1"/>
+          </p:cNvPicPr>
+          <p:nvPr/>
+        </p:nvPicPr>
+        <p:blipFill>
+          <a:blip r:embed="rId2">
+            <a:extLst>
+              <a:ext uri="{28A0092B-C50C-407E-A947-70E740481C1C}">
+                <a14:useLocalDpi xmlns:a14="http://schemas.microsoft.com/office/drawing/2010/main" val="0"/>
+              </a:ext>
+              <a:ext uri="{96DAC541-7B7A-43D3-8B79-37D633B846F1}">
+                <asvg:svgBlip xmlns:asvg="http://schemas.microsoft.com/office/drawing/2016/SVG/main" r:embed="rId3"/>
+              </a:ext>
+            </a:extLst>
+          </a:blip>
+          <a:stretch>
+            <a:fillRect/>
+          </a:stretch>
+        </p:blipFill>
+        <p:spPr>
+          <a:xfrm>
+            <a:off x="2782462" y="373615"/>
+            <a:ext cx="1419752" cy="1419752"/>
+          </a:xfrm>
+          <a:prstGeom prst="rect">
+            <a:avLst/>
+          </a:prstGeom>
+        </p:spPr>
+      </p:pic>
+      <p:sp>
+        <p:nvSpPr>
+          <p:cNvPr id="6" name="pole tekstowe 5">
+            <a:extLst>
+              <a:ext uri="{FF2B5EF4-FFF2-40B4-BE49-F238E27FC236}">
+                <a16:creationId xmlns:a16="http://schemas.microsoft.com/office/drawing/2014/main" id="{FE29D375-A7B6-46E0-99F8-3C2D69DD5E4E}"/>
+              </a:ext>
+            </a:extLst>
+          </p:cNvPr>
+          <p:cNvSpPr txBox="1"/>
+          <p:nvPr/>
+        </p:nvSpPr>
+        <p:spPr>
+          <a:xfrm>
+            <a:off x="2310952" y="112005"/>
+            <a:ext cx="2247334" cy="523220"/>
+          </a:xfrm>
+          <a:prstGeom prst="rect">
+            <a:avLst/>
+          </a:prstGeom>
+          <a:noFill/>
+        </p:spPr>
+        <p:txBody>
+          <a:bodyPr wrap="square" rtlCol="0">
+            <a:spAutoFit/>
+          </a:bodyPr>
+          <a:lstStyle/>
+          <a:p>
+            <a:pPr algn="ctr"/>
+            <a:r>
+              <a:rPr lang="pl-PL" sz="2800" b="1" dirty="0" err="1">
+                <a:solidFill>
+                  <a:schemeClr val="bg1"/>
+                </a:solidFill>
+              </a:rPr>
+              <a:t>OrderCreated</a:t>
+            </a:r>
+            <a:endParaRPr lang="pl-PL" sz="2800" b="1" dirty="0">
+              <a:solidFill>
+                <a:schemeClr val="bg1"/>
+              </a:solidFill>
+            </a:endParaRPr>
+          </a:p>
+        </p:txBody>
+      </p:sp>
+      <p:sp>
+        <p:nvSpPr>
+          <p:cNvPr id="7" name="Strzałka w prawo 7">
+            <a:extLst>
+              <a:ext uri="{FF2B5EF4-FFF2-40B4-BE49-F238E27FC236}">
+                <a16:creationId xmlns:a16="http://schemas.microsoft.com/office/drawing/2014/main" id="{7E7D963D-A9A6-4130-9A3B-876BEC09D40F}"/>
+              </a:ext>
+            </a:extLst>
+          </p:cNvPr>
+          <p:cNvSpPr/>
+          <p:nvPr/>
+        </p:nvSpPr>
+        <p:spPr>
+          <a:xfrm>
+            <a:off x="2673258" y="3524828"/>
+            <a:ext cx="1638161" cy="374970"/>
+          </a:xfrm>
+          <a:prstGeom prst="rightArrow">
+            <a:avLst/>
+          </a:prstGeom>
+        </p:spPr>
+        <p:style>
+          <a:lnRef idx="1">
+            <a:schemeClr val="accent4"/>
+          </a:lnRef>
+          <a:fillRef idx="3">
+            <a:schemeClr val="accent4"/>
+          </a:fillRef>
+          <a:effectRef idx="2">
+            <a:schemeClr val="accent4"/>
+          </a:effectRef>
+          <a:fontRef idx="minor">
+            <a:schemeClr val="lt1"/>
+          </a:fontRef>
+        </p:style>
+        <p:txBody>
+          <a:bodyPr rtlCol="0" anchor="ctr"/>
+          <a:lstStyle/>
+          <a:p>
+            <a:pPr algn="ctr"/>
+            <a:endParaRPr lang="en-US"/>
+          </a:p>
+        </p:txBody>
+      </p:sp>
+      <p:pic>
+        <p:nvPicPr>
+          <p:cNvPr id="8" name="Grafika 7" descr="Koperta">
+            <a:extLst>
+              <a:ext uri="{FF2B5EF4-FFF2-40B4-BE49-F238E27FC236}">
+                <a16:creationId xmlns:a16="http://schemas.microsoft.com/office/drawing/2014/main" id="{DA53BADF-ADFE-44B9-9EEC-8F2958C403D6}"/>
+              </a:ext>
+            </a:extLst>
+          </p:cNvPr>
+          <p:cNvPicPr>
+            <a:picLocks noChangeAspect="1"/>
+          </p:cNvPicPr>
+          <p:nvPr/>
+        </p:nvPicPr>
+        <p:blipFill>
+          <a:blip r:embed="rId2">
+            <a:extLst>
+              <a:ext uri="{28A0092B-C50C-407E-A947-70E740481C1C}">
+                <a14:useLocalDpi xmlns:a14="http://schemas.microsoft.com/office/drawing/2010/main" val="0"/>
+              </a:ext>
+              <a:ext uri="{96DAC541-7B7A-43D3-8B79-37D633B846F1}">
+                <asvg:svgBlip xmlns:asvg="http://schemas.microsoft.com/office/drawing/2016/SVG/main" r:embed="rId3"/>
+              </a:ext>
+            </a:extLst>
+          </a:blip>
+          <a:stretch>
+            <a:fillRect/>
+          </a:stretch>
+        </p:blipFill>
+        <p:spPr>
+          <a:xfrm>
+            <a:off x="2782462" y="2343544"/>
+            <a:ext cx="1419752" cy="1419752"/>
+          </a:xfrm>
+          <a:prstGeom prst="rect">
+            <a:avLst/>
+          </a:prstGeom>
+        </p:spPr>
+      </p:pic>
+      <p:sp>
+        <p:nvSpPr>
+          <p:cNvPr id="9" name="pole tekstowe 8">
+            <a:extLst>
+              <a:ext uri="{FF2B5EF4-FFF2-40B4-BE49-F238E27FC236}">
+                <a16:creationId xmlns:a16="http://schemas.microsoft.com/office/drawing/2014/main" id="{42167B2F-9BE0-41AB-92D4-784E9D108F6E}"/>
+              </a:ext>
+            </a:extLst>
+          </p:cNvPr>
+          <p:cNvSpPr txBox="1"/>
+          <p:nvPr/>
+        </p:nvSpPr>
+        <p:spPr>
+          <a:xfrm>
+            <a:off x="2310952" y="2081934"/>
+            <a:ext cx="2247334" cy="523220"/>
+          </a:xfrm>
+          <a:prstGeom prst="rect">
+            <a:avLst/>
+          </a:prstGeom>
+          <a:noFill/>
+        </p:spPr>
+        <p:txBody>
+          <a:bodyPr wrap="square" rtlCol="0">
+            <a:spAutoFit/>
+          </a:bodyPr>
+          <a:lstStyle/>
+          <a:p>
+            <a:pPr algn="ctr"/>
+            <a:r>
+              <a:rPr lang="pl-PL" sz="2800" b="1" dirty="0" err="1">
+                <a:solidFill>
+                  <a:schemeClr val="bg1"/>
+                </a:solidFill>
+              </a:rPr>
+              <a:t>LineAdded</a:t>
+            </a:r>
+            <a:endParaRPr lang="pl-PL" sz="2800" b="1" dirty="0">
+              <a:solidFill>
+                <a:schemeClr val="bg1"/>
+              </a:solidFill>
+            </a:endParaRPr>
+          </a:p>
+        </p:txBody>
+      </p:sp>
+      <p:sp>
+        <p:nvSpPr>
+          <p:cNvPr id="12" name="Strzałka w prawo 7">
+            <a:extLst>
+              <a:ext uri="{FF2B5EF4-FFF2-40B4-BE49-F238E27FC236}">
+                <a16:creationId xmlns:a16="http://schemas.microsoft.com/office/drawing/2014/main" id="{AD5403E2-3758-406C-BC63-18617784E9E9}"/>
+              </a:ext>
+            </a:extLst>
+          </p:cNvPr>
+          <p:cNvSpPr/>
+          <p:nvPr/>
+        </p:nvSpPr>
+        <p:spPr>
+          <a:xfrm>
+            <a:off x="2673258" y="5492622"/>
+            <a:ext cx="1638161" cy="374970"/>
+          </a:xfrm>
+          <a:prstGeom prst="rightArrow">
+            <a:avLst/>
+          </a:prstGeom>
+        </p:spPr>
+        <p:style>
+          <a:lnRef idx="1">
+            <a:schemeClr val="accent4"/>
+          </a:lnRef>
+          <a:fillRef idx="3">
+            <a:schemeClr val="accent4"/>
+          </a:fillRef>
+          <a:effectRef idx="2">
+            <a:schemeClr val="accent4"/>
+          </a:effectRef>
+          <a:fontRef idx="minor">
+            <a:schemeClr val="lt1"/>
+          </a:fontRef>
+        </p:style>
+        <p:txBody>
+          <a:bodyPr rtlCol="0" anchor="ctr"/>
+          <a:lstStyle/>
+          <a:p>
+            <a:pPr algn="ctr"/>
+            <a:endParaRPr lang="en-US"/>
+          </a:p>
+        </p:txBody>
+      </p:sp>
+      <p:pic>
+        <p:nvPicPr>
+          <p:cNvPr id="13" name="Grafika 12" descr="Koperta">
+            <a:extLst>
+              <a:ext uri="{FF2B5EF4-FFF2-40B4-BE49-F238E27FC236}">
+                <a16:creationId xmlns:a16="http://schemas.microsoft.com/office/drawing/2014/main" id="{6CF8E1A7-D515-4A4D-B513-DF6536EAB603}"/>
+              </a:ext>
+            </a:extLst>
+          </p:cNvPr>
+          <p:cNvPicPr>
+            <a:picLocks noChangeAspect="1"/>
+          </p:cNvPicPr>
+          <p:nvPr/>
+        </p:nvPicPr>
+        <p:blipFill>
+          <a:blip r:embed="rId2">
+            <a:extLst>
+              <a:ext uri="{28A0092B-C50C-407E-A947-70E740481C1C}">
+                <a14:useLocalDpi xmlns:a14="http://schemas.microsoft.com/office/drawing/2010/main" val="0"/>
+              </a:ext>
+              <a:ext uri="{96DAC541-7B7A-43D3-8B79-37D633B846F1}">
+                <asvg:svgBlip xmlns:asvg="http://schemas.microsoft.com/office/drawing/2016/SVG/main" r:embed="rId3"/>
+              </a:ext>
+            </a:extLst>
+          </a:blip>
+          <a:stretch>
+            <a:fillRect/>
+          </a:stretch>
+        </p:blipFill>
+        <p:spPr>
+          <a:xfrm>
+            <a:off x="2782462" y="4311338"/>
+            <a:ext cx="1419752" cy="1419752"/>
+          </a:xfrm>
+          <a:prstGeom prst="rect">
+            <a:avLst/>
+          </a:prstGeom>
+        </p:spPr>
+      </p:pic>
+      <p:sp>
+        <p:nvSpPr>
+          <p:cNvPr id="14" name="pole tekstowe 13">
+            <a:extLst>
+              <a:ext uri="{FF2B5EF4-FFF2-40B4-BE49-F238E27FC236}">
+                <a16:creationId xmlns:a16="http://schemas.microsoft.com/office/drawing/2014/main" id="{9D6188E9-950F-4C2E-A22E-96262D52A539}"/>
+              </a:ext>
+            </a:extLst>
+          </p:cNvPr>
+          <p:cNvSpPr txBox="1"/>
+          <p:nvPr/>
+        </p:nvSpPr>
+        <p:spPr>
+          <a:xfrm>
+            <a:off x="2160457" y="4060228"/>
+            <a:ext cx="2663762" cy="523220"/>
+          </a:xfrm>
+          <a:prstGeom prst="rect">
+            <a:avLst/>
+          </a:prstGeom>
+          <a:noFill/>
+        </p:spPr>
+        <p:txBody>
+          <a:bodyPr wrap="square" rtlCol="0">
+            <a:spAutoFit/>
+          </a:bodyPr>
+          <a:lstStyle/>
+          <a:p>
+            <a:pPr algn="ctr"/>
+            <a:r>
+              <a:rPr lang="pl-PL" sz="2800" b="1" dirty="0" err="1">
+                <a:solidFill>
+                  <a:schemeClr val="bg1"/>
+                </a:solidFill>
+              </a:rPr>
+              <a:t>OrderSubmitted</a:t>
+            </a:r>
+            <a:endParaRPr lang="pl-PL" sz="2800" b="1" dirty="0">
+              <a:solidFill>
+                <a:schemeClr val="bg1"/>
+              </a:solidFill>
+            </a:endParaRPr>
+          </a:p>
+        </p:txBody>
+      </p:sp>
+      <p:sp>
+        <p:nvSpPr>
+          <p:cNvPr id="15" name="Prostokąt zaokrąglony 7">
+            <a:extLst>
+              <a:ext uri="{FF2B5EF4-FFF2-40B4-BE49-F238E27FC236}">
+                <a16:creationId xmlns:a16="http://schemas.microsoft.com/office/drawing/2014/main" id="{1B28E5E2-6D47-4859-AC66-C635B6CC6011}"/>
+              </a:ext>
+            </a:extLst>
+          </p:cNvPr>
+          <p:cNvSpPr/>
+          <p:nvPr/>
+        </p:nvSpPr>
+        <p:spPr>
+          <a:xfrm>
+            <a:off x="4673724" y="3298988"/>
+            <a:ext cx="2157759" cy="826649"/>
+          </a:xfrm>
+          <a:prstGeom prst="roundRect">
+            <a:avLst/>
+          </a:prstGeom>
+        </p:spPr>
+        <p:style>
+          <a:lnRef idx="1">
+            <a:schemeClr val="accent6"/>
+          </a:lnRef>
+          <a:fillRef idx="3">
+            <a:schemeClr val="accent6"/>
+          </a:fillRef>
+          <a:effectRef idx="2">
+            <a:schemeClr val="accent6"/>
+          </a:effectRef>
+          <a:fontRef idx="minor">
+            <a:schemeClr val="lt1"/>
+          </a:fontRef>
+        </p:style>
+        <p:txBody>
+          <a:bodyPr rtlCol="0" anchor="ctr"/>
+          <a:lstStyle/>
+          <a:p>
+            <a:pPr algn="ctr"/>
+            <a:r>
+              <a:rPr lang="pl-PL" sz="2000" dirty="0">
+                <a:latin typeface="Arial Black" panose="020B0A04020102020204" pitchFamily="34" charset="0"/>
+              </a:rPr>
+              <a:t>Order</a:t>
+            </a:r>
+            <a:endParaRPr lang="en-US" sz="2000" dirty="0">
+              <a:latin typeface="Arial Black" panose="020B0A04020102020204" pitchFamily="34" charset="0"/>
+            </a:endParaRPr>
+          </a:p>
+        </p:txBody>
+      </p:sp>
+      <p:sp>
+        <p:nvSpPr>
+          <p:cNvPr id="16" name="Prostokąt zaokrąglony 7">
+            <a:extLst>
+              <a:ext uri="{FF2B5EF4-FFF2-40B4-BE49-F238E27FC236}">
+                <a16:creationId xmlns:a16="http://schemas.microsoft.com/office/drawing/2014/main" id="{72C00AC4-A2ED-4328-9217-30A8C8A8AC3F}"/>
+              </a:ext>
+            </a:extLst>
+          </p:cNvPr>
+          <p:cNvSpPr/>
+          <p:nvPr/>
+        </p:nvSpPr>
+        <p:spPr>
+          <a:xfrm>
+            <a:off x="4673724" y="5266782"/>
+            <a:ext cx="2157759" cy="826649"/>
+          </a:xfrm>
+          <a:prstGeom prst="roundRect">
+            <a:avLst/>
+          </a:prstGeom>
+        </p:spPr>
+        <p:style>
+          <a:lnRef idx="1">
+            <a:schemeClr val="accent6"/>
+          </a:lnRef>
+          <a:fillRef idx="3">
+            <a:schemeClr val="accent6"/>
+          </a:fillRef>
+          <a:effectRef idx="2">
+            <a:schemeClr val="accent6"/>
+          </a:effectRef>
+          <a:fontRef idx="minor">
+            <a:schemeClr val="lt1"/>
+          </a:fontRef>
+        </p:style>
+        <p:txBody>
+          <a:bodyPr rtlCol="0" anchor="ctr"/>
+          <a:lstStyle/>
+          <a:p>
+            <a:pPr algn="ctr"/>
+            <a:r>
+              <a:rPr lang="pl-PL" sz="2000" dirty="0">
+                <a:latin typeface="Arial Black" panose="020B0A04020102020204" pitchFamily="34" charset="0"/>
+              </a:rPr>
+              <a:t>Order</a:t>
+            </a:r>
+            <a:endParaRPr lang="en-US" sz="2000" dirty="0">
+              <a:latin typeface="Arial Black" panose="020B0A04020102020204" pitchFamily="34" charset="0"/>
+            </a:endParaRPr>
+          </a:p>
+        </p:txBody>
+      </p:sp>
+      <p:sp>
+        <p:nvSpPr>
+          <p:cNvPr id="17" name="Strzałka w prawo 7">
+            <a:extLst>
+              <a:ext uri="{FF2B5EF4-FFF2-40B4-BE49-F238E27FC236}">
+                <a16:creationId xmlns:a16="http://schemas.microsoft.com/office/drawing/2014/main" id="{88E3EF17-7FA6-4CB3-BE65-ADF3E7298124}"/>
+              </a:ext>
+            </a:extLst>
+          </p:cNvPr>
+          <p:cNvSpPr/>
+          <p:nvPr/>
+        </p:nvSpPr>
+        <p:spPr>
+          <a:xfrm>
+            <a:off x="7193788" y="5492622"/>
+            <a:ext cx="1638161" cy="374970"/>
+          </a:xfrm>
+          <a:prstGeom prst="rightArrow">
+            <a:avLst/>
+          </a:prstGeom>
+        </p:spPr>
+        <p:style>
+          <a:lnRef idx="1">
+            <a:schemeClr val="accent4"/>
+          </a:lnRef>
+          <a:fillRef idx="3">
+            <a:schemeClr val="accent4"/>
+          </a:fillRef>
+          <a:effectRef idx="2">
+            <a:schemeClr val="accent4"/>
+          </a:effectRef>
+          <a:fontRef idx="minor">
+            <a:schemeClr val="lt1"/>
+          </a:fontRef>
+        </p:style>
+        <p:txBody>
+          <a:bodyPr rtlCol="0" anchor="ctr"/>
+          <a:lstStyle/>
+          <a:p>
+            <a:pPr algn="ctr"/>
+            <a:endParaRPr lang="en-US"/>
+          </a:p>
+        </p:txBody>
+      </p:sp>
+      <p:pic>
+        <p:nvPicPr>
+          <p:cNvPr id="19" name="Grafika 18" descr="Koperta">
+            <a:extLst>
+              <a:ext uri="{FF2B5EF4-FFF2-40B4-BE49-F238E27FC236}">
+                <a16:creationId xmlns:a16="http://schemas.microsoft.com/office/drawing/2014/main" id="{C094BA5B-EEB2-41C8-8633-5E65AE6E2484}"/>
+              </a:ext>
+            </a:extLst>
+          </p:cNvPr>
+          <p:cNvPicPr>
+            <a:picLocks noChangeAspect="1"/>
+          </p:cNvPicPr>
+          <p:nvPr/>
+        </p:nvPicPr>
+        <p:blipFill>
+          <a:blip r:embed="rId2">
+            <a:extLst>
+              <a:ext uri="{28A0092B-C50C-407E-A947-70E740481C1C}">
+                <a14:useLocalDpi xmlns:a14="http://schemas.microsoft.com/office/drawing/2010/main" val="0"/>
+              </a:ext>
+              <a:ext uri="{96DAC541-7B7A-43D3-8B79-37D633B846F1}">
+                <asvg:svgBlip xmlns:asvg="http://schemas.microsoft.com/office/drawing/2016/SVG/main" r:embed="rId3"/>
+              </a:ext>
+            </a:extLst>
+          </a:blip>
+          <a:stretch>
+            <a:fillRect/>
+          </a:stretch>
+        </p:blipFill>
+        <p:spPr>
+          <a:xfrm>
+            <a:off x="7271121" y="4311338"/>
+            <a:ext cx="1419752" cy="1419752"/>
+          </a:xfrm>
+          <a:prstGeom prst="rect">
+            <a:avLst/>
+          </a:prstGeom>
+        </p:spPr>
+      </p:pic>
+      <p:sp>
+        <p:nvSpPr>
+          <p:cNvPr id="20" name="pole tekstowe 19">
+            <a:extLst>
+              <a:ext uri="{FF2B5EF4-FFF2-40B4-BE49-F238E27FC236}">
+                <a16:creationId xmlns:a16="http://schemas.microsoft.com/office/drawing/2014/main" id="{EE3D42AC-1128-4CD7-AE74-1F0C901D8FA3}"/>
+              </a:ext>
+            </a:extLst>
+          </p:cNvPr>
+          <p:cNvSpPr txBox="1"/>
+          <p:nvPr/>
+        </p:nvSpPr>
+        <p:spPr>
+          <a:xfrm>
+            <a:off x="6649116" y="4060228"/>
+            <a:ext cx="2663762" cy="523220"/>
+          </a:xfrm>
+          <a:prstGeom prst="rect">
+            <a:avLst/>
+          </a:prstGeom>
+          <a:noFill/>
+        </p:spPr>
+        <p:txBody>
+          <a:bodyPr wrap="square" rtlCol="0">
+            <a:spAutoFit/>
+          </a:bodyPr>
+          <a:lstStyle/>
+          <a:p>
+            <a:pPr algn="ctr"/>
+            <a:r>
+              <a:rPr lang="pl-PL" sz="2800" b="1" dirty="0" err="1">
+                <a:solidFill>
+                  <a:schemeClr val="bg1"/>
+                </a:solidFill>
+              </a:rPr>
+              <a:t>ShipOrder</a:t>
+            </a:r>
+            <a:endParaRPr lang="pl-PL" sz="2800" b="1" dirty="0">
+              <a:solidFill>
+                <a:schemeClr val="bg1"/>
+              </a:solidFill>
+            </a:endParaRPr>
+          </a:p>
+        </p:txBody>
+      </p:sp>
+      <p:sp>
+        <p:nvSpPr>
+          <p:cNvPr id="21" name="Strzałka w prawo 7">
+            <a:extLst>
+              <a:ext uri="{FF2B5EF4-FFF2-40B4-BE49-F238E27FC236}">
+                <a16:creationId xmlns:a16="http://schemas.microsoft.com/office/drawing/2014/main" id="{570F4E0D-5544-4D00-AE90-DD38C7ACDF48}"/>
+              </a:ext>
+            </a:extLst>
+          </p:cNvPr>
+          <p:cNvSpPr/>
+          <p:nvPr/>
+        </p:nvSpPr>
+        <p:spPr>
+          <a:xfrm rot="5400000">
+            <a:off x="7261780" y="3443591"/>
+            <a:ext cx="6022706" cy="374970"/>
+          </a:xfrm>
+          <a:prstGeom prst="rightArrow">
+            <a:avLst/>
+          </a:prstGeom>
+        </p:spPr>
+        <p:style>
+          <a:lnRef idx="1">
+            <a:schemeClr val="accent3"/>
+          </a:lnRef>
+          <a:fillRef idx="3">
+            <a:schemeClr val="accent3"/>
+          </a:fillRef>
+          <a:effectRef idx="2">
+            <a:schemeClr val="accent3"/>
+          </a:effectRef>
+          <a:fontRef idx="minor">
+            <a:schemeClr val="lt1"/>
+          </a:fontRef>
+        </p:style>
+        <p:txBody>
+          <a:bodyPr rtlCol="0" anchor="ctr"/>
+          <a:lstStyle/>
+          <a:p>
+            <a:pPr algn="ctr"/>
+            <a:endParaRPr lang="en-US"/>
+          </a:p>
+        </p:txBody>
+      </p:sp>
+      <p:sp>
+        <p:nvSpPr>
+          <p:cNvPr id="22" name="Prostokąt zaokrąglony 7">
+            <a:extLst>
+              <a:ext uri="{FF2B5EF4-FFF2-40B4-BE49-F238E27FC236}">
+                <a16:creationId xmlns:a16="http://schemas.microsoft.com/office/drawing/2014/main" id="{DE4C78D8-B0F6-42E8-B206-0C322B89D988}"/>
+              </a:ext>
+            </a:extLst>
+          </p:cNvPr>
+          <p:cNvSpPr/>
+          <p:nvPr/>
+        </p:nvSpPr>
+        <p:spPr>
+          <a:xfrm>
+            <a:off x="9194254" y="5266782"/>
+            <a:ext cx="2157759" cy="826649"/>
+          </a:xfrm>
+          <a:prstGeom prst="roundRect">
+            <a:avLst/>
+          </a:prstGeom>
+        </p:spPr>
+        <p:style>
+          <a:lnRef idx="1">
+            <a:schemeClr val="accent2"/>
+          </a:lnRef>
+          <a:fillRef idx="3">
+            <a:schemeClr val="accent2"/>
+          </a:fillRef>
+          <a:effectRef idx="2">
+            <a:schemeClr val="accent2"/>
+          </a:effectRef>
+          <a:fontRef idx="minor">
+            <a:schemeClr val="lt1"/>
+          </a:fontRef>
+        </p:style>
+        <p:txBody>
+          <a:bodyPr rtlCol="0" anchor="ctr"/>
+          <a:lstStyle/>
+          <a:p>
+            <a:pPr algn="ctr"/>
+            <a:r>
+              <a:rPr lang="pl-PL" sz="2000" dirty="0" err="1">
+                <a:latin typeface="Arial Black" panose="020B0A04020102020204" pitchFamily="34" charset="0"/>
+              </a:rPr>
+              <a:t>Store</a:t>
+            </a:r>
+            <a:endParaRPr lang="en-US" sz="2000" dirty="0">
+              <a:latin typeface="Arial Black" panose="020B0A04020102020204" pitchFamily="34" charset="0"/>
+            </a:endParaRPr>
+          </a:p>
+        </p:txBody>
+      </p:sp>
+    </p:spTree>
+    <p:extLst>
+      <p:ext uri="{BB962C8B-B14F-4D97-AF65-F5344CB8AC3E}">
+        <p14:creationId xmlns:p14="http://schemas.microsoft.com/office/powerpoint/2010/main" val="3602940661"/>
       </p:ext>
     </p:extLst>
   </p:cSld>
